--- a/python講義.pptx
+++ b/python講義.pptx
@@ -105,6 +105,11 @@
       </a:defRPr>
     </a:lvl9pPr>
   </p:defaultTextStyle>
+  <p:extLst>
+    <p:ext uri="{EFAFB233-063F-42B5-8137-9DF3F51BA10A}">
+      <p15:sldGuideLst xmlns:p15="http://schemas.microsoft.com/office/powerpoint/2012/main"/>
+    </p:ext>
+  </p:extLst>
 </p:presentation>
 </file>
 
@@ -255,7 +260,7 @@
           <a:p>
             <a:fld id="{32322C77-3870-48CC-9C51-EE7032AEA3C9}" type="datetimeFigureOut">
               <a:rPr lang="zh-TW" altLang="en-US" smtClean="0"/>
-              <a:t>2024/5/20</a:t>
+              <a:t>2024/5/21</a:t>
             </a:fld>
             <a:endParaRPr lang="zh-TW" altLang="en-US"/>
           </a:p>
@@ -453,7 +458,7 @@
           <a:p>
             <a:fld id="{32322C77-3870-48CC-9C51-EE7032AEA3C9}" type="datetimeFigureOut">
               <a:rPr lang="zh-TW" altLang="en-US" smtClean="0"/>
-              <a:t>2024/5/20</a:t>
+              <a:t>2024/5/21</a:t>
             </a:fld>
             <a:endParaRPr lang="zh-TW" altLang="en-US"/>
           </a:p>
@@ -661,7 +666,7 @@
           <a:p>
             <a:fld id="{32322C77-3870-48CC-9C51-EE7032AEA3C9}" type="datetimeFigureOut">
               <a:rPr lang="zh-TW" altLang="en-US" smtClean="0"/>
-              <a:t>2024/5/20</a:t>
+              <a:t>2024/5/21</a:t>
             </a:fld>
             <a:endParaRPr lang="zh-TW" altLang="en-US"/>
           </a:p>
@@ -859,7 +864,7 @@
           <a:p>
             <a:fld id="{32322C77-3870-48CC-9C51-EE7032AEA3C9}" type="datetimeFigureOut">
               <a:rPr lang="zh-TW" altLang="en-US" smtClean="0"/>
-              <a:t>2024/5/20</a:t>
+              <a:t>2024/5/21</a:t>
             </a:fld>
             <a:endParaRPr lang="zh-TW" altLang="en-US"/>
           </a:p>
@@ -1134,7 +1139,7 @@
           <a:p>
             <a:fld id="{32322C77-3870-48CC-9C51-EE7032AEA3C9}" type="datetimeFigureOut">
               <a:rPr lang="zh-TW" altLang="en-US" smtClean="0"/>
-              <a:t>2024/5/20</a:t>
+              <a:t>2024/5/21</a:t>
             </a:fld>
             <a:endParaRPr lang="zh-TW" altLang="en-US"/>
           </a:p>
@@ -1399,7 +1404,7 @@
           <a:p>
             <a:fld id="{32322C77-3870-48CC-9C51-EE7032AEA3C9}" type="datetimeFigureOut">
               <a:rPr lang="zh-TW" altLang="en-US" smtClean="0"/>
-              <a:t>2024/5/20</a:t>
+              <a:t>2024/5/21</a:t>
             </a:fld>
             <a:endParaRPr lang="zh-TW" altLang="en-US"/>
           </a:p>
@@ -1811,7 +1816,7 @@
           <a:p>
             <a:fld id="{32322C77-3870-48CC-9C51-EE7032AEA3C9}" type="datetimeFigureOut">
               <a:rPr lang="zh-TW" altLang="en-US" smtClean="0"/>
-              <a:t>2024/5/20</a:t>
+              <a:t>2024/5/21</a:t>
             </a:fld>
             <a:endParaRPr lang="zh-TW" altLang="en-US"/>
           </a:p>
@@ -1952,7 +1957,7 @@
           <a:p>
             <a:fld id="{32322C77-3870-48CC-9C51-EE7032AEA3C9}" type="datetimeFigureOut">
               <a:rPr lang="zh-TW" altLang="en-US" smtClean="0"/>
-              <a:t>2024/5/20</a:t>
+              <a:t>2024/5/21</a:t>
             </a:fld>
             <a:endParaRPr lang="zh-TW" altLang="en-US"/>
           </a:p>
@@ -2065,7 +2070,7 @@
           <a:p>
             <a:fld id="{32322C77-3870-48CC-9C51-EE7032AEA3C9}" type="datetimeFigureOut">
               <a:rPr lang="zh-TW" altLang="en-US" smtClean="0"/>
-              <a:t>2024/5/20</a:t>
+              <a:t>2024/5/21</a:t>
             </a:fld>
             <a:endParaRPr lang="zh-TW" altLang="en-US"/>
           </a:p>
@@ -2376,7 +2381,7 @@
           <a:p>
             <a:fld id="{32322C77-3870-48CC-9C51-EE7032AEA3C9}" type="datetimeFigureOut">
               <a:rPr lang="zh-TW" altLang="en-US" smtClean="0"/>
-              <a:t>2024/5/20</a:t>
+              <a:t>2024/5/21</a:t>
             </a:fld>
             <a:endParaRPr lang="zh-TW" altLang="en-US"/>
           </a:p>
@@ -2664,7 +2669,7 @@
           <a:p>
             <a:fld id="{32322C77-3870-48CC-9C51-EE7032AEA3C9}" type="datetimeFigureOut">
               <a:rPr lang="zh-TW" altLang="en-US" smtClean="0"/>
-              <a:t>2024/5/20</a:t>
+              <a:t>2024/5/21</a:t>
             </a:fld>
             <a:endParaRPr lang="zh-TW" altLang="en-US"/>
           </a:p>
@@ -2905,7 +2910,7 @@
           <a:p>
             <a:fld id="{32322C77-3870-48CC-9C51-EE7032AEA3C9}" type="datetimeFigureOut">
               <a:rPr lang="zh-TW" altLang="en-US" smtClean="0"/>
-              <a:t>2024/5/20</a:t>
+              <a:t>2024/5/21</a:t>
             </a:fld>
             <a:endParaRPr lang="zh-TW" altLang="en-US"/>
           </a:p>
@@ -3324,10 +3329,10 @@
       </p:grpSpPr>
       <p:pic>
         <p:nvPicPr>
-          <p:cNvPr id="4" name="圖片 3">
-            <a:extLst>
-              <a:ext uri="{FF2B5EF4-FFF2-40B4-BE49-F238E27FC236}">
-                <a16:creationId xmlns:a16="http://schemas.microsoft.com/office/drawing/2014/main" id="{D3A74B7D-7E43-45A3-A7A5-B1AB40EBBF1B}"/>
+          <p:cNvPr id="3" name="圖片 2" descr="一張含有 文字, 螢幕擷取畫面, 軟體, 多媒體軟體 的圖片&#10;&#10;自動產生的描述">
+            <a:extLst>
+              <a:ext uri="{FF2B5EF4-FFF2-40B4-BE49-F238E27FC236}">
+                <a16:creationId xmlns:a16="http://schemas.microsoft.com/office/drawing/2014/main" id="{C01A1A46-CDB1-46C3-98B3-3D4A2F4A5FB1}"/>
               </a:ext>
             </a:extLst>
           </p:cNvPr>
@@ -3336,22 +3341,69 @@
           </p:cNvPicPr>
           <p:nvPr/>
         </p:nvPicPr>
-        <p:blipFill>
-          <a:blip r:embed="rId2"/>
-          <a:stretch>
-            <a:fillRect/>
-          </a:stretch>
+        <p:blipFill rotWithShape="1">
+          <a:blip r:embed="rId2">
+            <a:extLst>
+              <a:ext uri="{28A0092B-C50C-407E-A947-70E740481C1C}">
+                <a14:useLocalDpi xmlns:a14="http://schemas.microsoft.com/office/drawing/2010/main" val="0"/>
+              </a:ext>
+            </a:extLst>
+          </a:blip>
+          <a:srcRect l="50899" t="16517" b="6179"/>
+          <a:stretch/>
         </p:blipFill>
         <p:spPr>
           <a:xfrm>
-            <a:off x="2475603" y="1334915"/>
-            <a:ext cx="6822509" cy="4614170"/>
+            <a:off x="109592" y="1633590"/>
+            <a:ext cx="11299926" cy="5003515"/>
           </a:xfrm>
           <a:prstGeom prst="rect">
             <a:avLst/>
           </a:prstGeom>
         </p:spPr>
       </p:pic>
+      <p:sp>
+        <p:nvSpPr>
+          <p:cNvPr id="5" name="文字方塊 4">
+            <a:extLst>
+              <a:ext uri="{FF2B5EF4-FFF2-40B4-BE49-F238E27FC236}">
+                <a16:creationId xmlns:a16="http://schemas.microsoft.com/office/drawing/2014/main" id="{298B81DB-1B04-4BB6-9A5C-4E91D51379B3}"/>
+              </a:ext>
+            </a:extLst>
+          </p:cNvPr>
+          <p:cNvSpPr txBox="1"/>
+          <p:nvPr/>
+        </p:nvSpPr>
+        <p:spPr>
+          <a:xfrm>
+            <a:off x="4012948" y="1705510"/>
+            <a:ext cx="3493213" cy="369332"/>
+          </a:xfrm>
+          <a:prstGeom prst="rect">
+            <a:avLst/>
+          </a:prstGeom>
+          <a:noFill/>
+        </p:spPr>
+        <p:txBody>
+          <a:bodyPr wrap="square" rtlCol="0">
+            <a:spAutoFit/>
+          </a:bodyPr>
+          <a:lstStyle/>
+          <a:p>
+            <a:r>
+              <a:rPr lang="zh-TW" altLang="en-US" dirty="0">
+                <a:latin typeface="Microsoft YaHei" panose="020B0503020204020204" pitchFamily="34" charset="-122"/>
+                <a:ea typeface="Microsoft YaHei" panose="020B0503020204020204" pitchFamily="34" charset="-122"/>
+              </a:rPr>
+              <a:t>每月最高用電量在幾點的分布圖</a:t>
+            </a:r>
+            <a:endParaRPr lang="en-US" altLang="zh-TW" dirty="0">
+              <a:latin typeface="Microsoft YaHei" panose="020B0503020204020204" pitchFamily="34" charset="-122"/>
+              <a:ea typeface="Microsoft YaHei" panose="020B0503020204020204" pitchFamily="34" charset="-122"/>
+            </a:endParaRPr>
+          </a:p>
+        </p:txBody>
+      </p:sp>
     </p:spTree>
     <p:extLst>
       <p:ext uri="{BB962C8B-B14F-4D97-AF65-F5344CB8AC3E}">
@@ -3382,6 +3434,41 @@
           <a:chExt cx="0" cy="0"/>
         </a:xfrm>
       </p:grpSpPr>
+      <p:pic>
+        <p:nvPicPr>
+          <p:cNvPr id="3" name="圖片 2" descr="一張含有 螢幕擷取畫面, 文字, 軟體, 多媒體軟體 的圖片&#10;&#10;自動產生的描述">
+            <a:extLst>
+              <a:ext uri="{FF2B5EF4-FFF2-40B4-BE49-F238E27FC236}">
+                <a16:creationId xmlns:a16="http://schemas.microsoft.com/office/drawing/2014/main" id="{9F6EEA6F-06BD-4213-A12F-018796BBAD3E}"/>
+              </a:ext>
+            </a:extLst>
+          </p:cNvPr>
+          <p:cNvPicPr>
+            <a:picLocks noChangeAspect="1"/>
+          </p:cNvPicPr>
+          <p:nvPr/>
+        </p:nvPicPr>
+        <p:blipFill rotWithShape="1">
+          <a:blip r:embed="rId2">
+            <a:extLst>
+              <a:ext uri="{28A0092B-C50C-407E-A947-70E740481C1C}">
+                <a14:useLocalDpi xmlns:a14="http://schemas.microsoft.com/office/drawing/2010/main" val="0"/>
+              </a:ext>
+            </a:extLst>
+          </a:blip>
+          <a:srcRect l="50000" b="4981"/>
+          <a:stretch/>
+        </p:blipFill>
+        <p:spPr>
+          <a:xfrm>
+            <a:off x="741275" y="772488"/>
+            <a:ext cx="10709450" cy="5723990"/>
+          </a:xfrm>
+          <a:prstGeom prst="rect">
+            <a:avLst/>
+          </a:prstGeom>
+        </p:spPr>
+      </p:pic>
     </p:spTree>
     <p:extLst>
       <p:ext uri="{BB962C8B-B14F-4D97-AF65-F5344CB8AC3E}">

--- a/python講義.pptx
+++ b/python講義.pptx
@@ -5,8 +5,15 @@
     <p:sldMasterId id="2147483648" r:id="rId1"/>
   </p:sldMasterIdLst>
   <p:sldIdLst>
-    <p:sldId id="256" r:id="rId2"/>
-    <p:sldId id="257" r:id="rId3"/>
+    <p:sldId id="258" r:id="rId2"/>
+    <p:sldId id="259" r:id="rId3"/>
+    <p:sldId id="261" r:id="rId4"/>
+    <p:sldId id="260" r:id="rId5"/>
+    <p:sldId id="263" r:id="rId6"/>
+    <p:sldId id="264" r:id="rId7"/>
+    <p:sldId id="265" r:id="rId8"/>
+    <p:sldId id="257" r:id="rId9"/>
+    <p:sldId id="256" r:id="rId10"/>
   </p:sldIdLst>
   <p:sldSz cx="12192000" cy="6858000"/>
   <p:notesSz cx="6858000" cy="9144000"/>
@@ -113,6 +120,2586 @@
 </p:presentation>
 </file>
 
+<file path=ppt/diagrams/colors1.xml><?xml version="1.0" encoding="utf-8"?>
+<dgm:colorsDef xmlns:dgm="http://schemas.openxmlformats.org/drawingml/2006/diagram" xmlns:a="http://schemas.openxmlformats.org/drawingml/2006/main" uniqueId="urn:microsoft.com/office/officeart/2005/8/colors/accent1_2">
+  <dgm:title val=""/>
+  <dgm:desc val=""/>
+  <dgm:catLst>
+    <dgm:cat type="accent1" pri="11200"/>
+  </dgm:catLst>
+  <dgm:styleLbl name="node0">
+    <dgm:fillClrLst meth="repeat">
+      <a:schemeClr val="accent1"/>
+    </dgm:fillClrLst>
+    <dgm:linClrLst meth="repeat">
+      <a:schemeClr val="lt1"/>
+    </dgm:linClrLst>
+    <dgm:effectClrLst/>
+    <dgm:txLinClrLst/>
+    <dgm:txFillClrLst/>
+    <dgm:txEffectClrLst/>
+  </dgm:styleLbl>
+  <dgm:styleLbl name="alignNode1">
+    <dgm:fillClrLst meth="repeat">
+      <a:schemeClr val="accent1"/>
+    </dgm:fillClrLst>
+    <dgm:linClrLst meth="repeat">
+      <a:schemeClr val="accent1"/>
+    </dgm:linClrLst>
+    <dgm:effectClrLst/>
+    <dgm:txLinClrLst/>
+    <dgm:txFillClrLst/>
+    <dgm:txEffectClrLst/>
+  </dgm:styleLbl>
+  <dgm:styleLbl name="node1">
+    <dgm:fillClrLst meth="repeat">
+      <a:schemeClr val="accent1"/>
+    </dgm:fillClrLst>
+    <dgm:linClrLst meth="repeat">
+      <a:schemeClr val="lt1"/>
+    </dgm:linClrLst>
+    <dgm:effectClrLst/>
+    <dgm:txLinClrLst/>
+    <dgm:txFillClrLst/>
+    <dgm:txEffectClrLst/>
+  </dgm:styleLbl>
+  <dgm:styleLbl name="lnNode1">
+    <dgm:fillClrLst meth="repeat">
+      <a:schemeClr val="accent1"/>
+    </dgm:fillClrLst>
+    <dgm:linClrLst meth="repeat">
+      <a:schemeClr val="lt1"/>
+    </dgm:linClrLst>
+    <dgm:effectClrLst/>
+    <dgm:txLinClrLst/>
+    <dgm:txFillClrLst/>
+    <dgm:txEffectClrLst/>
+  </dgm:styleLbl>
+  <dgm:styleLbl name="vennNode1">
+    <dgm:fillClrLst meth="repeat">
+      <a:schemeClr val="accent1">
+        <a:alpha val="50000"/>
+      </a:schemeClr>
+    </dgm:fillClrLst>
+    <dgm:linClrLst meth="repeat">
+      <a:schemeClr val="lt1"/>
+    </dgm:linClrLst>
+    <dgm:effectClrLst/>
+    <dgm:txLinClrLst/>
+    <dgm:txFillClrLst/>
+    <dgm:txEffectClrLst/>
+  </dgm:styleLbl>
+  <dgm:styleLbl name="node2">
+    <dgm:fillClrLst meth="repeat">
+      <a:schemeClr val="accent1"/>
+    </dgm:fillClrLst>
+    <dgm:linClrLst meth="repeat">
+      <a:schemeClr val="lt1"/>
+    </dgm:linClrLst>
+    <dgm:effectClrLst/>
+    <dgm:txLinClrLst/>
+    <dgm:txFillClrLst/>
+    <dgm:txEffectClrLst/>
+  </dgm:styleLbl>
+  <dgm:styleLbl name="node3">
+    <dgm:fillClrLst meth="repeat">
+      <a:schemeClr val="accent1"/>
+    </dgm:fillClrLst>
+    <dgm:linClrLst meth="repeat">
+      <a:schemeClr val="lt1"/>
+    </dgm:linClrLst>
+    <dgm:effectClrLst/>
+    <dgm:txLinClrLst/>
+    <dgm:txFillClrLst/>
+    <dgm:txEffectClrLst/>
+  </dgm:styleLbl>
+  <dgm:styleLbl name="node4">
+    <dgm:fillClrLst meth="repeat">
+      <a:schemeClr val="accent1"/>
+    </dgm:fillClrLst>
+    <dgm:linClrLst meth="repeat">
+      <a:schemeClr val="lt1"/>
+    </dgm:linClrLst>
+    <dgm:effectClrLst/>
+    <dgm:txLinClrLst/>
+    <dgm:txFillClrLst/>
+    <dgm:txEffectClrLst/>
+  </dgm:styleLbl>
+  <dgm:styleLbl name="fgImgPlace1">
+    <dgm:fillClrLst meth="repeat">
+      <a:schemeClr val="accent1">
+        <a:tint val="50000"/>
+      </a:schemeClr>
+    </dgm:fillClrLst>
+    <dgm:linClrLst meth="repeat">
+      <a:schemeClr val="lt1"/>
+    </dgm:linClrLst>
+    <dgm:effectClrLst/>
+    <dgm:txLinClrLst/>
+    <dgm:txFillClrLst meth="repeat">
+      <a:schemeClr val="lt1"/>
+    </dgm:txFillClrLst>
+    <dgm:txEffectClrLst/>
+  </dgm:styleLbl>
+  <dgm:styleLbl name="alignImgPlace1">
+    <dgm:fillClrLst meth="repeat">
+      <a:schemeClr val="accent1">
+        <a:tint val="50000"/>
+      </a:schemeClr>
+    </dgm:fillClrLst>
+    <dgm:linClrLst meth="repeat">
+      <a:schemeClr val="lt1"/>
+    </dgm:linClrLst>
+    <dgm:effectClrLst/>
+    <dgm:txLinClrLst/>
+    <dgm:txFillClrLst meth="repeat">
+      <a:schemeClr val="lt1"/>
+    </dgm:txFillClrLst>
+    <dgm:txEffectClrLst/>
+  </dgm:styleLbl>
+  <dgm:styleLbl name="bgImgPlace1">
+    <dgm:fillClrLst meth="repeat">
+      <a:schemeClr val="accent1">
+        <a:tint val="50000"/>
+      </a:schemeClr>
+    </dgm:fillClrLst>
+    <dgm:linClrLst meth="repeat">
+      <a:schemeClr val="lt1"/>
+    </dgm:linClrLst>
+    <dgm:effectClrLst/>
+    <dgm:txLinClrLst/>
+    <dgm:txFillClrLst meth="repeat">
+      <a:schemeClr val="lt1"/>
+    </dgm:txFillClrLst>
+    <dgm:txEffectClrLst/>
+  </dgm:styleLbl>
+  <dgm:styleLbl name="sibTrans2D1">
+    <dgm:fillClrLst meth="repeat">
+      <a:schemeClr val="accent1">
+        <a:tint val="60000"/>
+      </a:schemeClr>
+    </dgm:fillClrLst>
+    <dgm:linClrLst meth="repeat">
+      <a:schemeClr val="accent1">
+        <a:tint val="60000"/>
+      </a:schemeClr>
+    </dgm:linClrLst>
+    <dgm:effectClrLst/>
+    <dgm:txLinClrLst/>
+    <dgm:txFillClrLst/>
+    <dgm:txEffectClrLst/>
+  </dgm:styleLbl>
+  <dgm:styleLbl name="fgSibTrans2D1">
+    <dgm:fillClrLst meth="repeat">
+      <a:schemeClr val="accent1">
+        <a:tint val="60000"/>
+      </a:schemeClr>
+    </dgm:fillClrLst>
+    <dgm:linClrLst meth="repeat">
+      <a:schemeClr val="accent1">
+        <a:tint val="60000"/>
+      </a:schemeClr>
+    </dgm:linClrLst>
+    <dgm:effectClrLst/>
+    <dgm:txLinClrLst/>
+    <dgm:txFillClrLst/>
+    <dgm:txEffectClrLst/>
+  </dgm:styleLbl>
+  <dgm:styleLbl name="bgSibTrans2D1">
+    <dgm:fillClrLst meth="repeat">
+      <a:schemeClr val="accent1">
+        <a:tint val="60000"/>
+      </a:schemeClr>
+    </dgm:fillClrLst>
+    <dgm:linClrLst meth="repeat">
+      <a:schemeClr val="accent1">
+        <a:tint val="60000"/>
+      </a:schemeClr>
+    </dgm:linClrLst>
+    <dgm:effectClrLst/>
+    <dgm:txLinClrLst/>
+    <dgm:txFillClrLst/>
+    <dgm:txEffectClrLst/>
+  </dgm:styleLbl>
+  <dgm:styleLbl name="sibTrans1D1">
+    <dgm:fillClrLst meth="repeat">
+      <a:schemeClr val="accent1"/>
+    </dgm:fillClrLst>
+    <dgm:linClrLst meth="repeat">
+      <a:schemeClr val="accent1"/>
+    </dgm:linClrLst>
+    <dgm:effectClrLst/>
+    <dgm:txLinClrLst/>
+    <dgm:txFillClrLst meth="repeat">
+      <a:schemeClr val="tx1"/>
+    </dgm:txFillClrLst>
+    <dgm:txEffectClrLst/>
+  </dgm:styleLbl>
+  <dgm:styleLbl name="callout">
+    <dgm:fillClrLst meth="repeat">
+      <a:schemeClr val="accent1"/>
+    </dgm:fillClrLst>
+    <dgm:linClrLst meth="repeat">
+      <a:schemeClr val="accent1">
+        <a:tint val="50000"/>
+      </a:schemeClr>
+    </dgm:linClrLst>
+    <dgm:effectClrLst/>
+    <dgm:txLinClrLst/>
+    <dgm:txFillClrLst meth="repeat">
+      <a:schemeClr val="tx1"/>
+    </dgm:txFillClrLst>
+    <dgm:txEffectClrLst/>
+  </dgm:styleLbl>
+  <dgm:styleLbl name="asst0">
+    <dgm:fillClrLst meth="repeat">
+      <a:schemeClr val="accent1"/>
+    </dgm:fillClrLst>
+    <dgm:linClrLst meth="repeat">
+      <a:schemeClr val="lt1"/>
+    </dgm:linClrLst>
+    <dgm:effectClrLst/>
+    <dgm:txLinClrLst/>
+    <dgm:txFillClrLst/>
+    <dgm:txEffectClrLst/>
+  </dgm:styleLbl>
+  <dgm:styleLbl name="asst1">
+    <dgm:fillClrLst meth="repeat">
+      <a:schemeClr val="accent1"/>
+    </dgm:fillClrLst>
+    <dgm:linClrLst meth="repeat">
+      <a:schemeClr val="lt1"/>
+    </dgm:linClrLst>
+    <dgm:effectClrLst/>
+    <dgm:txLinClrLst/>
+    <dgm:txFillClrLst/>
+    <dgm:txEffectClrLst/>
+  </dgm:styleLbl>
+  <dgm:styleLbl name="asst2">
+    <dgm:fillClrLst meth="repeat">
+      <a:schemeClr val="accent1"/>
+    </dgm:fillClrLst>
+    <dgm:linClrLst meth="repeat">
+      <a:schemeClr val="lt1"/>
+    </dgm:linClrLst>
+    <dgm:effectClrLst/>
+    <dgm:txLinClrLst/>
+    <dgm:txFillClrLst/>
+    <dgm:txEffectClrLst/>
+  </dgm:styleLbl>
+  <dgm:styleLbl name="asst3">
+    <dgm:fillClrLst meth="repeat">
+      <a:schemeClr val="accent1"/>
+    </dgm:fillClrLst>
+    <dgm:linClrLst meth="repeat">
+      <a:schemeClr val="lt1"/>
+    </dgm:linClrLst>
+    <dgm:effectClrLst/>
+    <dgm:txLinClrLst/>
+    <dgm:txFillClrLst/>
+    <dgm:txEffectClrLst/>
+  </dgm:styleLbl>
+  <dgm:styleLbl name="asst4">
+    <dgm:fillClrLst meth="repeat">
+      <a:schemeClr val="accent1"/>
+    </dgm:fillClrLst>
+    <dgm:linClrLst meth="repeat">
+      <a:schemeClr val="lt1"/>
+    </dgm:linClrLst>
+    <dgm:effectClrLst/>
+    <dgm:txLinClrLst/>
+    <dgm:txFillClrLst/>
+    <dgm:txEffectClrLst/>
+  </dgm:styleLbl>
+  <dgm:styleLbl name="parChTrans2D1">
+    <dgm:fillClrLst meth="repeat">
+      <a:schemeClr val="accent1">
+        <a:tint val="60000"/>
+      </a:schemeClr>
+    </dgm:fillClrLst>
+    <dgm:linClrLst meth="repeat">
+      <a:schemeClr val="accent1">
+        <a:tint val="60000"/>
+      </a:schemeClr>
+    </dgm:linClrLst>
+    <dgm:effectClrLst/>
+    <dgm:txLinClrLst/>
+    <dgm:txFillClrLst meth="repeat">
+      <a:schemeClr val="lt1"/>
+    </dgm:txFillClrLst>
+    <dgm:txEffectClrLst/>
+  </dgm:styleLbl>
+  <dgm:styleLbl name="parChTrans2D2">
+    <dgm:fillClrLst meth="repeat">
+      <a:schemeClr val="accent1"/>
+    </dgm:fillClrLst>
+    <dgm:linClrLst meth="repeat">
+      <a:schemeClr val="accent1"/>
+    </dgm:linClrLst>
+    <dgm:effectClrLst/>
+    <dgm:txLinClrLst/>
+    <dgm:txFillClrLst meth="repeat">
+      <a:schemeClr val="lt1"/>
+    </dgm:txFillClrLst>
+    <dgm:txEffectClrLst/>
+  </dgm:styleLbl>
+  <dgm:styleLbl name="parChTrans2D3">
+    <dgm:fillClrLst meth="repeat">
+      <a:schemeClr val="accent1"/>
+    </dgm:fillClrLst>
+    <dgm:linClrLst meth="repeat">
+      <a:schemeClr val="accent1"/>
+    </dgm:linClrLst>
+    <dgm:effectClrLst/>
+    <dgm:txLinClrLst/>
+    <dgm:txFillClrLst meth="repeat">
+      <a:schemeClr val="lt1"/>
+    </dgm:txFillClrLst>
+    <dgm:txEffectClrLst/>
+  </dgm:styleLbl>
+  <dgm:styleLbl name="parChTrans2D4">
+    <dgm:fillClrLst meth="repeat">
+      <a:schemeClr val="accent1"/>
+    </dgm:fillClrLst>
+    <dgm:linClrLst meth="repeat">
+      <a:schemeClr val="accent1"/>
+    </dgm:linClrLst>
+    <dgm:effectClrLst/>
+    <dgm:txLinClrLst/>
+    <dgm:txFillClrLst meth="repeat">
+      <a:schemeClr val="lt1"/>
+    </dgm:txFillClrLst>
+    <dgm:txEffectClrLst/>
+  </dgm:styleLbl>
+  <dgm:styleLbl name="parChTrans1D1">
+    <dgm:fillClrLst meth="repeat">
+      <a:schemeClr val="accent1"/>
+    </dgm:fillClrLst>
+    <dgm:linClrLst meth="repeat">
+      <a:schemeClr val="accent1">
+        <a:shade val="60000"/>
+      </a:schemeClr>
+    </dgm:linClrLst>
+    <dgm:effectClrLst/>
+    <dgm:txLinClrLst/>
+    <dgm:txFillClrLst meth="repeat">
+      <a:schemeClr val="tx1"/>
+    </dgm:txFillClrLst>
+    <dgm:txEffectClrLst/>
+  </dgm:styleLbl>
+  <dgm:styleLbl name="parChTrans1D2">
+    <dgm:fillClrLst meth="repeat">
+      <a:schemeClr val="accent1"/>
+    </dgm:fillClrLst>
+    <dgm:linClrLst meth="repeat">
+      <a:schemeClr val="accent1">
+        <a:shade val="60000"/>
+      </a:schemeClr>
+    </dgm:linClrLst>
+    <dgm:effectClrLst/>
+    <dgm:txLinClrLst/>
+    <dgm:txFillClrLst meth="repeat">
+      <a:schemeClr val="tx1"/>
+    </dgm:txFillClrLst>
+    <dgm:txEffectClrLst/>
+  </dgm:styleLbl>
+  <dgm:styleLbl name="parChTrans1D3">
+    <dgm:fillClrLst meth="repeat">
+      <a:schemeClr val="accent1"/>
+    </dgm:fillClrLst>
+    <dgm:linClrLst meth="repeat">
+      <a:schemeClr val="accent1">
+        <a:shade val="80000"/>
+      </a:schemeClr>
+    </dgm:linClrLst>
+    <dgm:effectClrLst/>
+    <dgm:txLinClrLst/>
+    <dgm:txFillClrLst meth="repeat">
+      <a:schemeClr val="tx1"/>
+    </dgm:txFillClrLst>
+    <dgm:txEffectClrLst/>
+  </dgm:styleLbl>
+  <dgm:styleLbl name="parChTrans1D4">
+    <dgm:fillClrLst meth="repeat">
+      <a:schemeClr val="accent1"/>
+    </dgm:fillClrLst>
+    <dgm:linClrLst meth="repeat">
+      <a:schemeClr val="accent1">
+        <a:shade val="80000"/>
+      </a:schemeClr>
+    </dgm:linClrLst>
+    <dgm:effectClrLst/>
+    <dgm:txLinClrLst/>
+    <dgm:txFillClrLst meth="repeat">
+      <a:schemeClr val="tx1"/>
+    </dgm:txFillClrLst>
+    <dgm:txEffectClrLst/>
+  </dgm:styleLbl>
+  <dgm:styleLbl name="fgAcc1">
+    <dgm:fillClrLst meth="repeat">
+      <a:schemeClr val="lt1">
+        <a:alpha val="90000"/>
+      </a:schemeClr>
+    </dgm:fillClrLst>
+    <dgm:linClrLst meth="repeat">
+      <a:schemeClr val="accent1"/>
+    </dgm:linClrLst>
+    <dgm:effectClrLst/>
+    <dgm:txLinClrLst/>
+    <dgm:txFillClrLst meth="repeat">
+      <a:schemeClr val="dk1"/>
+    </dgm:txFillClrLst>
+    <dgm:txEffectClrLst/>
+  </dgm:styleLbl>
+  <dgm:styleLbl name="conFgAcc1">
+    <dgm:fillClrLst meth="repeat">
+      <a:schemeClr val="lt1">
+        <a:alpha val="90000"/>
+      </a:schemeClr>
+    </dgm:fillClrLst>
+    <dgm:linClrLst meth="repeat">
+      <a:schemeClr val="accent1"/>
+    </dgm:linClrLst>
+    <dgm:effectClrLst/>
+    <dgm:txLinClrLst/>
+    <dgm:txFillClrLst meth="repeat">
+      <a:schemeClr val="dk1"/>
+    </dgm:txFillClrLst>
+    <dgm:txEffectClrLst/>
+  </dgm:styleLbl>
+  <dgm:styleLbl name="alignAcc1">
+    <dgm:fillClrLst meth="repeat">
+      <a:schemeClr val="lt1">
+        <a:alpha val="90000"/>
+      </a:schemeClr>
+    </dgm:fillClrLst>
+    <dgm:linClrLst meth="repeat">
+      <a:schemeClr val="accent1"/>
+    </dgm:linClrLst>
+    <dgm:effectClrLst/>
+    <dgm:txLinClrLst/>
+    <dgm:txFillClrLst meth="repeat">
+      <a:schemeClr val="dk1"/>
+    </dgm:txFillClrLst>
+    <dgm:txEffectClrLst/>
+  </dgm:styleLbl>
+  <dgm:styleLbl name="trAlignAcc1">
+    <dgm:fillClrLst meth="repeat">
+      <a:schemeClr val="lt1">
+        <a:alpha val="40000"/>
+      </a:schemeClr>
+    </dgm:fillClrLst>
+    <dgm:linClrLst meth="repeat">
+      <a:schemeClr val="accent1"/>
+    </dgm:linClrLst>
+    <dgm:effectClrLst/>
+    <dgm:txLinClrLst/>
+    <dgm:txFillClrLst meth="repeat">
+      <a:schemeClr val="dk1"/>
+    </dgm:txFillClrLst>
+    <dgm:txEffectClrLst/>
+  </dgm:styleLbl>
+  <dgm:styleLbl name="bgAcc1">
+    <dgm:fillClrLst meth="repeat">
+      <a:schemeClr val="lt1">
+        <a:alpha val="90000"/>
+      </a:schemeClr>
+    </dgm:fillClrLst>
+    <dgm:linClrLst meth="repeat">
+      <a:schemeClr val="accent1"/>
+    </dgm:linClrLst>
+    <dgm:effectClrLst/>
+    <dgm:txLinClrLst/>
+    <dgm:txFillClrLst meth="repeat">
+      <a:schemeClr val="dk1"/>
+    </dgm:txFillClrLst>
+    <dgm:txEffectClrLst/>
+  </dgm:styleLbl>
+  <dgm:styleLbl name="solidFgAcc1">
+    <dgm:fillClrLst meth="repeat">
+      <a:schemeClr val="lt1"/>
+    </dgm:fillClrLst>
+    <dgm:linClrLst meth="repeat">
+      <a:schemeClr val="accent1"/>
+    </dgm:linClrLst>
+    <dgm:effectClrLst/>
+    <dgm:txLinClrLst/>
+    <dgm:txFillClrLst meth="repeat">
+      <a:schemeClr val="dk1"/>
+    </dgm:txFillClrLst>
+    <dgm:txEffectClrLst/>
+  </dgm:styleLbl>
+  <dgm:styleLbl name="solidAlignAcc1">
+    <dgm:fillClrLst meth="repeat">
+      <a:schemeClr val="lt1"/>
+    </dgm:fillClrLst>
+    <dgm:linClrLst meth="repeat">
+      <a:schemeClr val="accent1"/>
+    </dgm:linClrLst>
+    <dgm:effectClrLst/>
+    <dgm:txLinClrLst/>
+    <dgm:txFillClrLst meth="repeat">
+      <a:schemeClr val="dk1"/>
+    </dgm:txFillClrLst>
+    <dgm:txEffectClrLst/>
+  </dgm:styleLbl>
+  <dgm:styleLbl name="solidBgAcc1">
+    <dgm:fillClrLst meth="repeat">
+      <a:schemeClr val="lt1"/>
+    </dgm:fillClrLst>
+    <dgm:linClrLst meth="repeat">
+      <a:schemeClr val="accent1"/>
+    </dgm:linClrLst>
+    <dgm:effectClrLst/>
+    <dgm:txLinClrLst/>
+    <dgm:txFillClrLst meth="repeat">
+      <a:schemeClr val="dk1"/>
+    </dgm:txFillClrLst>
+    <dgm:txEffectClrLst/>
+  </dgm:styleLbl>
+  <dgm:styleLbl name="fgAccFollowNode1">
+    <dgm:fillClrLst meth="repeat">
+      <a:schemeClr val="accent1">
+        <a:alpha val="90000"/>
+        <a:tint val="40000"/>
+      </a:schemeClr>
+    </dgm:fillClrLst>
+    <dgm:linClrLst meth="repeat">
+      <a:schemeClr val="accent1">
+        <a:alpha val="90000"/>
+        <a:tint val="40000"/>
+      </a:schemeClr>
+    </dgm:linClrLst>
+    <dgm:effectClrLst/>
+    <dgm:txLinClrLst/>
+    <dgm:txFillClrLst meth="repeat">
+      <a:schemeClr val="dk1"/>
+    </dgm:txFillClrLst>
+    <dgm:txEffectClrLst/>
+  </dgm:styleLbl>
+  <dgm:styleLbl name="alignAccFollowNode1">
+    <dgm:fillClrLst meth="repeat">
+      <a:schemeClr val="accent1">
+        <a:alpha val="90000"/>
+        <a:tint val="40000"/>
+      </a:schemeClr>
+    </dgm:fillClrLst>
+    <dgm:linClrLst meth="repeat">
+      <a:schemeClr val="accent1">
+        <a:alpha val="90000"/>
+        <a:tint val="40000"/>
+      </a:schemeClr>
+    </dgm:linClrLst>
+    <dgm:effectClrLst/>
+    <dgm:txLinClrLst/>
+    <dgm:txFillClrLst meth="repeat">
+      <a:schemeClr val="dk1"/>
+    </dgm:txFillClrLst>
+    <dgm:txEffectClrLst/>
+  </dgm:styleLbl>
+  <dgm:styleLbl name="bgAccFollowNode1">
+    <dgm:fillClrLst meth="repeat">
+      <a:schemeClr val="accent1">
+        <a:alpha val="90000"/>
+        <a:tint val="40000"/>
+      </a:schemeClr>
+    </dgm:fillClrLst>
+    <dgm:linClrLst meth="repeat">
+      <a:schemeClr val="accent1">
+        <a:alpha val="90000"/>
+        <a:tint val="40000"/>
+      </a:schemeClr>
+    </dgm:linClrLst>
+    <dgm:effectClrLst/>
+    <dgm:txLinClrLst/>
+    <dgm:txFillClrLst meth="repeat">
+      <a:schemeClr val="dk1"/>
+    </dgm:txFillClrLst>
+    <dgm:txEffectClrLst/>
+  </dgm:styleLbl>
+  <dgm:styleLbl name="fgAcc0">
+    <dgm:fillClrLst meth="repeat">
+      <a:schemeClr val="lt1">
+        <a:alpha val="90000"/>
+      </a:schemeClr>
+    </dgm:fillClrLst>
+    <dgm:linClrLst meth="repeat">
+      <a:schemeClr val="accent1"/>
+    </dgm:linClrLst>
+    <dgm:effectClrLst/>
+    <dgm:txLinClrLst/>
+    <dgm:txFillClrLst meth="repeat">
+      <a:schemeClr val="dk1"/>
+    </dgm:txFillClrLst>
+    <dgm:txEffectClrLst/>
+  </dgm:styleLbl>
+  <dgm:styleLbl name="fgAcc2">
+    <dgm:fillClrLst meth="repeat">
+      <a:schemeClr val="lt1">
+        <a:alpha val="90000"/>
+      </a:schemeClr>
+    </dgm:fillClrLst>
+    <dgm:linClrLst meth="repeat">
+      <a:schemeClr val="accent1"/>
+    </dgm:linClrLst>
+    <dgm:effectClrLst/>
+    <dgm:txLinClrLst/>
+    <dgm:txFillClrLst meth="repeat">
+      <a:schemeClr val="dk1"/>
+    </dgm:txFillClrLst>
+    <dgm:txEffectClrLst/>
+  </dgm:styleLbl>
+  <dgm:styleLbl name="fgAcc3">
+    <dgm:fillClrLst meth="repeat">
+      <a:schemeClr val="lt1">
+        <a:alpha val="90000"/>
+      </a:schemeClr>
+    </dgm:fillClrLst>
+    <dgm:linClrLst meth="repeat">
+      <a:schemeClr val="accent1"/>
+    </dgm:linClrLst>
+    <dgm:effectClrLst/>
+    <dgm:txLinClrLst/>
+    <dgm:txFillClrLst meth="repeat">
+      <a:schemeClr val="dk1"/>
+    </dgm:txFillClrLst>
+    <dgm:txEffectClrLst/>
+  </dgm:styleLbl>
+  <dgm:styleLbl name="fgAcc4">
+    <dgm:fillClrLst meth="repeat">
+      <a:schemeClr val="lt1">
+        <a:alpha val="90000"/>
+      </a:schemeClr>
+    </dgm:fillClrLst>
+    <dgm:linClrLst meth="repeat">
+      <a:schemeClr val="accent1"/>
+    </dgm:linClrLst>
+    <dgm:effectClrLst/>
+    <dgm:txLinClrLst/>
+    <dgm:txFillClrLst meth="repeat">
+      <a:schemeClr val="dk1"/>
+    </dgm:txFillClrLst>
+    <dgm:txEffectClrLst/>
+  </dgm:styleLbl>
+  <dgm:styleLbl name="bgShp">
+    <dgm:fillClrLst meth="repeat">
+      <a:schemeClr val="accent1">
+        <a:tint val="40000"/>
+      </a:schemeClr>
+    </dgm:fillClrLst>
+    <dgm:linClrLst meth="repeat">
+      <a:schemeClr val="accent1"/>
+    </dgm:linClrLst>
+    <dgm:effectClrLst/>
+    <dgm:txLinClrLst/>
+    <dgm:txFillClrLst meth="repeat">
+      <a:schemeClr val="dk1"/>
+    </dgm:txFillClrLst>
+    <dgm:txEffectClrLst/>
+  </dgm:styleLbl>
+  <dgm:styleLbl name="dkBgShp">
+    <dgm:fillClrLst meth="repeat">
+      <a:schemeClr val="accent1">
+        <a:shade val="80000"/>
+      </a:schemeClr>
+    </dgm:fillClrLst>
+    <dgm:linClrLst meth="repeat">
+      <a:schemeClr val="accent1"/>
+    </dgm:linClrLst>
+    <dgm:effectClrLst/>
+    <dgm:txLinClrLst/>
+    <dgm:txFillClrLst meth="repeat">
+      <a:schemeClr val="lt1"/>
+    </dgm:txFillClrLst>
+    <dgm:txEffectClrLst/>
+  </dgm:styleLbl>
+  <dgm:styleLbl name="trBgShp">
+    <dgm:fillClrLst meth="repeat">
+      <a:schemeClr val="accent1">
+        <a:tint val="50000"/>
+        <a:alpha val="40000"/>
+      </a:schemeClr>
+    </dgm:fillClrLst>
+    <dgm:linClrLst meth="repeat">
+      <a:schemeClr val="accent1"/>
+    </dgm:linClrLst>
+    <dgm:effectClrLst/>
+    <dgm:txLinClrLst/>
+    <dgm:txFillClrLst meth="repeat">
+      <a:schemeClr val="lt1"/>
+    </dgm:txFillClrLst>
+    <dgm:txEffectClrLst/>
+  </dgm:styleLbl>
+  <dgm:styleLbl name="fgShp">
+    <dgm:fillClrLst meth="repeat">
+      <a:schemeClr val="accent1">
+        <a:tint val="60000"/>
+      </a:schemeClr>
+    </dgm:fillClrLst>
+    <dgm:linClrLst meth="repeat">
+      <a:schemeClr val="lt1"/>
+    </dgm:linClrLst>
+    <dgm:effectClrLst/>
+    <dgm:txLinClrLst/>
+    <dgm:txFillClrLst meth="repeat">
+      <a:schemeClr val="dk1"/>
+    </dgm:txFillClrLst>
+    <dgm:txEffectClrLst/>
+  </dgm:styleLbl>
+  <dgm:styleLbl name="revTx">
+    <dgm:fillClrLst meth="repeat">
+      <a:schemeClr val="lt1">
+        <a:alpha val="0"/>
+      </a:schemeClr>
+    </dgm:fillClrLst>
+    <dgm:linClrLst meth="repeat">
+      <a:schemeClr val="dk1">
+        <a:alpha val="0"/>
+      </a:schemeClr>
+    </dgm:linClrLst>
+    <dgm:effectClrLst/>
+    <dgm:txLinClrLst/>
+    <dgm:txFillClrLst meth="repeat">
+      <a:schemeClr val="tx1"/>
+    </dgm:txFillClrLst>
+    <dgm:txEffectClrLst/>
+  </dgm:styleLbl>
+</dgm:colorsDef>
+</file>
+
+<file path=ppt/diagrams/data1.xml><?xml version="1.0" encoding="utf-8"?>
+<dgm:dataModel xmlns:dgm="http://schemas.openxmlformats.org/drawingml/2006/diagram" xmlns:a="http://schemas.openxmlformats.org/drawingml/2006/main">
+  <dgm:ptLst>
+    <dgm:pt modelId="{86DB576E-9C99-4621-8891-274E96F172BF}" type="doc">
+      <dgm:prSet loTypeId="urn:microsoft.com/office/officeart/2005/8/layout/vList3" loCatId="list" qsTypeId="urn:microsoft.com/office/officeart/2005/8/quickstyle/simple1" qsCatId="simple" csTypeId="urn:microsoft.com/office/officeart/2005/8/colors/accent1_2" csCatId="accent1" phldr="1"/>
+      <dgm:spPr/>
+    </dgm:pt>
+    <dgm:pt modelId="{C824981D-F75C-4D12-9C9E-122E50D588A0}">
+      <dgm:prSet phldrT="[文字]"/>
+      <dgm:spPr/>
+      <dgm:t>
+        <a:bodyPr/>
+        <a:lstStyle/>
+        <a:p>
+          <a:r>
+            <a:rPr lang="en-US" altLang="zh-TW" dirty="0"/>
+            <a:t>Python</a:t>
+          </a:r>
+          <a:r>
+            <a:rPr lang="zh-TW" altLang="en-US" dirty="0"/>
+            <a:t> 基礎</a:t>
+          </a:r>
+        </a:p>
+      </dgm:t>
+    </dgm:pt>
+    <dgm:pt modelId="{302A81FE-555D-4536-80CF-6AF736BE44E1}" type="parTrans" cxnId="{763F7141-050D-4FFB-B4E7-A0D1A5609154}">
+      <dgm:prSet/>
+      <dgm:spPr/>
+      <dgm:t>
+        <a:bodyPr/>
+        <a:lstStyle/>
+        <a:p>
+          <a:endParaRPr lang="zh-TW" altLang="en-US"/>
+        </a:p>
+      </dgm:t>
+    </dgm:pt>
+    <dgm:pt modelId="{2603B3A3-DA01-44C0-BE94-C4D101DC5E32}" type="sibTrans" cxnId="{763F7141-050D-4FFB-B4E7-A0D1A5609154}">
+      <dgm:prSet/>
+      <dgm:spPr/>
+      <dgm:t>
+        <a:bodyPr/>
+        <a:lstStyle/>
+        <a:p>
+          <a:endParaRPr lang="zh-TW" altLang="en-US"/>
+        </a:p>
+      </dgm:t>
+    </dgm:pt>
+    <dgm:pt modelId="{22244DBD-50AD-467B-B367-75764F9E4A02}">
+      <dgm:prSet phldrT="[文字]"/>
+      <dgm:spPr/>
+      <dgm:t>
+        <a:bodyPr/>
+        <a:lstStyle/>
+        <a:p>
+          <a:r>
+            <a:rPr lang="zh-TW" altLang="en-US" dirty="0"/>
+            <a:t>讀寫</a:t>
+          </a:r>
+          <a:r>
+            <a:rPr lang="en-US" altLang="zh-TW" dirty="0"/>
+            <a:t>csv</a:t>
+          </a:r>
+          <a:r>
+            <a:rPr lang="zh-TW" altLang="en-US" dirty="0"/>
+            <a:t> 畫圖</a:t>
+          </a:r>
+        </a:p>
+      </dgm:t>
+    </dgm:pt>
+    <dgm:pt modelId="{04DB01E3-ABC6-46EB-B262-349A21819D93}" type="parTrans" cxnId="{02EA2AE9-815D-4A33-AB83-88E8BC8FED5D}">
+      <dgm:prSet/>
+      <dgm:spPr/>
+      <dgm:t>
+        <a:bodyPr/>
+        <a:lstStyle/>
+        <a:p>
+          <a:endParaRPr lang="zh-TW" altLang="en-US"/>
+        </a:p>
+      </dgm:t>
+    </dgm:pt>
+    <dgm:pt modelId="{37B82B3E-0D62-408D-BBC5-634187F15B44}" type="sibTrans" cxnId="{02EA2AE9-815D-4A33-AB83-88E8BC8FED5D}">
+      <dgm:prSet/>
+      <dgm:spPr/>
+      <dgm:t>
+        <a:bodyPr/>
+        <a:lstStyle/>
+        <a:p>
+          <a:endParaRPr lang="zh-TW" altLang="en-US"/>
+        </a:p>
+      </dgm:t>
+    </dgm:pt>
+    <dgm:pt modelId="{36AD49BE-238F-4248-8D0B-A103D474918A}">
+      <dgm:prSet phldrT="[文字]"/>
+      <dgm:spPr/>
+      <dgm:t>
+        <a:bodyPr/>
+        <a:lstStyle/>
+        <a:p>
+          <a:r>
+            <a:rPr lang="en-US" altLang="zh-TW" dirty="0"/>
+            <a:t>API</a:t>
+          </a:r>
+          <a:r>
+            <a:rPr lang="zh-TW" altLang="en-US" dirty="0"/>
+            <a:t>使用</a:t>
+          </a:r>
+        </a:p>
+      </dgm:t>
+    </dgm:pt>
+    <dgm:pt modelId="{9E24E321-5AE5-429A-BEF4-DB434DEF446E}" type="parTrans" cxnId="{2EA6342C-4E14-4C60-AF8B-00D12A35496F}">
+      <dgm:prSet/>
+      <dgm:spPr/>
+      <dgm:t>
+        <a:bodyPr/>
+        <a:lstStyle/>
+        <a:p>
+          <a:endParaRPr lang="zh-TW" altLang="en-US"/>
+        </a:p>
+      </dgm:t>
+    </dgm:pt>
+    <dgm:pt modelId="{213AF780-D3F6-4457-9FDF-C7CAECEBE4D6}" type="sibTrans" cxnId="{2EA6342C-4E14-4C60-AF8B-00D12A35496F}">
+      <dgm:prSet/>
+      <dgm:spPr/>
+      <dgm:t>
+        <a:bodyPr/>
+        <a:lstStyle/>
+        <a:p>
+          <a:endParaRPr lang="zh-TW" altLang="en-US"/>
+        </a:p>
+      </dgm:t>
+    </dgm:pt>
+    <dgm:pt modelId="{C5AE3214-5E6A-4676-AA5D-2190EF1E12F0}" type="pres">
+      <dgm:prSet presAssocID="{86DB576E-9C99-4621-8891-274E96F172BF}" presName="linearFlow" presStyleCnt="0">
+        <dgm:presLayoutVars>
+          <dgm:dir/>
+          <dgm:resizeHandles val="exact"/>
+        </dgm:presLayoutVars>
+      </dgm:prSet>
+      <dgm:spPr/>
+    </dgm:pt>
+    <dgm:pt modelId="{DF29F190-19BE-4260-9B15-1B3A788CECA1}" type="pres">
+      <dgm:prSet presAssocID="{C824981D-F75C-4D12-9C9E-122E50D588A0}" presName="composite" presStyleCnt="0"/>
+      <dgm:spPr/>
+    </dgm:pt>
+    <dgm:pt modelId="{36C7F782-5BF2-4445-B1DE-FB6F7A3FF406}" type="pres">
+      <dgm:prSet presAssocID="{C824981D-F75C-4D12-9C9E-122E50D588A0}" presName="imgShp" presStyleLbl="fgImgPlace1" presStyleIdx="0" presStyleCnt="3"/>
+      <dgm:spPr/>
+    </dgm:pt>
+    <dgm:pt modelId="{2D3187C5-B00D-4513-B925-7DE47B30DB8F}" type="pres">
+      <dgm:prSet presAssocID="{C824981D-F75C-4D12-9C9E-122E50D588A0}" presName="txShp" presStyleLbl="node1" presStyleIdx="0" presStyleCnt="3">
+        <dgm:presLayoutVars>
+          <dgm:bulletEnabled val="1"/>
+        </dgm:presLayoutVars>
+      </dgm:prSet>
+      <dgm:spPr/>
+    </dgm:pt>
+    <dgm:pt modelId="{543E1F19-2E59-42B9-8F89-C65C205B33DE}" type="pres">
+      <dgm:prSet presAssocID="{2603B3A3-DA01-44C0-BE94-C4D101DC5E32}" presName="spacing" presStyleCnt="0"/>
+      <dgm:spPr/>
+    </dgm:pt>
+    <dgm:pt modelId="{B1BFA142-E555-4302-B51B-1FC141D69224}" type="pres">
+      <dgm:prSet presAssocID="{22244DBD-50AD-467B-B367-75764F9E4A02}" presName="composite" presStyleCnt="0"/>
+      <dgm:spPr/>
+    </dgm:pt>
+    <dgm:pt modelId="{84ADD1BF-B084-44E9-AEF4-DAA5FBEB3480}" type="pres">
+      <dgm:prSet presAssocID="{22244DBD-50AD-467B-B367-75764F9E4A02}" presName="imgShp" presStyleLbl="fgImgPlace1" presStyleIdx="1" presStyleCnt="3"/>
+      <dgm:spPr/>
+    </dgm:pt>
+    <dgm:pt modelId="{0C466D5C-CC91-468F-A88D-814F5D885EA2}" type="pres">
+      <dgm:prSet presAssocID="{22244DBD-50AD-467B-B367-75764F9E4A02}" presName="txShp" presStyleLbl="node1" presStyleIdx="1" presStyleCnt="3">
+        <dgm:presLayoutVars>
+          <dgm:bulletEnabled val="1"/>
+        </dgm:presLayoutVars>
+      </dgm:prSet>
+      <dgm:spPr/>
+    </dgm:pt>
+    <dgm:pt modelId="{F3F17B97-51B4-4761-9415-EF6CA71983E4}" type="pres">
+      <dgm:prSet presAssocID="{37B82B3E-0D62-408D-BBC5-634187F15B44}" presName="spacing" presStyleCnt="0"/>
+      <dgm:spPr/>
+    </dgm:pt>
+    <dgm:pt modelId="{C7EFA0B5-5A8A-49BB-8AE0-EAB3A5546ABD}" type="pres">
+      <dgm:prSet presAssocID="{36AD49BE-238F-4248-8D0B-A103D474918A}" presName="composite" presStyleCnt="0"/>
+      <dgm:spPr/>
+    </dgm:pt>
+    <dgm:pt modelId="{955C7E9F-73B8-442F-A86E-0DCC0DDEDC98}" type="pres">
+      <dgm:prSet presAssocID="{36AD49BE-238F-4248-8D0B-A103D474918A}" presName="imgShp" presStyleLbl="fgImgPlace1" presStyleIdx="2" presStyleCnt="3"/>
+      <dgm:spPr/>
+    </dgm:pt>
+    <dgm:pt modelId="{2C89B092-C278-456A-8220-1FE1D18FAFEF}" type="pres">
+      <dgm:prSet presAssocID="{36AD49BE-238F-4248-8D0B-A103D474918A}" presName="txShp" presStyleLbl="node1" presStyleIdx="2" presStyleCnt="3">
+        <dgm:presLayoutVars>
+          <dgm:bulletEnabled val="1"/>
+        </dgm:presLayoutVars>
+      </dgm:prSet>
+      <dgm:spPr/>
+    </dgm:pt>
+  </dgm:ptLst>
+  <dgm:cxnLst>
+    <dgm:cxn modelId="{600FD30F-7148-4197-934F-9249BD8150BD}" type="presOf" srcId="{86DB576E-9C99-4621-8891-274E96F172BF}" destId="{C5AE3214-5E6A-4676-AA5D-2190EF1E12F0}" srcOrd="0" destOrd="0" presId="urn:microsoft.com/office/officeart/2005/8/layout/vList3"/>
+    <dgm:cxn modelId="{2EA6342C-4E14-4C60-AF8B-00D12A35496F}" srcId="{86DB576E-9C99-4621-8891-274E96F172BF}" destId="{36AD49BE-238F-4248-8D0B-A103D474918A}" srcOrd="2" destOrd="0" parTransId="{9E24E321-5AE5-429A-BEF4-DB434DEF446E}" sibTransId="{213AF780-D3F6-4457-9FDF-C7CAECEBE4D6}"/>
+    <dgm:cxn modelId="{5609F232-6E5A-48A4-8D26-78298BEB0CB0}" type="presOf" srcId="{36AD49BE-238F-4248-8D0B-A103D474918A}" destId="{2C89B092-C278-456A-8220-1FE1D18FAFEF}" srcOrd="0" destOrd="0" presId="urn:microsoft.com/office/officeart/2005/8/layout/vList3"/>
+    <dgm:cxn modelId="{763F7141-050D-4FFB-B4E7-A0D1A5609154}" srcId="{86DB576E-9C99-4621-8891-274E96F172BF}" destId="{C824981D-F75C-4D12-9C9E-122E50D588A0}" srcOrd="0" destOrd="0" parTransId="{302A81FE-555D-4536-80CF-6AF736BE44E1}" sibTransId="{2603B3A3-DA01-44C0-BE94-C4D101DC5E32}"/>
+    <dgm:cxn modelId="{465773C7-995B-469F-A0E5-4AD7C38545D5}" type="presOf" srcId="{22244DBD-50AD-467B-B367-75764F9E4A02}" destId="{0C466D5C-CC91-468F-A88D-814F5D885EA2}" srcOrd="0" destOrd="0" presId="urn:microsoft.com/office/officeart/2005/8/layout/vList3"/>
+    <dgm:cxn modelId="{05A77AE6-1ECA-4BBC-935F-520AFE657AF9}" type="presOf" srcId="{C824981D-F75C-4D12-9C9E-122E50D588A0}" destId="{2D3187C5-B00D-4513-B925-7DE47B30DB8F}" srcOrd="0" destOrd="0" presId="urn:microsoft.com/office/officeart/2005/8/layout/vList3"/>
+    <dgm:cxn modelId="{02EA2AE9-815D-4A33-AB83-88E8BC8FED5D}" srcId="{86DB576E-9C99-4621-8891-274E96F172BF}" destId="{22244DBD-50AD-467B-B367-75764F9E4A02}" srcOrd="1" destOrd="0" parTransId="{04DB01E3-ABC6-46EB-B262-349A21819D93}" sibTransId="{37B82B3E-0D62-408D-BBC5-634187F15B44}"/>
+    <dgm:cxn modelId="{A4B65FEE-FB4F-4784-9097-7E34CBD1D226}" type="presParOf" srcId="{C5AE3214-5E6A-4676-AA5D-2190EF1E12F0}" destId="{DF29F190-19BE-4260-9B15-1B3A788CECA1}" srcOrd="0" destOrd="0" presId="urn:microsoft.com/office/officeart/2005/8/layout/vList3"/>
+    <dgm:cxn modelId="{FC58F2F2-8192-419B-ABEB-870469382436}" type="presParOf" srcId="{DF29F190-19BE-4260-9B15-1B3A788CECA1}" destId="{36C7F782-5BF2-4445-B1DE-FB6F7A3FF406}" srcOrd="0" destOrd="0" presId="urn:microsoft.com/office/officeart/2005/8/layout/vList3"/>
+    <dgm:cxn modelId="{E594F7F4-0AB2-4D95-850D-D2B864DB8239}" type="presParOf" srcId="{DF29F190-19BE-4260-9B15-1B3A788CECA1}" destId="{2D3187C5-B00D-4513-B925-7DE47B30DB8F}" srcOrd="1" destOrd="0" presId="urn:microsoft.com/office/officeart/2005/8/layout/vList3"/>
+    <dgm:cxn modelId="{F2FF8958-8601-42E5-882F-DD04EB488F3F}" type="presParOf" srcId="{C5AE3214-5E6A-4676-AA5D-2190EF1E12F0}" destId="{543E1F19-2E59-42B9-8F89-C65C205B33DE}" srcOrd="1" destOrd="0" presId="urn:microsoft.com/office/officeart/2005/8/layout/vList3"/>
+    <dgm:cxn modelId="{B42EE5BA-E35D-4967-AB71-F9D585E67A65}" type="presParOf" srcId="{C5AE3214-5E6A-4676-AA5D-2190EF1E12F0}" destId="{B1BFA142-E555-4302-B51B-1FC141D69224}" srcOrd="2" destOrd="0" presId="urn:microsoft.com/office/officeart/2005/8/layout/vList3"/>
+    <dgm:cxn modelId="{73A50295-6232-4A26-9D9B-A9C1BECDD685}" type="presParOf" srcId="{B1BFA142-E555-4302-B51B-1FC141D69224}" destId="{84ADD1BF-B084-44E9-AEF4-DAA5FBEB3480}" srcOrd="0" destOrd="0" presId="urn:microsoft.com/office/officeart/2005/8/layout/vList3"/>
+    <dgm:cxn modelId="{81F6AD30-147B-49F7-86C9-1E99BB172656}" type="presParOf" srcId="{B1BFA142-E555-4302-B51B-1FC141D69224}" destId="{0C466D5C-CC91-468F-A88D-814F5D885EA2}" srcOrd="1" destOrd="0" presId="urn:microsoft.com/office/officeart/2005/8/layout/vList3"/>
+    <dgm:cxn modelId="{3FE320AB-1844-4176-AC01-E16787207EED}" type="presParOf" srcId="{C5AE3214-5E6A-4676-AA5D-2190EF1E12F0}" destId="{F3F17B97-51B4-4761-9415-EF6CA71983E4}" srcOrd="3" destOrd="0" presId="urn:microsoft.com/office/officeart/2005/8/layout/vList3"/>
+    <dgm:cxn modelId="{87571895-BD67-43DE-8D4A-16A3A197B2E5}" type="presParOf" srcId="{C5AE3214-5E6A-4676-AA5D-2190EF1E12F0}" destId="{C7EFA0B5-5A8A-49BB-8AE0-EAB3A5546ABD}" srcOrd="4" destOrd="0" presId="urn:microsoft.com/office/officeart/2005/8/layout/vList3"/>
+    <dgm:cxn modelId="{F0E2FF54-E42E-4AE5-81B4-6D9F9A71037C}" type="presParOf" srcId="{C7EFA0B5-5A8A-49BB-8AE0-EAB3A5546ABD}" destId="{955C7E9F-73B8-442F-A86E-0DCC0DDEDC98}" srcOrd="0" destOrd="0" presId="urn:microsoft.com/office/officeart/2005/8/layout/vList3"/>
+    <dgm:cxn modelId="{69C6C820-65A7-41A0-89D0-C620CB9231B2}" type="presParOf" srcId="{C7EFA0B5-5A8A-49BB-8AE0-EAB3A5546ABD}" destId="{2C89B092-C278-456A-8220-1FE1D18FAFEF}" srcOrd="1" destOrd="0" presId="urn:microsoft.com/office/officeart/2005/8/layout/vList3"/>
+  </dgm:cxnLst>
+  <dgm:bg/>
+  <dgm:whole/>
+  <dgm:extLst>
+    <a:ext uri="http://schemas.microsoft.com/office/drawing/2008/diagram">
+      <dsp:dataModelExt xmlns:dsp="http://schemas.microsoft.com/office/drawing/2008/diagram" relId="rId6" minVer="http://schemas.openxmlformats.org/drawingml/2006/diagram"/>
+    </a:ext>
+  </dgm:extLst>
+</dgm:dataModel>
+</file>
+
+<file path=ppt/diagrams/drawing1.xml><?xml version="1.0" encoding="utf-8"?>
+<dsp:drawing xmlns:dgm="http://schemas.openxmlformats.org/drawingml/2006/diagram" xmlns:dsp="http://schemas.microsoft.com/office/drawing/2008/diagram" xmlns:a="http://schemas.openxmlformats.org/drawingml/2006/main">
+  <dsp:spTree>
+    <dsp:nvGrpSpPr>
+      <dsp:cNvPr id="0" name=""/>
+      <dsp:cNvGrpSpPr/>
+    </dsp:nvGrpSpPr>
+    <dsp:grpSpPr/>
+    <dsp:sp modelId="{2D3187C5-B00D-4513-B925-7DE47B30DB8F}">
+      <dsp:nvSpPr>
+        <dsp:cNvPr id="0" name=""/>
+        <dsp:cNvSpPr/>
+      </dsp:nvSpPr>
+      <dsp:spPr>
+        <a:xfrm rot="10800000">
+          <a:off x="2111190" y="1940"/>
+          <a:ext cx="7250604" cy="1139641"/>
+        </a:xfrm>
+        <a:prstGeom prst="homePlate">
+          <a:avLst/>
+        </a:prstGeom>
+        <a:solidFill>
+          <a:schemeClr val="accent1">
+            <a:hueOff val="0"/>
+            <a:satOff val="0"/>
+            <a:lumOff val="0"/>
+            <a:alphaOff val="0"/>
+          </a:schemeClr>
+        </a:solidFill>
+        <a:ln w="12700" cap="flat" cmpd="sng" algn="ctr">
+          <a:solidFill>
+            <a:schemeClr val="lt1">
+              <a:hueOff val="0"/>
+              <a:satOff val="0"/>
+              <a:lumOff val="0"/>
+              <a:alphaOff val="0"/>
+            </a:schemeClr>
+          </a:solidFill>
+          <a:prstDash val="solid"/>
+          <a:miter lim="800000"/>
+        </a:ln>
+        <a:effectLst/>
+      </dsp:spPr>
+      <dsp:style>
+        <a:lnRef idx="2">
+          <a:scrgbClr r="0" g="0" b="0"/>
+        </a:lnRef>
+        <a:fillRef idx="1">
+          <a:scrgbClr r="0" g="0" b="0"/>
+        </a:fillRef>
+        <a:effectRef idx="0">
+          <a:scrgbClr r="0" g="0" b="0"/>
+        </a:effectRef>
+        <a:fontRef idx="minor">
+          <a:schemeClr val="lt1"/>
+        </a:fontRef>
+      </dsp:style>
+      <dsp:txBody>
+        <a:bodyPr spcFirstLastPara="0" vert="horz" wrap="square" lIns="502550" tIns="186690" rIns="348488" bIns="186690" numCol="1" spcCol="1270" anchor="ctr" anchorCtr="0">
+          <a:noAutofit/>
+        </a:bodyPr>
+        <a:lstStyle/>
+        <a:p>
+          <a:pPr marL="0" lvl="0" indent="0" algn="ctr" defTabSz="2178050">
+            <a:lnSpc>
+              <a:spcPct val="90000"/>
+            </a:lnSpc>
+            <a:spcBef>
+              <a:spcPct val="0"/>
+            </a:spcBef>
+            <a:spcAft>
+              <a:spcPct val="35000"/>
+            </a:spcAft>
+            <a:buNone/>
+          </a:pPr>
+          <a:r>
+            <a:rPr lang="en-US" altLang="zh-TW" sz="4900" kern="1200" dirty="0"/>
+            <a:t>Python</a:t>
+          </a:r>
+          <a:r>
+            <a:rPr lang="zh-TW" altLang="en-US" sz="4900" kern="1200" dirty="0"/>
+            <a:t> 基礎</a:t>
+          </a:r>
+        </a:p>
+      </dsp:txBody>
+      <dsp:txXfrm rot="10800000">
+        <a:off x="2396100" y="1940"/>
+        <a:ext cx="6965694" cy="1139641"/>
+      </dsp:txXfrm>
+    </dsp:sp>
+    <dsp:sp modelId="{36C7F782-5BF2-4445-B1DE-FB6F7A3FF406}">
+      <dsp:nvSpPr>
+        <dsp:cNvPr id="0" name=""/>
+        <dsp:cNvSpPr/>
+      </dsp:nvSpPr>
+      <dsp:spPr>
+        <a:xfrm>
+          <a:off x="1541369" y="1940"/>
+          <a:ext cx="1139641" cy="1139641"/>
+        </a:xfrm>
+        <a:prstGeom prst="ellipse">
+          <a:avLst/>
+        </a:prstGeom>
+        <a:solidFill>
+          <a:schemeClr val="accent1">
+            <a:tint val="50000"/>
+            <a:hueOff val="0"/>
+            <a:satOff val="0"/>
+            <a:lumOff val="0"/>
+            <a:alphaOff val="0"/>
+          </a:schemeClr>
+        </a:solidFill>
+        <a:ln w="12700" cap="flat" cmpd="sng" algn="ctr">
+          <a:solidFill>
+            <a:schemeClr val="lt1">
+              <a:hueOff val="0"/>
+              <a:satOff val="0"/>
+              <a:lumOff val="0"/>
+              <a:alphaOff val="0"/>
+            </a:schemeClr>
+          </a:solidFill>
+          <a:prstDash val="solid"/>
+          <a:miter lim="800000"/>
+        </a:ln>
+        <a:effectLst/>
+      </dsp:spPr>
+      <dsp:style>
+        <a:lnRef idx="2">
+          <a:scrgbClr r="0" g="0" b="0"/>
+        </a:lnRef>
+        <a:fillRef idx="1">
+          <a:scrgbClr r="0" g="0" b="0"/>
+        </a:fillRef>
+        <a:effectRef idx="0">
+          <a:scrgbClr r="0" g="0" b="0"/>
+        </a:effectRef>
+        <a:fontRef idx="minor"/>
+      </dsp:style>
+    </dsp:sp>
+    <dsp:sp modelId="{0C466D5C-CC91-468F-A88D-814F5D885EA2}">
+      <dsp:nvSpPr>
+        <dsp:cNvPr id="0" name=""/>
+        <dsp:cNvSpPr/>
+      </dsp:nvSpPr>
+      <dsp:spPr>
+        <a:xfrm rot="10800000">
+          <a:off x="2111190" y="1457922"/>
+          <a:ext cx="7250604" cy="1139641"/>
+        </a:xfrm>
+        <a:prstGeom prst="homePlate">
+          <a:avLst/>
+        </a:prstGeom>
+        <a:solidFill>
+          <a:schemeClr val="accent1">
+            <a:hueOff val="0"/>
+            <a:satOff val="0"/>
+            <a:lumOff val="0"/>
+            <a:alphaOff val="0"/>
+          </a:schemeClr>
+        </a:solidFill>
+        <a:ln w="12700" cap="flat" cmpd="sng" algn="ctr">
+          <a:solidFill>
+            <a:schemeClr val="lt1">
+              <a:hueOff val="0"/>
+              <a:satOff val="0"/>
+              <a:lumOff val="0"/>
+              <a:alphaOff val="0"/>
+            </a:schemeClr>
+          </a:solidFill>
+          <a:prstDash val="solid"/>
+          <a:miter lim="800000"/>
+        </a:ln>
+        <a:effectLst/>
+      </dsp:spPr>
+      <dsp:style>
+        <a:lnRef idx="2">
+          <a:scrgbClr r="0" g="0" b="0"/>
+        </a:lnRef>
+        <a:fillRef idx="1">
+          <a:scrgbClr r="0" g="0" b="0"/>
+        </a:fillRef>
+        <a:effectRef idx="0">
+          <a:scrgbClr r="0" g="0" b="0"/>
+        </a:effectRef>
+        <a:fontRef idx="minor">
+          <a:schemeClr val="lt1"/>
+        </a:fontRef>
+      </dsp:style>
+      <dsp:txBody>
+        <a:bodyPr spcFirstLastPara="0" vert="horz" wrap="square" lIns="502550" tIns="186690" rIns="348488" bIns="186690" numCol="1" spcCol="1270" anchor="ctr" anchorCtr="0">
+          <a:noAutofit/>
+        </a:bodyPr>
+        <a:lstStyle/>
+        <a:p>
+          <a:pPr marL="0" lvl="0" indent="0" algn="ctr" defTabSz="2178050">
+            <a:lnSpc>
+              <a:spcPct val="90000"/>
+            </a:lnSpc>
+            <a:spcBef>
+              <a:spcPct val="0"/>
+            </a:spcBef>
+            <a:spcAft>
+              <a:spcPct val="35000"/>
+            </a:spcAft>
+            <a:buNone/>
+          </a:pPr>
+          <a:r>
+            <a:rPr lang="zh-TW" altLang="en-US" sz="4900" kern="1200" dirty="0"/>
+            <a:t>讀寫</a:t>
+          </a:r>
+          <a:r>
+            <a:rPr lang="en-US" altLang="zh-TW" sz="4900" kern="1200" dirty="0"/>
+            <a:t>csv</a:t>
+          </a:r>
+          <a:r>
+            <a:rPr lang="zh-TW" altLang="en-US" sz="4900" kern="1200" dirty="0"/>
+            <a:t> 畫圖</a:t>
+          </a:r>
+        </a:p>
+      </dsp:txBody>
+      <dsp:txXfrm rot="10800000">
+        <a:off x="2396100" y="1457922"/>
+        <a:ext cx="6965694" cy="1139641"/>
+      </dsp:txXfrm>
+    </dsp:sp>
+    <dsp:sp modelId="{84ADD1BF-B084-44E9-AEF4-DAA5FBEB3480}">
+      <dsp:nvSpPr>
+        <dsp:cNvPr id="0" name=""/>
+        <dsp:cNvSpPr/>
+      </dsp:nvSpPr>
+      <dsp:spPr>
+        <a:xfrm>
+          <a:off x="1541369" y="1457922"/>
+          <a:ext cx="1139641" cy="1139641"/>
+        </a:xfrm>
+        <a:prstGeom prst="ellipse">
+          <a:avLst/>
+        </a:prstGeom>
+        <a:solidFill>
+          <a:schemeClr val="accent1">
+            <a:tint val="50000"/>
+            <a:hueOff val="0"/>
+            <a:satOff val="0"/>
+            <a:lumOff val="0"/>
+            <a:alphaOff val="0"/>
+          </a:schemeClr>
+        </a:solidFill>
+        <a:ln w="12700" cap="flat" cmpd="sng" algn="ctr">
+          <a:solidFill>
+            <a:schemeClr val="lt1">
+              <a:hueOff val="0"/>
+              <a:satOff val="0"/>
+              <a:lumOff val="0"/>
+              <a:alphaOff val="0"/>
+            </a:schemeClr>
+          </a:solidFill>
+          <a:prstDash val="solid"/>
+          <a:miter lim="800000"/>
+        </a:ln>
+        <a:effectLst/>
+      </dsp:spPr>
+      <dsp:style>
+        <a:lnRef idx="2">
+          <a:scrgbClr r="0" g="0" b="0"/>
+        </a:lnRef>
+        <a:fillRef idx="1">
+          <a:scrgbClr r="0" g="0" b="0"/>
+        </a:fillRef>
+        <a:effectRef idx="0">
+          <a:scrgbClr r="0" g="0" b="0"/>
+        </a:effectRef>
+        <a:fontRef idx="minor"/>
+      </dsp:style>
+    </dsp:sp>
+    <dsp:sp modelId="{2C89B092-C278-456A-8220-1FE1D18FAFEF}">
+      <dsp:nvSpPr>
+        <dsp:cNvPr id="0" name=""/>
+        <dsp:cNvSpPr/>
+      </dsp:nvSpPr>
+      <dsp:spPr>
+        <a:xfrm rot="10800000">
+          <a:off x="2111190" y="2913903"/>
+          <a:ext cx="7250604" cy="1139641"/>
+        </a:xfrm>
+        <a:prstGeom prst="homePlate">
+          <a:avLst/>
+        </a:prstGeom>
+        <a:solidFill>
+          <a:schemeClr val="accent1">
+            <a:hueOff val="0"/>
+            <a:satOff val="0"/>
+            <a:lumOff val="0"/>
+            <a:alphaOff val="0"/>
+          </a:schemeClr>
+        </a:solidFill>
+        <a:ln w="12700" cap="flat" cmpd="sng" algn="ctr">
+          <a:solidFill>
+            <a:schemeClr val="lt1">
+              <a:hueOff val="0"/>
+              <a:satOff val="0"/>
+              <a:lumOff val="0"/>
+              <a:alphaOff val="0"/>
+            </a:schemeClr>
+          </a:solidFill>
+          <a:prstDash val="solid"/>
+          <a:miter lim="800000"/>
+        </a:ln>
+        <a:effectLst/>
+      </dsp:spPr>
+      <dsp:style>
+        <a:lnRef idx="2">
+          <a:scrgbClr r="0" g="0" b="0"/>
+        </a:lnRef>
+        <a:fillRef idx="1">
+          <a:scrgbClr r="0" g="0" b="0"/>
+        </a:fillRef>
+        <a:effectRef idx="0">
+          <a:scrgbClr r="0" g="0" b="0"/>
+        </a:effectRef>
+        <a:fontRef idx="minor">
+          <a:schemeClr val="lt1"/>
+        </a:fontRef>
+      </dsp:style>
+      <dsp:txBody>
+        <a:bodyPr spcFirstLastPara="0" vert="horz" wrap="square" lIns="502550" tIns="186690" rIns="348488" bIns="186690" numCol="1" spcCol="1270" anchor="ctr" anchorCtr="0">
+          <a:noAutofit/>
+        </a:bodyPr>
+        <a:lstStyle/>
+        <a:p>
+          <a:pPr marL="0" lvl="0" indent="0" algn="ctr" defTabSz="2178050">
+            <a:lnSpc>
+              <a:spcPct val="90000"/>
+            </a:lnSpc>
+            <a:spcBef>
+              <a:spcPct val="0"/>
+            </a:spcBef>
+            <a:spcAft>
+              <a:spcPct val="35000"/>
+            </a:spcAft>
+            <a:buNone/>
+          </a:pPr>
+          <a:r>
+            <a:rPr lang="en-US" altLang="zh-TW" sz="4900" kern="1200" dirty="0"/>
+            <a:t>API</a:t>
+          </a:r>
+          <a:r>
+            <a:rPr lang="zh-TW" altLang="en-US" sz="4900" kern="1200" dirty="0"/>
+            <a:t>使用</a:t>
+          </a:r>
+        </a:p>
+      </dsp:txBody>
+      <dsp:txXfrm rot="10800000">
+        <a:off x="2396100" y="2913903"/>
+        <a:ext cx="6965694" cy="1139641"/>
+      </dsp:txXfrm>
+    </dsp:sp>
+    <dsp:sp modelId="{955C7E9F-73B8-442F-A86E-0DCC0DDEDC98}">
+      <dsp:nvSpPr>
+        <dsp:cNvPr id="0" name=""/>
+        <dsp:cNvSpPr/>
+      </dsp:nvSpPr>
+      <dsp:spPr>
+        <a:xfrm>
+          <a:off x="1541369" y="2913903"/>
+          <a:ext cx="1139641" cy="1139641"/>
+        </a:xfrm>
+        <a:prstGeom prst="ellipse">
+          <a:avLst/>
+        </a:prstGeom>
+        <a:solidFill>
+          <a:schemeClr val="accent1">
+            <a:tint val="50000"/>
+            <a:hueOff val="0"/>
+            <a:satOff val="0"/>
+            <a:lumOff val="0"/>
+            <a:alphaOff val="0"/>
+          </a:schemeClr>
+        </a:solidFill>
+        <a:ln w="12700" cap="flat" cmpd="sng" algn="ctr">
+          <a:solidFill>
+            <a:schemeClr val="lt1">
+              <a:hueOff val="0"/>
+              <a:satOff val="0"/>
+              <a:lumOff val="0"/>
+              <a:alphaOff val="0"/>
+            </a:schemeClr>
+          </a:solidFill>
+          <a:prstDash val="solid"/>
+          <a:miter lim="800000"/>
+        </a:ln>
+        <a:effectLst/>
+      </dsp:spPr>
+      <dsp:style>
+        <a:lnRef idx="2">
+          <a:scrgbClr r="0" g="0" b="0"/>
+        </a:lnRef>
+        <a:fillRef idx="1">
+          <a:scrgbClr r="0" g="0" b="0"/>
+        </a:fillRef>
+        <a:effectRef idx="0">
+          <a:scrgbClr r="0" g="0" b="0"/>
+        </a:effectRef>
+        <a:fontRef idx="minor"/>
+      </dsp:style>
+    </dsp:sp>
+  </dsp:spTree>
+</dsp:drawing>
+</file>
+
+<file path=ppt/diagrams/layout1.xml><?xml version="1.0" encoding="utf-8"?>
+<dgm:layoutDef xmlns:dgm="http://schemas.openxmlformats.org/drawingml/2006/diagram" xmlns:a="http://schemas.openxmlformats.org/drawingml/2006/main" uniqueId="urn:microsoft.com/office/officeart/2005/8/layout/vList3">
+  <dgm:title val=""/>
+  <dgm:desc val=""/>
+  <dgm:catLst>
+    <dgm:cat type="list" pri="14000"/>
+    <dgm:cat type="convert" pri="3000"/>
+    <dgm:cat type="picture" pri="27000"/>
+    <dgm:cat type="pictureconvert" pri="27000"/>
+  </dgm:catLst>
+  <dgm:sampData useDef="1">
+    <dgm:dataModel>
+      <dgm:ptLst/>
+      <dgm:bg/>
+      <dgm:whole/>
+    </dgm:dataModel>
+  </dgm:sampData>
+  <dgm:styleData>
+    <dgm:dataModel>
+      <dgm:ptLst>
+        <dgm:pt modelId="0" type="doc"/>
+        <dgm:pt modelId="1"/>
+        <dgm:pt modelId="2"/>
+      </dgm:ptLst>
+      <dgm:cxnLst>
+        <dgm:cxn modelId="3" srcId="0" destId="1" srcOrd="0" destOrd="0"/>
+        <dgm:cxn modelId="4" srcId="0" destId="2" srcOrd="1" destOrd="0"/>
+      </dgm:cxnLst>
+      <dgm:bg/>
+      <dgm:whole/>
+    </dgm:dataModel>
+  </dgm:styleData>
+  <dgm:clrData>
+    <dgm:dataModel>
+      <dgm:ptLst>
+        <dgm:pt modelId="0" type="doc"/>
+        <dgm:pt modelId="1"/>
+        <dgm:pt modelId="2"/>
+        <dgm:pt modelId="3"/>
+        <dgm:pt modelId="4"/>
+      </dgm:ptLst>
+      <dgm:cxnLst>
+        <dgm:cxn modelId="5" srcId="0" destId="1" srcOrd="0" destOrd="0"/>
+        <dgm:cxn modelId="6" srcId="0" destId="2" srcOrd="1" destOrd="0"/>
+        <dgm:cxn modelId="7" srcId="0" destId="3" srcOrd="2" destOrd="0"/>
+        <dgm:cxn modelId="8" srcId="0" destId="4" srcOrd="3" destOrd="0"/>
+      </dgm:cxnLst>
+      <dgm:bg/>
+      <dgm:whole/>
+    </dgm:dataModel>
+  </dgm:clrData>
+  <dgm:layoutNode name="linearFlow">
+    <dgm:varLst>
+      <dgm:dir/>
+      <dgm:resizeHandles val="exact"/>
+    </dgm:varLst>
+    <dgm:alg type="lin">
+      <dgm:param type="linDir" val="fromT"/>
+      <dgm:param type="vertAlign" val="mid"/>
+      <dgm:param type="horzAlign" val="ctr"/>
+    </dgm:alg>
+    <dgm:shape xmlns:r="http://schemas.openxmlformats.org/officeDocument/2006/relationships" r:blip="">
+      <dgm:adjLst/>
+    </dgm:shape>
+    <dgm:presOf/>
+    <dgm:constrLst>
+      <dgm:constr type="w" for="ch" forName="composite" refType="w"/>
+      <dgm:constr type="h" for="ch" forName="composite" refType="h"/>
+      <dgm:constr type="h" for="ch" forName="spacing" refType="h" refFor="ch" refForName="composite" fact="0.25"/>
+      <dgm:constr type="h" for="ch" forName="spacing" refType="w" op="lte" fact="0.1"/>
+      <dgm:constr type="primFontSz" for="des" ptType="node" op="equ" val="65"/>
+    </dgm:constrLst>
+    <dgm:ruleLst/>
+    <dgm:forEach name="Name0" axis="ch" ptType="node">
+      <dgm:layoutNode name="composite">
+        <dgm:alg type="composite"/>
+        <dgm:shape xmlns:r="http://schemas.openxmlformats.org/officeDocument/2006/relationships" r:blip="">
+          <dgm:adjLst/>
+        </dgm:shape>
+        <dgm:presOf/>
+        <dgm:choose name="Name1">
+          <dgm:if name="Name2" func="var" arg="dir" op="equ" val="norm">
+            <dgm:constrLst>
+              <dgm:constr type="w" for="ch" forName="imgShp" refType="w" fact="0.335"/>
+              <dgm:constr type="h" for="ch" forName="imgShp" refType="w" refFor="ch" refForName="imgShp" op="equ"/>
+              <dgm:constr type="h" for="ch" forName="imgShp" refType="h" op="lte"/>
+              <dgm:constr type="ctrY" for="ch" forName="imgShp" refType="h" fact="0.5"/>
+              <dgm:constr type="l" for="ch" forName="imgShp"/>
+              <dgm:constr type="w" for="ch" forName="txShp" refType="w" op="equ" fact="0.665"/>
+              <dgm:constr type="h" for="ch" forName="txShp" refType="h" refFor="ch" refForName="imgShp" op="equ"/>
+              <dgm:constr type="ctrY" for="ch" forName="txShp" refType="h" fact="0.5"/>
+              <dgm:constr type="l" for="ch" forName="txShp" refType="w" refFor="ch" refForName="imgShp" fact="0.5"/>
+              <dgm:constr type="lMarg" for="ch" forName="txShp" refType="w" refFor="ch" refForName="imgShp" fact="1.25"/>
+            </dgm:constrLst>
+          </dgm:if>
+          <dgm:else name="Name3">
+            <dgm:constrLst>
+              <dgm:constr type="w" for="ch" forName="imgShp" refType="w" fact="0.335"/>
+              <dgm:constr type="h" for="ch" forName="imgShp" refType="w" refFor="ch" refForName="imgShp" op="equ"/>
+              <dgm:constr type="h" for="ch" forName="imgShp" refType="h" op="lte"/>
+              <dgm:constr type="ctrY" for="ch" forName="imgShp" refType="h" fact="0.5"/>
+              <dgm:constr type="r" for="ch" forName="imgShp" refType="w"/>
+              <dgm:constr type="w" for="ch" forName="txShp" refType="w" op="equ" fact="0.665"/>
+              <dgm:constr type="h" for="ch" forName="txShp" refType="h" refFor="ch" refForName="imgShp" op="equ"/>
+              <dgm:constr type="ctrY" for="ch" forName="txShp" refType="h" fact="0.5"/>
+              <dgm:constr type="r" for="ch" forName="txShp" refType="ctrX" refFor="ch" refForName="imgShp"/>
+              <dgm:constr type="rMarg" for="ch" forName="txShp" refType="w" refFor="ch" refForName="imgShp" fact="1.25"/>
+            </dgm:constrLst>
+          </dgm:else>
+        </dgm:choose>
+        <dgm:ruleLst/>
+        <dgm:layoutNode name="imgShp" styleLbl="fgImgPlace1">
+          <dgm:alg type="sp"/>
+          <dgm:shape xmlns:r="http://schemas.openxmlformats.org/officeDocument/2006/relationships" type="ellipse" r:blip="" blipPhldr="1">
+            <dgm:adjLst/>
+          </dgm:shape>
+          <dgm:presOf/>
+          <dgm:constrLst/>
+          <dgm:ruleLst/>
+        </dgm:layoutNode>
+        <dgm:layoutNode name="txShp">
+          <dgm:varLst>
+            <dgm:bulletEnabled val="1"/>
+          </dgm:varLst>
+          <dgm:alg type="tx"/>
+          <dgm:choose name="Name4">
+            <dgm:if name="Name5" func="var" arg="dir" op="equ" val="norm">
+              <dgm:shape xmlns:r="http://schemas.openxmlformats.org/officeDocument/2006/relationships" rot="180" type="homePlate" r:blip="" zOrderOff="-1">
+                <dgm:adjLst/>
+              </dgm:shape>
+            </dgm:if>
+            <dgm:else name="Name6">
+              <dgm:shape xmlns:r="http://schemas.openxmlformats.org/officeDocument/2006/relationships" type="homePlate" r:blip="" zOrderOff="-1">
+                <dgm:adjLst/>
+              </dgm:shape>
+            </dgm:else>
+          </dgm:choose>
+          <dgm:presOf axis="desOrSelf" ptType="node"/>
+          <dgm:constrLst>
+            <dgm:constr type="tMarg" refType="primFontSz" fact="0.3"/>
+            <dgm:constr type="bMarg" refType="primFontSz" fact="0.3"/>
+          </dgm:constrLst>
+          <dgm:ruleLst>
+            <dgm:rule type="primFontSz" val="5" fact="NaN" max="NaN"/>
+          </dgm:ruleLst>
+        </dgm:layoutNode>
+      </dgm:layoutNode>
+      <dgm:forEach name="Name7" axis="followSib" ptType="sibTrans" cnt="1">
+        <dgm:layoutNode name="spacing">
+          <dgm:alg type="sp"/>
+          <dgm:shape xmlns:r="http://schemas.openxmlformats.org/officeDocument/2006/relationships" r:blip="">
+            <dgm:adjLst/>
+          </dgm:shape>
+          <dgm:presOf axis="self"/>
+          <dgm:constrLst/>
+          <dgm:ruleLst/>
+        </dgm:layoutNode>
+      </dgm:forEach>
+    </dgm:forEach>
+  </dgm:layoutNode>
+</dgm:layoutDef>
+</file>
+
+<file path=ppt/diagrams/quickStyle1.xml><?xml version="1.0" encoding="utf-8"?>
+<dgm:styleDef xmlns:dgm="http://schemas.openxmlformats.org/drawingml/2006/diagram" xmlns:a="http://schemas.openxmlformats.org/drawingml/2006/main" uniqueId="urn:microsoft.com/office/officeart/2005/8/quickstyle/simple1">
+  <dgm:title val=""/>
+  <dgm:desc val=""/>
+  <dgm:catLst>
+    <dgm:cat type="simple" pri="10100"/>
+  </dgm:catLst>
+  <dgm:scene3d>
+    <a:camera prst="orthographicFront"/>
+    <a:lightRig rig="threePt" dir="t"/>
+  </dgm:scene3d>
+  <dgm:styleLbl name="node0">
+    <dgm:scene3d>
+      <a:camera prst="orthographicFront"/>
+      <a:lightRig rig="threePt" dir="t"/>
+    </dgm:scene3d>
+    <dgm:sp3d/>
+    <dgm:txPr/>
+    <dgm:style>
+      <a:lnRef idx="2">
+        <a:scrgbClr r="0" g="0" b="0"/>
+      </a:lnRef>
+      <a:fillRef idx="1">
+        <a:scrgbClr r="0" g="0" b="0"/>
+      </a:fillRef>
+      <a:effectRef idx="0">
+        <a:scrgbClr r="0" g="0" b="0"/>
+      </a:effectRef>
+      <a:fontRef idx="minor">
+        <a:schemeClr val="lt1"/>
+      </a:fontRef>
+    </dgm:style>
+  </dgm:styleLbl>
+  <dgm:styleLbl name="lnNode1">
+    <dgm:scene3d>
+      <a:camera prst="orthographicFront"/>
+      <a:lightRig rig="threePt" dir="t"/>
+    </dgm:scene3d>
+    <dgm:sp3d/>
+    <dgm:txPr/>
+    <dgm:style>
+      <a:lnRef idx="2">
+        <a:scrgbClr r="0" g="0" b="0"/>
+      </a:lnRef>
+      <a:fillRef idx="1">
+        <a:scrgbClr r="0" g="0" b="0"/>
+      </a:fillRef>
+      <a:effectRef idx="0">
+        <a:scrgbClr r="0" g="0" b="0"/>
+      </a:effectRef>
+      <a:fontRef idx="minor">
+        <a:schemeClr val="lt1"/>
+      </a:fontRef>
+    </dgm:style>
+  </dgm:styleLbl>
+  <dgm:styleLbl name="vennNode1">
+    <dgm:scene3d>
+      <a:camera prst="orthographicFront"/>
+      <a:lightRig rig="threePt" dir="t"/>
+    </dgm:scene3d>
+    <dgm:sp3d/>
+    <dgm:txPr/>
+    <dgm:style>
+      <a:lnRef idx="2">
+        <a:scrgbClr r="0" g="0" b="0"/>
+      </a:lnRef>
+      <a:fillRef idx="1">
+        <a:scrgbClr r="0" g="0" b="0"/>
+      </a:fillRef>
+      <a:effectRef idx="0">
+        <a:scrgbClr r="0" g="0" b="0"/>
+      </a:effectRef>
+      <a:fontRef idx="minor">
+        <a:schemeClr val="tx1"/>
+      </a:fontRef>
+    </dgm:style>
+  </dgm:styleLbl>
+  <dgm:styleLbl name="alignNode1">
+    <dgm:scene3d>
+      <a:camera prst="orthographicFront"/>
+      <a:lightRig rig="threePt" dir="t"/>
+    </dgm:scene3d>
+    <dgm:sp3d/>
+    <dgm:txPr/>
+    <dgm:style>
+      <a:lnRef idx="2">
+        <a:scrgbClr r="0" g="0" b="0"/>
+      </a:lnRef>
+      <a:fillRef idx="1">
+        <a:scrgbClr r="0" g="0" b="0"/>
+      </a:fillRef>
+      <a:effectRef idx="0">
+        <a:scrgbClr r="0" g="0" b="0"/>
+      </a:effectRef>
+      <a:fontRef idx="minor">
+        <a:schemeClr val="lt1"/>
+      </a:fontRef>
+    </dgm:style>
+  </dgm:styleLbl>
+  <dgm:styleLbl name="node1">
+    <dgm:scene3d>
+      <a:camera prst="orthographicFront"/>
+      <a:lightRig rig="threePt" dir="t"/>
+    </dgm:scene3d>
+    <dgm:sp3d/>
+    <dgm:txPr/>
+    <dgm:style>
+      <a:lnRef idx="2">
+        <a:scrgbClr r="0" g="0" b="0"/>
+      </a:lnRef>
+      <a:fillRef idx="1">
+        <a:scrgbClr r="0" g="0" b="0"/>
+      </a:fillRef>
+      <a:effectRef idx="0">
+        <a:scrgbClr r="0" g="0" b="0"/>
+      </a:effectRef>
+      <a:fontRef idx="minor">
+        <a:schemeClr val="lt1"/>
+      </a:fontRef>
+    </dgm:style>
+  </dgm:styleLbl>
+  <dgm:styleLbl name="node2">
+    <dgm:scene3d>
+      <a:camera prst="orthographicFront"/>
+      <a:lightRig rig="threePt" dir="t"/>
+    </dgm:scene3d>
+    <dgm:sp3d/>
+    <dgm:txPr/>
+    <dgm:style>
+      <a:lnRef idx="2">
+        <a:scrgbClr r="0" g="0" b="0"/>
+      </a:lnRef>
+      <a:fillRef idx="1">
+        <a:scrgbClr r="0" g="0" b="0"/>
+      </a:fillRef>
+      <a:effectRef idx="0">
+        <a:scrgbClr r="0" g="0" b="0"/>
+      </a:effectRef>
+      <a:fontRef idx="minor">
+        <a:schemeClr val="lt1"/>
+      </a:fontRef>
+    </dgm:style>
+  </dgm:styleLbl>
+  <dgm:styleLbl name="node3">
+    <dgm:scene3d>
+      <a:camera prst="orthographicFront"/>
+      <a:lightRig rig="threePt" dir="t"/>
+    </dgm:scene3d>
+    <dgm:sp3d/>
+    <dgm:txPr/>
+    <dgm:style>
+      <a:lnRef idx="2">
+        <a:scrgbClr r="0" g="0" b="0"/>
+      </a:lnRef>
+      <a:fillRef idx="1">
+        <a:scrgbClr r="0" g="0" b="0"/>
+      </a:fillRef>
+      <a:effectRef idx="0">
+        <a:scrgbClr r="0" g="0" b="0"/>
+      </a:effectRef>
+      <a:fontRef idx="minor">
+        <a:schemeClr val="lt1"/>
+      </a:fontRef>
+    </dgm:style>
+  </dgm:styleLbl>
+  <dgm:styleLbl name="node4">
+    <dgm:scene3d>
+      <a:camera prst="orthographicFront"/>
+      <a:lightRig rig="threePt" dir="t"/>
+    </dgm:scene3d>
+    <dgm:sp3d/>
+    <dgm:txPr/>
+    <dgm:style>
+      <a:lnRef idx="2">
+        <a:scrgbClr r="0" g="0" b="0"/>
+      </a:lnRef>
+      <a:fillRef idx="1">
+        <a:scrgbClr r="0" g="0" b="0"/>
+      </a:fillRef>
+      <a:effectRef idx="0">
+        <a:scrgbClr r="0" g="0" b="0"/>
+      </a:effectRef>
+      <a:fontRef idx="minor">
+        <a:schemeClr val="lt1"/>
+      </a:fontRef>
+    </dgm:style>
+  </dgm:styleLbl>
+  <dgm:styleLbl name="fgImgPlace1">
+    <dgm:scene3d>
+      <a:camera prst="orthographicFront"/>
+      <a:lightRig rig="threePt" dir="t"/>
+    </dgm:scene3d>
+    <dgm:sp3d/>
+    <dgm:txPr/>
+    <dgm:style>
+      <a:lnRef idx="2">
+        <a:scrgbClr r="0" g="0" b="0"/>
+      </a:lnRef>
+      <a:fillRef idx="1">
+        <a:scrgbClr r="0" g="0" b="0"/>
+      </a:fillRef>
+      <a:effectRef idx="0">
+        <a:scrgbClr r="0" g="0" b="0"/>
+      </a:effectRef>
+      <a:fontRef idx="minor"/>
+    </dgm:style>
+  </dgm:styleLbl>
+  <dgm:styleLbl name="alignImgPlace1">
+    <dgm:scene3d>
+      <a:camera prst="orthographicFront"/>
+      <a:lightRig rig="threePt" dir="t"/>
+    </dgm:scene3d>
+    <dgm:sp3d/>
+    <dgm:txPr/>
+    <dgm:style>
+      <a:lnRef idx="2">
+        <a:scrgbClr r="0" g="0" b="0"/>
+      </a:lnRef>
+      <a:fillRef idx="1">
+        <a:scrgbClr r="0" g="0" b="0"/>
+      </a:fillRef>
+      <a:effectRef idx="0">
+        <a:scrgbClr r="0" g="0" b="0"/>
+      </a:effectRef>
+      <a:fontRef idx="minor"/>
+    </dgm:style>
+  </dgm:styleLbl>
+  <dgm:styleLbl name="bgImgPlace1">
+    <dgm:scene3d>
+      <a:camera prst="orthographicFront"/>
+      <a:lightRig rig="threePt" dir="t"/>
+    </dgm:scene3d>
+    <dgm:sp3d/>
+    <dgm:txPr/>
+    <dgm:style>
+      <a:lnRef idx="2">
+        <a:scrgbClr r="0" g="0" b="0"/>
+      </a:lnRef>
+      <a:fillRef idx="1">
+        <a:scrgbClr r="0" g="0" b="0"/>
+      </a:fillRef>
+      <a:effectRef idx="0">
+        <a:scrgbClr r="0" g="0" b="0"/>
+      </a:effectRef>
+      <a:fontRef idx="minor"/>
+    </dgm:style>
+  </dgm:styleLbl>
+  <dgm:styleLbl name="sibTrans2D1">
+    <dgm:scene3d>
+      <a:camera prst="orthographicFront"/>
+      <a:lightRig rig="threePt" dir="t"/>
+    </dgm:scene3d>
+    <dgm:sp3d/>
+    <dgm:txPr/>
+    <dgm:style>
+      <a:lnRef idx="0">
+        <a:scrgbClr r="0" g="0" b="0"/>
+      </a:lnRef>
+      <a:fillRef idx="1">
+        <a:scrgbClr r="0" g="0" b="0"/>
+      </a:fillRef>
+      <a:effectRef idx="0">
+        <a:scrgbClr r="0" g="0" b="0"/>
+      </a:effectRef>
+      <a:fontRef idx="minor">
+        <a:schemeClr val="lt1"/>
+      </a:fontRef>
+    </dgm:style>
+  </dgm:styleLbl>
+  <dgm:styleLbl name="fgSibTrans2D1">
+    <dgm:scene3d>
+      <a:camera prst="orthographicFront"/>
+      <a:lightRig rig="threePt" dir="t"/>
+    </dgm:scene3d>
+    <dgm:sp3d/>
+    <dgm:txPr/>
+    <dgm:style>
+      <a:lnRef idx="0">
+        <a:scrgbClr r="0" g="0" b="0"/>
+      </a:lnRef>
+      <a:fillRef idx="1">
+        <a:scrgbClr r="0" g="0" b="0"/>
+      </a:fillRef>
+      <a:effectRef idx="0">
+        <a:scrgbClr r="0" g="0" b="0"/>
+      </a:effectRef>
+      <a:fontRef idx="minor">
+        <a:schemeClr val="lt1"/>
+      </a:fontRef>
+    </dgm:style>
+  </dgm:styleLbl>
+  <dgm:styleLbl name="bgSibTrans2D1">
+    <dgm:scene3d>
+      <a:camera prst="orthographicFront"/>
+      <a:lightRig rig="threePt" dir="t"/>
+    </dgm:scene3d>
+    <dgm:sp3d/>
+    <dgm:txPr/>
+    <dgm:style>
+      <a:lnRef idx="0">
+        <a:scrgbClr r="0" g="0" b="0"/>
+      </a:lnRef>
+      <a:fillRef idx="1">
+        <a:scrgbClr r="0" g="0" b="0"/>
+      </a:fillRef>
+      <a:effectRef idx="0">
+        <a:scrgbClr r="0" g="0" b="0"/>
+      </a:effectRef>
+      <a:fontRef idx="minor">
+        <a:schemeClr val="lt1"/>
+      </a:fontRef>
+    </dgm:style>
+  </dgm:styleLbl>
+  <dgm:styleLbl name="sibTrans1D1">
+    <dgm:scene3d>
+      <a:camera prst="orthographicFront"/>
+      <a:lightRig rig="threePt" dir="t"/>
+    </dgm:scene3d>
+    <dgm:sp3d/>
+    <dgm:txPr/>
+    <dgm:style>
+      <a:lnRef idx="1">
+        <a:scrgbClr r="0" g="0" b="0"/>
+      </a:lnRef>
+      <a:fillRef idx="0">
+        <a:scrgbClr r="0" g="0" b="0"/>
+      </a:fillRef>
+      <a:effectRef idx="0">
+        <a:scrgbClr r="0" g="0" b="0"/>
+      </a:effectRef>
+      <a:fontRef idx="minor"/>
+    </dgm:style>
+  </dgm:styleLbl>
+  <dgm:styleLbl name="callout">
+    <dgm:scene3d>
+      <a:camera prst="orthographicFront"/>
+      <a:lightRig rig="threePt" dir="t"/>
+    </dgm:scene3d>
+    <dgm:sp3d/>
+    <dgm:txPr/>
+    <dgm:style>
+      <a:lnRef idx="2">
+        <a:scrgbClr r="0" g="0" b="0"/>
+      </a:lnRef>
+      <a:fillRef idx="1">
+        <a:scrgbClr r="0" g="0" b="0"/>
+      </a:fillRef>
+      <a:effectRef idx="0">
+        <a:scrgbClr r="0" g="0" b="0"/>
+      </a:effectRef>
+      <a:fontRef idx="minor"/>
+    </dgm:style>
+  </dgm:styleLbl>
+  <dgm:styleLbl name="asst0">
+    <dgm:scene3d>
+      <a:camera prst="orthographicFront"/>
+      <a:lightRig rig="threePt" dir="t"/>
+    </dgm:scene3d>
+    <dgm:sp3d/>
+    <dgm:txPr/>
+    <dgm:style>
+      <a:lnRef idx="2">
+        <a:scrgbClr r="0" g="0" b="0"/>
+      </a:lnRef>
+      <a:fillRef idx="1">
+        <a:scrgbClr r="0" g="0" b="0"/>
+      </a:fillRef>
+      <a:effectRef idx="0">
+        <a:scrgbClr r="0" g="0" b="0"/>
+      </a:effectRef>
+      <a:fontRef idx="minor">
+        <a:schemeClr val="lt1"/>
+      </a:fontRef>
+    </dgm:style>
+  </dgm:styleLbl>
+  <dgm:styleLbl name="asst1">
+    <dgm:scene3d>
+      <a:camera prst="orthographicFront"/>
+      <a:lightRig rig="threePt" dir="t"/>
+    </dgm:scene3d>
+    <dgm:sp3d/>
+    <dgm:txPr/>
+    <dgm:style>
+      <a:lnRef idx="2">
+        <a:scrgbClr r="0" g="0" b="0"/>
+      </a:lnRef>
+      <a:fillRef idx="1">
+        <a:scrgbClr r="0" g="0" b="0"/>
+      </a:fillRef>
+      <a:effectRef idx="0">
+        <a:scrgbClr r="0" g="0" b="0"/>
+      </a:effectRef>
+      <a:fontRef idx="minor">
+        <a:schemeClr val="lt1"/>
+      </a:fontRef>
+    </dgm:style>
+  </dgm:styleLbl>
+  <dgm:styleLbl name="asst2">
+    <dgm:scene3d>
+      <a:camera prst="orthographicFront"/>
+      <a:lightRig rig="threePt" dir="t"/>
+    </dgm:scene3d>
+    <dgm:sp3d/>
+    <dgm:txPr/>
+    <dgm:style>
+      <a:lnRef idx="2">
+        <a:scrgbClr r="0" g="0" b="0"/>
+      </a:lnRef>
+      <a:fillRef idx="1">
+        <a:scrgbClr r="0" g="0" b="0"/>
+      </a:fillRef>
+      <a:effectRef idx="0">
+        <a:scrgbClr r="0" g="0" b="0"/>
+      </a:effectRef>
+      <a:fontRef idx="minor">
+        <a:schemeClr val="lt1"/>
+      </a:fontRef>
+    </dgm:style>
+  </dgm:styleLbl>
+  <dgm:styleLbl name="asst3">
+    <dgm:scene3d>
+      <a:camera prst="orthographicFront"/>
+      <a:lightRig rig="threePt" dir="t"/>
+    </dgm:scene3d>
+    <dgm:sp3d/>
+    <dgm:txPr/>
+    <dgm:style>
+      <a:lnRef idx="2">
+        <a:scrgbClr r="0" g="0" b="0"/>
+      </a:lnRef>
+      <a:fillRef idx="1">
+        <a:scrgbClr r="0" g="0" b="0"/>
+      </a:fillRef>
+      <a:effectRef idx="0">
+        <a:scrgbClr r="0" g="0" b="0"/>
+      </a:effectRef>
+      <a:fontRef idx="minor">
+        <a:schemeClr val="lt1"/>
+      </a:fontRef>
+    </dgm:style>
+  </dgm:styleLbl>
+  <dgm:styleLbl name="asst4">
+    <dgm:scene3d>
+      <a:camera prst="orthographicFront"/>
+      <a:lightRig rig="threePt" dir="t"/>
+    </dgm:scene3d>
+    <dgm:sp3d/>
+    <dgm:txPr/>
+    <dgm:style>
+      <a:lnRef idx="2">
+        <a:scrgbClr r="0" g="0" b="0"/>
+      </a:lnRef>
+      <a:fillRef idx="1">
+        <a:scrgbClr r="0" g="0" b="0"/>
+      </a:fillRef>
+      <a:effectRef idx="0">
+        <a:scrgbClr r="0" g="0" b="0"/>
+      </a:effectRef>
+      <a:fontRef idx="minor">
+        <a:schemeClr val="lt1"/>
+      </a:fontRef>
+    </dgm:style>
+  </dgm:styleLbl>
+  <dgm:styleLbl name="parChTrans2D1">
+    <dgm:scene3d>
+      <a:camera prst="orthographicFront"/>
+      <a:lightRig rig="threePt" dir="t"/>
+    </dgm:scene3d>
+    <dgm:sp3d/>
+    <dgm:txPr/>
+    <dgm:style>
+      <a:lnRef idx="2">
+        <a:scrgbClr r="0" g="0" b="0"/>
+      </a:lnRef>
+      <a:fillRef idx="1">
+        <a:scrgbClr r="0" g="0" b="0"/>
+      </a:fillRef>
+      <a:effectRef idx="0">
+        <a:scrgbClr r="0" g="0" b="0"/>
+      </a:effectRef>
+      <a:fontRef idx="minor">
+        <a:schemeClr val="lt1"/>
+      </a:fontRef>
+    </dgm:style>
+  </dgm:styleLbl>
+  <dgm:styleLbl name="parChTrans2D2">
+    <dgm:scene3d>
+      <a:camera prst="orthographicFront"/>
+      <a:lightRig rig="threePt" dir="t"/>
+    </dgm:scene3d>
+    <dgm:sp3d/>
+    <dgm:txPr/>
+    <dgm:style>
+      <a:lnRef idx="2">
+        <a:scrgbClr r="0" g="0" b="0"/>
+      </a:lnRef>
+      <a:fillRef idx="1">
+        <a:scrgbClr r="0" g="0" b="0"/>
+      </a:fillRef>
+      <a:effectRef idx="0">
+        <a:scrgbClr r="0" g="0" b="0"/>
+      </a:effectRef>
+      <a:fontRef idx="minor">
+        <a:schemeClr val="lt1"/>
+      </a:fontRef>
+    </dgm:style>
+  </dgm:styleLbl>
+  <dgm:styleLbl name="parChTrans2D3">
+    <dgm:scene3d>
+      <a:camera prst="orthographicFront"/>
+      <a:lightRig rig="threePt" dir="t"/>
+    </dgm:scene3d>
+    <dgm:sp3d/>
+    <dgm:txPr/>
+    <dgm:style>
+      <a:lnRef idx="2">
+        <a:scrgbClr r="0" g="0" b="0"/>
+      </a:lnRef>
+      <a:fillRef idx="1">
+        <a:scrgbClr r="0" g="0" b="0"/>
+      </a:fillRef>
+      <a:effectRef idx="0">
+        <a:scrgbClr r="0" g="0" b="0"/>
+      </a:effectRef>
+      <a:fontRef idx="minor">
+        <a:schemeClr val="lt1"/>
+      </a:fontRef>
+    </dgm:style>
+  </dgm:styleLbl>
+  <dgm:styleLbl name="parChTrans2D4">
+    <dgm:scene3d>
+      <a:camera prst="orthographicFront"/>
+      <a:lightRig rig="threePt" dir="t"/>
+    </dgm:scene3d>
+    <dgm:sp3d/>
+    <dgm:txPr/>
+    <dgm:style>
+      <a:lnRef idx="2">
+        <a:scrgbClr r="0" g="0" b="0"/>
+      </a:lnRef>
+      <a:fillRef idx="1">
+        <a:scrgbClr r="0" g="0" b="0"/>
+      </a:fillRef>
+      <a:effectRef idx="0">
+        <a:scrgbClr r="0" g="0" b="0"/>
+      </a:effectRef>
+      <a:fontRef idx="minor">
+        <a:schemeClr val="lt1"/>
+      </a:fontRef>
+    </dgm:style>
+  </dgm:styleLbl>
+  <dgm:styleLbl name="parChTrans1D1">
+    <dgm:scene3d>
+      <a:camera prst="orthographicFront"/>
+      <a:lightRig rig="threePt" dir="t"/>
+    </dgm:scene3d>
+    <dgm:sp3d/>
+    <dgm:txPr/>
+    <dgm:style>
+      <a:lnRef idx="2">
+        <a:scrgbClr r="0" g="0" b="0"/>
+      </a:lnRef>
+      <a:fillRef idx="0">
+        <a:scrgbClr r="0" g="0" b="0"/>
+      </a:fillRef>
+      <a:effectRef idx="0">
+        <a:scrgbClr r="0" g="0" b="0"/>
+      </a:effectRef>
+      <a:fontRef idx="minor"/>
+    </dgm:style>
+  </dgm:styleLbl>
+  <dgm:styleLbl name="parChTrans1D2">
+    <dgm:scene3d>
+      <a:camera prst="orthographicFront"/>
+      <a:lightRig rig="threePt" dir="t"/>
+    </dgm:scene3d>
+    <dgm:sp3d/>
+    <dgm:txPr/>
+    <dgm:style>
+      <a:lnRef idx="2">
+        <a:scrgbClr r="0" g="0" b="0"/>
+      </a:lnRef>
+      <a:fillRef idx="0">
+        <a:scrgbClr r="0" g="0" b="0"/>
+      </a:fillRef>
+      <a:effectRef idx="0">
+        <a:scrgbClr r="0" g="0" b="0"/>
+      </a:effectRef>
+      <a:fontRef idx="minor"/>
+    </dgm:style>
+  </dgm:styleLbl>
+  <dgm:styleLbl name="parChTrans1D3">
+    <dgm:scene3d>
+      <a:camera prst="orthographicFront"/>
+      <a:lightRig rig="threePt" dir="t"/>
+    </dgm:scene3d>
+    <dgm:sp3d/>
+    <dgm:txPr/>
+    <dgm:style>
+      <a:lnRef idx="2">
+        <a:scrgbClr r="0" g="0" b="0"/>
+      </a:lnRef>
+      <a:fillRef idx="0">
+        <a:scrgbClr r="0" g="0" b="0"/>
+      </a:fillRef>
+      <a:effectRef idx="0">
+        <a:scrgbClr r="0" g="0" b="0"/>
+      </a:effectRef>
+      <a:fontRef idx="minor"/>
+    </dgm:style>
+  </dgm:styleLbl>
+  <dgm:styleLbl name="parChTrans1D4">
+    <dgm:scene3d>
+      <a:camera prst="orthographicFront"/>
+      <a:lightRig rig="threePt" dir="t"/>
+    </dgm:scene3d>
+    <dgm:sp3d/>
+    <dgm:txPr/>
+    <dgm:style>
+      <a:lnRef idx="2">
+        <a:scrgbClr r="0" g="0" b="0"/>
+      </a:lnRef>
+      <a:fillRef idx="0">
+        <a:scrgbClr r="0" g="0" b="0"/>
+      </a:fillRef>
+      <a:effectRef idx="0">
+        <a:scrgbClr r="0" g="0" b="0"/>
+      </a:effectRef>
+      <a:fontRef idx="minor"/>
+    </dgm:style>
+  </dgm:styleLbl>
+  <dgm:styleLbl name="fgAcc1">
+    <dgm:scene3d>
+      <a:camera prst="orthographicFront"/>
+      <a:lightRig rig="threePt" dir="t"/>
+    </dgm:scene3d>
+    <dgm:sp3d/>
+    <dgm:txPr/>
+    <dgm:style>
+      <a:lnRef idx="2">
+        <a:scrgbClr r="0" g="0" b="0"/>
+      </a:lnRef>
+      <a:fillRef idx="1">
+        <a:scrgbClr r="0" g="0" b="0"/>
+      </a:fillRef>
+      <a:effectRef idx="0">
+        <a:scrgbClr r="0" g="0" b="0"/>
+      </a:effectRef>
+      <a:fontRef idx="minor"/>
+    </dgm:style>
+  </dgm:styleLbl>
+  <dgm:styleLbl name="conFgAcc1">
+    <dgm:scene3d>
+      <a:camera prst="orthographicFront"/>
+      <a:lightRig rig="threePt" dir="t"/>
+    </dgm:scene3d>
+    <dgm:sp3d/>
+    <dgm:txPr/>
+    <dgm:style>
+      <a:lnRef idx="2">
+        <a:scrgbClr r="0" g="0" b="0"/>
+      </a:lnRef>
+      <a:fillRef idx="1">
+        <a:scrgbClr r="0" g="0" b="0"/>
+      </a:fillRef>
+      <a:effectRef idx="0">
+        <a:scrgbClr r="0" g="0" b="0"/>
+      </a:effectRef>
+      <a:fontRef idx="minor"/>
+    </dgm:style>
+  </dgm:styleLbl>
+  <dgm:styleLbl name="alignAcc1">
+    <dgm:scene3d>
+      <a:camera prst="orthographicFront"/>
+      <a:lightRig rig="threePt" dir="t"/>
+    </dgm:scene3d>
+    <dgm:sp3d/>
+    <dgm:txPr/>
+    <dgm:style>
+      <a:lnRef idx="2">
+        <a:scrgbClr r="0" g="0" b="0"/>
+      </a:lnRef>
+      <a:fillRef idx="1">
+        <a:scrgbClr r="0" g="0" b="0"/>
+      </a:fillRef>
+      <a:effectRef idx="0">
+        <a:scrgbClr r="0" g="0" b="0"/>
+      </a:effectRef>
+      <a:fontRef idx="minor"/>
+    </dgm:style>
+  </dgm:styleLbl>
+  <dgm:styleLbl name="trAlignAcc1">
+    <dgm:scene3d>
+      <a:camera prst="orthographicFront"/>
+      <a:lightRig rig="threePt" dir="t"/>
+    </dgm:scene3d>
+    <dgm:sp3d/>
+    <dgm:txPr/>
+    <dgm:style>
+      <a:lnRef idx="1">
+        <a:scrgbClr r="0" g="0" b="0"/>
+      </a:lnRef>
+      <a:fillRef idx="1">
+        <a:scrgbClr r="0" g="0" b="0"/>
+      </a:fillRef>
+      <a:effectRef idx="0">
+        <a:scrgbClr r="0" g="0" b="0"/>
+      </a:effectRef>
+      <a:fontRef idx="minor"/>
+    </dgm:style>
+  </dgm:styleLbl>
+  <dgm:styleLbl name="bgAcc1">
+    <dgm:scene3d>
+      <a:camera prst="orthographicFront"/>
+      <a:lightRig rig="threePt" dir="t"/>
+    </dgm:scene3d>
+    <dgm:sp3d/>
+    <dgm:txPr/>
+    <dgm:style>
+      <a:lnRef idx="2">
+        <a:scrgbClr r="0" g="0" b="0"/>
+      </a:lnRef>
+      <a:fillRef idx="1">
+        <a:scrgbClr r="0" g="0" b="0"/>
+      </a:fillRef>
+      <a:effectRef idx="0">
+        <a:scrgbClr r="0" g="0" b="0"/>
+      </a:effectRef>
+      <a:fontRef idx="minor"/>
+    </dgm:style>
+  </dgm:styleLbl>
+  <dgm:styleLbl name="solidFgAcc1">
+    <dgm:scene3d>
+      <a:camera prst="orthographicFront"/>
+      <a:lightRig rig="threePt" dir="t"/>
+    </dgm:scene3d>
+    <dgm:sp3d/>
+    <dgm:txPr/>
+    <dgm:style>
+      <a:lnRef idx="2">
+        <a:scrgbClr r="0" g="0" b="0"/>
+      </a:lnRef>
+      <a:fillRef idx="1">
+        <a:scrgbClr r="0" g="0" b="0"/>
+      </a:fillRef>
+      <a:effectRef idx="0">
+        <a:scrgbClr r="0" g="0" b="0"/>
+      </a:effectRef>
+      <a:fontRef idx="minor"/>
+    </dgm:style>
+  </dgm:styleLbl>
+  <dgm:styleLbl name="solidAlignAcc1">
+    <dgm:scene3d>
+      <a:camera prst="orthographicFront"/>
+      <a:lightRig rig="threePt" dir="t"/>
+    </dgm:scene3d>
+    <dgm:sp3d/>
+    <dgm:txPr/>
+    <dgm:style>
+      <a:lnRef idx="2">
+        <a:scrgbClr r="0" g="0" b="0"/>
+      </a:lnRef>
+      <a:fillRef idx="1">
+        <a:scrgbClr r="0" g="0" b="0"/>
+      </a:fillRef>
+      <a:effectRef idx="0">
+        <a:scrgbClr r="0" g="0" b="0"/>
+      </a:effectRef>
+      <a:fontRef idx="minor"/>
+    </dgm:style>
+  </dgm:styleLbl>
+  <dgm:styleLbl name="solidBgAcc1">
+    <dgm:scene3d>
+      <a:camera prst="orthographicFront"/>
+      <a:lightRig rig="threePt" dir="t"/>
+    </dgm:scene3d>
+    <dgm:sp3d/>
+    <dgm:txPr/>
+    <dgm:style>
+      <a:lnRef idx="2">
+        <a:scrgbClr r="0" g="0" b="0"/>
+      </a:lnRef>
+      <a:fillRef idx="1">
+        <a:scrgbClr r="0" g="0" b="0"/>
+      </a:fillRef>
+      <a:effectRef idx="0">
+        <a:scrgbClr r="0" g="0" b="0"/>
+      </a:effectRef>
+      <a:fontRef idx="minor"/>
+    </dgm:style>
+  </dgm:styleLbl>
+  <dgm:styleLbl name="fgAccFollowNode1">
+    <dgm:scene3d>
+      <a:camera prst="orthographicFront"/>
+      <a:lightRig rig="threePt" dir="t"/>
+    </dgm:scene3d>
+    <dgm:sp3d/>
+    <dgm:txPr/>
+    <dgm:style>
+      <a:lnRef idx="2">
+        <a:scrgbClr r="0" g="0" b="0"/>
+      </a:lnRef>
+      <a:fillRef idx="1">
+        <a:scrgbClr r="0" g="0" b="0"/>
+      </a:fillRef>
+      <a:effectRef idx="0">
+        <a:scrgbClr r="0" g="0" b="0"/>
+      </a:effectRef>
+      <a:fontRef idx="minor"/>
+    </dgm:style>
+  </dgm:styleLbl>
+  <dgm:styleLbl name="alignAccFollowNode1">
+    <dgm:scene3d>
+      <a:camera prst="orthographicFront"/>
+      <a:lightRig rig="threePt" dir="t"/>
+    </dgm:scene3d>
+    <dgm:sp3d/>
+    <dgm:txPr/>
+    <dgm:style>
+      <a:lnRef idx="2">
+        <a:scrgbClr r="0" g="0" b="0"/>
+      </a:lnRef>
+      <a:fillRef idx="1">
+        <a:scrgbClr r="0" g="0" b="0"/>
+      </a:fillRef>
+      <a:effectRef idx="0">
+        <a:scrgbClr r="0" g="0" b="0"/>
+      </a:effectRef>
+      <a:fontRef idx="minor"/>
+    </dgm:style>
+  </dgm:styleLbl>
+  <dgm:styleLbl name="bgAccFollowNode1">
+    <dgm:scene3d>
+      <a:camera prst="orthographicFront"/>
+      <a:lightRig rig="threePt" dir="t"/>
+    </dgm:scene3d>
+    <dgm:sp3d/>
+    <dgm:txPr/>
+    <dgm:style>
+      <a:lnRef idx="2">
+        <a:scrgbClr r="0" g="0" b="0"/>
+      </a:lnRef>
+      <a:fillRef idx="1">
+        <a:scrgbClr r="0" g="0" b="0"/>
+      </a:fillRef>
+      <a:effectRef idx="0">
+        <a:scrgbClr r="0" g="0" b="0"/>
+      </a:effectRef>
+      <a:fontRef idx="minor"/>
+    </dgm:style>
+  </dgm:styleLbl>
+  <dgm:styleLbl name="fgAcc0">
+    <dgm:scene3d>
+      <a:camera prst="orthographicFront"/>
+      <a:lightRig rig="threePt" dir="t"/>
+    </dgm:scene3d>
+    <dgm:sp3d/>
+    <dgm:txPr/>
+    <dgm:style>
+      <a:lnRef idx="2">
+        <a:scrgbClr r="0" g="0" b="0"/>
+      </a:lnRef>
+      <a:fillRef idx="1">
+        <a:scrgbClr r="0" g="0" b="0"/>
+      </a:fillRef>
+      <a:effectRef idx="0">
+        <a:scrgbClr r="0" g="0" b="0"/>
+      </a:effectRef>
+      <a:fontRef idx="minor"/>
+    </dgm:style>
+  </dgm:styleLbl>
+  <dgm:styleLbl name="fgAcc2">
+    <dgm:scene3d>
+      <a:camera prst="orthographicFront"/>
+      <a:lightRig rig="threePt" dir="t"/>
+    </dgm:scene3d>
+    <dgm:sp3d/>
+    <dgm:txPr/>
+    <dgm:style>
+      <a:lnRef idx="2">
+        <a:scrgbClr r="0" g="0" b="0"/>
+      </a:lnRef>
+      <a:fillRef idx="1">
+        <a:scrgbClr r="0" g="0" b="0"/>
+      </a:fillRef>
+      <a:effectRef idx="0">
+        <a:scrgbClr r="0" g="0" b="0"/>
+      </a:effectRef>
+      <a:fontRef idx="minor"/>
+    </dgm:style>
+  </dgm:styleLbl>
+  <dgm:styleLbl name="fgAcc3">
+    <dgm:scene3d>
+      <a:camera prst="orthographicFront"/>
+      <a:lightRig rig="threePt" dir="t"/>
+    </dgm:scene3d>
+    <dgm:sp3d/>
+    <dgm:txPr/>
+    <dgm:style>
+      <a:lnRef idx="2">
+        <a:scrgbClr r="0" g="0" b="0"/>
+      </a:lnRef>
+      <a:fillRef idx="1">
+        <a:scrgbClr r="0" g="0" b="0"/>
+      </a:fillRef>
+      <a:effectRef idx="0">
+        <a:scrgbClr r="0" g="0" b="0"/>
+      </a:effectRef>
+      <a:fontRef idx="minor"/>
+    </dgm:style>
+  </dgm:styleLbl>
+  <dgm:styleLbl name="fgAcc4">
+    <dgm:scene3d>
+      <a:camera prst="orthographicFront"/>
+      <a:lightRig rig="threePt" dir="t"/>
+    </dgm:scene3d>
+    <dgm:sp3d/>
+    <dgm:txPr/>
+    <dgm:style>
+      <a:lnRef idx="2">
+        <a:scrgbClr r="0" g="0" b="0"/>
+      </a:lnRef>
+      <a:fillRef idx="1">
+        <a:scrgbClr r="0" g="0" b="0"/>
+      </a:fillRef>
+      <a:effectRef idx="0">
+        <a:scrgbClr r="0" g="0" b="0"/>
+      </a:effectRef>
+      <a:fontRef idx="minor"/>
+    </dgm:style>
+  </dgm:styleLbl>
+  <dgm:styleLbl name="bgShp">
+    <dgm:scene3d>
+      <a:camera prst="orthographicFront"/>
+      <a:lightRig rig="threePt" dir="t"/>
+    </dgm:scene3d>
+    <dgm:sp3d/>
+    <dgm:txPr/>
+    <dgm:style>
+      <a:lnRef idx="0">
+        <a:scrgbClr r="0" g="0" b="0"/>
+      </a:lnRef>
+      <a:fillRef idx="1">
+        <a:scrgbClr r="0" g="0" b="0"/>
+      </a:fillRef>
+      <a:effectRef idx="0">
+        <a:scrgbClr r="0" g="0" b="0"/>
+      </a:effectRef>
+      <a:fontRef idx="minor"/>
+    </dgm:style>
+  </dgm:styleLbl>
+  <dgm:styleLbl name="dkBgShp">
+    <dgm:scene3d>
+      <a:camera prst="orthographicFront"/>
+      <a:lightRig rig="threePt" dir="t"/>
+    </dgm:scene3d>
+    <dgm:sp3d/>
+    <dgm:txPr/>
+    <dgm:style>
+      <a:lnRef idx="0">
+        <a:scrgbClr r="0" g="0" b="0"/>
+      </a:lnRef>
+      <a:fillRef idx="1">
+        <a:scrgbClr r="0" g="0" b="0"/>
+      </a:fillRef>
+      <a:effectRef idx="0">
+        <a:scrgbClr r="0" g="0" b="0"/>
+      </a:effectRef>
+      <a:fontRef idx="minor"/>
+    </dgm:style>
+  </dgm:styleLbl>
+  <dgm:styleLbl name="trBgShp">
+    <dgm:scene3d>
+      <a:camera prst="orthographicFront"/>
+      <a:lightRig rig="threePt" dir="t"/>
+    </dgm:scene3d>
+    <dgm:sp3d/>
+    <dgm:txPr/>
+    <dgm:style>
+      <a:lnRef idx="0">
+        <a:scrgbClr r="0" g="0" b="0"/>
+      </a:lnRef>
+      <a:fillRef idx="1">
+        <a:scrgbClr r="0" g="0" b="0"/>
+      </a:fillRef>
+      <a:effectRef idx="0">
+        <a:scrgbClr r="0" g="0" b="0"/>
+      </a:effectRef>
+      <a:fontRef idx="minor"/>
+    </dgm:style>
+  </dgm:styleLbl>
+  <dgm:styleLbl name="fgShp">
+    <dgm:scene3d>
+      <a:camera prst="orthographicFront"/>
+      <a:lightRig rig="threePt" dir="t"/>
+    </dgm:scene3d>
+    <dgm:sp3d/>
+    <dgm:txPr/>
+    <dgm:style>
+      <a:lnRef idx="2">
+        <a:scrgbClr r="0" g="0" b="0"/>
+      </a:lnRef>
+      <a:fillRef idx="1">
+        <a:scrgbClr r="0" g="0" b="0"/>
+      </a:fillRef>
+      <a:effectRef idx="0">
+        <a:scrgbClr r="0" g="0" b="0"/>
+      </a:effectRef>
+      <a:fontRef idx="minor"/>
+    </dgm:style>
+  </dgm:styleLbl>
+  <dgm:styleLbl name="revTx">
+    <dgm:scene3d>
+      <a:camera prst="orthographicFront"/>
+      <a:lightRig rig="threePt" dir="t"/>
+    </dgm:scene3d>
+    <dgm:sp3d/>
+    <dgm:txPr/>
+    <dgm:style>
+      <a:lnRef idx="0">
+        <a:scrgbClr r="0" g="0" b="0"/>
+      </a:lnRef>
+      <a:fillRef idx="0">
+        <a:scrgbClr r="0" g="0" b="0"/>
+      </a:fillRef>
+      <a:effectRef idx="0">
+        <a:scrgbClr r="0" g="0" b="0"/>
+      </a:effectRef>
+      <a:fontRef idx="minor"/>
+    </dgm:style>
+  </dgm:styleLbl>
+</dgm:styleDef>
+</file>
+
 <file path=ppt/slideLayouts/slideLayout1.xml><?xml version="1.0" encoding="utf-8"?>
 <p:sldLayout xmlns:a="http://schemas.openxmlformats.org/drawingml/2006/main" xmlns:r="http://schemas.openxmlformats.org/officeDocument/2006/relationships" xmlns:p="http://schemas.openxmlformats.org/presentationml/2006/main" type="title" preserve="1">
   <p:cSld name="標題投影片">
@@ -260,7 +2847,7 @@
           <a:p>
             <a:fld id="{32322C77-3870-48CC-9C51-EE7032AEA3C9}" type="datetimeFigureOut">
               <a:rPr lang="zh-TW" altLang="en-US" smtClean="0"/>
-              <a:t>2024/5/21</a:t>
+              <a:t>2024/6/11</a:t>
             </a:fld>
             <a:endParaRPr lang="zh-TW" altLang="en-US"/>
           </a:p>
@@ -458,7 +3045,7 @@
           <a:p>
             <a:fld id="{32322C77-3870-48CC-9C51-EE7032AEA3C9}" type="datetimeFigureOut">
               <a:rPr lang="zh-TW" altLang="en-US" smtClean="0"/>
-              <a:t>2024/5/21</a:t>
+              <a:t>2024/6/11</a:t>
             </a:fld>
             <a:endParaRPr lang="zh-TW" altLang="en-US"/>
           </a:p>
@@ -666,7 +3253,7 @@
           <a:p>
             <a:fld id="{32322C77-3870-48CC-9C51-EE7032AEA3C9}" type="datetimeFigureOut">
               <a:rPr lang="zh-TW" altLang="en-US" smtClean="0"/>
-              <a:t>2024/5/21</a:t>
+              <a:t>2024/6/11</a:t>
             </a:fld>
             <a:endParaRPr lang="zh-TW" altLang="en-US"/>
           </a:p>
@@ -864,7 +3451,7 @@
           <a:p>
             <a:fld id="{32322C77-3870-48CC-9C51-EE7032AEA3C9}" type="datetimeFigureOut">
               <a:rPr lang="zh-TW" altLang="en-US" smtClean="0"/>
-              <a:t>2024/5/21</a:t>
+              <a:t>2024/6/11</a:t>
             </a:fld>
             <a:endParaRPr lang="zh-TW" altLang="en-US"/>
           </a:p>
@@ -1139,7 +3726,7 @@
           <a:p>
             <a:fld id="{32322C77-3870-48CC-9C51-EE7032AEA3C9}" type="datetimeFigureOut">
               <a:rPr lang="zh-TW" altLang="en-US" smtClean="0"/>
-              <a:t>2024/5/21</a:t>
+              <a:t>2024/6/11</a:t>
             </a:fld>
             <a:endParaRPr lang="zh-TW" altLang="en-US"/>
           </a:p>
@@ -1404,7 +3991,7 @@
           <a:p>
             <a:fld id="{32322C77-3870-48CC-9C51-EE7032AEA3C9}" type="datetimeFigureOut">
               <a:rPr lang="zh-TW" altLang="en-US" smtClean="0"/>
-              <a:t>2024/5/21</a:t>
+              <a:t>2024/6/11</a:t>
             </a:fld>
             <a:endParaRPr lang="zh-TW" altLang="en-US"/>
           </a:p>
@@ -1816,7 +4403,7 @@
           <a:p>
             <a:fld id="{32322C77-3870-48CC-9C51-EE7032AEA3C9}" type="datetimeFigureOut">
               <a:rPr lang="zh-TW" altLang="en-US" smtClean="0"/>
-              <a:t>2024/5/21</a:t>
+              <a:t>2024/6/11</a:t>
             </a:fld>
             <a:endParaRPr lang="zh-TW" altLang="en-US"/>
           </a:p>
@@ -1957,7 +4544,7 @@
           <a:p>
             <a:fld id="{32322C77-3870-48CC-9C51-EE7032AEA3C9}" type="datetimeFigureOut">
               <a:rPr lang="zh-TW" altLang="en-US" smtClean="0"/>
-              <a:t>2024/5/21</a:t>
+              <a:t>2024/6/11</a:t>
             </a:fld>
             <a:endParaRPr lang="zh-TW" altLang="en-US"/>
           </a:p>
@@ -2070,7 +4657,7 @@
           <a:p>
             <a:fld id="{32322C77-3870-48CC-9C51-EE7032AEA3C9}" type="datetimeFigureOut">
               <a:rPr lang="zh-TW" altLang="en-US" smtClean="0"/>
-              <a:t>2024/5/21</a:t>
+              <a:t>2024/6/11</a:t>
             </a:fld>
             <a:endParaRPr lang="zh-TW" altLang="en-US"/>
           </a:p>
@@ -2381,7 +4968,7 @@
           <a:p>
             <a:fld id="{32322C77-3870-48CC-9C51-EE7032AEA3C9}" type="datetimeFigureOut">
               <a:rPr lang="zh-TW" altLang="en-US" smtClean="0"/>
-              <a:t>2024/5/21</a:t>
+              <a:t>2024/6/11</a:t>
             </a:fld>
             <a:endParaRPr lang="zh-TW" altLang="en-US"/>
           </a:p>
@@ -2669,7 +5256,7 @@
           <a:p>
             <a:fld id="{32322C77-3870-48CC-9C51-EE7032AEA3C9}" type="datetimeFigureOut">
               <a:rPr lang="zh-TW" altLang="en-US" smtClean="0"/>
-              <a:t>2024/5/21</a:t>
+              <a:t>2024/6/11</a:t>
             </a:fld>
             <a:endParaRPr lang="zh-TW" altLang="en-US"/>
           </a:p>
@@ -2910,7 +5497,7 @@
           <a:p>
             <a:fld id="{32322C77-3870-48CC-9C51-EE7032AEA3C9}" type="datetimeFigureOut">
               <a:rPr lang="zh-TW" altLang="en-US" smtClean="0"/>
-              <a:t>2024/5/21</a:t>
+              <a:t>2024/6/11</a:t>
             </a:fld>
             <a:endParaRPr lang="zh-TW" altLang="en-US"/>
           </a:p>
@@ -3327,87 +5914,38 @@
           <a:chExt cx="0" cy="0"/>
         </a:xfrm>
       </p:grpSpPr>
-      <p:pic>
-        <p:nvPicPr>
-          <p:cNvPr id="3" name="圖片 2" descr="一張含有 文字, 螢幕擷取畫面, 軟體, 多媒體軟體 的圖片&#10;&#10;自動產生的描述">
-            <a:extLst>
-              <a:ext uri="{FF2B5EF4-FFF2-40B4-BE49-F238E27FC236}">
-                <a16:creationId xmlns:a16="http://schemas.microsoft.com/office/drawing/2014/main" id="{C01A1A46-CDB1-46C3-98B3-3D4A2F4A5FB1}"/>
-              </a:ext>
-            </a:extLst>
-          </p:cNvPr>
-          <p:cNvPicPr>
-            <a:picLocks noChangeAspect="1"/>
-          </p:cNvPicPr>
-          <p:nvPr/>
-        </p:nvPicPr>
-        <p:blipFill rotWithShape="1">
-          <a:blip r:embed="rId2">
-            <a:extLst>
-              <a:ext uri="{28A0092B-C50C-407E-A947-70E740481C1C}">
-                <a14:useLocalDpi xmlns:a14="http://schemas.microsoft.com/office/drawing/2010/main" val="0"/>
-              </a:ext>
-            </a:extLst>
-          </a:blip>
-          <a:srcRect l="50899" t="16517" b="6179"/>
-          <a:stretch/>
-        </p:blipFill>
-        <p:spPr>
-          <a:xfrm>
-            <a:off x="109592" y="1633590"/>
-            <a:ext cx="11299926" cy="5003515"/>
-          </a:xfrm>
-          <a:prstGeom prst="rect">
-            <a:avLst/>
-          </a:prstGeom>
-        </p:spPr>
-      </p:pic>
-      <p:sp>
-        <p:nvSpPr>
-          <p:cNvPr id="5" name="文字方塊 4">
-            <a:extLst>
-              <a:ext uri="{FF2B5EF4-FFF2-40B4-BE49-F238E27FC236}">
-                <a16:creationId xmlns:a16="http://schemas.microsoft.com/office/drawing/2014/main" id="{298B81DB-1B04-4BB6-9A5C-4E91D51379B3}"/>
-              </a:ext>
-            </a:extLst>
-          </p:cNvPr>
-          <p:cNvSpPr txBox="1"/>
-          <p:nvPr/>
-        </p:nvSpPr>
-        <p:spPr>
-          <a:xfrm>
-            <a:off x="4012948" y="1705510"/>
-            <a:ext cx="3493213" cy="369332"/>
-          </a:xfrm>
-          <a:prstGeom prst="rect">
-            <a:avLst/>
-          </a:prstGeom>
-          <a:noFill/>
-        </p:spPr>
-        <p:txBody>
-          <a:bodyPr wrap="square" rtlCol="0">
-            <a:spAutoFit/>
-          </a:bodyPr>
-          <a:lstStyle/>
-          <a:p>
-            <a:r>
-              <a:rPr lang="zh-TW" altLang="en-US" dirty="0">
-                <a:latin typeface="Microsoft YaHei" panose="020B0503020204020204" pitchFamily="34" charset="-122"/>
-                <a:ea typeface="Microsoft YaHei" panose="020B0503020204020204" pitchFamily="34" charset="-122"/>
-              </a:rPr>
-              <a:t>每月最高用電量在幾點的分布圖</a:t>
-            </a:r>
-            <a:endParaRPr lang="en-US" altLang="zh-TW" dirty="0">
-              <a:latin typeface="Microsoft YaHei" panose="020B0503020204020204" pitchFamily="34" charset="-122"/>
-              <a:ea typeface="Microsoft YaHei" panose="020B0503020204020204" pitchFamily="34" charset="-122"/>
-            </a:endParaRPr>
-          </a:p>
-        </p:txBody>
-      </p:sp>
+      <p:graphicFrame>
+        <p:nvGraphicFramePr>
+          <p:cNvPr id="4" name="資料庫圖表 3">
+            <a:extLst>
+              <a:ext uri="{FF2B5EF4-FFF2-40B4-BE49-F238E27FC236}">
+                <a16:creationId xmlns:a16="http://schemas.microsoft.com/office/drawing/2014/main" id="{3CFC0950-AD88-4EDF-8276-A48E7DDED26C}"/>
+              </a:ext>
+            </a:extLst>
+          </p:cNvPr>
+          <p:cNvGraphicFramePr/>
+          <p:nvPr>
+            <p:extLst>
+              <p:ext uri="{D42A27DB-BD31-4B8C-83A1-F6EECF244321}">
+                <p14:modId xmlns:p14="http://schemas.microsoft.com/office/powerpoint/2010/main" val="220448113"/>
+              </p:ext>
+            </p:extLst>
+          </p:nvPr>
+        </p:nvGraphicFramePr>
+        <p:xfrm>
+          <a:off x="192925" y="1401257"/>
+          <a:ext cx="10903165" cy="4055486"/>
+        </p:xfrm>
+        <a:graphic>
+          <a:graphicData uri="http://schemas.openxmlformats.org/drawingml/2006/diagram">
+            <dgm:relIds xmlns:dgm="http://schemas.openxmlformats.org/drawingml/2006/diagram" xmlns:r="http://schemas.openxmlformats.org/officeDocument/2006/relationships" r:dm="rId2" r:lo="rId3" r:qs="rId4" r:cs="rId5"/>
+          </a:graphicData>
+        </a:graphic>
+      </p:graphicFrame>
     </p:spTree>
     <p:extLst>
       <p:ext uri="{BB962C8B-B14F-4D97-AF65-F5344CB8AC3E}">
-        <p14:creationId xmlns:p14="http://schemas.microsoft.com/office/powerpoint/2010/main" val="229526147"/>
+        <p14:creationId xmlns:p14="http://schemas.microsoft.com/office/powerpoint/2010/main" val="2240217032"/>
       </p:ext>
     </p:extLst>
   </p:cSld>
@@ -3434,6 +5972,912 @@
           <a:chExt cx="0" cy="0"/>
         </a:xfrm>
       </p:grpSpPr>
+      <p:sp>
+        <p:nvSpPr>
+          <p:cNvPr id="2" name="矩形 1">
+            <a:extLst>
+              <a:ext uri="{FF2B5EF4-FFF2-40B4-BE49-F238E27FC236}">
+                <a16:creationId xmlns:a16="http://schemas.microsoft.com/office/drawing/2014/main" id="{44185AA8-829C-40F1-9226-778D4C254FB3}"/>
+              </a:ext>
+            </a:extLst>
+          </p:cNvPr>
+          <p:cNvSpPr/>
+          <p:nvPr/>
+        </p:nvSpPr>
+        <p:spPr>
+          <a:xfrm>
+            <a:off x="347351" y="264828"/>
+            <a:ext cx="1828642" cy="369332"/>
+          </a:xfrm>
+          <a:prstGeom prst="rect">
+            <a:avLst/>
+          </a:prstGeom>
+        </p:spPr>
+        <p:txBody>
+          <a:bodyPr wrap="none">
+            <a:spAutoFit/>
+          </a:bodyPr>
+          <a:lstStyle/>
+          <a:p>
+            <a:pPr lvl="0"/>
+            <a:r>
+              <a:rPr lang="en-US" altLang="zh-TW" dirty="0"/>
+              <a:t>Python</a:t>
+            </a:r>
+            <a:r>
+              <a:rPr lang="zh-TW" altLang="en-US" dirty="0"/>
+              <a:t> 語法基礎</a:t>
+            </a:r>
+          </a:p>
+        </p:txBody>
+      </p:sp>
+      <p:sp>
+        <p:nvSpPr>
+          <p:cNvPr id="3" name="矩形 2">
+            <a:extLst>
+              <a:ext uri="{FF2B5EF4-FFF2-40B4-BE49-F238E27FC236}">
+                <a16:creationId xmlns:a16="http://schemas.microsoft.com/office/drawing/2014/main" id="{31F6868C-205A-4A87-B36F-A685C0653E95}"/>
+              </a:ext>
+            </a:extLst>
+          </p:cNvPr>
+          <p:cNvSpPr/>
+          <p:nvPr/>
+        </p:nvSpPr>
+        <p:spPr>
+          <a:xfrm>
+            <a:off x="1221168" y="1365373"/>
+            <a:ext cx="9258472" cy="4093428"/>
+          </a:xfrm>
+          <a:prstGeom prst="rect">
+            <a:avLst/>
+          </a:prstGeom>
+        </p:spPr>
+        <p:txBody>
+          <a:bodyPr wrap="square">
+            <a:spAutoFit/>
+          </a:bodyPr>
+          <a:lstStyle/>
+          <a:p>
+            <a:r>
+              <a:rPr lang="en-US" altLang="zh-TW" sz="2600" dirty="0">
+                <a:solidFill>
+                  <a:srgbClr val="000000"/>
+                </a:solidFill>
+                <a:latin typeface="標楷體" panose="03000509000000000000" pitchFamily="65" charset="-120"/>
+                <a:ea typeface="標楷體" panose="03000509000000000000" pitchFamily="65" charset="-120"/>
+              </a:rPr>
+              <a:t>Python </a:t>
+            </a:r>
+            <a:r>
+              <a:rPr lang="zh-TW" altLang="en-US" sz="2600" dirty="0">
+                <a:solidFill>
+                  <a:srgbClr val="000000"/>
+                </a:solidFill>
+                <a:latin typeface="標楷體" panose="03000509000000000000" pitchFamily="65" charset="-120"/>
+                <a:ea typeface="標楷體" panose="03000509000000000000" pitchFamily="65" charset="-120"/>
+              </a:rPr>
+              <a:t>能做什麼？</a:t>
+            </a:r>
+          </a:p>
+          <a:p>
+            <a:pPr lvl="1">
+              <a:buFont typeface="Arial" panose="020B0604020202020204" pitchFamily="34" charset="0"/>
+              <a:buChar char="•"/>
+            </a:pPr>
+            <a:r>
+              <a:rPr lang="en-US" altLang="zh-TW" sz="2600" dirty="0">
+                <a:solidFill>
+                  <a:srgbClr val="000000"/>
+                </a:solidFill>
+                <a:latin typeface="標楷體" panose="03000509000000000000" pitchFamily="65" charset="-120"/>
+                <a:ea typeface="標楷體" panose="03000509000000000000" pitchFamily="65" charset="-120"/>
+              </a:rPr>
+              <a:t>Python </a:t>
+            </a:r>
+            <a:r>
+              <a:rPr lang="zh-TW" altLang="en-US" sz="2600" dirty="0">
+                <a:solidFill>
+                  <a:srgbClr val="000000"/>
+                </a:solidFill>
+                <a:latin typeface="標楷體" panose="03000509000000000000" pitchFamily="65" charset="-120"/>
+                <a:ea typeface="標楷體" panose="03000509000000000000" pitchFamily="65" charset="-120"/>
+              </a:rPr>
+              <a:t>可以在伺服器上使用來建立 </a:t>
+            </a:r>
+            <a:r>
+              <a:rPr lang="en-US" altLang="zh-TW" sz="2600" dirty="0">
+                <a:solidFill>
+                  <a:srgbClr val="000000"/>
+                </a:solidFill>
+                <a:latin typeface="標楷體" panose="03000509000000000000" pitchFamily="65" charset="-120"/>
+                <a:ea typeface="標楷體" panose="03000509000000000000" pitchFamily="65" charset="-120"/>
+              </a:rPr>
+              <a:t>Web </a:t>
+            </a:r>
+            <a:r>
+              <a:rPr lang="zh-TW" altLang="en-US" sz="2600" dirty="0">
+                <a:solidFill>
+                  <a:srgbClr val="000000"/>
+                </a:solidFill>
+                <a:latin typeface="標楷體" panose="03000509000000000000" pitchFamily="65" charset="-120"/>
+                <a:ea typeface="標楷體" panose="03000509000000000000" pitchFamily="65" charset="-120"/>
+              </a:rPr>
+              <a:t>應用程式。</a:t>
+            </a:r>
+            <a:endParaRPr lang="en-US" altLang="zh-TW" sz="2600" dirty="0">
+              <a:solidFill>
+                <a:srgbClr val="000000"/>
+              </a:solidFill>
+              <a:latin typeface="標楷體" panose="03000509000000000000" pitchFamily="65" charset="-120"/>
+              <a:ea typeface="標楷體" panose="03000509000000000000" pitchFamily="65" charset="-120"/>
+            </a:endParaRPr>
+          </a:p>
+          <a:p>
+            <a:pPr lvl="1">
+              <a:buFont typeface="Arial" panose="020B0604020202020204" pitchFamily="34" charset="0"/>
+              <a:buChar char="•"/>
+            </a:pPr>
+            <a:endParaRPr lang="zh-TW" altLang="en-US" sz="2600" dirty="0">
+              <a:solidFill>
+                <a:srgbClr val="000000"/>
+              </a:solidFill>
+              <a:latin typeface="標楷體" panose="03000509000000000000" pitchFamily="65" charset="-120"/>
+              <a:ea typeface="標楷體" panose="03000509000000000000" pitchFamily="65" charset="-120"/>
+            </a:endParaRPr>
+          </a:p>
+          <a:p>
+            <a:pPr lvl="1">
+              <a:buFont typeface="Arial" panose="020B0604020202020204" pitchFamily="34" charset="0"/>
+              <a:buChar char="•"/>
+            </a:pPr>
+            <a:r>
+              <a:rPr lang="en-US" altLang="zh-TW" sz="2600" dirty="0">
+                <a:solidFill>
+                  <a:srgbClr val="000000"/>
+                </a:solidFill>
+                <a:latin typeface="標楷體" panose="03000509000000000000" pitchFamily="65" charset="-120"/>
+                <a:ea typeface="標楷體" panose="03000509000000000000" pitchFamily="65" charset="-120"/>
+              </a:rPr>
+              <a:t>Python </a:t>
+            </a:r>
+            <a:r>
+              <a:rPr lang="zh-TW" altLang="en-US" sz="2600" dirty="0">
+                <a:solidFill>
+                  <a:srgbClr val="000000"/>
+                </a:solidFill>
+                <a:latin typeface="標楷體" panose="03000509000000000000" pitchFamily="65" charset="-120"/>
+                <a:ea typeface="標楷體" panose="03000509000000000000" pitchFamily="65" charset="-120"/>
+              </a:rPr>
+              <a:t>可以與軟體一起使用來創建工作流程。</a:t>
+            </a:r>
+            <a:endParaRPr lang="en-US" altLang="zh-TW" sz="2600" dirty="0">
+              <a:solidFill>
+                <a:srgbClr val="000000"/>
+              </a:solidFill>
+              <a:latin typeface="標楷體" panose="03000509000000000000" pitchFamily="65" charset="-120"/>
+              <a:ea typeface="標楷體" panose="03000509000000000000" pitchFamily="65" charset="-120"/>
+            </a:endParaRPr>
+          </a:p>
+          <a:p>
+            <a:pPr lvl="1">
+              <a:buFont typeface="Arial" panose="020B0604020202020204" pitchFamily="34" charset="0"/>
+              <a:buChar char="•"/>
+            </a:pPr>
+            <a:endParaRPr lang="zh-TW" altLang="en-US" sz="2600" dirty="0">
+              <a:solidFill>
+                <a:srgbClr val="000000"/>
+              </a:solidFill>
+              <a:latin typeface="標楷體" panose="03000509000000000000" pitchFamily="65" charset="-120"/>
+              <a:ea typeface="標楷體" panose="03000509000000000000" pitchFamily="65" charset="-120"/>
+            </a:endParaRPr>
+          </a:p>
+          <a:p>
+            <a:pPr lvl="1">
+              <a:buFont typeface="Arial" panose="020B0604020202020204" pitchFamily="34" charset="0"/>
+              <a:buChar char="•"/>
+            </a:pPr>
+            <a:r>
+              <a:rPr lang="en-US" altLang="zh-TW" sz="2600" dirty="0">
+                <a:solidFill>
+                  <a:srgbClr val="000000"/>
+                </a:solidFill>
+                <a:latin typeface="標楷體" panose="03000509000000000000" pitchFamily="65" charset="-120"/>
+                <a:ea typeface="標楷體" panose="03000509000000000000" pitchFamily="65" charset="-120"/>
+              </a:rPr>
+              <a:t>Python</a:t>
+            </a:r>
+            <a:r>
+              <a:rPr lang="zh-TW" altLang="en-US" sz="2600" dirty="0">
+                <a:solidFill>
+                  <a:srgbClr val="000000"/>
+                </a:solidFill>
+                <a:latin typeface="標楷體" panose="03000509000000000000" pitchFamily="65" charset="-120"/>
+                <a:ea typeface="標楷體" panose="03000509000000000000" pitchFamily="65" charset="-120"/>
+              </a:rPr>
+              <a:t>可以連接到資料庫系統。它還可以讀取和修改文件。</a:t>
+            </a:r>
+            <a:endParaRPr lang="en-US" altLang="zh-TW" sz="2600" dirty="0">
+              <a:solidFill>
+                <a:srgbClr val="000000"/>
+              </a:solidFill>
+              <a:latin typeface="標楷體" panose="03000509000000000000" pitchFamily="65" charset="-120"/>
+              <a:ea typeface="標楷體" panose="03000509000000000000" pitchFamily="65" charset="-120"/>
+            </a:endParaRPr>
+          </a:p>
+          <a:p>
+            <a:pPr lvl="1"/>
+            <a:r>
+              <a:rPr lang="zh-TW" altLang="en-US" sz="2600" dirty="0">
+                <a:solidFill>
+                  <a:srgbClr val="000000"/>
+                </a:solidFill>
+                <a:latin typeface="標楷體" panose="03000509000000000000" pitchFamily="65" charset="-120"/>
+                <a:ea typeface="標楷體" panose="03000509000000000000" pitchFamily="65" charset="-120"/>
+              </a:rPr>
+              <a:t> </a:t>
+            </a:r>
+            <a:r>
+              <a:rPr lang="en-US" altLang="zh-TW" sz="2600" dirty="0">
+                <a:solidFill>
+                  <a:srgbClr val="000000"/>
+                </a:solidFill>
+                <a:latin typeface="標楷體" panose="03000509000000000000" pitchFamily="65" charset="-120"/>
+                <a:ea typeface="標楷體" panose="03000509000000000000" pitchFamily="65" charset="-120"/>
+              </a:rPr>
+              <a:t>(csv</a:t>
+            </a:r>
+            <a:r>
+              <a:rPr lang="zh-TW" altLang="en-US" sz="2600" dirty="0">
+                <a:solidFill>
+                  <a:srgbClr val="000000"/>
+                </a:solidFill>
+                <a:latin typeface="標楷體" panose="03000509000000000000" pitchFamily="65" charset="-120"/>
+                <a:ea typeface="標楷體" panose="03000509000000000000" pitchFamily="65" charset="-120"/>
+              </a:rPr>
+              <a:t>資料處理，</a:t>
+            </a:r>
+            <a:r>
+              <a:rPr lang="en-US" altLang="zh-TW" sz="2600" dirty="0">
+                <a:solidFill>
+                  <a:srgbClr val="000000"/>
+                </a:solidFill>
+                <a:latin typeface="標楷體" panose="03000509000000000000" pitchFamily="65" charset="-120"/>
+                <a:ea typeface="標楷體" panose="03000509000000000000" pitchFamily="65" charset="-120"/>
+              </a:rPr>
+              <a:t> pdf</a:t>
+            </a:r>
+            <a:r>
+              <a:rPr lang="zh-TW" altLang="en-US" sz="2600" dirty="0">
+                <a:solidFill>
+                  <a:srgbClr val="000000"/>
+                </a:solidFill>
+                <a:latin typeface="標楷體" panose="03000509000000000000" pitchFamily="65" charset="-120"/>
+                <a:ea typeface="標楷體" panose="03000509000000000000" pitchFamily="65" charset="-120"/>
+              </a:rPr>
+              <a:t>資料處理</a:t>
+            </a:r>
+            <a:r>
+              <a:rPr lang="en-US" altLang="zh-TW" sz="2600" dirty="0">
+                <a:solidFill>
+                  <a:srgbClr val="000000"/>
+                </a:solidFill>
+                <a:latin typeface="標楷體" panose="03000509000000000000" pitchFamily="65" charset="-120"/>
+                <a:ea typeface="標楷體" panose="03000509000000000000" pitchFamily="65" charset="-120"/>
+              </a:rPr>
+              <a:t>)</a:t>
+            </a:r>
+          </a:p>
+          <a:p>
+            <a:pPr lvl="1"/>
+            <a:endParaRPr lang="zh-TW" altLang="en-US" sz="2600" dirty="0">
+              <a:solidFill>
+                <a:srgbClr val="000000"/>
+              </a:solidFill>
+              <a:latin typeface="標楷體" panose="03000509000000000000" pitchFamily="65" charset="-120"/>
+              <a:ea typeface="標楷體" panose="03000509000000000000" pitchFamily="65" charset="-120"/>
+            </a:endParaRPr>
+          </a:p>
+          <a:p>
+            <a:pPr lvl="1">
+              <a:buFont typeface="Arial" panose="020B0604020202020204" pitchFamily="34" charset="0"/>
+              <a:buChar char="•"/>
+            </a:pPr>
+            <a:r>
+              <a:rPr lang="en-US" altLang="zh-TW" sz="2600" dirty="0">
+                <a:solidFill>
+                  <a:srgbClr val="000000"/>
+                </a:solidFill>
+                <a:latin typeface="標楷體" panose="03000509000000000000" pitchFamily="65" charset="-120"/>
+                <a:ea typeface="標楷體" panose="03000509000000000000" pitchFamily="65" charset="-120"/>
+              </a:rPr>
+              <a:t>Python </a:t>
+            </a:r>
+            <a:r>
+              <a:rPr lang="zh-TW" altLang="en-US" sz="2600" dirty="0">
+                <a:solidFill>
+                  <a:srgbClr val="000000"/>
+                </a:solidFill>
+                <a:latin typeface="標楷體" panose="03000509000000000000" pitchFamily="65" charset="-120"/>
+                <a:ea typeface="標楷體" panose="03000509000000000000" pitchFamily="65" charset="-120"/>
+              </a:rPr>
+              <a:t>可用於處理大數據並執行複雜的數學運算。</a:t>
+            </a:r>
+            <a:endParaRPr lang="en-US" altLang="zh-TW" sz="2600" dirty="0">
+              <a:solidFill>
+                <a:srgbClr val="000000"/>
+              </a:solidFill>
+              <a:latin typeface="標楷體" panose="03000509000000000000" pitchFamily="65" charset="-120"/>
+              <a:ea typeface="標楷體" panose="03000509000000000000" pitchFamily="65" charset="-120"/>
+            </a:endParaRPr>
+          </a:p>
+          <a:p>
+            <a:pPr lvl="1"/>
+            <a:r>
+              <a:rPr lang="zh-TW" altLang="en-US" sz="2600" dirty="0">
+                <a:solidFill>
+                  <a:srgbClr val="000000"/>
+                </a:solidFill>
+                <a:latin typeface="標楷體" panose="03000509000000000000" pitchFamily="65" charset="-120"/>
+                <a:ea typeface="標楷體" panose="03000509000000000000" pitchFamily="65" charset="-120"/>
+              </a:rPr>
+              <a:t> </a:t>
+            </a:r>
+            <a:r>
+              <a:rPr lang="en-US" altLang="zh-TW" sz="2600" dirty="0">
+                <a:solidFill>
+                  <a:srgbClr val="000000"/>
+                </a:solidFill>
+                <a:latin typeface="標楷體" panose="03000509000000000000" pitchFamily="65" charset="-120"/>
+                <a:ea typeface="標楷體" panose="03000509000000000000" pitchFamily="65" charset="-120"/>
+              </a:rPr>
+              <a:t>(</a:t>
+            </a:r>
+            <a:r>
+              <a:rPr lang="zh-TW" altLang="en-US" sz="2600" dirty="0">
+                <a:solidFill>
+                  <a:srgbClr val="000000"/>
+                </a:solidFill>
+                <a:latin typeface="標楷體" panose="03000509000000000000" pitchFamily="65" charset="-120"/>
+                <a:ea typeface="標楷體" panose="03000509000000000000" pitchFamily="65" charset="-120"/>
+              </a:rPr>
+              <a:t>大型語言模型</a:t>
+            </a:r>
+            <a:r>
+              <a:rPr lang="en-US" altLang="zh-TW" sz="2600" dirty="0">
+                <a:solidFill>
+                  <a:srgbClr val="000000"/>
+                </a:solidFill>
+                <a:latin typeface="標楷體" panose="03000509000000000000" pitchFamily="65" charset="-120"/>
+                <a:ea typeface="標楷體" panose="03000509000000000000" pitchFamily="65" charset="-120"/>
+              </a:rPr>
+              <a:t>)</a:t>
+            </a:r>
+            <a:endParaRPr lang="zh-TW" altLang="en-US" sz="2600" dirty="0">
+              <a:solidFill>
+                <a:srgbClr val="000000"/>
+              </a:solidFill>
+              <a:latin typeface="標楷體" panose="03000509000000000000" pitchFamily="65" charset="-120"/>
+              <a:ea typeface="標楷體" panose="03000509000000000000" pitchFamily="65" charset="-120"/>
+            </a:endParaRPr>
+          </a:p>
+        </p:txBody>
+      </p:sp>
+    </p:spTree>
+    <p:extLst>
+      <p:ext uri="{BB962C8B-B14F-4D97-AF65-F5344CB8AC3E}">
+        <p14:creationId xmlns:p14="http://schemas.microsoft.com/office/powerpoint/2010/main" val="1351824536"/>
+      </p:ext>
+    </p:extLst>
+  </p:cSld>
+  <p:clrMapOvr>
+    <a:masterClrMapping/>
+  </p:clrMapOvr>
+</p:sld>
+</file>
+
+<file path=ppt/slides/slide3.xml><?xml version="1.0" encoding="utf-8"?>
+<p:sld xmlns:a="http://schemas.openxmlformats.org/drawingml/2006/main" xmlns:r="http://schemas.openxmlformats.org/officeDocument/2006/relationships" xmlns:p="http://schemas.openxmlformats.org/presentationml/2006/main">
+  <p:cSld>
+    <p:spTree>
+      <p:nvGrpSpPr>
+        <p:cNvPr id="1" name=""/>
+        <p:cNvGrpSpPr/>
+        <p:nvPr/>
+      </p:nvGrpSpPr>
+      <p:grpSpPr>
+        <a:xfrm>
+          <a:off x="0" y="0"/>
+          <a:ext cx="0" cy="0"/>
+          <a:chOff x="0" y="0"/>
+          <a:chExt cx="0" cy="0"/>
+        </a:xfrm>
+      </p:grpSpPr>
+      <p:pic>
+        <p:nvPicPr>
+          <p:cNvPr id="4" name="圖片 3">
+            <a:extLst>
+              <a:ext uri="{FF2B5EF4-FFF2-40B4-BE49-F238E27FC236}">
+                <a16:creationId xmlns:a16="http://schemas.microsoft.com/office/drawing/2014/main" id="{679966B6-11BE-4634-843B-A51C4F4F414E}"/>
+              </a:ext>
+            </a:extLst>
+          </p:cNvPr>
+          <p:cNvPicPr>
+            <a:picLocks noChangeAspect="1"/>
+          </p:cNvPicPr>
+          <p:nvPr/>
+        </p:nvPicPr>
+        <p:blipFill>
+          <a:blip r:embed="rId2"/>
+          <a:stretch>
+            <a:fillRect/>
+          </a:stretch>
+        </p:blipFill>
+        <p:spPr>
+          <a:xfrm>
+            <a:off x="133350" y="552450"/>
+            <a:ext cx="11925300" cy="5753100"/>
+          </a:xfrm>
+          <a:prstGeom prst="rect">
+            <a:avLst/>
+          </a:prstGeom>
+        </p:spPr>
+      </p:pic>
+    </p:spTree>
+    <p:extLst>
+      <p:ext uri="{BB962C8B-B14F-4D97-AF65-F5344CB8AC3E}">
+        <p14:creationId xmlns:p14="http://schemas.microsoft.com/office/powerpoint/2010/main" val="1492037117"/>
+      </p:ext>
+    </p:extLst>
+  </p:cSld>
+  <p:clrMapOvr>
+    <a:masterClrMapping/>
+  </p:clrMapOvr>
+</p:sld>
+</file>
+
+<file path=ppt/slides/slide4.xml><?xml version="1.0" encoding="utf-8"?>
+<p:sld xmlns:a="http://schemas.openxmlformats.org/drawingml/2006/main" xmlns:r="http://schemas.openxmlformats.org/officeDocument/2006/relationships" xmlns:p="http://schemas.openxmlformats.org/presentationml/2006/main">
+  <p:cSld>
+    <p:spTree>
+      <p:nvGrpSpPr>
+        <p:cNvPr id="1" name=""/>
+        <p:cNvGrpSpPr/>
+        <p:nvPr/>
+      </p:nvGrpSpPr>
+      <p:grpSpPr>
+        <a:xfrm>
+          <a:off x="0" y="0"/>
+          <a:ext cx="0" cy="0"/>
+          <a:chOff x="0" y="0"/>
+          <a:chExt cx="0" cy="0"/>
+        </a:xfrm>
+      </p:grpSpPr>
+      <p:sp>
+        <p:nvSpPr>
+          <p:cNvPr id="2" name="矩形 1">
+            <a:extLst>
+              <a:ext uri="{FF2B5EF4-FFF2-40B4-BE49-F238E27FC236}">
+                <a16:creationId xmlns:a16="http://schemas.microsoft.com/office/drawing/2014/main" id="{44185AA8-829C-40F1-9226-778D4C254FB3}"/>
+              </a:ext>
+            </a:extLst>
+          </p:cNvPr>
+          <p:cNvSpPr/>
+          <p:nvPr/>
+        </p:nvSpPr>
+        <p:spPr>
+          <a:xfrm>
+            <a:off x="347351" y="264828"/>
+            <a:ext cx="1366977" cy="369332"/>
+          </a:xfrm>
+          <a:prstGeom prst="rect">
+            <a:avLst/>
+          </a:prstGeom>
+        </p:spPr>
+        <p:txBody>
+          <a:bodyPr wrap="none">
+            <a:spAutoFit/>
+          </a:bodyPr>
+          <a:lstStyle/>
+          <a:p>
+            <a:pPr lvl="0"/>
+            <a:r>
+              <a:rPr lang="en-US" altLang="zh-TW" dirty="0"/>
+              <a:t>Python</a:t>
+            </a:r>
+            <a:r>
+              <a:rPr lang="zh-TW" altLang="en-US" dirty="0"/>
+              <a:t> 基礎</a:t>
+            </a:r>
+          </a:p>
+        </p:txBody>
+      </p:sp>
+      <p:pic>
+        <p:nvPicPr>
+          <p:cNvPr id="4" name="圖片 3">
+            <a:extLst>
+              <a:ext uri="{FF2B5EF4-FFF2-40B4-BE49-F238E27FC236}">
+                <a16:creationId xmlns:a16="http://schemas.microsoft.com/office/drawing/2014/main" id="{BC10945A-2EB7-4B3B-B703-4C92156F1D9B}"/>
+              </a:ext>
+            </a:extLst>
+          </p:cNvPr>
+          <p:cNvPicPr>
+            <a:picLocks noChangeAspect="1"/>
+          </p:cNvPicPr>
+          <p:nvPr/>
+        </p:nvPicPr>
+        <p:blipFill>
+          <a:blip r:embed="rId2"/>
+          <a:stretch>
+            <a:fillRect/>
+          </a:stretch>
+        </p:blipFill>
+        <p:spPr>
+          <a:xfrm>
+            <a:off x="0" y="1338219"/>
+            <a:ext cx="12192000" cy="3852789"/>
+          </a:xfrm>
+          <a:prstGeom prst="rect">
+            <a:avLst/>
+          </a:prstGeom>
+        </p:spPr>
+      </p:pic>
+    </p:spTree>
+    <p:extLst>
+      <p:ext uri="{BB962C8B-B14F-4D97-AF65-F5344CB8AC3E}">
+        <p14:creationId xmlns:p14="http://schemas.microsoft.com/office/powerpoint/2010/main" val="1349745971"/>
+      </p:ext>
+    </p:extLst>
+  </p:cSld>
+  <p:clrMapOvr>
+    <a:masterClrMapping/>
+  </p:clrMapOvr>
+</p:sld>
+</file>
+
+<file path=ppt/slides/slide5.xml><?xml version="1.0" encoding="utf-8"?>
+<p:sld xmlns:a="http://schemas.openxmlformats.org/drawingml/2006/main" xmlns:r="http://schemas.openxmlformats.org/officeDocument/2006/relationships" xmlns:p="http://schemas.openxmlformats.org/presentationml/2006/main">
+  <p:cSld>
+    <p:spTree>
+      <p:nvGrpSpPr>
+        <p:cNvPr id="1" name=""/>
+        <p:cNvGrpSpPr/>
+        <p:nvPr/>
+      </p:nvGrpSpPr>
+      <p:grpSpPr>
+        <a:xfrm>
+          <a:off x="0" y="0"/>
+          <a:ext cx="0" cy="0"/>
+          <a:chOff x="0" y="0"/>
+          <a:chExt cx="0" cy="0"/>
+        </a:xfrm>
+      </p:grpSpPr>
+      <p:sp>
+        <p:nvSpPr>
+          <p:cNvPr id="2" name="矩形 1">
+            <a:extLst>
+              <a:ext uri="{FF2B5EF4-FFF2-40B4-BE49-F238E27FC236}">
+                <a16:creationId xmlns:a16="http://schemas.microsoft.com/office/drawing/2014/main" id="{44185AA8-829C-40F1-9226-778D4C254FB3}"/>
+              </a:ext>
+            </a:extLst>
+          </p:cNvPr>
+          <p:cNvSpPr/>
+          <p:nvPr/>
+        </p:nvSpPr>
+        <p:spPr>
+          <a:xfrm>
+            <a:off x="347351" y="264828"/>
+            <a:ext cx="1366977" cy="369332"/>
+          </a:xfrm>
+          <a:prstGeom prst="rect">
+            <a:avLst/>
+          </a:prstGeom>
+        </p:spPr>
+        <p:txBody>
+          <a:bodyPr wrap="none">
+            <a:spAutoFit/>
+          </a:bodyPr>
+          <a:lstStyle/>
+          <a:p>
+            <a:pPr lvl="0"/>
+            <a:r>
+              <a:rPr lang="en-US" altLang="zh-TW" dirty="0"/>
+              <a:t>Python</a:t>
+            </a:r>
+            <a:r>
+              <a:rPr lang="zh-TW" altLang="en-US" dirty="0"/>
+              <a:t> 基礎</a:t>
+            </a:r>
+          </a:p>
+        </p:txBody>
+      </p:sp>
+      <p:pic>
+        <p:nvPicPr>
+          <p:cNvPr id="3" name="圖片 2">
+            <a:extLst>
+              <a:ext uri="{FF2B5EF4-FFF2-40B4-BE49-F238E27FC236}">
+                <a16:creationId xmlns:a16="http://schemas.microsoft.com/office/drawing/2014/main" id="{1940835F-6B8A-4EE9-9787-D7BD7B015639}"/>
+              </a:ext>
+            </a:extLst>
+          </p:cNvPr>
+          <p:cNvPicPr>
+            <a:picLocks noChangeAspect="1"/>
+          </p:cNvPicPr>
+          <p:nvPr/>
+        </p:nvPicPr>
+        <p:blipFill>
+          <a:blip r:embed="rId2"/>
+          <a:stretch>
+            <a:fillRect/>
+          </a:stretch>
+        </p:blipFill>
+        <p:spPr>
+          <a:xfrm>
+            <a:off x="205482" y="870834"/>
+            <a:ext cx="10109772" cy="2657911"/>
+          </a:xfrm>
+          <a:prstGeom prst="rect">
+            <a:avLst/>
+          </a:prstGeom>
+        </p:spPr>
+      </p:pic>
+      <p:pic>
+        <p:nvPicPr>
+          <p:cNvPr id="5" name="圖片 4">
+            <a:extLst>
+              <a:ext uri="{FF2B5EF4-FFF2-40B4-BE49-F238E27FC236}">
+                <a16:creationId xmlns:a16="http://schemas.microsoft.com/office/drawing/2014/main" id="{E5F3C88B-5034-4D07-8714-1DED87063D81}"/>
+              </a:ext>
+            </a:extLst>
+          </p:cNvPr>
+          <p:cNvPicPr>
+            <a:picLocks noChangeAspect="1"/>
+          </p:cNvPicPr>
+          <p:nvPr/>
+        </p:nvPicPr>
+        <p:blipFill>
+          <a:blip r:embed="rId3"/>
+          <a:stretch>
+            <a:fillRect/>
+          </a:stretch>
+        </p:blipFill>
+        <p:spPr>
+          <a:xfrm>
+            <a:off x="421241" y="3528745"/>
+            <a:ext cx="9894013" cy="3170006"/>
+          </a:xfrm>
+          <a:prstGeom prst="rect">
+            <a:avLst/>
+          </a:prstGeom>
+        </p:spPr>
+      </p:pic>
+    </p:spTree>
+    <p:extLst>
+      <p:ext uri="{BB962C8B-B14F-4D97-AF65-F5344CB8AC3E}">
+        <p14:creationId xmlns:p14="http://schemas.microsoft.com/office/powerpoint/2010/main" val="2995514704"/>
+      </p:ext>
+    </p:extLst>
+  </p:cSld>
+  <p:clrMapOvr>
+    <a:masterClrMapping/>
+  </p:clrMapOvr>
+</p:sld>
+</file>
+
+<file path=ppt/slides/slide6.xml><?xml version="1.0" encoding="utf-8"?>
+<p:sld xmlns:a="http://schemas.openxmlformats.org/drawingml/2006/main" xmlns:r="http://schemas.openxmlformats.org/officeDocument/2006/relationships" xmlns:p="http://schemas.openxmlformats.org/presentationml/2006/main">
+  <p:cSld>
+    <p:spTree>
+      <p:nvGrpSpPr>
+        <p:cNvPr id="1" name=""/>
+        <p:cNvGrpSpPr/>
+        <p:nvPr/>
+      </p:nvGrpSpPr>
+      <p:grpSpPr>
+        <a:xfrm>
+          <a:off x="0" y="0"/>
+          <a:ext cx="0" cy="0"/>
+          <a:chOff x="0" y="0"/>
+          <a:chExt cx="0" cy="0"/>
+        </a:xfrm>
+      </p:grpSpPr>
+      <p:sp>
+        <p:nvSpPr>
+          <p:cNvPr id="2" name="矩形 1">
+            <a:extLst>
+              <a:ext uri="{FF2B5EF4-FFF2-40B4-BE49-F238E27FC236}">
+                <a16:creationId xmlns:a16="http://schemas.microsoft.com/office/drawing/2014/main" id="{8B1C4BDD-67E1-408C-A701-2C4F41617EE3}"/>
+              </a:ext>
+            </a:extLst>
+          </p:cNvPr>
+          <p:cNvSpPr/>
+          <p:nvPr/>
+        </p:nvSpPr>
+        <p:spPr>
+          <a:xfrm>
+            <a:off x="388443" y="275103"/>
+            <a:ext cx="1449179" cy="369332"/>
+          </a:xfrm>
+          <a:prstGeom prst="rect">
+            <a:avLst/>
+          </a:prstGeom>
+        </p:spPr>
+        <p:txBody>
+          <a:bodyPr wrap="none">
+            <a:spAutoFit/>
+          </a:bodyPr>
+          <a:lstStyle/>
+          <a:p>
+            <a:pPr lvl="0"/>
+            <a:r>
+              <a:rPr lang="zh-TW" altLang="en-US" dirty="0"/>
+              <a:t>讀寫</a:t>
+            </a:r>
+            <a:r>
+              <a:rPr lang="en-US" altLang="zh-TW" dirty="0"/>
+              <a:t>csv</a:t>
+            </a:r>
+            <a:r>
+              <a:rPr lang="zh-TW" altLang="en-US" dirty="0"/>
+              <a:t> 畫圖</a:t>
+            </a:r>
+          </a:p>
+        </p:txBody>
+      </p:sp>
+      <p:pic>
+        <p:nvPicPr>
+          <p:cNvPr id="4" name="圖片 3">
+            <a:extLst>
+              <a:ext uri="{FF2B5EF4-FFF2-40B4-BE49-F238E27FC236}">
+                <a16:creationId xmlns:a16="http://schemas.microsoft.com/office/drawing/2014/main" id="{EED6E572-B1CD-4DF7-BB96-B450036E58F0}"/>
+              </a:ext>
+            </a:extLst>
+          </p:cNvPr>
+          <p:cNvPicPr>
+            <a:picLocks noChangeAspect="1"/>
+          </p:cNvPicPr>
+          <p:nvPr/>
+        </p:nvPicPr>
+        <p:blipFill>
+          <a:blip r:embed="rId2"/>
+          <a:stretch>
+            <a:fillRect/>
+          </a:stretch>
+        </p:blipFill>
+        <p:spPr>
+          <a:xfrm>
+            <a:off x="0" y="841624"/>
+            <a:ext cx="12192000" cy="3695274"/>
+          </a:xfrm>
+          <a:prstGeom prst="rect">
+            <a:avLst/>
+          </a:prstGeom>
+        </p:spPr>
+      </p:pic>
+    </p:spTree>
+    <p:extLst>
+      <p:ext uri="{BB962C8B-B14F-4D97-AF65-F5344CB8AC3E}">
+        <p14:creationId xmlns:p14="http://schemas.microsoft.com/office/powerpoint/2010/main" val="2482292983"/>
+      </p:ext>
+    </p:extLst>
+  </p:cSld>
+  <p:clrMapOvr>
+    <a:masterClrMapping/>
+  </p:clrMapOvr>
+</p:sld>
+</file>
+
+<file path=ppt/slides/slide7.xml><?xml version="1.0" encoding="utf-8"?>
+<p:sld xmlns:a="http://schemas.openxmlformats.org/drawingml/2006/main" xmlns:r="http://schemas.openxmlformats.org/officeDocument/2006/relationships" xmlns:p="http://schemas.openxmlformats.org/presentationml/2006/main">
+  <p:cSld>
+    <p:spTree>
+      <p:nvGrpSpPr>
+        <p:cNvPr id="1" name=""/>
+        <p:cNvGrpSpPr/>
+        <p:nvPr/>
+      </p:nvGrpSpPr>
+      <p:grpSpPr>
+        <a:xfrm>
+          <a:off x="0" y="0"/>
+          <a:ext cx="0" cy="0"/>
+          <a:chOff x="0" y="0"/>
+          <a:chExt cx="0" cy="0"/>
+        </a:xfrm>
+      </p:grpSpPr>
+      <p:sp>
+        <p:nvSpPr>
+          <p:cNvPr id="2" name="矩形 1">
+            <a:extLst>
+              <a:ext uri="{FF2B5EF4-FFF2-40B4-BE49-F238E27FC236}">
+                <a16:creationId xmlns:a16="http://schemas.microsoft.com/office/drawing/2014/main" id="{8B1C4BDD-67E1-408C-A701-2C4F41617EE3}"/>
+              </a:ext>
+            </a:extLst>
+          </p:cNvPr>
+          <p:cNvSpPr/>
+          <p:nvPr/>
+        </p:nvSpPr>
+        <p:spPr>
+          <a:xfrm>
+            <a:off x="388443" y="275103"/>
+            <a:ext cx="646331" cy="369332"/>
+          </a:xfrm>
+          <a:prstGeom prst="rect">
+            <a:avLst/>
+          </a:prstGeom>
+        </p:spPr>
+        <p:txBody>
+          <a:bodyPr wrap="none">
+            <a:spAutoFit/>
+          </a:bodyPr>
+          <a:lstStyle/>
+          <a:p>
+            <a:pPr lvl="0"/>
+            <a:r>
+              <a:rPr lang="zh-TW" altLang="en-US" dirty="0"/>
+              <a:t>畫圖</a:t>
+            </a:r>
+          </a:p>
+        </p:txBody>
+      </p:sp>
+      <p:pic>
+        <p:nvPicPr>
+          <p:cNvPr id="4" name="圖片 3">
+            <a:extLst>
+              <a:ext uri="{FF2B5EF4-FFF2-40B4-BE49-F238E27FC236}">
+                <a16:creationId xmlns:a16="http://schemas.microsoft.com/office/drawing/2014/main" id="{EED6E572-B1CD-4DF7-BB96-B450036E58F0}"/>
+              </a:ext>
+            </a:extLst>
+          </p:cNvPr>
+          <p:cNvPicPr>
+            <a:picLocks noChangeAspect="1"/>
+          </p:cNvPicPr>
+          <p:nvPr/>
+        </p:nvPicPr>
+        <p:blipFill>
+          <a:blip r:embed="rId2"/>
+          <a:stretch>
+            <a:fillRect/>
+          </a:stretch>
+        </p:blipFill>
+        <p:spPr>
+          <a:xfrm>
+            <a:off x="0" y="841624"/>
+            <a:ext cx="12192000" cy="3695274"/>
+          </a:xfrm>
+          <a:prstGeom prst="rect">
+            <a:avLst/>
+          </a:prstGeom>
+        </p:spPr>
+      </p:pic>
+    </p:spTree>
+    <p:extLst>
+      <p:ext uri="{BB962C8B-B14F-4D97-AF65-F5344CB8AC3E}">
+        <p14:creationId xmlns:p14="http://schemas.microsoft.com/office/powerpoint/2010/main" val="4086744750"/>
+      </p:ext>
+    </p:extLst>
+  </p:cSld>
+  <p:clrMapOvr>
+    <a:masterClrMapping/>
+  </p:clrMapOvr>
+</p:sld>
+</file>
+
+<file path=ppt/slides/slide8.xml><?xml version="1.0" encoding="utf-8"?>
+<p:sld xmlns:a="http://schemas.openxmlformats.org/drawingml/2006/main" xmlns:r="http://schemas.openxmlformats.org/officeDocument/2006/relationships" xmlns:p="http://schemas.openxmlformats.org/presentationml/2006/main">
+  <p:cSld>
+    <p:spTree>
+      <p:nvGrpSpPr>
+        <p:cNvPr id="1" name=""/>
+        <p:cNvGrpSpPr/>
+        <p:nvPr/>
+      </p:nvGrpSpPr>
+      <p:grpSpPr>
+        <a:xfrm>
+          <a:off x="0" y="0"/>
+          <a:ext cx="0" cy="0"/>
+          <a:chOff x="0" y="0"/>
+          <a:chExt cx="0" cy="0"/>
+        </a:xfrm>
+      </p:grpSpPr>
       <p:pic>
         <p:nvPicPr>
           <p:cNvPr id="3" name="圖片 2" descr="一張含有 螢幕擷取畫面, 文字, 軟體, 多媒體軟體 的圖片&#10;&#10;自動產生的描述">
@@ -3473,6 +6917,113 @@
     <p:extLst>
       <p:ext uri="{BB962C8B-B14F-4D97-AF65-F5344CB8AC3E}">
         <p14:creationId xmlns:p14="http://schemas.microsoft.com/office/powerpoint/2010/main" val="818418401"/>
+      </p:ext>
+    </p:extLst>
+  </p:cSld>
+  <p:clrMapOvr>
+    <a:masterClrMapping/>
+  </p:clrMapOvr>
+</p:sld>
+</file>
+
+<file path=ppt/slides/slide9.xml><?xml version="1.0" encoding="utf-8"?>
+<p:sld xmlns:a="http://schemas.openxmlformats.org/drawingml/2006/main" xmlns:r="http://schemas.openxmlformats.org/officeDocument/2006/relationships" xmlns:p="http://schemas.openxmlformats.org/presentationml/2006/main">
+  <p:cSld>
+    <p:spTree>
+      <p:nvGrpSpPr>
+        <p:cNvPr id="1" name=""/>
+        <p:cNvGrpSpPr/>
+        <p:nvPr/>
+      </p:nvGrpSpPr>
+      <p:grpSpPr>
+        <a:xfrm>
+          <a:off x="0" y="0"/>
+          <a:ext cx="0" cy="0"/>
+          <a:chOff x="0" y="0"/>
+          <a:chExt cx="0" cy="0"/>
+        </a:xfrm>
+      </p:grpSpPr>
+      <p:pic>
+        <p:nvPicPr>
+          <p:cNvPr id="3" name="圖片 2" descr="一張含有 文字, 螢幕擷取畫面, 軟體, 多媒體軟體 的圖片&#10;&#10;自動產生的描述">
+            <a:extLst>
+              <a:ext uri="{FF2B5EF4-FFF2-40B4-BE49-F238E27FC236}">
+                <a16:creationId xmlns:a16="http://schemas.microsoft.com/office/drawing/2014/main" id="{C01A1A46-CDB1-46C3-98B3-3D4A2F4A5FB1}"/>
+              </a:ext>
+            </a:extLst>
+          </p:cNvPr>
+          <p:cNvPicPr>
+            <a:picLocks noChangeAspect="1"/>
+          </p:cNvPicPr>
+          <p:nvPr/>
+        </p:nvPicPr>
+        <p:blipFill rotWithShape="1">
+          <a:blip r:embed="rId2">
+            <a:extLst>
+              <a:ext uri="{28A0092B-C50C-407E-A947-70E740481C1C}">
+                <a14:useLocalDpi xmlns:a14="http://schemas.microsoft.com/office/drawing/2010/main" val="0"/>
+              </a:ext>
+            </a:extLst>
+          </a:blip>
+          <a:srcRect l="50899" t="16517" b="6179"/>
+          <a:stretch/>
+        </p:blipFill>
+        <p:spPr>
+          <a:xfrm>
+            <a:off x="109592" y="1633590"/>
+            <a:ext cx="11299926" cy="5003515"/>
+          </a:xfrm>
+          <a:prstGeom prst="rect">
+            <a:avLst/>
+          </a:prstGeom>
+        </p:spPr>
+      </p:pic>
+      <p:sp>
+        <p:nvSpPr>
+          <p:cNvPr id="5" name="文字方塊 4">
+            <a:extLst>
+              <a:ext uri="{FF2B5EF4-FFF2-40B4-BE49-F238E27FC236}">
+                <a16:creationId xmlns:a16="http://schemas.microsoft.com/office/drawing/2014/main" id="{298B81DB-1B04-4BB6-9A5C-4E91D51379B3}"/>
+              </a:ext>
+            </a:extLst>
+          </p:cNvPr>
+          <p:cNvSpPr txBox="1"/>
+          <p:nvPr/>
+        </p:nvSpPr>
+        <p:spPr>
+          <a:xfrm>
+            <a:off x="4012948" y="1705510"/>
+            <a:ext cx="3493213" cy="369332"/>
+          </a:xfrm>
+          <a:prstGeom prst="rect">
+            <a:avLst/>
+          </a:prstGeom>
+          <a:noFill/>
+        </p:spPr>
+        <p:txBody>
+          <a:bodyPr wrap="square" rtlCol="0">
+            <a:spAutoFit/>
+          </a:bodyPr>
+          <a:lstStyle/>
+          <a:p>
+            <a:r>
+              <a:rPr lang="zh-TW" altLang="en-US" dirty="0">
+                <a:latin typeface="Microsoft YaHei" panose="020B0503020204020204" pitchFamily="34" charset="-122"/>
+                <a:ea typeface="Microsoft YaHei" panose="020B0503020204020204" pitchFamily="34" charset="-122"/>
+              </a:rPr>
+              <a:t>每月最高用電量在幾點的分布圖</a:t>
+            </a:r>
+            <a:endParaRPr lang="en-US" altLang="zh-TW" dirty="0">
+              <a:latin typeface="Microsoft YaHei" panose="020B0503020204020204" pitchFamily="34" charset="-122"/>
+              <a:ea typeface="Microsoft YaHei" panose="020B0503020204020204" pitchFamily="34" charset="-122"/>
+            </a:endParaRPr>
+          </a:p>
+        </p:txBody>
+      </p:sp>
+    </p:spTree>
+    <p:extLst>
+      <p:ext uri="{BB962C8B-B14F-4D97-AF65-F5344CB8AC3E}">
+        <p14:creationId xmlns:p14="http://schemas.microsoft.com/office/powerpoint/2010/main" val="229526147"/>
       </p:ext>
     </p:extLst>
   </p:cSld>

--- a/python講義.pptx
+++ b/python講義.pptx
@@ -6,14 +6,37 @@
   </p:sldMasterIdLst>
   <p:sldIdLst>
     <p:sldId id="258" r:id="rId2"/>
-    <p:sldId id="259" r:id="rId3"/>
+    <p:sldId id="289" r:id="rId3"/>
     <p:sldId id="261" r:id="rId4"/>
-    <p:sldId id="260" r:id="rId5"/>
-    <p:sldId id="263" r:id="rId6"/>
-    <p:sldId id="264" r:id="rId7"/>
-    <p:sldId id="265" r:id="rId8"/>
-    <p:sldId id="257" r:id="rId9"/>
-    <p:sldId id="256" r:id="rId10"/>
+    <p:sldId id="259" r:id="rId5"/>
+    <p:sldId id="266" r:id="rId6"/>
+    <p:sldId id="267" r:id="rId7"/>
+    <p:sldId id="268" r:id="rId8"/>
+    <p:sldId id="269" r:id="rId9"/>
+    <p:sldId id="270" r:id="rId10"/>
+    <p:sldId id="271" r:id="rId11"/>
+    <p:sldId id="272" r:id="rId12"/>
+    <p:sldId id="273" r:id="rId13"/>
+    <p:sldId id="260" r:id="rId14"/>
+    <p:sldId id="263" r:id="rId15"/>
+    <p:sldId id="274" r:id="rId16"/>
+    <p:sldId id="264" r:id="rId17"/>
+    <p:sldId id="284" r:id="rId18"/>
+    <p:sldId id="275" r:id="rId19"/>
+    <p:sldId id="276" r:id="rId20"/>
+    <p:sldId id="277" r:id="rId21"/>
+    <p:sldId id="278" r:id="rId22"/>
+    <p:sldId id="279" r:id="rId23"/>
+    <p:sldId id="280" r:id="rId24"/>
+    <p:sldId id="281" r:id="rId25"/>
+    <p:sldId id="257" r:id="rId26"/>
+    <p:sldId id="256" r:id="rId27"/>
+    <p:sldId id="282" r:id="rId28"/>
+    <p:sldId id="288" r:id="rId29"/>
+    <p:sldId id="285" r:id="rId30"/>
+    <p:sldId id="287" r:id="rId31"/>
+    <p:sldId id="283" r:id="rId32"/>
+    <p:sldId id="286" r:id="rId33"/>
   </p:sldIdLst>
   <p:sldSz cx="12192000" cy="6858000"/>
   <p:notesSz cx="6858000" cy="9144000"/>
@@ -927,12 +950,9 @@
           </a:r>
           <a:r>
             <a:rPr lang="en-US" altLang="zh-TW" dirty="0"/>
-            <a:t>csv</a:t>
+            <a:t>csv(pandas)</a:t>
           </a:r>
-          <a:r>
-            <a:rPr lang="zh-TW" altLang="en-US" dirty="0"/>
-            <a:t> 畫圖</a:t>
-          </a:r>
+          <a:endParaRPr lang="zh-TW" altLang="en-US" dirty="0"/>
         </a:p>
       </dgm:t>
     </dgm:pt>
@@ -1306,12 +1326,9 @@
           </a:r>
           <a:r>
             <a:rPr lang="en-US" altLang="zh-TW" sz="4900" kern="1200" dirty="0"/>
-            <a:t>csv</a:t>
+            <a:t>csv(pandas)</a:t>
           </a:r>
-          <a:r>
-            <a:rPr lang="zh-TW" altLang="en-US" sz="4900" kern="1200" dirty="0"/>
-            <a:t> 畫圖</a:t>
-          </a:r>
+          <a:endParaRPr lang="zh-TW" altLang="en-US" sz="4900" kern="1200" dirty="0"/>
         </a:p>
       </dsp:txBody>
       <dsp:txXfrm rot="10800000">
@@ -5927,7 +5944,7 @@
           <p:nvPr>
             <p:extLst>
               <p:ext uri="{D42A27DB-BD31-4B8C-83A1-F6EECF244321}">
-                <p14:modId xmlns:p14="http://schemas.microsoft.com/office/powerpoint/2010/main" val="220448113"/>
+                <p14:modId xmlns:p14="http://schemas.microsoft.com/office/powerpoint/2010/main" val="2345293324"/>
               </p:ext>
             </p:extLst>
           </p:nvPr>
@@ -5946,6 +5963,1006 @@
     <p:extLst>
       <p:ext uri="{BB962C8B-B14F-4D97-AF65-F5344CB8AC3E}">
         <p14:creationId xmlns:p14="http://schemas.microsoft.com/office/powerpoint/2010/main" val="2240217032"/>
+      </p:ext>
+    </p:extLst>
+  </p:cSld>
+  <p:clrMapOvr>
+    <a:masterClrMapping/>
+  </p:clrMapOvr>
+</p:sld>
+</file>
+
+<file path=ppt/slides/slide10.xml><?xml version="1.0" encoding="utf-8"?>
+<p:sld xmlns:a="http://schemas.openxmlformats.org/drawingml/2006/main" xmlns:r="http://schemas.openxmlformats.org/officeDocument/2006/relationships" xmlns:p="http://schemas.openxmlformats.org/presentationml/2006/main">
+  <p:cSld>
+    <p:spTree>
+      <p:nvGrpSpPr>
+        <p:cNvPr id="1" name=""/>
+        <p:cNvGrpSpPr/>
+        <p:nvPr/>
+      </p:nvGrpSpPr>
+      <p:grpSpPr>
+        <a:xfrm>
+          <a:off x="0" y="0"/>
+          <a:ext cx="0" cy="0"/>
+          <a:chOff x="0" y="0"/>
+          <a:chExt cx="0" cy="0"/>
+        </a:xfrm>
+      </p:grpSpPr>
+      <p:pic>
+        <p:nvPicPr>
+          <p:cNvPr id="2" name="圖片 1">
+            <a:extLst>
+              <a:ext uri="{FF2B5EF4-FFF2-40B4-BE49-F238E27FC236}">
+                <a16:creationId xmlns:a16="http://schemas.microsoft.com/office/drawing/2014/main" id="{081EB88A-6A97-422B-8673-60E542570663}"/>
+              </a:ext>
+            </a:extLst>
+          </p:cNvPr>
+          <p:cNvPicPr>
+            <a:picLocks noChangeAspect="1"/>
+          </p:cNvPicPr>
+          <p:nvPr/>
+        </p:nvPicPr>
+        <p:blipFill>
+          <a:blip r:embed="rId2"/>
+          <a:stretch>
+            <a:fillRect/>
+          </a:stretch>
+        </p:blipFill>
+        <p:spPr>
+          <a:xfrm>
+            <a:off x="9525" y="1785937"/>
+            <a:ext cx="12172950" cy="3286125"/>
+          </a:xfrm>
+          <a:prstGeom prst="rect">
+            <a:avLst/>
+          </a:prstGeom>
+        </p:spPr>
+      </p:pic>
+    </p:spTree>
+    <p:extLst>
+      <p:ext uri="{BB962C8B-B14F-4D97-AF65-F5344CB8AC3E}">
+        <p14:creationId xmlns:p14="http://schemas.microsoft.com/office/powerpoint/2010/main" val="1076868761"/>
+      </p:ext>
+    </p:extLst>
+  </p:cSld>
+  <p:clrMapOvr>
+    <a:masterClrMapping/>
+  </p:clrMapOvr>
+</p:sld>
+</file>
+
+<file path=ppt/slides/slide11.xml><?xml version="1.0" encoding="utf-8"?>
+<p:sld xmlns:a="http://schemas.openxmlformats.org/drawingml/2006/main" xmlns:r="http://schemas.openxmlformats.org/officeDocument/2006/relationships" xmlns:p="http://schemas.openxmlformats.org/presentationml/2006/main">
+  <p:cSld>
+    <p:spTree>
+      <p:nvGrpSpPr>
+        <p:cNvPr id="1" name=""/>
+        <p:cNvGrpSpPr/>
+        <p:nvPr/>
+      </p:nvGrpSpPr>
+      <p:grpSpPr>
+        <a:xfrm>
+          <a:off x="0" y="0"/>
+          <a:ext cx="0" cy="0"/>
+          <a:chOff x="0" y="0"/>
+          <a:chExt cx="0" cy="0"/>
+        </a:xfrm>
+      </p:grpSpPr>
+      <p:pic>
+        <p:nvPicPr>
+          <p:cNvPr id="2" name="圖片 1">
+            <a:extLst>
+              <a:ext uri="{FF2B5EF4-FFF2-40B4-BE49-F238E27FC236}">
+                <a16:creationId xmlns:a16="http://schemas.microsoft.com/office/drawing/2014/main" id="{308F07F1-E3CE-49FA-B4D0-ED6FDCBB401C}"/>
+              </a:ext>
+            </a:extLst>
+          </p:cNvPr>
+          <p:cNvPicPr>
+            <a:picLocks noChangeAspect="1"/>
+          </p:cNvPicPr>
+          <p:nvPr/>
+        </p:nvPicPr>
+        <p:blipFill>
+          <a:blip r:embed="rId2"/>
+          <a:stretch>
+            <a:fillRect/>
+          </a:stretch>
+        </p:blipFill>
+        <p:spPr>
+          <a:xfrm>
+            <a:off x="214312" y="762000"/>
+            <a:ext cx="11763375" cy="5334000"/>
+          </a:xfrm>
+          <a:prstGeom prst="rect">
+            <a:avLst/>
+          </a:prstGeom>
+        </p:spPr>
+      </p:pic>
+    </p:spTree>
+    <p:extLst>
+      <p:ext uri="{BB962C8B-B14F-4D97-AF65-F5344CB8AC3E}">
+        <p14:creationId xmlns:p14="http://schemas.microsoft.com/office/powerpoint/2010/main" val="3743670681"/>
+      </p:ext>
+    </p:extLst>
+  </p:cSld>
+  <p:clrMapOvr>
+    <a:masterClrMapping/>
+  </p:clrMapOvr>
+</p:sld>
+</file>
+
+<file path=ppt/slides/slide12.xml><?xml version="1.0" encoding="utf-8"?>
+<p:sld xmlns:a="http://schemas.openxmlformats.org/drawingml/2006/main" xmlns:r="http://schemas.openxmlformats.org/officeDocument/2006/relationships" xmlns:p="http://schemas.openxmlformats.org/presentationml/2006/main">
+  <p:cSld>
+    <p:spTree>
+      <p:nvGrpSpPr>
+        <p:cNvPr id="1" name=""/>
+        <p:cNvGrpSpPr/>
+        <p:nvPr/>
+      </p:nvGrpSpPr>
+      <p:grpSpPr>
+        <a:xfrm>
+          <a:off x="0" y="0"/>
+          <a:ext cx="0" cy="0"/>
+          <a:chOff x="0" y="0"/>
+          <a:chExt cx="0" cy="0"/>
+        </a:xfrm>
+      </p:grpSpPr>
+      <p:grpSp>
+        <p:nvGrpSpPr>
+          <p:cNvPr id="4" name="群組 3">
+            <a:extLst>
+              <a:ext uri="{FF2B5EF4-FFF2-40B4-BE49-F238E27FC236}">
+                <a16:creationId xmlns:a16="http://schemas.microsoft.com/office/drawing/2014/main" id="{1FA6E636-7076-4762-BC07-7573B588118A}"/>
+              </a:ext>
+            </a:extLst>
+          </p:cNvPr>
+          <p:cNvGrpSpPr/>
+          <p:nvPr/>
+        </p:nvGrpSpPr>
+        <p:grpSpPr>
+          <a:xfrm>
+            <a:off x="0" y="403528"/>
+            <a:ext cx="11877675" cy="2534881"/>
+            <a:chOff x="0" y="403528"/>
+            <a:chExt cx="11877675" cy="2534881"/>
+          </a:xfrm>
+        </p:grpSpPr>
+        <p:pic>
+          <p:nvPicPr>
+            <p:cNvPr id="2" name="圖片 1">
+              <a:extLst>
+                <a:ext uri="{FF2B5EF4-FFF2-40B4-BE49-F238E27FC236}">
+                  <a16:creationId xmlns:a16="http://schemas.microsoft.com/office/drawing/2014/main" id="{B4B832B4-DA24-4CFD-9700-216EDBDC68AA}"/>
+                </a:ext>
+              </a:extLst>
+            </p:cNvPr>
+            <p:cNvPicPr>
+              <a:picLocks noChangeAspect="1"/>
+            </p:cNvPicPr>
+            <p:nvPr/>
+          </p:nvPicPr>
+          <p:blipFill rotWithShape="1">
+            <a:blip r:embed="rId2"/>
+            <a:srcRect b="3226"/>
+            <a:stretch/>
+          </p:blipFill>
+          <p:spPr>
+            <a:xfrm>
+              <a:off x="0" y="403528"/>
+              <a:ext cx="11877675" cy="2534881"/>
+            </a:xfrm>
+            <a:prstGeom prst="rect">
+              <a:avLst/>
+            </a:prstGeom>
+          </p:spPr>
+        </p:pic>
+        <p:sp>
+          <p:nvSpPr>
+            <p:cNvPr id="3" name="矩形 2">
+              <a:extLst>
+                <a:ext uri="{FF2B5EF4-FFF2-40B4-BE49-F238E27FC236}">
+                  <a16:creationId xmlns:a16="http://schemas.microsoft.com/office/drawing/2014/main" id="{14517340-9EE0-4EF9-B970-35B6CC2CB158}"/>
+                </a:ext>
+              </a:extLst>
+            </p:cNvPr>
+            <p:cNvSpPr/>
+            <p:nvPr/>
+          </p:nvSpPr>
+          <p:spPr>
+            <a:xfrm>
+              <a:off x="8167955" y="2291137"/>
+              <a:ext cx="3709720" cy="647272"/>
+            </a:xfrm>
+            <a:prstGeom prst="rect">
+              <a:avLst/>
+            </a:prstGeom>
+            <a:solidFill>
+              <a:srgbClr val="FFFFFF"/>
+            </a:solidFill>
+            <a:ln>
+              <a:solidFill>
+                <a:srgbClr val="FFFFFF"/>
+              </a:solidFill>
+            </a:ln>
+          </p:spPr>
+          <p:style>
+            <a:lnRef idx="2">
+              <a:schemeClr val="accent1">
+                <a:shade val="50000"/>
+              </a:schemeClr>
+            </a:lnRef>
+            <a:fillRef idx="1">
+              <a:schemeClr val="accent1"/>
+            </a:fillRef>
+            <a:effectRef idx="0">
+              <a:schemeClr val="accent1"/>
+            </a:effectRef>
+            <a:fontRef idx="minor">
+              <a:schemeClr val="lt1"/>
+            </a:fontRef>
+          </p:style>
+          <p:txBody>
+            <a:bodyPr rtlCol="0" anchor="ctr"/>
+            <a:lstStyle/>
+            <a:p>
+              <a:pPr algn="ctr"/>
+              <a:endParaRPr lang="zh-TW" altLang="en-US"/>
+            </a:p>
+          </p:txBody>
+        </p:sp>
+      </p:grpSp>
+      <p:sp>
+        <p:nvSpPr>
+          <p:cNvPr id="5" name="矩形 4">
+            <a:extLst>
+              <a:ext uri="{FF2B5EF4-FFF2-40B4-BE49-F238E27FC236}">
+                <a16:creationId xmlns:a16="http://schemas.microsoft.com/office/drawing/2014/main" id="{AC935B09-A7ED-481A-AD21-7864AACB173C}"/>
+              </a:ext>
+            </a:extLst>
+          </p:cNvPr>
+          <p:cNvSpPr/>
+          <p:nvPr/>
+        </p:nvSpPr>
+        <p:spPr>
+          <a:xfrm>
+            <a:off x="1352764" y="3473316"/>
+            <a:ext cx="4000073" cy="892552"/>
+          </a:xfrm>
+          <a:prstGeom prst="rect">
+            <a:avLst/>
+          </a:prstGeom>
+        </p:spPr>
+        <p:txBody>
+          <a:bodyPr wrap="square">
+            <a:spAutoFit/>
+          </a:bodyPr>
+          <a:lstStyle/>
+          <a:p>
+            <a:r>
+              <a:rPr lang="en-US" altLang="zh-TW" sz="2600" b="1" dirty="0">
+                <a:latin typeface="Times New Roman" panose="02020603050405020304" pitchFamily="18" charset="0"/>
+                <a:cs typeface="Times New Roman" panose="02020603050405020304" pitchFamily="18" charset="0"/>
+              </a:rPr>
+              <a:t>for </a:t>
+            </a:r>
+            <a:r>
+              <a:rPr lang="en-US" altLang="zh-TW" sz="2600" b="1" dirty="0" err="1">
+                <a:latin typeface="Times New Roman" panose="02020603050405020304" pitchFamily="18" charset="0"/>
+                <a:cs typeface="Times New Roman" panose="02020603050405020304" pitchFamily="18" charset="0"/>
+              </a:rPr>
+              <a:t>i</a:t>
+            </a:r>
+            <a:r>
+              <a:rPr lang="en-US" altLang="zh-TW" sz="2600" b="1" dirty="0">
+                <a:latin typeface="Times New Roman" panose="02020603050405020304" pitchFamily="18" charset="0"/>
+                <a:cs typeface="Times New Roman" panose="02020603050405020304" pitchFamily="18" charset="0"/>
+              </a:rPr>
+              <a:t> in range(10):</a:t>
+            </a:r>
+          </a:p>
+          <a:p>
+            <a:r>
+              <a:rPr lang="en-US" altLang="zh-TW" sz="2600" b="1" dirty="0">
+                <a:latin typeface="Times New Roman" panose="02020603050405020304" pitchFamily="18" charset="0"/>
+                <a:cs typeface="Times New Roman" panose="02020603050405020304" pitchFamily="18" charset="0"/>
+              </a:rPr>
+              <a:t>    print(</a:t>
+            </a:r>
+            <a:r>
+              <a:rPr lang="en-US" altLang="zh-TW" sz="2600" b="1" dirty="0" err="1">
+                <a:latin typeface="Times New Roman" panose="02020603050405020304" pitchFamily="18" charset="0"/>
+                <a:cs typeface="Times New Roman" panose="02020603050405020304" pitchFamily="18" charset="0"/>
+              </a:rPr>
+              <a:t>i</a:t>
+            </a:r>
+            <a:r>
+              <a:rPr lang="en-US" altLang="zh-TW" sz="2600" b="1" dirty="0">
+                <a:latin typeface="Times New Roman" panose="02020603050405020304" pitchFamily="18" charset="0"/>
+                <a:cs typeface="Times New Roman" panose="02020603050405020304" pitchFamily="18" charset="0"/>
+              </a:rPr>
+              <a:t>)</a:t>
+            </a:r>
+            <a:endParaRPr lang="en-US" altLang="zh-TW" sz="2600" b="1" dirty="0">
+              <a:effectLst/>
+              <a:latin typeface="Times New Roman" panose="02020603050405020304" pitchFamily="18" charset="0"/>
+              <a:cs typeface="Times New Roman" panose="02020603050405020304" pitchFamily="18" charset="0"/>
+            </a:endParaRPr>
+          </a:p>
+        </p:txBody>
+      </p:sp>
+    </p:spTree>
+    <p:extLst>
+      <p:ext uri="{BB962C8B-B14F-4D97-AF65-F5344CB8AC3E}">
+        <p14:creationId xmlns:p14="http://schemas.microsoft.com/office/powerpoint/2010/main" val="4094527550"/>
+      </p:ext>
+    </p:extLst>
+  </p:cSld>
+  <p:clrMapOvr>
+    <a:masterClrMapping/>
+  </p:clrMapOvr>
+</p:sld>
+</file>
+
+<file path=ppt/slides/slide13.xml><?xml version="1.0" encoding="utf-8"?>
+<p:sld xmlns:a="http://schemas.openxmlformats.org/drawingml/2006/main" xmlns:r="http://schemas.openxmlformats.org/officeDocument/2006/relationships" xmlns:p="http://schemas.openxmlformats.org/presentationml/2006/main">
+  <p:cSld>
+    <p:spTree>
+      <p:nvGrpSpPr>
+        <p:cNvPr id="1" name=""/>
+        <p:cNvGrpSpPr/>
+        <p:nvPr/>
+      </p:nvGrpSpPr>
+      <p:grpSpPr>
+        <a:xfrm>
+          <a:off x="0" y="0"/>
+          <a:ext cx="0" cy="0"/>
+          <a:chOff x="0" y="0"/>
+          <a:chExt cx="0" cy="0"/>
+        </a:xfrm>
+      </p:grpSpPr>
+      <p:sp>
+        <p:nvSpPr>
+          <p:cNvPr id="2" name="矩形 1">
+            <a:extLst>
+              <a:ext uri="{FF2B5EF4-FFF2-40B4-BE49-F238E27FC236}">
+                <a16:creationId xmlns:a16="http://schemas.microsoft.com/office/drawing/2014/main" id="{44185AA8-829C-40F1-9226-778D4C254FB3}"/>
+              </a:ext>
+            </a:extLst>
+          </p:cNvPr>
+          <p:cNvSpPr/>
+          <p:nvPr/>
+        </p:nvSpPr>
+        <p:spPr>
+          <a:xfrm>
+            <a:off x="347351" y="264828"/>
+            <a:ext cx="1366977" cy="369332"/>
+          </a:xfrm>
+          <a:prstGeom prst="rect">
+            <a:avLst/>
+          </a:prstGeom>
+        </p:spPr>
+        <p:txBody>
+          <a:bodyPr wrap="none">
+            <a:spAutoFit/>
+          </a:bodyPr>
+          <a:lstStyle/>
+          <a:p>
+            <a:pPr lvl="0"/>
+            <a:r>
+              <a:rPr lang="en-US" altLang="zh-TW" dirty="0"/>
+              <a:t>Python</a:t>
+            </a:r>
+            <a:r>
+              <a:rPr lang="zh-TW" altLang="en-US" dirty="0"/>
+              <a:t> 基礎</a:t>
+            </a:r>
+          </a:p>
+        </p:txBody>
+      </p:sp>
+      <p:pic>
+        <p:nvPicPr>
+          <p:cNvPr id="4" name="圖片 3">
+            <a:extLst>
+              <a:ext uri="{FF2B5EF4-FFF2-40B4-BE49-F238E27FC236}">
+                <a16:creationId xmlns:a16="http://schemas.microsoft.com/office/drawing/2014/main" id="{BC10945A-2EB7-4B3B-B703-4C92156F1D9B}"/>
+              </a:ext>
+            </a:extLst>
+          </p:cNvPr>
+          <p:cNvPicPr>
+            <a:picLocks noChangeAspect="1"/>
+          </p:cNvPicPr>
+          <p:nvPr/>
+        </p:nvPicPr>
+        <p:blipFill>
+          <a:blip r:embed="rId2"/>
+          <a:stretch>
+            <a:fillRect/>
+          </a:stretch>
+        </p:blipFill>
+        <p:spPr>
+          <a:xfrm>
+            <a:off x="0" y="1338219"/>
+            <a:ext cx="12192000" cy="3852789"/>
+          </a:xfrm>
+          <a:prstGeom prst="rect">
+            <a:avLst/>
+          </a:prstGeom>
+        </p:spPr>
+      </p:pic>
+    </p:spTree>
+    <p:extLst>
+      <p:ext uri="{BB962C8B-B14F-4D97-AF65-F5344CB8AC3E}">
+        <p14:creationId xmlns:p14="http://schemas.microsoft.com/office/powerpoint/2010/main" val="1349745971"/>
+      </p:ext>
+    </p:extLst>
+  </p:cSld>
+  <p:clrMapOvr>
+    <a:masterClrMapping/>
+  </p:clrMapOvr>
+</p:sld>
+</file>
+
+<file path=ppt/slides/slide14.xml><?xml version="1.0" encoding="utf-8"?>
+<p:sld xmlns:a="http://schemas.openxmlformats.org/drawingml/2006/main" xmlns:r="http://schemas.openxmlformats.org/officeDocument/2006/relationships" xmlns:p="http://schemas.openxmlformats.org/presentationml/2006/main">
+  <p:cSld>
+    <p:spTree>
+      <p:nvGrpSpPr>
+        <p:cNvPr id="1" name=""/>
+        <p:cNvGrpSpPr/>
+        <p:nvPr/>
+      </p:nvGrpSpPr>
+      <p:grpSpPr>
+        <a:xfrm>
+          <a:off x="0" y="0"/>
+          <a:ext cx="0" cy="0"/>
+          <a:chOff x="0" y="0"/>
+          <a:chExt cx="0" cy="0"/>
+        </a:xfrm>
+      </p:grpSpPr>
+      <p:sp>
+        <p:nvSpPr>
+          <p:cNvPr id="2" name="矩形 1">
+            <a:extLst>
+              <a:ext uri="{FF2B5EF4-FFF2-40B4-BE49-F238E27FC236}">
+                <a16:creationId xmlns:a16="http://schemas.microsoft.com/office/drawing/2014/main" id="{44185AA8-829C-40F1-9226-778D4C254FB3}"/>
+              </a:ext>
+            </a:extLst>
+          </p:cNvPr>
+          <p:cNvSpPr/>
+          <p:nvPr/>
+        </p:nvSpPr>
+        <p:spPr>
+          <a:xfrm>
+            <a:off x="347351" y="264828"/>
+            <a:ext cx="1366977" cy="369332"/>
+          </a:xfrm>
+          <a:prstGeom prst="rect">
+            <a:avLst/>
+          </a:prstGeom>
+        </p:spPr>
+        <p:txBody>
+          <a:bodyPr wrap="none">
+            <a:spAutoFit/>
+          </a:bodyPr>
+          <a:lstStyle/>
+          <a:p>
+            <a:pPr lvl="0"/>
+            <a:r>
+              <a:rPr lang="en-US" altLang="zh-TW" dirty="0"/>
+              <a:t>Python</a:t>
+            </a:r>
+            <a:r>
+              <a:rPr lang="zh-TW" altLang="en-US" dirty="0"/>
+              <a:t> 基礎</a:t>
+            </a:r>
+          </a:p>
+        </p:txBody>
+      </p:sp>
+      <p:pic>
+        <p:nvPicPr>
+          <p:cNvPr id="3" name="圖片 2">
+            <a:extLst>
+              <a:ext uri="{FF2B5EF4-FFF2-40B4-BE49-F238E27FC236}">
+                <a16:creationId xmlns:a16="http://schemas.microsoft.com/office/drawing/2014/main" id="{1940835F-6B8A-4EE9-9787-D7BD7B015639}"/>
+              </a:ext>
+            </a:extLst>
+          </p:cNvPr>
+          <p:cNvPicPr>
+            <a:picLocks noChangeAspect="1"/>
+          </p:cNvPicPr>
+          <p:nvPr/>
+        </p:nvPicPr>
+        <p:blipFill>
+          <a:blip r:embed="rId2"/>
+          <a:stretch>
+            <a:fillRect/>
+          </a:stretch>
+        </p:blipFill>
+        <p:spPr>
+          <a:xfrm>
+            <a:off x="205482" y="870834"/>
+            <a:ext cx="10109772" cy="2657911"/>
+          </a:xfrm>
+          <a:prstGeom prst="rect">
+            <a:avLst/>
+          </a:prstGeom>
+        </p:spPr>
+      </p:pic>
+      <p:pic>
+        <p:nvPicPr>
+          <p:cNvPr id="5" name="圖片 4">
+            <a:extLst>
+              <a:ext uri="{FF2B5EF4-FFF2-40B4-BE49-F238E27FC236}">
+                <a16:creationId xmlns:a16="http://schemas.microsoft.com/office/drawing/2014/main" id="{E5F3C88B-5034-4D07-8714-1DED87063D81}"/>
+              </a:ext>
+            </a:extLst>
+          </p:cNvPr>
+          <p:cNvPicPr>
+            <a:picLocks noChangeAspect="1"/>
+          </p:cNvPicPr>
+          <p:nvPr/>
+        </p:nvPicPr>
+        <p:blipFill>
+          <a:blip r:embed="rId3"/>
+          <a:stretch>
+            <a:fillRect/>
+          </a:stretch>
+        </p:blipFill>
+        <p:spPr>
+          <a:xfrm>
+            <a:off x="421241" y="3528745"/>
+            <a:ext cx="9894013" cy="3170006"/>
+          </a:xfrm>
+          <a:prstGeom prst="rect">
+            <a:avLst/>
+          </a:prstGeom>
+        </p:spPr>
+      </p:pic>
+    </p:spTree>
+    <p:extLst>
+      <p:ext uri="{BB962C8B-B14F-4D97-AF65-F5344CB8AC3E}">
+        <p14:creationId xmlns:p14="http://schemas.microsoft.com/office/powerpoint/2010/main" val="2995514704"/>
+      </p:ext>
+    </p:extLst>
+  </p:cSld>
+  <p:clrMapOvr>
+    <a:masterClrMapping/>
+  </p:clrMapOvr>
+</p:sld>
+</file>
+
+<file path=ppt/slides/slide15.xml><?xml version="1.0" encoding="utf-8"?>
+<p:sld xmlns:a="http://schemas.openxmlformats.org/drawingml/2006/main" xmlns:r="http://schemas.openxmlformats.org/officeDocument/2006/relationships" xmlns:p="http://schemas.openxmlformats.org/presentationml/2006/main">
+  <p:cSld>
+    <p:spTree>
+      <p:nvGrpSpPr>
+        <p:cNvPr id="1" name=""/>
+        <p:cNvGrpSpPr/>
+        <p:nvPr/>
+      </p:nvGrpSpPr>
+      <p:grpSpPr>
+        <a:xfrm>
+          <a:off x="0" y="0"/>
+          <a:ext cx="0" cy="0"/>
+          <a:chOff x="0" y="0"/>
+          <a:chExt cx="0" cy="0"/>
+        </a:xfrm>
+      </p:grpSpPr>
+      <p:pic>
+        <p:nvPicPr>
+          <p:cNvPr id="3" name="圖片 2">
+            <a:extLst>
+              <a:ext uri="{FF2B5EF4-FFF2-40B4-BE49-F238E27FC236}">
+                <a16:creationId xmlns:a16="http://schemas.microsoft.com/office/drawing/2014/main" id="{F866922F-A42E-440E-8F7D-ADBDA224F6B5}"/>
+              </a:ext>
+            </a:extLst>
+          </p:cNvPr>
+          <p:cNvPicPr>
+            <a:picLocks noChangeAspect="1"/>
+          </p:cNvPicPr>
+          <p:nvPr/>
+        </p:nvPicPr>
+        <p:blipFill>
+          <a:blip r:embed="rId2"/>
+          <a:stretch>
+            <a:fillRect/>
+          </a:stretch>
+        </p:blipFill>
+        <p:spPr>
+          <a:xfrm>
+            <a:off x="1019175" y="947737"/>
+            <a:ext cx="10153650" cy="4962525"/>
+          </a:xfrm>
+          <a:prstGeom prst="rect">
+            <a:avLst/>
+          </a:prstGeom>
+        </p:spPr>
+      </p:pic>
+    </p:spTree>
+    <p:extLst>
+      <p:ext uri="{BB962C8B-B14F-4D97-AF65-F5344CB8AC3E}">
+        <p14:creationId xmlns:p14="http://schemas.microsoft.com/office/powerpoint/2010/main" val="381467390"/>
+      </p:ext>
+    </p:extLst>
+  </p:cSld>
+  <p:clrMapOvr>
+    <a:masterClrMapping/>
+  </p:clrMapOvr>
+</p:sld>
+</file>
+
+<file path=ppt/slides/slide16.xml><?xml version="1.0" encoding="utf-8"?>
+<p:sld xmlns:a="http://schemas.openxmlformats.org/drawingml/2006/main" xmlns:r="http://schemas.openxmlformats.org/officeDocument/2006/relationships" xmlns:p="http://schemas.openxmlformats.org/presentationml/2006/main">
+  <p:cSld>
+    <p:spTree>
+      <p:nvGrpSpPr>
+        <p:cNvPr id="1" name=""/>
+        <p:cNvGrpSpPr/>
+        <p:nvPr/>
+      </p:nvGrpSpPr>
+      <p:grpSpPr>
+        <a:xfrm>
+          <a:off x="0" y="0"/>
+          <a:ext cx="0" cy="0"/>
+          <a:chOff x="0" y="0"/>
+          <a:chExt cx="0" cy="0"/>
+        </a:xfrm>
+      </p:grpSpPr>
+      <p:sp>
+        <p:nvSpPr>
+          <p:cNvPr id="2" name="矩形 1">
+            <a:extLst>
+              <a:ext uri="{FF2B5EF4-FFF2-40B4-BE49-F238E27FC236}">
+                <a16:creationId xmlns:a16="http://schemas.microsoft.com/office/drawing/2014/main" id="{8B1C4BDD-67E1-408C-A701-2C4F41617EE3}"/>
+              </a:ext>
+            </a:extLst>
+          </p:cNvPr>
+          <p:cNvSpPr/>
+          <p:nvPr/>
+        </p:nvSpPr>
+        <p:spPr>
+          <a:xfrm>
+            <a:off x="388443" y="275103"/>
+            <a:ext cx="2170402" cy="369332"/>
+          </a:xfrm>
+          <a:prstGeom prst="rect">
+            <a:avLst/>
+          </a:prstGeom>
+        </p:spPr>
+        <p:txBody>
+          <a:bodyPr wrap="none">
+            <a:spAutoFit/>
+          </a:bodyPr>
+          <a:lstStyle/>
+          <a:p>
+            <a:pPr lvl="0"/>
+            <a:r>
+              <a:rPr lang="zh-TW" altLang="en-US" dirty="0"/>
+              <a:t>使用</a:t>
+            </a:r>
+            <a:r>
+              <a:rPr lang="en-US" altLang="zh-TW" dirty="0"/>
+              <a:t>Pandas </a:t>
+            </a:r>
+            <a:r>
+              <a:rPr lang="zh-TW" altLang="en-US" dirty="0"/>
+              <a:t>讀寫</a:t>
+            </a:r>
+            <a:r>
+              <a:rPr lang="en-US" altLang="zh-TW" dirty="0"/>
+              <a:t>csv</a:t>
+            </a:r>
+            <a:r>
+              <a:rPr lang="zh-TW" altLang="en-US" dirty="0"/>
+              <a:t> </a:t>
+            </a:r>
+          </a:p>
+        </p:txBody>
+      </p:sp>
+      <p:pic>
+        <p:nvPicPr>
+          <p:cNvPr id="4" name="圖片 3">
+            <a:extLst>
+              <a:ext uri="{FF2B5EF4-FFF2-40B4-BE49-F238E27FC236}">
+                <a16:creationId xmlns:a16="http://schemas.microsoft.com/office/drawing/2014/main" id="{EED6E572-B1CD-4DF7-BB96-B450036E58F0}"/>
+              </a:ext>
+            </a:extLst>
+          </p:cNvPr>
+          <p:cNvPicPr>
+            <a:picLocks noChangeAspect="1"/>
+          </p:cNvPicPr>
+          <p:nvPr/>
+        </p:nvPicPr>
+        <p:blipFill>
+          <a:blip r:embed="rId2"/>
+          <a:stretch>
+            <a:fillRect/>
+          </a:stretch>
+        </p:blipFill>
+        <p:spPr>
+          <a:xfrm>
+            <a:off x="0" y="841624"/>
+            <a:ext cx="12192000" cy="4768066"/>
+          </a:xfrm>
+          <a:prstGeom prst="rect">
+            <a:avLst/>
+          </a:prstGeom>
+        </p:spPr>
+      </p:pic>
+    </p:spTree>
+    <p:extLst>
+      <p:ext uri="{BB962C8B-B14F-4D97-AF65-F5344CB8AC3E}">
+        <p14:creationId xmlns:p14="http://schemas.microsoft.com/office/powerpoint/2010/main" val="2482292983"/>
+      </p:ext>
+    </p:extLst>
+  </p:cSld>
+  <p:clrMapOvr>
+    <a:masterClrMapping/>
+  </p:clrMapOvr>
+</p:sld>
+</file>
+
+<file path=ppt/slides/slide17.xml><?xml version="1.0" encoding="utf-8"?>
+<p:sld xmlns:a="http://schemas.openxmlformats.org/drawingml/2006/main" xmlns:r="http://schemas.openxmlformats.org/officeDocument/2006/relationships" xmlns:p="http://schemas.openxmlformats.org/presentationml/2006/main">
+  <p:cSld>
+    <p:spTree>
+      <p:nvGrpSpPr>
+        <p:cNvPr id="1" name=""/>
+        <p:cNvGrpSpPr/>
+        <p:nvPr/>
+      </p:nvGrpSpPr>
+      <p:grpSpPr>
+        <a:xfrm>
+          <a:off x="0" y="0"/>
+          <a:ext cx="0" cy="0"/>
+          <a:chOff x="0" y="0"/>
+          <a:chExt cx="0" cy="0"/>
+        </a:xfrm>
+      </p:grpSpPr>
+      <p:pic>
+        <p:nvPicPr>
+          <p:cNvPr id="2" name="圖片 1">
+            <a:extLst>
+              <a:ext uri="{FF2B5EF4-FFF2-40B4-BE49-F238E27FC236}">
+                <a16:creationId xmlns:a16="http://schemas.microsoft.com/office/drawing/2014/main" id="{A88C2D43-2BA3-4119-A4DA-6C2132629A2E}"/>
+              </a:ext>
+            </a:extLst>
+          </p:cNvPr>
+          <p:cNvPicPr>
+            <a:picLocks noChangeAspect="1"/>
+          </p:cNvPicPr>
+          <p:nvPr/>
+        </p:nvPicPr>
+        <p:blipFill>
+          <a:blip r:embed="rId2"/>
+          <a:stretch>
+            <a:fillRect/>
+          </a:stretch>
+        </p:blipFill>
+        <p:spPr>
+          <a:xfrm>
+            <a:off x="0" y="876642"/>
+            <a:ext cx="12192000" cy="4734845"/>
+          </a:xfrm>
+          <a:prstGeom prst="rect">
+            <a:avLst/>
+          </a:prstGeom>
+        </p:spPr>
+      </p:pic>
+    </p:spTree>
+    <p:extLst>
+      <p:ext uri="{BB962C8B-B14F-4D97-AF65-F5344CB8AC3E}">
+        <p14:creationId xmlns:p14="http://schemas.microsoft.com/office/powerpoint/2010/main" val="2857503378"/>
+      </p:ext>
+    </p:extLst>
+  </p:cSld>
+  <p:clrMapOvr>
+    <a:masterClrMapping/>
+  </p:clrMapOvr>
+</p:sld>
+</file>
+
+<file path=ppt/slides/slide18.xml><?xml version="1.0" encoding="utf-8"?>
+<p:sld xmlns:a="http://schemas.openxmlformats.org/drawingml/2006/main" xmlns:r="http://schemas.openxmlformats.org/officeDocument/2006/relationships" xmlns:p="http://schemas.openxmlformats.org/presentationml/2006/main">
+  <p:cSld>
+    <p:spTree>
+      <p:nvGrpSpPr>
+        <p:cNvPr id="1" name=""/>
+        <p:cNvGrpSpPr/>
+        <p:nvPr/>
+      </p:nvGrpSpPr>
+      <p:grpSpPr>
+        <a:xfrm>
+          <a:off x="0" y="0"/>
+          <a:ext cx="0" cy="0"/>
+          <a:chOff x="0" y="0"/>
+          <a:chExt cx="0" cy="0"/>
+        </a:xfrm>
+      </p:grpSpPr>
+      <p:sp>
+        <p:nvSpPr>
+          <p:cNvPr id="2" name="矩形 1">
+            <a:extLst>
+              <a:ext uri="{FF2B5EF4-FFF2-40B4-BE49-F238E27FC236}">
+                <a16:creationId xmlns:a16="http://schemas.microsoft.com/office/drawing/2014/main" id="{84225EED-4B4D-4A72-BEE4-38A2E10C7D83}"/>
+              </a:ext>
+            </a:extLst>
+          </p:cNvPr>
+          <p:cNvSpPr/>
+          <p:nvPr/>
+        </p:nvSpPr>
+        <p:spPr>
+          <a:xfrm>
+            <a:off x="321511" y="398393"/>
+            <a:ext cx="3226909" cy="369332"/>
+          </a:xfrm>
+          <a:prstGeom prst="rect">
+            <a:avLst/>
+          </a:prstGeom>
+        </p:spPr>
+        <p:txBody>
+          <a:bodyPr wrap="none">
+            <a:spAutoFit/>
+          </a:bodyPr>
+          <a:lstStyle/>
+          <a:p>
+            <a:r>
+              <a:rPr lang="en-US" altLang="zh-TW" dirty="0"/>
+              <a:t>Python </a:t>
+            </a:r>
+            <a:r>
+              <a:rPr lang="zh-TW" altLang="en-US" dirty="0"/>
+              <a:t>數據處理庫</a:t>
+            </a:r>
+            <a:r>
+              <a:rPr lang="en-US" altLang="zh-TW" dirty="0" err="1"/>
+              <a:t>numpy</a:t>
+            </a:r>
+            <a:r>
+              <a:rPr lang="zh-TW" altLang="en-US" dirty="0"/>
+              <a:t>基礎 </a:t>
+            </a:r>
+          </a:p>
+        </p:txBody>
+      </p:sp>
+      <p:sp>
+        <p:nvSpPr>
+          <p:cNvPr id="3" name="矩形 2">
+            <a:extLst>
+              <a:ext uri="{FF2B5EF4-FFF2-40B4-BE49-F238E27FC236}">
+                <a16:creationId xmlns:a16="http://schemas.microsoft.com/office/drawing/2014/main" id="{87B2D638-9698-4E0D-BC15-4818A7E41231}"/>
+              </a:ext>
+            </a:extLst>
+          </p:cNvPr>
+          <p:cNvSpPr/>
+          <p:nvPr/>
+        </p:nvSpPr>
+        <p:spPr>
+          <a:xfrm>
+            <a:off x="3630029" y="2001161"/>
+            <a:ext cx="4363265" cy="2554545"/>
+          </a:xfrm>
+          <a:prstGeom prst="rect">
+            <a:avLst/>
+          </a:prstGeom>
+        </p:spPr>
+        <p:txBody>
+          <a:bodyPr wrap="square">
+            <a:spAutoFit/>
+          </a:bodyPr>
+          <a:lstStyle/>
+          <a:p>
+            <a:pPr marL="342900" indent="-342900">
+              <a:buAutoNum type="arabicPeriod"/>
+            </a:pPr>
+            <a:r>
+              <a:rPr lang="zh-TW" altLang="en-US" sz="3200" dirty="0"/>
+              <a:t> 什麼是</a:t>
+            </a:r>
+            <a:r>
+              <a:rPr lang="en-US" altLang="zh-TW" sz="3200" dirty="0" err="1"/>
+              <a:t>Numpy</a:t>
+            </a:r>
+            <a:endParaRPr lang="en-US" altLang="zh-TW" sz="3200" dirty="0"/>
+          </a:p>
+          <a:p>
+            <a:endParaRPr lang="en-US" altLang="zh-TW" sz="3200" dirty="0"/>
+          </a:p>
+          <a:p>
+            <a:r>
+              <a:rPr lang="en-US" altLang="zh-TW" sz="3200" dirty="0"/>
+              <a:t>2. NumPy </a:t>
+            </a:r>
+            <a:r>
+              <a:rPr lang="zh-TW" altLang="en-US" sz="3200" dirty="0"/>
+              <a:t>概述 </a:t>
+            </a:r>
+            <a:endParaRPr lang="en-US" altLang="zh-TW" sz="3200" dirty="0"/>
+          </a:p>
+          <a:p>
+            <a:pPr marL="342900" indent="-342900">
+              <a:buAutoNum type="arabicPeriod"/>
+            </a:pPr>
+            <a:endParaRPr lang="en-US" altLang="zh-TW" sz="3200" dirty="0"/>
+          </a:p>
+          <a:p>
+            <a:r>
+              <a:rPr lang="en-US" altLang="zh-TW" sz="3200" dirty="0"/>
+              <a:t>3. </a:t>
+            </a:r>
+            <a:r>
+              <a:rPr lang="zh-TW" altLang="en-US" sz="3200" dirty="0"/>
+              <a:t>數學運算符 </a:t>
+            </a:r>
+          </a:p>
+        </p:txBody>
+      </p:sp>
+    </p:spTree>
+    <p:extLst>
+      <p:ext uri="{BB962C8B-B14F-4D97-AF65-F5344CB8AC3E}">
+        <p14:creationId xmlns:p14="http://schemas.microsoft.com/office/powerpoint/2010/main" val="1934647614"/>
+      </p:ext>
+    </p:extLst>
+  </p:cSld>
+  <p:clrMapOvr>
+    <a:masterClrMapping/>
+  </p:clrMapOvr>
+</p:sld>
+</file>
+
+<file path=ppt/slides/slide19.xml><?xml version="1.0" encoding="utf-8"?>
+<p:sld xmlns:a="http://schemas.openxmlformats.org/drawingml/2006/main" xmlns:r="http://schemas.openxmlformats.org/officeDocument/2006/relationships" xmlns:p="http://schemas.openxmlformats.org/presentationml/2006/main">
+  <p:cSld>
+    <p:spTree>
+      <p:nvGrpSpPr>
+        <p:cNvPr id="1" name=""/>
+        <p:cNvGrpSpPr/>
+        <p:nvPr/>
+      </p:nvGrpSpPr>
+      <p:grpSpPr>
+        <a:xfrm>
+          <a:off x="0" y="0"/>
+          <a:ext cx="0" cy="0"/>
+          <a:chOff x="0" y="0"/>
+          <a:chExt cx="0" cy="0"/>
+        </a:xfrm>
+      </p:grpSpPr>
+      <p:pic>
+        <p:nvPicPr>
+          <p:cNvPr id="2" name="圖片 1">
+            <a:extLst>
+              <a:ext uri="{FF2B5EF4-FFF2-40B4-BE49-F238E27FC236}">
+                <a16:creationId xmlns:a16="http://schemas.microsoft.com/office/drawing/2014/main" id="{566EC427-B4F0-4D78-8DF9-C99CF04E96D3}"/>
+              </a:ext>
+            </a:extLst>
+          </p:cNvPr>
+          <p:cNvPicPr>
+            <a:picLocks noChangeAspect="1"/>
+          </p:cNvPicPr>
+          <p:nvPr/>
+        </p:nvPicPr>
+        <p:blipFill>
+          <a:blip r:embed="rId2"/>
+          <a:stretch>
+            <a:fillRect/>
+          </a:stretch>
+        </p:blipFill>
+        <p:spPr>
+          <a:xfrm>
+            <a:off x="290512" y="1170398"/>
+            <a:ext cx="11610975" cy="3962400"/>
+          </a:xfrm>
+          <a:prstGeom prst="rect">
+            <a:avLst/>
+          </a:prstGeom>
+        </p:spPr>
+      </p:pic>
+    </p:spTree>
+    <p:extLst>
+      <p:ext uri="{BB962C8B-B14F-4D97-AF65-F5344CB8AC3E}">
+        <p14:creationId xmlns:p14="http://schemas.microsoft.com/office/powerpoint/2010/main" val="133718315"/>
       </p:ext>
     </p:extLst>
   </p:cSld>
@@ -5977,7 +6994,7 @@
           <p:cNvPr id="2" name="矩形 1">
             <a:extLst>
               <a:ext uri="{FF2B5EF4-FFF2-40B4-BE49-F238E27FC236}">
-                <a16:creationId xmlns:a16="http://schemas.microsoft.com/office/drawing/2014/main" id="{44185AA8-829C-40F1-9226-778D4C254FB3}"/>
+                <a16:creationId xmlns:a16="http://schemas.microsoft.com/office/drawing/2014/main" id="{06CF1B6D-95D3-4509-BDD4-D1745CC44261}"/>
               </a:ext>
             </a:extLst>
           </p:cNvPr>
@@ -5986,8 +7003,8 @@
         </p:nvSpPr>
         <p:spPr>
           <a:xfrm>
-            <a:off x="347351" y="264828"/>
-            <a:ext cx="1828642" cy="369332"/>
+            <a:off x="3208132" y="2155273"/>
+            <a:ext cx="4768870" cy="369332"/>
           </a:xfrm>
           <a:prstGeom prst="rect">
             <a:avLst/>
@@ -5999,24 +7016,738 @@
           </a:bodyPr>
           <a:lstStyle/>
           <a:p>
-            <a:pPr lvl="0"/>
-            <a:r>
-              <a:rPr lang="en-US" altLang="zh-TW" dirty="0"/>
-              <a:t>Python</a:t>
-            </a:r>
             <a:r>
               <a:rPr lang="zh-TW" altLang="en-US" dirty="0"/>
-              <a:t> 語法基礎</a:t>
-            </a:r>
+              <a:t>https://www.w3schools.com/python/default.asp</a:t>
+            </a:r>
+          </a:p>
+        </p:txBody>
+      </p:sp>
+    </p:spTree>
+    <p:extLst>
+      <p:ext uri="{BB962C8B-B14F-4D97-AF65-F5344CB8AC3E}">
+        <p14:creationId xmlns:p14="http://schemas.microsoft.com/office/powerpoint/2010/main" val="203806243"/>
+      </p:ext>
+    </p:extLst>
+  </p:cSld>
+  <p:clrMapOvr>
+    <a:masterClrMapping/>
+  </p:clrMapOvr>
+</p:sld>
+</file>
+
+<file path=ppt/slides/slide20.xml><?xml version="1.0" encoding="utf-8"?>
+<p:sld xmlns:a="http://schemas.openxmlformats.org/drawingml/2006/main" xmlns:r="http://schemas.openxmlformats.org/officeDocument/2006/relationships" xmlns:p="http://schemas.openxmlformats.org/presentationml/2006/main">
+  <p:cSld>
+    <p:spTree>
+      <p:nvGrpSpPr>
+        <p:cNvPr id="1" name=""/>
+        <p:cNvGrpSpPr/>
+        <p:nvPr/>
+      </p:nvGrpSpPr>
+      <p:grpSpPr>
+        <a:xfrm>
+          <a:off x="0" y="0"/>
+          <a:ext cx="0" cy="0"/>
+          <a:chOff x="0" y="0"/>
+          <a:chExt cx="0" cy="0"/>
+        </a:xfrm>
+      </p:grpSpPr>
+      <p:pic>
+        <p:nvPicPr>
+          <p:cNvPr id="2" name="圖片 1">
+            <a:extLst>
+              <a:ext uri="{FF2B5EF4-FFF2-40B4-BE49-F238E27FC236}">
+                <a16:creationId xmlns:a16="http://schemas.microsoft.com/office/drawing/2014/main" id="{39DCD023-1F9B-4732-BBB0-6002A594802A}"/>
+              </a:ext>
+            </a:extLst>
+          </p:cNvPr>
+          <p:cNvPicPr>
+            <a:picLocks noChangeAspect="1"/>
+          </p:cNvPicPr>
+          <p:nvPr/>
+        </p:nvPicPr>
+        <p:blipFill>
+          <a:blip r:embed="rId2"/>
+          <a:stretch>
+            <a:fillRect/>
+          </a:stretch>
+        </p:blipFill>
+        <p:spPr>
+          <a:xfrm>
+            <a:off x="0" y="1172963"/>
+            <a:ext cx="12192000" cy="4512074"/>
+          </a:xfrm>
+          <a:prstGeom prst="rect">
+            <a:avLst/>
+          </a:prstGeom>
+        </p:spPr>
+      </p:pic>
+    </p:spTree>
+    <p:extLst>
+      <p:ext uri="{BB962C8B-B14F-4D97-AF65-F5344CB8AC3E}">
+        <p14:creationId xmlns:p14="http://schemas.microsoft.com/office/powerpoint/2010/main" val="3381531997"/>
+      </p:ext>
+    </p:extLst>
+  </p:cSld>
+  <p:clrMapOvr>
+    <a:masterClrMapping/>
+  </p:clrMapOvr>
+</p:sld>
+</file>
+
+<file path=ppt/slides/slide21.xml><?xml version="1.0" encoding="utf-8"?>
+<p:sld xmlns:a="http://schemas.openxmlformats.org/drawingml/2006/main" xmlns:r="http://schemas.openxmlformats.org/officeDocument/2006/relationships" xmlns:p="http://schemas.openxmlformats.org/presentationml/2006/main">
+  <p:cSld>
+    <p:spTree>
+      <p:nvGrpSpPr>
+        <p:cNvPr id="1" name=""/>
+        <p:cNvGrpSpPr/>
+        <p:nvPr/>
+      </p:nvGrpSpPr>
+      <p:grpSpPr>
+        <a:xfrm>
+          <a:off x="0" y="0"/>
+          <a:ext cx="0" cy="0"/>
+          <a:chOff x="0" y="0"/>
+          <a:chExt cx="0" cy="0"/>
+        </a:xfrm>
+      </p:grpSpPr>
+      <p:pic>
+        <p:nvPicPr>
+          <p:cNvPr id="2" name="圖片 1">
+            <a:extLst>
+              <a:ext uri="{FF2B5EF4-FFF2-40B4-BE49-F238E27FC236}">
+                <a16:creationId xmlns:a16="http://schemas.microsoft.com/office/drawing/2014/main" id="{9FF2DDB8-4A73-44A0-8622-FE3166341005}"/>
+              </a:ext>
+            </a:extLst>
+          </p:cNvPr>
+          <p:cNvPicPr>
+            <a:picLocks noChangeAspect="1"/>
+          </p:cNvPicPr>
+          <p:nvPr/>
+        </p:nvPicPr>
+        <p:blipFill rotWithShape="1">
+          <a:blip r:embed="rId2"/>
+          <a:srcRect t="3666"/>
+          <a:stretch/>
+        </p:blipFill>
+        <p:spPr>
+          <a:xfrm>
+            <a:off x="133564" y="1202076"/>
+            <a:ext cx="12192000" cy="3241562"/>
+          </a:xfrm>
+          <a:prstGeom prst="rect">
+            <a:avLst/>
+          </a:prstGeom>
+        </p:spPr>
+      </p:pic>
+    </p:spTree>
+    <p:extLst>
+      <p:ext uri="{BB962C8B-B14F-4D97-AF65-F5344CB8AC3E}">
+        <p14:creationId xmlns:p14="http://schemas.microsoft.com/office/powerpoint/2010/main" val="3276471759"/>
+      </p:ext>
+    </p:extLst>
+  </p:cSld>
+  <p:clrMapOvr>
+    <a:masterClrMapping/>
+  </p:clrMapOvr>
+</p:sld>
+</file>
+
+<file path=ppt/slides/slide22.xml><?xml version="1.0" encoding="utf-8"?>
+<p:sld xmlns:a="http://schemas.openxmlformats.org/drawingml/2006/main" xmlns:r="http://schemas.openxmlformats.org/officeDocument/2006/relationships" xmlns:p="http://schemas.openxmlformats.org/presentationml/2006/main">
+  <p:cSld>
+    <p:spTree>
+      <p:nvGrpSpPr>
+        <p:cNvPr id="1" name=""/>
+        <p:cNvGrpSpPr/>
+        <p:nvPr/>
+      </p:nvGrpSpPr>
+      <p:grpSpPr>
+        <a:xfrm>
+          <a:off x="0" y="0"/>
+          <a:ext cx="0" cy="0"/>
+          <a:chOff x="0" y="0"/>
+          <a:chExt cx="0" cy="0"/>
+        </a:xfrm>
+      </p:grpSpPr>
+      <p:pic>
+        <p:nvPicPr>
+          <p:cNvPr id="2" name="圖片 1">
+            <a:extLst>
+              <a:ext uri="{FF2B5EF4-FFF2-40B4-BE49-F238E27FC236}">
+                <a16:creationId xmlns:a16="http://schemas.microsoft.com/office/drawing/2014/main" id="{BBBEB2F9-468A-48CB-B0D7-BA60E4F4AAAF}"/>
+              </a:ext>
+            </a:extLst>
+          </p:cNvPr>
+          <p:cNvPicPr>
+            <a:picLocks noChangeAspect="1"/>
+          </p:cNvPicPr>
+          <p:nvPr/>
+        </p:nvPicPr>
+        <p:blipFill>
+          <a:blip r:embed="rId2"/>
+          <a:stretch>
+            <a:fillRect/>
+          </a:stretch>
+        </p:blipFill>
+        <p:spPr>
+          <a:xfrm>
+            <a:off x="285750" y="442912"/>
+            <a:ext cx="11620500" cy="5972175"/>
+          </a:xfrm>
+          <a:prstGeom prst="rect">
+            <a:avLst/>
+          </a:prstGeom>
+        </p:spPr>
+      </p:pic>
+    </p:spTree>
+    <p:extLst>
+      <p:ext uri="{BB962C8B-B14F-4D97-AF65-F5344CB8AC3E}">
+        <p14:creationId xmlns:p14="http://schemas.microsoft.com/office/powerpoint/2010/main" val="999953814"/>
+      </p:ext>
+    </p:extLst>
+  </p:cSld>
+  <p:clrMapOvr>
+    <a:masterClrMapping/>
+  </p:clrMapOvr>
+</p:sld>
+</file>
+
+<file path=ppt/slides/slide23.xml><?xml version="1.0" encoding="utf-8"?>
+<p:sld xmlns:a="http://schemas.openxmlformats.org/drawingml/2006/main" xmlns:r="http://schemas.openxmlformats.org/officeDocument/2006/relationships" xmlns:p="http://schemas.openxmlformats.org/presentationml/2006/main">
+  <p:cSld>
+    <p:spTree>
+      <p:nvGrpSpPr>
+        <p:cNvPr id="1" name=""/>
+        <p:cNvGrpSpPr/>
+        <p:nvPr/>
+      </p:nvGrpSpPr>
+      <p:grpSpPr>
+        <a:xfrm>
+          <a:off x="0" y="0"/>
+          <a:ext cx="0" cy="0"/>
+          <a:chOff x="0" y="0"/>
+          <a:chExt cx="0" cy="0"/>
+        </a:xfrm>
+      </p:grpSpPr>
+      <p:pic>
+        <p:nvPicPr>
+          <p:cNvPr id="2" name="圖片 1">
+            <a:extLst>
+              <a:ext uri="{FF2B5EF4-FFF2-40B4-BE49-F238E27FC236}">
+                <a16:creationId xmlns:a16="http://schemas.microsoft.com/office/drawing/2014/main" id="{0216F166-8710-40A2-A635-08343E00D6CF}"/>
+              </a:ext>
+            </a:extLst>
+          </p:cNvPr>
+          <p:cNvPicPr>
+            <a:picLocks noChangeAspect="1"/>
+          </p:cNvPicPr>
+          <p:nvPr/>
+        </p:nvPicPr>
+        <p:blipFill>
+          <a:blip r:embed="rId2"/>
+          <a:stretch>
+            <a:fillRect/>
+          </a:stretch>
+        </p:blipFill>
+        <p:spPr>
+          <a:xfrm>
+            <a:off x="185737" y="342900"/>
+            <a:ext cx="11820525" cy="6172200"/>
+          </a:xfrm>
+          <a:prstGeom prst="rect">
+            <a:avLst/>
+          </a:prstGeom>
+        </p:spPr>
+      </p:pic>
+    </p:spTree>
+    <p:extLst>
+      <p:ext uri="{BB962C8B-B14F-4D97-AF65-F5344CB8AC3E}">
+        <p14:creationId xmlns:p14="http://schemas.microsoft.com/office/powerpoint/2010/main" val="3484737898"/>
+      </p:ext>
+    </p:extLst>
+  </p:cSld>
+  <p:clrMapOvr>
+    <a:masterClrMapping/>
+  </p:clrMapOvr>
+</p:sld>
+</file>
+
+<file path=ppt/slides/slide24.xml><?xml version="1.0" encoding="utf-8"?>
+<p:sld xmlns:a="http://schemas.openxmlformats.org/drawingml/2006/main" xmlns:r="http://schemas.openxmlformats.org/officeDocument/2006/relationships" xmlns:p="http://schemas.openxmlformats.org/presentationml/2006/main">
+  <p:cSld>
+    <p:spTree>
+      <p:nvGrpSpPr>
+        <p:cNvPr id="1" name=""/>
+        <p:cNvGrpSpPr/>
+        <p:nvPr/>
+      </p:nvGrpSpPr>
+      <p:grpSpPr>
+        <a:xfrm>
+          <a:off x="0" y="0"/>
+          <a:ext cx="0" cy="0"/>
+          <a:chOff x="0" y="0"/>
+          <a:chExt cx="0" cy="0"/>
+        </a:xfrm>
+      </p:grpSpPr>
+      <p:pic>
+        <p:nvPicPr>
+          <p:cNvPr id="2" name="圖片 1">
+            <a:extLst>
+              <a:ext uri="{FF2B5EF4-FFF2-40B4-BE49-F238E27FC236}">
+                <a16:creationId xmlns:a16="http://schemas.microsoft.com/office/drawing/2014/main" id="{133AC72F-BA3B-4E95-BF0E-BC64AF730D70}"/>
+              </a:ext>
+            </a:extLst>
+          </p:cNvPr>
+          <p:cNvPicPr>
+            <a:picLocks noChangeAspect="1"/>
+          </p:cNvPicPr>
+          <p:nvPr/>
+        </p:nvPicPr>
+        <p:blipFill>
+          <a:blip r:embed="rId2"/>
+          <a:stretch>
+            <a:fillRect/>
+          </a:stretch>
+        </p:blipFill>
+        <p:spPr>
+          <a:xfrm>
+            <a:off x="23812" y="428625"/>
+            <a:ext cx="12144375" cy="6000750"/>
+          </a:xfrm>
+          <a:prstGeom prst="rect">
+            <a:avLst/>
+          </a:prstGeom>
+        </p:spPr>
+      </p:pic>
+    </p:spTree>
+    <p:extLst>
+      <p:ext uri="{BB962C8B-B14F-4D97-AF65-F5344CB8AC3E}">
+        <p14:creationId xmlns:p14="http://schemas.microsoft.com/office/powerpoint/2010/main" val="252484289"/>
+      </p:ext>
+    </p:extLst>
+  </p:cSld>
+  <p:clrMapOvr>
+    <a:masterClrMapping/>
+  </p:clrMapOvr>
+</p:sld>
+</file>
+
+<file path=ppt/slides/slide25.xml><?xml version="1.0" encoding="utf-8"?>
+<p:sld xmlns:a="http://schemas.openxmlformats.org/drawingml/2006/main" xmlns:r="http://schemas.openxmlformats.org/officeDocument/2006/relationships" xmlns:p="http://schemas.openxmlformats.org/presentationml/2006/main">
+  <p:cSld>
+    <p:spTree>
+      <p:nvGrpSpPr>
+        <p:cNvPr id="1" name=""/>
+        <p:cNvGrpSpPr/>
+        <p:nvPr/>
+      </p:nvGrpSpPr>
+      <p:grpSpPr>
+        <a:xfrm>
+          <a:off x="0" y="0"/>
+          <a:ext cx="0" cy="0"/>
+          <a:chOff x="0" y="0"/>
+          <a:chExt cx="0" cy="0"/>
+        </a:xfrm>
+      </p:grpSpPr>
+      <p:pic>
+        <p:nvPicPr>
+          <p:cNvPr id="3" name="圖片 2" descr="一張含有 螢幕擷取畫面, 文字, 軟體, 多媒體軟體 的圖片&#10;&#10;自動產生的描述">
+            <a:extLst>
+              <a:ext uri="{FF2B5EF4-FFF2-40B4-BE49-F238E27FC236}">
+                <a16:creationId xmlns:a16="http://schemas.microsoft.com/office/drawing/2014/main" id="{9F6EEA6F-06BD-4213-A12F-018796BBAD3E}"/>
+              </a:ext>
+            </a:extLst>
+          </p:cNvPr>
+          <p:cNvPicPr>
+            <a:picLocks noChangeAspect="1"/>
+          </p:cNvPicPr>
+          <p:nvPr/>
+        </p:nvPicPr>
+        <p:blipFill rotWithShape="1">
+          <a:blip r:embed="rId2">
+            <a:extLst>
+              <a:ext uri="{28A0092B-C50C-407E-A947-70E740481C1C}">
+                <a14:useLocalDpi xmlns:a14="http://schemas.microsoft.com/office/drawing/2010/main" val="0"/>
+              </a:ext>
+            </a:extLst>
+          </a:blip>
+          <a:srcRect l="50000" b="4981"/>
+          <a:stretch/>
+        </p:blipFill>
+        <p:spPr>
+          <a:xfrm>
+            <a:off x="741275" y="772488"/>
+            <a:ext cx="10709450" cy="5723990"/>
+          </a:xfrm>
+          <a:prstGeom prst="rect">
+            <a:avLst/>
+          </a:prstGeom>
+        </p:spPr>
+      </p:pic>
+    </p:spTree>
+    <p:extLst>
+      <p:ext uri="{BB962C8B-B14F-4D97-AF65-F5344CB8AC3E}">
+        <p14:creationId xmlns:p14="http://schemas.microsoft.com/office/powerpoint/2010/main" val="818418401"/>
+      </p:ext>
+    </p:extLst>
+  </p:cSld>
+  <p:clrMapOvr>
+    <a:masterClrMapping/>
+  </p:clrMapOvr>
+</p:sld>
+</file>
+
+<file path=ppt/slides/slide26.xml><?xml version="1.0" encoding="utf-8"?>
+<p:sld xmlns:a="http://schemas.openxmlformats.org/drawingml/2006/main" xmlns:r="http://schemas.openxmlformats.org/officeDocument/2006/relationships" xmlns:p="http://schemas.openxmlformats.org/presentationml/2006/main">
+  <p:cSld>
+    <p:spTree>
+      <p:nvGrpSpPr>
+        <p:cNvPr id="1" name=""/>
+        <p:cNvGrpSpPr/>
+        <p:nvPr/>
+      </p:nvGrpSpPr>
+      <p:grpSpPr>
+        <a:xfrm>
+          <a:off x="0" y="0"/>
+          <a:ext cx="0" cy="0"/>
+          <a:chOff x="0" y="0"/>
+          <a:chExt cx="0" cy="0"/>
+        </a:xfrm>
+      </p:grpSpPr>
+      <p:pic>
+        <p:nvPicPr>
+          <p:cNvPr id="3" name="圖片 2" descr="一張含有 文字, 螢幕擷取畫面, 軟體, 多媒體軟體 的圖片&#10;&#10;自動產生的描述">
+            <a:extLst>
+              <a:ext uri="{FF2B5EF4-FFF2-40B4-BE49-F238E27FC236}">
+                <a16:creationId xmlns:a16="http://schemas.microsoft.com/office/drawing/2014/main" id="{C01A1A46-CDB1-46C3-98B3-3D4A2F4A5FB1}"/>
+              </a:ext>
+            </a:extLst>
+          </p:cNvPr>
+          <p:cNvPicPr>
+            <a:picLocks noChangeAspect="1"/>
+          </p:cNvPicPr>
+          <p:nvPr/>
+        </p:nvPicPr>
+        <p:blipFill rotWithShape="1">
+          <a:blip r:embed="rId2">
+            <a:extLst>
+              <a:ext uri="{28A0092B-C50C-407E-A947-70E740481C1C}">
+                <a14:useLocalDpi xmlns:a14="http://schemas.microsoft.com/office/drawing/2010/main" val="0"/>
+              </a:ext>
+            </a:extLst>
+          </a:blip>
+          <a:srcRect l="50899" t="16517" b="6179"/>
+          <a:stretch/>
+        </p:blipFill>
+        <p:spPr>
+          <a:xfrm>
+            <a:off x="109592" y="1633590"/>
+            <a:ext cx="11299926" cy="5003515"/>
+          </a:xfrm>
+          <a:prstGeom prst="rect">
+            <a:avLst/>
+          </a:prstGeom>
+        </p:spPr>
+      </p:pic>
+      <p:sp>
+        <p:nvSpPr>
+          <p:cNvPr id="5" name="文字方塊 4">
+            <a:extLst>
+              <a:ext uri="{FF2B5EF4-FFF2-40B4-BE49-F238E27FC236}">
+                <a16:creationId xmlns:a16="http://schemas.microsoft.com/office/drawing/2014/main" id="{298B81DB-1B04-4BB6-9A5C-4E91D51379B3}"/>
+              </a:ext>
+            </a:extLst>
+          </p:cNvPr>
+          <p:cNvSpPr txBox="1"/>
+          <p:nvPr/>
+        </p:nvSpPr>
+        <p:spPr>
+          <a:xfrm>
+            <a:off x="4012948" y="1705510"/>
+            <a:ext cx="3493213" cy="369332"/>
+          </a:xfrm>
+          <a:prstGeom prst="rect">
+            <a:avLst/>
+          </a:prstGeom>
+          <a:noFill/>
+        </p:spPr>
+        <p:txBody>
+          <a:bodyPr wrap="square" rtlCol="0">
+            <a:spAutoFit/>
+          </a:bodyPr>
+          <a:lstStyle/>
+          <a:p>
+            <a:r>
+              <a:rPr lang="zh-TW" altLang="en-US" dirty="0">
+                <a:latin typeface="Microsoft YaHei" panose="020B0503020204020204" pitchFamily="34" charset="-122"/>
+                <a:ea typeface="Microsoft YaHei" panose="020B0503020204020204" pitchFamily="34" charset="-122"/>
+              </a:rPr>
+              <a:t>每月最高用電量在幾點的分布圖</a:t>
+            </a:r>
+            <a:endParaRPr lang="en-US" altLang="zh-TW" dirty="0">
+              <a:latin typeface="Microsoft YaHei" panose="020B0503020204020204" pitchFamily="34" charset="-122"/>
+              <a:ea typeface="Microsoft YaHei" panose="020B0503020204020204" pitchFamily="34" charset="-122"/>
+            </a:endParaRPr>
+          </a:p>
+        </p:txBody>
+      </p:sp>
+    </p:spTree>
+    <p:extLst>
+      <p:ext uri="{BB962C8B-B14F-4D97-AF65-F5344CB8AC3E}">
+        <p14:creationId xmlns:p14="http://schemas.microsoft.com/office/powerpoint/2010/main" val="229526147"/>
+      </p:ext>
+    </p:extLst>
+  </p:cSld>
+  <p:clrMapOvr>
+    <a:masterClrMapping/>
+  </p:clrMapOvr>
+</p:sld>
+</file>
+
+<file path=ppt/slides/slide27.xml><?xml version="1.0" encoding="utf-8"?>
+<p:sld xmlns:a="http://schemas.openxmlformats.org/drawingml/2006/main" xmlns:r="http://schemas.openxmlformats.org/officeDocument/2006/relationships" xmlns:p="http://schemas.openxmlformats.org/presentationml/2006/main">
+  <p:cSld>
+    <p:spTree>
+      <p:nvGrpSpPr>
+        <p:cNvPr id="1" name=""/>
+        <p:cNvGrpSpPr/>
+        <p:nvPr/>
+      </p:nvGrpSpPr>
+      <p:grpSpPr>
+        <a:xfrm>
+          <a:off x="0" y="0"/>
+          <a:ext cx="0" cy="0"/>
+          <a:chOff x="0" y="0"/>
+          <a:chExt cx="0" cy="0"/>
+        </a:xfrm>
+      </p:grpSpPr>
+      <p:sp>
+        <p:nvSpPr>
+          <p:cNvPr id="2" name="文字方塊 1">
+            <a:extLst>
+              <a:ext uri="{FF2B5EF4-FFF2-40B4-BE49-F238E27FC236}">
+                <a16:creationId xmlns:a16="http://schemas.microsoft.com/office/drawing/2014/main" id="{B043C254-4FBA-4497-A765-83A80384D345}"/>
+              </a:ext>
+            </a:extLst>
+          </p:cNvPr>
+          <p:cNvSpPr txBox="1"/>
+          <p:nvPr/>
+        </p:nvSpPr>
+        <p:spPr>
+          <a:xfrm>
+            <a:off x="2628472" y="770562"/>
+            <a:ext cx="6155933" cy="3816429"/>
+          </a:xfrm>
+          <a:prstGeom prst="rect">
+            <a:avLst/>
+          </a:prstGeom>
+          <a:noFill/>
+        </p:spPr>
+        <p:txBody>
+          <a:bodyPr wrap="square" rtlCol="0">
+            <a:spAutoFit/>
+          </a:bodyPr>
+          <a:lstStyle/>
+          <a:p>
+            <a:r>
+              <a:rPr lang="zh-TW" altLang="en-US" sz="3200" dirty="0"/>
+              <a:t>讀寫資料套件</a:t>
+            </a:r>
+            <a:endParaRPr lang="en-US" altLang="zh-TW" sz="3200" dirty="0"/>
+          </a:p>
+          <a:p>
+            <a:r>
+              <a:rPr lang="en-US" altLang="zh-TW" sz="3200" dirty="0"/>
+              <a:t>Pandas</a:t>
+            </a:r>
+          </a:p>
+          <a:p>
+            <a:r>
+              <a:rPr lang="en-US" altLang="zh-TW" sz="3200" dirty="0" err="1"/>
+              <a:t>Numpy</a:t>
+            </a:r>
+            <a:endParaRPr lang="en-US" altLang="zh-TW" sz="3200" dirty="0"/>
+          </a:p>
+          <a:p>
+            <a:endParaRPr lang="en-US" altLang="zh-TW" sz="3200" dirty="0"/>
+          </a:p>
+          <a:p>
+            <a:r>
+              <a:rPr lang="zh-TW" altLang="en-US" sz="3200" dirty="0"/>
+              <a:t>畫圖套件</a:t>
+            </a:r>
+            <a:endParaRPr lang="en-US" altLang="zh-TW" sz="3200" dirty="0"/>
+          </a:p>
+          <a:p>
+            <a:r>
+              <a:rPr lang="en-US" altLang="zh-TW" sz="3200" dirty="0"/>
+              <a:t>Matplotlib</a:t>
+            </a:r>
+          </a:p>
+          <a:p>
+            <a:r>
+              <a:rPr lang="en-US" altLang="zh-TW" sz="3200" dirty="0" err="1"/>
+              <a:t>Plotly</a:t>
+            </a:r>
+            <a:endParaRPr lang="en-US" altLang="zh-TW" sz="3200" dirty="0"/>
+          </a:p>
+          <a:p>
+            <a:endParaRPr lang="en-US" altLang="zh-TW" dirty="0"/>
+          </a:p>
+        </p:txBody>
+      </p:sp>
+    </p:spTree>
+    <p:extLst>
+      <p:ext uri="{BB962C8B-B14F-4D97-AF65-F5344CB8AC3E}">
+        <p14:creationId xmlns:p14="http://schemas.microsoft.com/office/powerpoint/2010/main" val="3082721767"/>
+      </p:ext>
+    </p:extLst>
+  </p:cSld>
+  <p:clrMapOvr>
+    <a:masterClrMapping/>
+  </p:clrMapOvr>
+</p:sld>
+</file>
+
+<file path=ppt/slides/slide28.xml><?xml version="1.0" encoding="utf-8"?>
+<p:sld xmlns:a="http://schemas.openxmlformats.org/drawingml/2006/main" xmlns:r="http://schemas.openxmlformats.org/officeDocument/2006/relationships" xmlns:p="http://schemas.openxmlformats.org/presentationml/2006/main">
+  <p:cSld>
+    <p:spTree>
+      <p:nvGrpSpPr>
+        <p:cNvPr id="1" name=""/>
+        <p:cNvGrpSpPr/>
+        <p:nvPr/>
+      </p:nvGrpSpPr>
+      <p:grpSpPr>
+        <a:xfrm>
+          <a:off x="0" y="0"/>
+          <a:ext cx="0" cy="0"/>
+          <a:chOff x="0" y="0"/>
+          <a:chExt cx="0" cy="0"/>
+        </a:xfrm>
+      </p:grpSpPr>
+      <p:sp>
+        <p:nvSpPr>
+          <p:cNvPr id="2" name="文字方塊 1">
+            <a:extLst>
+              <a:ext uri="{FF2B5EF4-FFF2-40B4-BE49-F238E27FC236}">
+                <a16:creationId xmlns:a16="http://schemas.microsoft.com/office/drawing/2014/main" id="{B37A5326-9F8C-4C1B-B2D4-769054DCAA14}"/>
+              </a:ext>
+            </a:extLst>
+          </p:cNvPr>
+          <p:cNvSpPr txBox="1"/>
+          <p:nvPr/>
+        </p:nvSpPr>
+        <p:spPr>
+          <a:xfrm>
+            <a:off x="328774" y="184935"/>
+            <a:ext cx="1068512" cy="492443"/>
+          </a:xfrm>
+          <a:prstGeom prst="rect">
+            <a:avLst/>
+          </a:prstGeom>
+          <a:noFill/>
+        </p:spPr>
+        <p:txBody>
+          <a:bodyPr wrap="square" rtlCol="0">
+            <a:spAutoFit/>
+          </a:bodyPr>
+          <a:lstStyle/>
+          <a:p>
+            <a:r>
+              <a:rPr lang="zh-TW" altLang="en-US" sz="2600" dirty="0"/>
+              <a:t>例子</a:t>
+            </a:r>
+            <a:r>
+              <a:rPr lang="en-US" altLang="zh-TW" sz="2600" dirty="0"/>
+              <a:t>1</a:t>
+            </a:r>
+            <a:endParaRPr lang="zh-TW" altLang="en-US" sz="2600" dirty="0"/>
           </a:p>
         </p:txBody>
       </p:sp>
       <p:sp>
         <p:nvSpPr>
-          <p:cNvPr id="3" name="矩形 2">
-            <a:extLst>
-              <a:ext uri="{FF2B5EF4-FFF2-40B4-BE49-F238E27FC236}">
-                <a16:creationId xmlns:a16="http://schemas.microsoft.com/office/drawing/2014/main" id="{31F6868C-205A-4A87-B36F-A685C0653E95}"/>
+          <p:cNvPr id="3" name="文字方塊 2">
+            <a:extLst>
+              <a:ext uri="{FF2B5EF4-FFF2-40B4-BE49-F238E27FC236}">
+                <a16:creationId xmlns:a16="http://schemas.microsoft.com/office/drawing/2014/main" id="{291EC2F1-6900-4F25-9709-6191AAC544D4}"/>
+              </a:ext>
+            </a:extLst>
+          </p:cNvPr>
+          <p:cNvSpPr txBox="1"/>
+          <p:nvPr/>
+        </p:nvSpPr>
+        <p:spPr>
+          <a:xfrm>
+            <a:off x="945222" y="892141"/>
+            <a:ext cx="3071973" cy="492443"/>
+          </a:xfrm>
+          <a:prstGeom prst="rect">
+            <a:avLst/>
+          </a:prstGeom>
+          <a:noFill/>
+        </p:spPr>
+        <p:txBody>
+          <a:bodyPr wrap="square" rtlCol="0">
+            <a:spAutoFit/>
+          </a:bodyPr>
+          <a:lstStyle/>
+          <a:p>
+            <a:r>
+              <a:rPr lang="zh-TW" altLang="en-US" sz="2600" dirty="0"/>
+              <a:t>批量讀取</a:t>
+            </a:r>
+            <a:r>
+              <a:rPr lang="en-US" altLang="zh-TW" sz="2600" dirty="0"/>
+              <a:t>csv</a:t>
+            </a:r>
+            <a:r>
+              <a:rPr lang="zh-TW" altLang="en-US" sz="2600" dirty="0"/>
+              <a:t>資料</a:t>
+            </a:r>
+          </a:p>
+        </p:txBody>
+      </p:sp>
+    </p:spTree>
+    <p:extLst>
+      <p:ext uri="{BB962C8B-B14F-4D97-AF65-F5344CB8AC3E}">
+        <p14:creationId xmlns:p14="http://schemas.microsoft.com/office/powerpoint/2010/main" val="983236023"/>
+      </p:ext>
+    </p:extLst>
+  </p:cSld>
+  <p:clrMapOvr>
+    <a:masterClrMapping/>
+  </p:clrMapOvr>
+</p:sld>
+</file>
+
+<file path=ppt/slides/slide29.xml><?xml version="1.0" encoding="utf-8"?>
+<p:sld xmlns:a="http://schemas.openxmlformats.org/drawingml/2006/main" xmlns:r="http://schemas.openxmlformats.org/officeDocument/2006/relationships" xmlns:p="http://schemas.openxmlformats.org/presentationml/2006/main">
+  <p:cSld>
+    <p:spTree>
+      <p:nvGrpSpPr>
+        <p:cNvPr id="1" name=""/>
+        <p:cNvGrpSpPr/>
+        <p:nvPr/>
+      </p:nvGrpSpPr>
+      <p:grpSpPr>
+        <a:xfrm>
+          <a:off x="0" y="0"/>
+          <a:ext cx="0" cy="0"/>
+          <a:chOff x="0" y="0"/>
+          <a:chExt cx="0" cy="0"/>
+        </a:xfrm>
+      </p:grpSpPr>
+      <p:sp>
+        <p:nvSpPr>
+          <p:cNvPr id="2" name="矩形 1">
+            <a:extLst>
+              <a:ext uri="{FF2B5EF4-FFF2-40B4-BE49-F238E27FC236}">
+                <a16:creationId xmlns:a16="http://schemas.microsoft.com/office/drawing/2014/main" id="{4249FFF3-7276-4762-B0CE-F403B48FFF96}"/>
               </a:ext>
             </a:extLst>
           </p:cNvPr>
@@ -6025,8 +7756,8 @@
         </p:nvSpPr>
         <p:spPr>
           <a:xfrm>
-            <a:off x="1221168" y="1365373"/>
-            <a:ext cx="9258472" cy="4093428"/>
+            <a:off x="226031" y="132071"/>
+            <a:ext cx="9054958" cy="4031873"/>
           </a:xfrm>
           <a:prstGeom prst="rect">
             <a:avLst/>
@@ -6039,325 +7770,355 @@
           <a:lstStyle/>
           <a:p>
             <a:r>
-              <a:rPr lang="en-US" altLang="zh-TW" sz="2600" dirty="0">
+              <a:rPr lang="zh-TW" altLang="en-US" sz="3200" dirty="0">
+                <a:latin typeface="Consolas" panose="020B0609020204030204" pitchFamily="49" charset="0"/>
+              </a:rPr>
+              <a:t>    函數是一個僅在被呼叫時運行的程式碼區塊。</a:t>
+            </a:r>
+          </a:p>
+          <a:p>
+            <a:br>
+              <a:rPr lang="zh-TW" altLang="en-US" sz="3200" dirty="0">
+                <a:latin typeface="Consolas" panose="020B0609020204030204" pitchFamily="49" charset="0"/>
+              </a:rPr>
+            </a:br>
+            <a:r>
+              <a:rPr lang="zh-TW" altLang="en-US" sz="3200" dirty="0">
+                <a:latin typeface="Consolas" panose="020B0609020204030204" pitchFamily="49" charset="0"/>
+              </a:rPr>
+              <a:t>    您可以將資料（稱為參數）傳遞到函數中。</a:t>
+            </a:r>
+          </a:p>
+          <a:p>
+            <a:br>
+              <a:rPr lang="zh-TW" altLang="en-US" sz="3200" dirty="0">
+                <a:latin typeface="Consolas" panose="020B0609020204030204" pitchFamily="49" charset="0"/>
+              </a:rPr>
+            </a:br>
+            <a:r>
+              <a:rPr lang="zh-TW" altLang="en-US" sz="3200" dirty="0">
+                <a:latin typeface="Consolas" panose="020B0609020204030204" pitchFamily="49" charset="0"/>
+              </a:rPr>
+              <a:t>    函數可以傳回資料作為結果。</a:t>
+            </a:r>
+            <a:endParaRPr lang="en-US" altLang="zh-TW" sz="3200" dirty="0">
+              <a:latin typeface="Consolas" panose="020B0609020204030204" pitchFamily="49" charset="0"/>
+            </a:endParaRPr>
+          </a:p>
+          <a:p>
+            <a:endParaRPr lang="en-US" altLang="zh-TW" sz="3200" dirty="0">
+              <a:latin typeface="Consolas" panose="020B0609020204030204" pitchFamily="49" charset="0"/>
+            </a:endParaRPr>
+          </a:p>
+          <a:p>
+            <a:r>
+              <a:rPr lang="en-US" altLang="zh-TW" sz="3200" b="0" dirty="0">
+                <a:effectLst/>
+                <a:latin typeface="Consolas" panose="020B0609020204030204" pitchFamily="49" charset="0"/>
+              </a:rPr>
+              <a:t>	</a:t>
+            </a:r>
+            <a:r>
+              <a:rPr lang="zh-TW" altLang="en-US" sz="3200" b="1" dirty="0">
+                <a:effectLst/>
+                <a:latin typeface="Consolas" panose="020B0609020204030204" pitchFamily="49" charset="0"/>
+              </a:rPr>
+              <a:t>可以讓程式碼可讀性變高</a:t>
+            </a:r>
+            <a:endParaRPr lang="en-US" altLang="zh-TW" sz="3200" b="1" dirty="0">
+              <a:effectLst/>
+              <a:latin typeface="Consolas" panose="020B0609020204030204" pitchFamily="49" charset="0"/>
+            </a:endParaRPr>
+          </a:p>
+          <a:p>
+            <a:endParaRPr lang="zh-TW" altLang="en-US" sz="3200" b="0" dirty="0">
+              <a:effectLst/>
+              <a:latin typeface="Consolas" panose="020B0609020204030204" pitchFamily="49" charset="0"/>
+            </a:endParaRPr>
+          </a:p>
+        </p:txBody>
+      </p:sp>
+      <p:sp>
+        <p:nvSpPr>
+          <p:cNvPr id="3" name="矩形 2">
+            <a:extLst>
+              <a:ext uri="{FF2B5EF4-FFF2-40B4-BE49-F238E27FC236}">
+                <a16:creationId xmlns:a16="http://schemas.microsoft.com/office/drawing/2014/main" id="{8972F146-3D93-4F8A-B8C7-273F072429D0}"/>
+              </a:ext>
+            </a:extLst>
+          </p:cNvPr>
+          <p:cNvSpPr/>
+          <p:nvPr/>
+        </p:nvSpPr>
+        <p:spPr>
+          <a:xfrm>
+            <a:off x="1458931" y="3799945"/>
+            <a:ext cx="7822058" cy="2554545"/>
+          </a:xfrm>
+          <a:prstGeom prst="rect">
+            <a:avLst/>
+          </a:prstGeom>
+        </p:spPr>
+        <p:txBody>
+          <a:bodyPr wrap="square">
+            <a:spAutoFit/>
+          </a:bodyPr>
+          <a:lstStyle/>
+          <a:p>
+            <a:r>
+              <a:rPr lang="en-US" altLang="zh-TW" sz="3200" dirty="0">
                 <a:solidFill>
-                  <a:srgbClr val="000000"/>
+                  <a:srgbClr val="569CD6"/>
                 </a:solidFill>
-                <a:latin typeface="標楷體" panose="03000509000000000000" pitchFamily="65" charset="-120"/>
-                <a:ea typeface="標楷體" panose="03000509000000000000" pitchFamily="65" charset="-120"/>
+                <a:latin typeface="Consolas" panose="020B0609020204030204" pitchFamily="49" charset="0"/>
               </a:rPr>
-              <a:t>Python </a:t>
-            </a:r>
-            <a:r>
-              <a:rPr lang="zh-TW" altLang="en-US" sz="2600" dirty="0">
+              <a:t>def</a:t>
+            </a:r>
+            <a:r>
+              <a:rPr lang="en-US" altLang="zh-TW" sz="3200" dirty="0">
                 <a:solidFill>
-                  <a:srgbClr val="000000"/>
+                  <a:srgbClr val="D4D4D4"/>
                 </a:solidFill>
-                <a:latin typeface="標楷體" panose="03000509000000000000" pitchFamily="65" charset="-120"/>
-                <a:ea typeface="標楷體" panose="03000509000000000000" pitchFamily="65" charset="-120"/>
-              </a:rPr>
-              <a:t>能做什麼？</a:t>
-            </a:r>
-          </a:p>
-          <a:p>
-            <a:pPr lvl="1">
-              <a:buFont typeface="Arial" panose="020B0604020202020204" pitchFamily="34" charset="0"/>
-              <a:buChar char="•"/>
-            </a:pPr>
-            <a:r>
-              <a:rPr lang="en-US" altLang="zh-TW" sz="2600" dirty="0">
-                <a:solidFill>
-                  <a:srgbClr val="000000"/>
-                </a:solidFill>
-                <a:latin typeface="標楷體" panose="03000509000000000000" pitchFamily="65" charset="-120"/>
-                <a:ea typeface="標楷體" panose="03000509000000000000" pitchFamily="65" charset="-120"/>
-              </a:rPr>
-              <a:t>Python </a:t>
-            </a:r>
-            <a:r>
-              <a:rPr lang="zh-TW" altLang="en-US" sz="2600" dirty="0">
-                <a:solidFill>
-                  <a:srgbClr val="000000"/>
-                </a:solidFill>
-                <a:latin typeface="標楷體" panose="03000509000000000000" pitchFamily="65" charset="-120"/>
-                <a:ea typeface="標楷體" panose="03000509000000000000" pitchFamily="65" charset="-120"/>
-              </a:rPr>
-              <a:t>可以在伺服器上使用來建立 </a:t>
-            </a:r>
-            <a:r>
-              <a:rPr lang="en-US" altLang="zh-TW" sz="2600" dirty="0">
-                <a:solidFill>
-                  <a:srgbClr val="000000"/>
-                </a:solidFill>
-                <a:latin typeface="標楷體" panose="03000509000000000000" pitchFamily="65" charset="-120"/>
-                <a:ea typeface="標楷體" panose="03000509000000000000" pitchFamily="65" charset="-120"/>
-              </a:rPr>
-              <a:t>Web </a:t>
-            </a:r>
-            <a:r>
-              <a:rPr lang="zh-TW" altLang="en-US" sz="2600" dirty="0">
-                <a:solidFill>
-                  <a:srgbClr val="000000"/>
-                </a:solidFill>
-                <a:latin typeface="標楷體" panose="03000509000000000000" pitchFamily="65" charset="-120"/>
-                <a:ea typeface="標楷體" panose="03000509000000000000" pitchFamily="65" charset="-120"/>
-              </a:rPr>
-              <a:t>應用程式。</a:t>
-            </a:r>
-            <a:endParaRPr lang="en-US" altLang="zh-TW" sz="2600" dirty="0">
-              <a:solidFill>
-                <a:srgbClr val="000000"/>
-              </a:solidFill>
-              <a:latin typeface="標楷體" panose="03000509000000000000" pitchFamily="65" charset="-120"/>
-              <a:ea typeface="標楷體" panose="03000509000000000000" pitchFamily="65" charset="-120"/>
-            </a:endParaRPr>
-          </a:p>
-          <a:p>
-            <a:pPr lvl="1">
-              <a:buFont typeface="Arial" panose="020B0604020202020204" pitchFamily="34" charset="0"/>
-              <a:buChar char="•"/>
-            </a:pPr>
-            <a:endParaRPr lang="zh-TW" altLang="en-US" sz="2600" dirty="0">
-              <a:solidFill>
-                <a:srgbClr val="000000"/>
-              </a:solidFill>
-              <a:latin typeface="標楷體" panose="03000509000000000000" pitchFamily="65" charset="-120"/>
-              <a:ea typeface="標楷體" panose="03000509000000000000" pitchFamily="65" charset="-120"/>
-            </a:endParaRPr>
-          </a:p>
-          <a:p>
-            <a:pPr lvl="1">
-              <a:buFont typeface="Arial" panose="020B0604020202020204" pitchFamily="34" charset="0"/>
-              <a:buChar char="•"/>
-            </a:pPr>
-            <a:r>
-              <a:rPr lang="en-US" altLang="zh-TW" sz="2600" dirty="0">
-                <a:solidFill>
-                  <a:srgbClr val="000000"/>
-                </a:solidFill>
-                <a:latin typeface="標楷體" panose="03000509000000000000" pitchFamily="65" charset="-120"/>
-                <a:ea typeface="標楷體" panose="03000509000000000000" pitchFamily="65" charset="-120"/>
-              </a:rPr>
-              <a:t>Python </a:t>
-            </a:r>
-            <a:r>
-              <a:rPr lang="zh-TW" altLang="en-US" sz="2600" dirty="0">
-                <a:solidFill>
-                  <a:srgbClr val="000000"/>
-                </a:solidFill>
-                <a:latin typeface="標楷體" panose="03000509000000000000" pitchFamily="65" charset="-120"/>
-                <a:ea typeface="標楷體" panose="03000509000000000000" pitchFamily="65" charset="-120"/>
-              </a:rPr>
-              <a:t>可以與軟體一起使用來創建工作流程。</a:t>
-            </a:r>
-            <a:endParaRPr lang="en-US" altLang="zh-TW" sz="2600" dirty="0">
-              <a:solidFill>
-                <a:srgbClr val="000000"/>
-              </a:solidFill>
-              <a:latin typeface="標楷體" panose="03000509000000000000" pitchFamily="65" charset="-120"/>
-              <a:ea typeface="標楷體" panose="03000509000000000000" pitchFamily="65" charset="-120"/>
-            </a:endParaRPr>
-          </a:p>
-          <a:p>
-            <a:pPr lvl="1">
-              <a:buFont typeface="Arial" panose="020B0604020202020204" pitchFamily="34" charset="0"/>
-              <a:buChar char="•"/>
-            </a:pPr>
-            <a:endParaRPr lang="zh-TW" altLang="en-US" sz="2600" dirty="0">
-              <a:solidFill>
-                <a:srgbClr val="000000"/>
-              </a:solidFill>
-              <a:latin typeface="標楷體" panose="03000509000000000000" pitchFamily="65" charset="-120"/>
-              <a:ea typeface="標楷體" panose="03000509000000000000" pitchFamily="65" charset="-120"/>
-            </a:endParaRPr>
-          </a:p>
-          <a:p>
-            <a:pPr lvl="1">
-              <a:buFont typeface="Arial" panose="020B0604020202020204" pitchFamily="34" charset="0"/>
-              <a:buChar char="•"/>
-            </a:pPr>
-            <a:r>
-              <a:rPr lang="en-US" altLang="zh-TW" sz="2600" dirty="0">
-                <a:solidFill>
-                  <a:srgbClr val="000000"/>
-                </a:solidFill>
-                <a:latin typeface="標楷體" panose="03000509000000000000" pitchFamily="65" charset="-120"/>
-                <a:ea typeface="標楷體" panose="03000509000000000000" pitchFamily="65" charset="-120"/>
-              </a:rPr>
-              <a:t>Python</a:t>
-            </a:r>
-            <a:r>
-              <a:rPr lang="zh-TW" altLang="en-US" sz="2600" dirty="0">
-                <a:solidFill>
-                  <a:srgbClr val="000000"/>
-                </a:solidFill>
-                <a:latin typeface="標楷體" panose="03000509000000000000" pitchFamily="65" charset="-120"/>
-                <a:ea typeface="標楷體" panose="03000509000000000000" pitchFamily="65" charset="-120"/>
-              </a:rPr>
-              <a:t>可以連接到資料庫系統。它還可以讀取和修改文件。</a:t>
-            </a:r>
-            <a:endParaRPr lang="en-US" altLang="zh-TW" sz="2600" dirty="0">
-              <a:solidFill>
-                <a:srgbClr val="000000"/>
-              </a:solidFill>
-              <a:latin typeface="標楷體" panose="03000509000000000000" pitchFamily="65" charset="-120"/>
-              <a:ea typeface="標楷體" panose="03000509000000000000" pitchFamily="65" charset="-120"/>
-            </a:endParaRPr>
-          </a:p>
-          <a:p>
-            <a:pPr lvl="1"/>
-            <a:r>
-              <a:rPr lang="zh-TW" altLang="en-US" sz="2600" dirty="0">
-                <a:solidFill>
-                  <a:srgbClr val="000000"/>
-                </a:solidFill>
-                <a:latin typeface="標楷體" panose="03000509000000000000" pitchFamily="65" charset="-120"/>
-                <a:ea typeface="標楷體" panose="03000509000000000000" pitchFamily="65" charset="-120"/>
+                <a:latin typeface="Consolas" panose="020B0609020204030204" pitchFamily="49" charset="0"/>
               </a:rPr>
               <a:t> </a:t>
             </a:r>
             <a:r>
-              <a:rPr lang="en-US" altLang="zh-TW" sz="2600" dirty="0">
+              <a:rPr lang="en-US" altLang="zh-TW" sz="3200" dirty="0">
                 <a:solidFill>
-                  <a:srgbClr val="000000"/>
+                  <a:srgbClr val="DCDCAA"/>
                 </a:solidFill>
-                <a:latin typeface="標楷體" panose="03000509000000000000" pitchFamily="65" charset="-120"/>
-                <a:ea typeface="標楷體" panose="03000509000000000000" pitchFamily="65" charset="-120"/>
+                <a:latin typeface="Consolas" panose="020B0609020204030204" pitchFamily="49" charset="0"/>
               </a:rPr>
-              <a:t>(csv</a:t>
-            </a:r>
-            <a:r>
-              <a:rPr lang="zh-TW" altLang="en-US" sz="2600" dirty="0">
+              <a:t>my_function1</a:t>
+            </a:r>
+            <a:r>
+              <a:rPr lang="en-US" altLang="zh-TW" sz="3200" dirty="0">
                 <a:solidFill>
-                  <a:srgbClr val="000000"/>
+                  <a:srgbClr val="D4D4D4"/>
                 </a:solidFill>
-                <a:latin typeface="標楷體" panose="03000509000000000000" pitchFamily="65" charset="-120"/>
-                <a:ea typeface="標楷體" panose="03000509000000000000" pitchFamily="65" charset="-120"/>
+                <a:latin typeface="Consolas" panose="020B0609020204030204" pitchFamily="49" charset="0"/>
               </a:rPr>
-              <a:t>資料處理，</a:t>
-            </a:r>
-            <a:r>
-              <a:rPr lang="en-US" altLang="zh-TW" sz="2600" dirty="0">
+              <a:t>():</a:t>
+            </a:r>
+          </a:p>
+          <a:p>
+            <a:r>
+              <a:rPr lang="en-US" altLang="zh-TW" sz="3200" dirty="0">
                 <a:solidFill>
-                  <a:srgbClr val="000000"/>
+                  <a:srgbClr val="D4D4D4"/>
                 </a:solidFill>
-                <a:latin typeface="標楷體" panose="03000509000000000000" pitchFamily="65" charset="-120"/>
-                <a:ea typeface="標楷體" panose="03000509000000000000" pitchFamily="65" charset="-120"/>
+                <a:latin typeface="Consolas" panose="020B0609020204030204" pitchFamily="49" charset="0"/>
               </a:rPr>
-              <a:t> pdf</a:t>
-            </a:r>
-            <a:r>
-              <a:rPr lang="zh-TW" altLang="en-US" sz="2600" dirty="0">
+              <a:t>  </a:t>
+            </a:r>
+            <a:r>
+              <a:rPr lang="en-US" altLang="zh-TW" sz="3200" dirty="0">
                 <a:solidFill>
-                  <a:srgbClr val="000000"/>
+                  <a:srgbClr val="DCDCAA"/>
                 </a:solidFill>
-                <a:latin typeface="標楷體" panose="03000509000000000000" pitchFamily="65" charset="-120"/>
-                <a:ea typeface="標楷體" panose="03000509000000000000" pitchFamily="65" charset="-120"/>
+                <a:latin typeface="Consolas" panose="020B0609020204030204" pitchFamily="49" charset="0"/>
               </a:rPr>
-              <a:t>資料處理</a:t>
-            </a:r>
-            <a:r>
-              <a:rPr lang="en-US" altLang="zh-TW" sz="2600" dirty="0">
+              <a:t>print</a:t>
+            </a:r>
+            <a:r>
+              <a:rPr lang="en-US" altLang="zh-TW" sz="3200" dirty="0">
                 <a:solidFill>
-                  <a:srgbClr val="000000"/>
+                  <a:srgbClr val="D4D4D4"/>
                 </a:solidFill>
-                <a:latin typeface="標楷體" panose="03000509000000000000" pitchFamily="65" charset="-120"/>
-                <a:ea typeface="標楷體" panose="03000509000000000000" pitchFamily="65" charset="-120"/>
+                <a:latin typeface="Consolas" panose="020B0609020204030204" pitchFamily="49" charset="0"/>
+              </a:rPr>
+              <a:t>(</a:t>
+            </a:r>
+            <a:r>
+              <a:rPr lang="en-US" altLang="zh-TW" sz="3200" dirty="0">
+                <a:solidFill>
+                  <a:srgbClr val="CE9178"/>
+                </a:solidFill>
+                <a:latin typeface="Consolas" panose="020B0609020204030204" pitchFamily="49" charset="0"/>
+              </a:rPr>
+              <a:t>"Hello from a function"</a:t>
+            </a:r>
+            <a:r>
+              <a:rPr lang="en-US" altLang="zh-TW" sz="3200" dirty="0">
+                <a:solidFill>
+                  <a:srgbClr val="D4D4D4"/>
+                </a:solidFill>
+                <a:latin typeface="Consolas" panose="020B0609020204030204" pitchFamily="49" charset="0"/>
               </a:rPr>
               <a:t>)</a:t>
             </a:r>
           </a:p>
           <a:p>
-            <a:pPr lvl="1"/>
-            <a:endParaRPr lang="zh-TW" altLang="en-US" sz="2600" dirty="0">
-              <a:solidFill>
-                <a:srgbClr val="000000"/>
-              </a:solidFill>
-              <a:latin typeface="標楷體" panose="03000509000000000000" pitchFamily="65" charset="-120"/>
-              <a:ea typeface="標楷體" panose="03000509000000000000" pitchFamily="65" charset="-120"/>
-            </a:endParaRPr>
-          </a:p>
-          <a:p>
-            <a:pPr lvl="1">
-              <a:buFont typeface="Arial" panose="020B0604020202020204" pitchFamily="34" charset="0"/>
-              <a:buChar char="•"/>
-            </a:pPr>
-            <a:r>
-              <a:rPr lang="en-US" altLang="zh-TW" sz="2600" dirty="0">
+            <a:br>
+              <a:rPr lang="en-US" altLang="zh-TW" sz="3200" dirty="0">
                 <a:solidFill>
-                  <a:srgbClr val="000000"/>
+                  <a:srgbClr val="D4D4D4"/>
                 </a:solidFill>
-                <a:latin typeface="標楷體" panose="03000509000000000000" pitchFamily="65" charset="-120"/>
-                <a:ea typeface="標楷體" panose="03000509000000000000" pitchFamily="65" charset="-120"/>
+                <a:latin typeface="Consolas" panose="020B0609020204030204" pitchFamily="49" charset="0"/>
               </a:rPr>
-              <a:t>Python </a:t>
-            </a:r>
-            <a:r>
-              <a:rPr lang="zh-TW" altLang="en-US" sz="2600" dirty="0">
+            </a:br>
+            <a:r>
+              <a:rPr lang="en-US" altLang="zh-TW" sz="3200" dirty="0">
                 <a:solidFill>
-                  <a:srgbClr val="000000"/>
+                  <a:srgbClr val="569CD6"/>
                 </a:solidFill>
-                <a:latin typeface="標楷體" panose="03000509000000000000" pitchFamily="65" charset="-120"/>
-                <a:ea typeface="標楷體" panose="03000509000000000000" pitchFamily="65" charset="-120"/>
+                <a:latin typeface="Consolas" panose="020B0609020204030204" pitchFamily="49" charset="0"/>
               </a:rPr>
-              <a:t>可用於處理大數據並執行複雜的數學運算。</a:t>
-            </a:r>
-            <a:endParaRPr lang="en-US" altLang="zh-TW" sz="2600" dirty="0">
-              <a:solidFill>
-                <a:srgbClr val="000000"/>
-              </a:solidFill>
-              <a:latin typeface="標楷體" panose="03000509000000000000" pitchFamily="65" charset="-120"/>
-              <a:ea typeface="標楷體" panose="03000509000000000000" pitchFamily="65" charset="-120"/>
-            </a:endParaRPr>
-          </a:p>
-          <a:p>
-            <a:pPr lvl="1"/>
-            <a:r>
-              <a:rPr lang="zh-TW" altLang="en-US" sz="2600" dirty="0">
+              <a:t>def</a:t>
+            </a:r>
+            <a:r>
+              <a:rPr lang="en-US" altLang="zh-TW" sz="3200" dirty="0">
                 <a:solidFill>
-                  <a:srgbClr val="000000"/>
+                  <a:srgbClr val="D4D4D4"/>
                 </a:solidFill>
-                <a:latin typeface="標楷體" panose="03000509000000000000" pitchFamily="65" charset="-120"/>
-                <a:ea typeface="標楷體" panose="03000509000000000000" pitchFamily="65" charset="-120"/>
+                <a:latin typeface="Consolas" panose="020B0609020204030204" pitchFamily="49" charset="0"/>
               </a:rPr>
               <a:t> </a:t>
             </a:r>
             <a:r>
-              <a:rPr lang="en-US" altLang="zh-TW" sz="2600" dirty="0">
+              <a:rPr lang="en-US" altLang="zh-TW" sz="3200" dirty="0">
                 <a:solidFill>
-                  <a:srgbClr val="000000"/>
+                  <a:srgbClr val="DCDCAA"/>
                 </a:solidFill>
-                <a:latin typeface="標楷體" panose="03000509000000000000" pitchFamily="65" charset="-120"/>
-                <a:ea typeface="標楷體" panose="03000509000000000000" pitchFamily="65" charset="-120"/>
+                <a:latin typeface="Consolas" panose="020B0609020204030204" pitchFamily="49" charset="0"/>
+              </a:rPr>
+              <a:t>my_function2</a:t>
+            </a:r>
+            <a:r>
+              <a:rPr lang="en-US" altLang="zh-TW" sz="3200" dirty="0">
+                <a:solidFill>
+                  <a:srgbClr val="D4D4D4"/>
+                </a:solidFill>
+                <a:latin typeface="Consolas" panose="020B0609020204030204" pitchFamily="49" charset="0"/>
               </a:rPr>
               <a:t>(</a:t>
             </a:r>
             <a:r>
-              <a:rPr lang="zh-TW" altLang="en-US" sz="2600" dirty="0">
+              <a:rPr lang="en-US" altLang="zh-TW" sz="3200" dirty="0" err="1">
                 <a:solidFill>
-                  <a:srgbClr val="000000"/>
+                  <a:srgbClr val="9CDCFE"/>
                 </a:solidFill>
-                <a:latin typeface="標楷體" panose="03000509000000000000" pitchFamily="65" charset="-120"/>
-                <a:ea typeface="標楷體" panose="03000509000000000000" pitchFamily="65" charset="-120"/>
+                <a:latin typeface="Consolas" panose="020B0609020204030204" pitchFamily="49" charset="0"/>
               </a:rPr>
-              <a:t>大型語言模型</a:t>
-            </a:r>
-            <a:r>
-              <a:rPr lang="en-US" altLang="zh-TW" sz="2600" dirty="0">
+              <a:t>fname</a:t>
+            </a:r>
+            <a:r>
+              <a:rPr lang="en-US" altLang="zh-TW" sz="3200" dirty="0">
                 <a:solidFill>
-                  <a:srgbClr val="000000"/>
+                  <a:srgbClr val="D4D4D4"/>
                 </a:solidFill>
-                <a:latin typeface="標楷體" panose="03000509000000000000" pitchFamily="65" charset="-120"/>
-                <a:ea typeface="標楷體" panose="03000509000000000000" pitchFamily="65" charset="-120"/>
+                <a:latin typeface="Consolas" panose="020B0609020204030204" pitchFamily="49" charset="0"/>
+              </a:rPr>
+              <a:t>, </a:t>
+            </a:r>
+            <a:r>
+              <a:rPr lang="en-US" altLang="zh-TW" sz="3200" dirty="0" err="1">
+                <a:solidFill>
+                  <a:srgbClr val="9CDCFE"/>
+                </a:solidFill>
+                <a:latin typeface="Consolas" panose="020B0609020204030204" pitchFamily="49" charset="0"/>
+              </a:rPr>
+              <a:t>lname</a:t>
+            </a:r>
+            <a:r>
+              <a:rPr lang="en-US" altLang="zh-TW" sz="3200" dirty="0">
+                <a:solidFill>
+                  <a:srgbClr val="D4D4D4"/>
+                </a:solidFill>
+                <a:latin typeface="Consolas" panose="020B0609020204030204" pitchFamily="49" charset="0"/>
+              </a:rPr>
+              <a:t>):</a:t>
+            </a:r>
+          </a:p>
+          <a:p>
+            <a:r>
+              <a:rPr lang="en-US" altLang="zh-TW" sz="3200" dirty="0">
+                <a:solidFill>
+                  <a:srgbClr val="D4D4D4"/>
+                </a:solidFill>
+                <a:latin typeface="Consolas" panose="020B0609020204030204" pitchFamily="49" charset="0"/>
+              </a:rPr>
+              <a:t>  </a:t>
+            </a:r>
+            <a:r>
+              <a:rPr lang="en-US" altLang="zh-TW" sz="3200" dirty="0">
+                <a:solidFill>
+                  <a:srgbClr val="DCDCAA"/>
+                </a:solidFill>
+                <a:latin typeface="Consolas" panose="020B0609020204030204" pitchFamily="49" charset="0"/>
+              </a:rPr>
+              <a:t>print</a:t>
+            </a:r>
+            <a:r>
+              <a:rPr lang="en-US" altLang="zh-TW" sz="3200" dirty="0">
+                <a:solidFill>
+                  <a:srgbClr val="D4D4D4"/>
+                </a:solidFill>
+                <a:latin typeface="Consolas" panose="020B0609020204030204" pitchFamily="49" charset="0"/>
+              </a:rPr>
+              <a:t>(</a:t>
+            </a:r>
+            <a:r>
+              <a:rPr lang="en-US" altLang="zh-TW" sz="3200" dirty="0" err="1">
+                <a:solidFill>
+                  <a:srgbClr val="D4D4D4"/>
+                </a:solidFill>
+                <a:latin typeface="Consolas" panose="020B0609020204030204" pitchFamily="49" charset="0"/>
+              </a:rPr>
+              <a:t>fname</a:t>
+            </a:r>
+            <a:r>
+              <a:rPr lang="en-US" altLang="zh-TW" sz="3200" dirty="0">
+                <a:solidFill>
+                  <a:srgbClr val="D4D4D4"/>
+                </a:solidFill>
+                <a:latin typeface="Consolas" panose="020B0609020204030204" pitchFamily="49" charset="0"/>
+              </a:rPr>
+              <a:t> + </a:t>
+            </a:r>
+            <a:r>
+              <a:rPr lang="en-US" altLang="zh-TW" sz="3200" dirty="0">
+                <a:solidFill>
+                  <a:srgbClr val="CE9178"/>
+                </a:solidFill>
+                <a:latin typeface="Consolas" panose="020B0609020204030204" pitchFamily="49" charset="0"/>
+              </a:rPr>
+              <a:t>" "</a:t>
+            </a:r>
+            <a:r>
+              <a:rPr lang="en-US" altLang="zh-TW" sz="3200" dirty="0">
+                <a:solidFill>
+                  <a:srgbClr val="D4D4D4"/>
+                </a:solidFill>
+                <a:latin typeface="Consolas" panose="020B0609020204030204" pitchFamily="49" charset="0"/>
+              </a:rPr>
+              <a:t> + </a:t>
+            </a:r>
+            <a:r>
+              <a:rPr lang="en-US" altLang="zh-TW" sz="3200" dirty="0" err="1">
+                <a:solidFill>
+                  <a:srgbClr val="D4D4D4"/>
+                </a:solidFill>
+                <a:latin typeface="Consolas" panose="020B0609020204030204" pitchFamily="49" charset="0"/>
+              </a:rPr>
+              <a:t>lname</a:t>
+            </a:r>
+            <a:r>
+              <a:rPr lang="en-US" altLang="zh-TW" sz="3200" dirty="0">
+                <a:solidFill>
+                  <a:srgbClr val="D4D4D4"/>
+                </a:solidFill>
+                <a:latin typeface="Consolas" panose="020B0609020204030204" pitchFamily="49" charset="0"/>
               </a:rPr>
               <a:t>)</a:t>
             </a:r>
-            <a:endParaRPr lang="zh-TW" altLang="en-US" sz="2600" dirty="0">
+            <a:endParaRPr lang="en-US" altLang="zh-TW" sz="3200" b="0" dirty="0">
               <a:solidFill>
-                <a:srgbClr val="000000"/>
+                <a:srgbClr val="D4D4D4"/>
               </a:solidFill>
-              <a:latin typeface="標楷體" panose="03000509000000000000" pitchFamily="65" charset="-120"/>
-              <a:ea typeface="標楷體" panose="03000509000000000000" pitchFamily="65" charset="-120"/>
+              <a:effectLst/>
+              <a:latin typeface="Consolas" panose="020B0609020204030204" pitchFamily="49" charset="0"/>
             </a:endParaRPr>
           </a:p>
         </p:txBody>
@@ -6365,7 +8126,7 @@
     </p:spTree>
     <p:extLst>
       <p:ext uri="{BB962C8B-B14F-4D97-AF65-F5344CB8AC3E}">
-        <p14:creationId xmlns:p14="http://schemas.microsoft.com/office/powerpoint/2010/main" val="1351824536"/>
+        <p14:creationId xmlns:p14="http://schemas.microsoft.com/office/powerpoint/2010/main" val="2568078168"/>
       </p:ext>
     </p:extLst>
   </p:cSld>
@@ -6435,6 +8196,276 @@
 </p:sld>
 </file>
 
+<file path=ppt/slides/slide30.xml><?xml version="1.0" encoding="utf-8"?>
+<p:sld xmlns:a="http://schemas.openxmlformats.org/drawingml/2006/main" xmlns:r="http://schemas.openxmlformats.org/officeDocument/2006/relationships" xmlns:p="http://schemas.openxmlformats.org/presentationml/2006/main">
+  <p:cSld>
+    <p:spTree>
+      <p:nvGrpSpPr>
+        <p:cNvPr id="1" name=""/>
+        <p:cNvGrpSpPr/>
+        <p:nvPr/>
+      </p:nvGrpSpPr>
+      <p:grpSpPr>
+        <a:xfrm>
+          <a:off x="0" y="0"/>
+          <a:ext cx="0" cy="0"/>
+          <a:chOff x="0" y="0"/>
+          <a:chExt cx="0" cy="0"/>
+        </a:xfrm>
+      </p:grpSpPr>
+      <p:pic>
+        <p:nvPicPr>
+          <p:cNvPr id="2" name="圖片 1">
+            <a:extLst>
+              <a:ext uri="{FF2B5EF4-FFF2-40B4-BE49-F238E27FC236}">
+                <a16:creationId xmlns:a16="http://schemas.microsoft.com/office/drawing/2014/main" id="{1CE03B16-8013-4DC0-9DC3-5DCD77E6EEE5}"/>
+              </a:ext>
+            </a:extLst>
+          </p:cNvPr>
+          <p:cNvPicPr>
+            <a:picLocks noChangeAspect="1"/>
+          </p:cNvPicPr>
+          <p:nvPr/>
+        </p:nvPicPr>
+        <p:blipFill>
+          <a:blip r:embed="rId2"/>
+          <a:stretch>
+            <a:fillRect/>
+          </a:stretch>
+        </p:blipFill>
+        <p:spPr>
+          <a:xfrm>
+            <a:off x="239409" y="229991"/>
+            <a:ext cx="11487150" cy="3562350"/>
+          </a:xfrm>
+          <a:prstGeom prst="rect">
+            <a:avLst/>
+          </a:prstGeom>
+        </p:spPr>
+      </p:pic>
+      <p:pic>
+        <p:nvPicPr>
+          <p:cNvPr id="3" name="圖片 2">
+            <a:extLst>
+              <a:ext uri="{FF2B5EF4-FFF2-40B4-BE49-F238E27FC236}">
+                <a16:creationId xmlns:a16="http://schemas.microsoft.com/office/drawing/2014/main" id="{6CEE0B0B-CEF0-4952-A862-22FAC9C3C5C0}"/>
+              </a:ext>
+            </a:extLst>
+          </p:cNvPr>
+          <p:cNvPicPr>
+            <a:picLocks noChangeAspect="1"/>
+          </p:cNvPicPr>
+          <p:nvPr/>
+        </p:nvPicPr>
+        <p:blipFill rotWithShape="1">
+          <a:blip r:embed="rId3"/>
+          <a:srcRect b="3918"/>
+          <a:stretch/>
+        </p:blipFill>
+        <p:spPr>
+          <a:xfrm>
+            <a:off x="675311" y="4046894"/>
+            <a:ext cx="6896100" cy="2168972"/>
+          </a:xfrm>
+          <a:prstGeom prst="rect">
+            <a:avLst/>
+          </a:prstGeom>
+        </p:spPr>
+      </p:pic>
+    </p:spTree>
+    <p:extLst>
+      <p:ext uri="{BB962C8B-B14F-4D97-AF65-F5344CB8AC3E}">
+        <p14:creationId xmlns:p14="http://schemas.microsoft.com/office/powerpoint/2010/main" val="2943300558"/>
+      </p:ext>
+    </p:extLst>
+  </p:cSld>
+  <p:clrMapOvr>
+    <a:masterClrMapping/>
+  </p:clrMapOvr>
+</p:sld>
+</file>
+
+<file path=ppt/slides/slide31.xml><?xml version="1.0" encoding="utf-8"?>
+<p:sld xmlns:a="http://schemas.openxmlformats.org/drawingml/2006/main" xmlns:r="http://schemas.openxmlformats.org/officeDocument/2006/relationships" xmlns:p="http://schemas.openxmlformats.org/presentationml/2006/main">
+  <p:cSld>
+    <p:spTree>
+      <p:nvGrpSpPr>
+        <p:cNvPr id="1" name=""/>
+        <p:cNvGrpSpPr/>
+        <p:nvPr/>
+      </p:nvGrpSpPr>
+      <p:grpSpPr>
+        <a:xfrm>
+          <a:off x="0" y="0"/>
+          <a:ext cx="0" cy="0"/>
+          <a:chOff x="0" y="0"/>
+          <a:chExt cx="0" cy="0"/>
+        </a:xfrm>
+      </p:grpSpPr>
+      <p:sp>
+        <p:nvSpPr>
+          <p:cNvPr id="2" name="文字方塊 1">
+            <a:extLst>
+              <a:ext uri="{FF2B5EF4-FFF2-40B4-BE49-F238E27FC236}">
+                <a16:creationId xmlns:a16="http://schemas.microsoft.com/office/drawing/2014/main" id="{B37A5326-9F8C-4C1B-B2D4-769054DCAA14}"/>
+              </a:ext>
+            </a:extLst>
+          </p:cNvPr>
+          <p:cNvSpPr txBox="1"/>
+          <p:nvPr/>
+        </p:nvSpPr>
+        <p:spPr>
+          <a:xfrm>
+            <a:off x="328774" y="184935"/>
+            <a:ext cx="1068512" cy="492443"/>
+          </a:xfrm>
+          <a:prstGeom prst="rect">
+            <a:avLst/>
+          </a:prstGeom>
+          <a:noFill/>
+        </p:spPr>
+        <p:txBody>
+          <a:bodyPr wrap="square" rtlCol="0">
+            <a:spAutoFit/>
+          </a:bodyPr>
+          <a:lstStyle/>
+          <a:p>
+            <a:r>
+              <a:rPr lang="zh-TW" altLang="en-US" sz="2600" dirty="0"/>
+              <a:t>例子</a:t>
+            </a:r>
+          </a:p>
+        </p:txBody>
+      </p:sp>
+      <p:sp>
+        <p:nvSpPr>
+          <p:cNvPr id="3" name="文字方塊 2">
+            <a:extLst>
+              <a:ext uri="{FF2B5EF4-FFF2-40B4-BE49-F238E27FC236}">
+                <a16:creationId xmlns:a16="http://schemas.microsoft.com/office/drawing/2014/main" id="{291EC2F1-6900-4F25-9709-6191AAC544D4}"/>
+              </a:ext>
+            </a:extLst>
+          </p:cNvPr>
+          <p:cNvSpPr txBox="1"/>
+          <p:nvPr/>
+        </p:nvSpPr>
+        <p:spPr>
+          <a:xfrm>
+            <a:off x="863029" y="922963"/>
+            <a:ext cx="7983020" cy="492443"/>
+          </a:xfrm>
+          <a:prstGeom prst="rect">
+            <a:avLst/>
+          </a:prstGeom>
+          <a:noFill/>
+        </p:spPr>
+        <p:txBody>
+          <a:bodyPr wrap="square" rtlCol="0">
+            <a:spAutoFit/>
+          </a:bodyPr>
+          <a:lstStyle/>
+          <a:p>
+            <a:r>
+              <a:rPr lang="zh-TW" altLang="en-US" sz="2600" dirty="0"/>
+              <a:t>批量讀取</a:t>
+            </a:r>
+            <a:r>
+              <a:rPr lang="en-US" altLang="zh-TW" sz="2600" dirty="0"/>
+              <a:t>csv</a:t>
+            </a:r>
+            <a:r>
+              <a:rPr lang="zh-TW" altLang="en-US" sz="2600" dirty="0"/>
+              <a:t>並畫圖且以</a:t>
+            </a:r>
+            <a:r>
+              <a:rPr lang="en-US" altLang="zh-TW" sz="2600" dirty="0" err="1"/>
+              <a:t>numpy</a:t>
+            </a:r>
+            <a:r>
+              <a:rPr lang="zh-TW" altLang="en-US" sz="2600" dirty="0"/>
+              <a:t>保存畫圖的數據</a:t>
+            </a:r>
+          </a:p>
+        </p:txBody>
+      </p:sp>
+      <p:pic>
+        <p:nvPicPr>
+          <p:cNvPr id="4" name="圖片 3" descr="一張含有 文字, 螢幕擷取畫面, 軟體, 多媒體軟體 的圖片&#10;&#10;自動產生的描述">
+            <a:extLst>
+              <a:ext uri="{FF2B5EF4-FFF2-40B4-BE49-F238E27FC236}">
+                <a16:creationId xmlns:a16="http://schemas.microsoft.com/office/drawing/2014/main" id="{344DD05A-91A0-4C62-841E-E418B5BD2C73}"/>
+              </a:ext>
+            </a:extLst>
+          </p:cNvPr>
+          <p:cNvPicPr>
+            <a:picLocks noChangeAspect="1"/>
+          </p:cNvPicPr>
+          <p:nvPr/>
+        </p:nvPicPr>
+        <p:blipFill rotWithShape="1">
+          <a:blip r:embed="rId2">
+            <a:extLst>
+              <a:ext uri="{28A0092B-C50C-407E-A947-70E740481C1C}">
+                <a14:useLocalDpi xmlns:a14="http://schemas.microsoft.com/office/drawing/2010/main" val="0"/>
+              </a:ext>
+            </a:extLst>
+          </a:blip>
+          <a:srcRect l="50899" t="16517" b="6179"/>
+          <a:stretch/>
+        </p:blipFill>
+        <p:spPr>
+          <a:xfrm>
+            <a:off x="2352783" y="1660991"/>
+            <a:ext cx="8722759" cy="3862366"/>
+          </a:xfrm>
+          <a:prstGeom prst="rect">
+            <a:avLst/>
+          </a:prstGeom>
+        </p:spPr>
+      </p:pic>
+    </p:spTree>
+    <p:extLst>
+      <p:ext uri="{BB962C8B-B14F-4D97-AF65-F5344CB8AC3E}">
+        <p14:creationId xmlns:p14="http://schemas.microsoft.com/office/powerpoint/2010/main" val="511441200"/>
+      </p:ext>
+    </p:extLst>
+  </p:cSld>
+  <p:clrMapOvr>
+    <a:masterClrMapping/>
+  </p:clrMapOvr>
+</p:sld>
+</file>
+
+<file path=ppt/slides/slide32.xml><?xml version="1.0" encoding="utf-8"?>
+<p:sld xmlns:a="http://schemas.openxmlformats.org/drawingml/2006/main" xmlns:r="http://schemas.openxmlformats.org/officeDocument/2006/relationships" xmlns:p="http://schemas.openxmlformats.org/presentationml/2006/main">
+  <p:cSld>
+    <p:spTree>
+      <p:nvGrpSpPr>
+        <p:cNvPr id="1" name=""/>
+        <p:cNvGrpSpPr/>
+        <p:nvPr/>
+      </p:nvGrpSpPr>
+      <p:grpSpPr>
+        <a:xfrm>
+          <a:off x="0" y="0"/>
+          <a:ext cx="0" cy="0"/>
+          <a:chOff x="0" y="0"/>
+          <a:chExt cx="0" cy="0"/>
+        </a:xfrm>
+      </p:grpSpPr>
+    </p:spTree>
+    <p:extLst>
+      <p:ext uri="{BB962C8B-B14F-4D97-AF65-F5344CB8AC3E}">
+        <p14:creationId xmlns:p14="http://schemas.microsoft.com/office/powerpoint/2010/main" val="3601165254"/>
+      </p:ext>
+    </p:extLst>
+  </p:cSld>
+  <p:clrMapOvr>
+    <a:masterClrMapping/>
+  </p:clrMapOvr>
+</p:sld>
+</file>
+
 <file path=ppt/slides/slide4.xml><?xml version="1.0" encoding="utf-8"?>
 <p:sld xmlns:a="http://schemas.openxmlformats.org/drawingml/2006/main" xmlns:r="http://schemas.openxmlformats.org/officeDocument/2006/relationships" xmlns:p="http://schemas.openxmlformats.org/presentationml/2006/main">
   <p:cSld>
@@ -6467,7 +8498,7 @@
         <p:spPr>
           <a:xfrm>
             <a:off x="347351" y="264828"/>
-            <a:ext cx="1366977" cy="369332"/>
+            <a:ext cx="1828642" cy="369332"/>
           </a:xfrm>
           <a:prstGeom prst="rect">
             <a:avLst/>
@@ -6486,45 +8517,366 @@
             </a:r>
             <a:r>
               <a:rPr lang="zh-TW" altLang="en-US" dirty="0"/>
-              <a:t> 基礎</a:t>
+              <a:t> 語法基礎</a:t>
             </a:r>
           </a:p>
         </p:txBody>
       </p:sp>
-      <p:pic>
-        <p:nvPicPr>
-          <p:cNvPr id="4" name="圖片 3">
-            <a:extLst>
-              <a:ext uri="{FF2B5EF4-FFF2-40B4-BE49-F238E27FC236}">
-                <a16:creationId xmlns:a16="http://schemas.microsoft.com/office/drawing/2014/main" id="{BC10945A-2EB7-4B3B-B703-4C92156F1D9B}"/>
-              </a:ext>
-            </a:extLst>
-          </p:cNvPr>
-          <p:cNvPicPr>
-            <a:picLocks noChangeAspect="1"/>
-          </p:cNvPicPr>
+      <p:sp>
+        <p:nvSpPr>
+          <p:cNvPr id="3" name="矩形 2">
+            <a:extLst>
+              <a:ext uri="{FF2B5EF4-FFF2-40B4-BE49-F238E27FC236}">
+                <a16:creationId xmlns:a16="http://schemas.microsoft.com/office/drawing/2014/main" id="{31F6868C-205A-4A87-B36F-A685C0653E95}"/>
+              </a:ext>
+            </a:extLst>
+          </p:cNvPr>
+          <p:cNvSpPr/>
           <p:nvPr/>
-        </p:nvPicPr>
-        <p:blipFill>
-          <a:blip r:embed="rId2"/>
-          <a:stretch>
-            <a:fillRect/>
-          </a:stretch>
-        </p:blipFill>
+        </p:nvSpPr>
         <p:spPr>
           <a:xfrm>
-            <a:off x="0" y="1338219"/>
-            <a:ext cx="12192000" cy="3852789"/>
+            <a:off x="1221168" y="1365373"/>
+            <a:ext cx="9258472" cy="4093428"/>
           </a:xfrm>
           <a:prstGeom prst="rect">
             <a:avLst/>
           </a:prstGeom>
         </p:spPr>
-      </p:pic>
+        <p:txBody>
+          <a:bodyPr wrap="square">
+            <a:spAutoFit/>
+          </a:bodyPr>
+          <a:lstStyle/>
+          <a:p>
+            <a:r>
+              <a:rPr lang="en-US" altLang="zh-TW" sz="2600" dirty="0">
+                <a:solidFill>
+                  <a:srgbClr val="000000"/>
+                </a:solidFill>
+                <a:latin typeface="標楷體" panose="03000509000000000000" pitchFamily="65" charset="-120"/>
+                <a:ea typeface="標楷體" panose="03000509000000000000" pitchFamily="65" charset="-120"/>
+              </a:rPr>
+              <a:t>Python </a:t>
+            </a:r>
+            <a:r>
+              <a:rPr lang="zh-TW" altLang="en-US" sz="2600" dirty="0">
+                <a:solidFill>
+                  <a:srgbClr val="000000"/>
+                </a:solidFill>
+                <a:latin typeface="標楷體" panose="03000509000000000000" pitchFamily="65" charset="-120"/>
+                <a:ea typeface="標楷體" panose="03000509000000000000" pitchFamily="65" charset="-120"/>
+              </a:rPr>
+              <a:t>能做什麼？</a:t>
+            </a:r>
+          </a:p>
+          <a:p>
+            <a:pPr lvl="1">
+              <a:buFont typeface="Arial" panose="020B0604020202020204" pitchFamily="34" charset="0"/>
+              <a:buChar char="•"/>
+            </a:pPr>
+            <a:r>
+              <a:rPr lang="en-US" altLang="zh-TW" sz="2600" dirty="0">
+                <a:solidFill>
+                  <a:srgbClr val="000000"/>
+                </a:solidFill>
+                <a:latin typeface="標楷體" panose="03000509000000000000" pitchFamily="65" charset="-120"/>
+                <a:ea typeface="標楷體" panose="03000509000000000000" pitchFamily="65" charset="-120"/>
+              </a:rPr>
+              <a:t>Python </a:t>
+            </a:r>
+            <a:r>
+              <a:rPr lang="zh-TW" altLang="en-US" sz="2600" dirty="0">
+                <a:solidFill>
+                  <a:srgbClr val="000000"/>
+                </a:solidFill>
+                <a:latin typeface="標楷體" panose="03000509000000000000" pitchFamily="65" charset="-120"/>
+                <a:ea typeface="標楷體" panose="03000509000000000000" pitchFamily="65" charset="-120"/>
+              </a:rPr>
+              <a:t>可以在伺服器上使用來建立 </a:t>
+            </a:r>
+            <a:r>
+              <a:rPr lang="en-US" altLang="zh-TW" sz="2600" dirty="0">
+                <a:solidFill>
+                  <a:srgbClr val="000000"/>
+                </a:solidFill>
+                <a:latin typeface="標楷體" panose="03000509000000000000" pitchFamily="65" charset="-120"/>
+                <a:ea typeface="標楷體" panose="03000509000000000000" pitchFamily="65" charset="-120"/>
+              </a:rPr>
+              <a:t>Web </a:t>
+            </a:r>
+            <a:r>
+              <a:rPr lang="zh-TW" altLang="en-US" sz="2600" dirty="0">
+                <a:solidFill>
+                  <a:srgbClr val="000000"/>
+                </a:solidFill>
+                <a:latin typeface="標楷體" panose="03000509000000000000" pitchFamily="65" charset="-120"/>
+                <a:ea typeface="標楷體" panose="03000509000000000000" pitchFamily="65" charset="-120"/>
+              </a:rPr>
+              <a:t>應用程式。</a:t>
+            </a:r>
+            <a:endParaRPr lang="en-US" altLang="zh-TW" sz="2600" dirty="0">
+              <a:solidFill>
+                <a:srgbClr val="000000"/>
+              </a:solidFill>
+              <a:latin typeface="標楷體" panose="03000509000000000000" pitchFamily="65" charset="-120"/>
+              <a:ea typeface="標楷體" panose="03000509000000000000" pitchFamily="65" charset="-120"/>
+            </a:endParaRPr>
+          </a:p>
+          <a:p>
+            <a:pPr lvl="1">
+              <a:buFont typeface="Arial" panose="020B0604020202020204" pitchFamily="34" charset="0"/>
+              <a:buChar char="•"/>
+            </a:pPr>
+            <a:endParaRPr lang="zh-TW" altLang="en-US" sz="2600" dirty="0">
+              <a:solidFill>
+                <a:srgbClr val="000000"/>
+              </a:solidFill>
+              <a:latin typeface="標楷體" panose="03000509000000000000" pitchFamily="65" charset="-120"/>
+              <a:ea typeface="標楷體" panose="03000509000000000000" pitchFamily="65" charset="-120"/>
+            </a:endParaRPr>
+          </a:p>
+          <a:p>
+            <a:pPr lvl="1">
+              <a:buFont typeface="Arial" panose="020B0604020202020204" pitchFamily="34" charset="0"/>
+              <a:buChar char="•"/>
+            </a:pPr>
+            <a:r>
+              <a:rPr lang="en-US" altLang="zh-TW" sz="2600" dirty="0">
+                <a:solidFill>
+                  <a:srgbClr val="000000"/>
+                </a:solidFill>
+                <a:latin typeface="標楷體" panose="03000509000000000000" pitchFamily="65" charset="-120"/>
+                <a:ea typeface="標楷體" panose="03000509000000000000" pitchFamily="65" charset="-120"/>
+              </a:rPr>
+              <a:t>Python </a:t>
+            </a:r>
+            <a:r>
+              <a:rPr lang="zh-TW" altLang="en-US" sz="2600" dirty="0">
+                <a:solidFill>
+                  <a:srgbClr val="000000"/>
+                </a:solidFill>
+                <a:latin typeface="標楷體" panose="03000509000000000000" pitchFamily="65" charset="-120"/>
+                <a:ea typeface="標楷體" panose="03000509000000000000" pitchFamily="65" charset="-120"/>
+              </a:rPr>
+              <a:t>可以與軟體一起使用來創建工作流程。</a:t>
+            </a:r>
+            <a:endParaRPr lang="en-US" altLang="zh-TW" sz="2600" dirty="0">
+              <a:solidFill>
+                <a:srgbClr val="000000"/>
+              </a:solidFill>
+              <a:latin typeface="標楷體" panose="03000509000000000000" pitchFamily="65" charset="-120"/>
+              <a:ea typeface="標楷體" panose="03000509000000000000" pitchFamily="65" charset="-120"/>
+            </a:endParaRPr>
+          </a:p>
+          <a:p>
+            <a:pPr lvl="1">
+              <a:buFont typeface="Arial" panose="020B0604020202020204" pitchFamily="34" charset="0"/>
+              <a:buChar char="•"/>
+            </a:pPr>
+            <a:endParaRPr lang="zh-TW" altLang="en-US" sz="2600" dirty="0">
+              <a:solidFill>
+                <a:srgbClr val="000000"/>
+              </a:solidFill>
+              <a:latin typeface="標楷體" panose="03000509000000000000" pitchFamily="65" charset="-120"/>
+              <a:ea typeface="標楷體" panose="03000509000000000000" pitchFamily="65" charset="-120"/>
+            </a:endParaRPr>
+          </a:p>
+          <a:p>
+            <a:pPr lvl="1">
+              <a:buFont typeface="Arial" panose="020B0604020202020204" pitchFamily="34" charset="0"/>
+              <a:buChar char="•"/>
+            </a:pPr>
+            <a:r>
+              <a:rPr lang="en-US" altLang="zh-TW" sz="2600" dirty="0">
+                <a:solidFill>
+                  <a:srgbClr val="000000"/>
+                </a:solidFill>
+                <a:latin typeface="標楷體" panose="03000509000000000000" pitchFamily="65" charset="-120"/>
+                <a:ea typeface="標楷體" panose="03000509000000000000" pitchFamily="65" charset="-120"/>
+              </a:rPr>
+              <a:t>Python</a:t>
+            </a:r>
+            <a:r>
+              <a:rPr lang="zh-TW" altLang="en-US" sz="2600" dirty="0">
+                <a:solidFill>
+                  <a:srgbClr val="000000"/>
+                </a:solidFill>
+                <a:latin typeface="標楷體" panose="03000509000000000000" pitchFamily="65" charset="-120"/>
+                <a:ea typeface="標楷體" panose="03000509000000000000" pitchFamily="65" charset="-120"/>
+              </a:rPr>
+              <a:t>可以連接到資料庫系統。它還可以讀取和修改文件。</a:t>
+            </a:r>
+            <a:endParaRPr lang="en-US" altLang="zh-TW" sz="2600" dirty="0">
+              <a:solidFill>
+                <a:srgbClr val="000000"/>
+              </a:solidFill>
+              <a:latin typeface="標楷體" panose="03000509000000000000" pitchFamily="65" charset="-120"/>
+              <a:ea typeface="標楷體" panose="03000509000000000000" pitchFamily="65" charset="-120"/>
+            </a:endParaRPr>
+          </a:p>
+          <a:p>
+            <a:pPr lvl="1"/>
+            <a:r>
+              <a:rPr lang="zh-TW" altLang="en-US" sz="2600" dirty="0">
+                <a:solidFill>
+                  <a:srgbClr val="000000"/>
+                </a:solidFill>
+                <a:latin typeface="標楷體" panose="03000509000000000000" pitchFamily="65" charset="-120"/>
+                <a:ea typeface="標楷體" panose="03000509000000000000" pitchFamily="65" charset="-120"/>
+              </a:rPr>
+              <a:t> </a:t>
+            </a:r>
+            <a:r>
+              <a:rPr lang="en-US" altLang="zh-TW" sz="2600" dirty="0">
+                <a:solidFill>
+                  <a:srgbClr val="000000"/>
+                </a:solidFill>
+                <a:latin typeface="標楷體" panose="03000509000000000000" pitchFamily="65" charset="-120"/>
+                <a:ea typeface="標楷體" panose="03000509000000000000" pitchFamily="65" charset="-120"/>
+              </a:rPr>
+              <a:t>(csv</a:t>
+            </a:r>
+            <a:r>
+              <a:rPr lang="zh-TW" altLang="en-US" sz="2600" dirty="0">
+                <a:solidFill>
+                  <a:srgbClr val="000000"/>
+                </a:solidFill>
+                <a:latin typeface="標楷體" panose="03000509000000000000" pitchFamily="65" charset="-120"/>
+                <a:ea typeface="標楷體" panose="03000509000000000000" pitchFamily="65" charset="-120"/>
+              </a:rPr>
+              <a:t>資料處理，</a:t>
+            </a:r>
+            <a:r>
+              <a:rPr lang="en-US" altLang="zh-TW" sz="2600" dirty="0">
+                <a:solidFill>
+                  <a:srgbClr val="000000"/>
+                </a:solidFill>
+                <a:latin typeface="標楷體" panose="03000509000000000000" pitchFamily="65" charset="-120"/>
+                <a:ea typeface="標楷體" panose="03000509000000000000" pitchFamily="65" charset="-120"/>
+              </a:rPr>
+              <a:t> pdf</a:t>
+            </a:r>
+            <a:r>
+              <a:rPr lang="zh-TW" altLang="en-US" sz="2600" dirty="0">
+                <a:solidFill>
+                  <a:srgbClr val="000000"/>
+                </a:solidFill>
+                <a:latin typeface="標楷體" panose="03000509000000000000" pitchFamily="65" charset="-120"/>
+                <a:ea typeface="標楷體" panose="03000509000000000000" pitchFamily="65" charset="-120"/>
+              </a:rPr>
+              <a:t>資料處理</a:t>
+            </a:r>
+            <a:r>
+              <a:rPr lang="en-US" altLang="zh-TW" sz="2600" dirty="0">
+                <a:solidFill>
+                  <a:srgbClr val="000000"/>
+                </a:solidFill>
+                <a:latin typeface="標楷體" panose="03000509000000000000" pitchFamily="65" charset="-120"/>
+                <a:ea typeface="標楷體" panose="03000509000000000000" pitchFamily="65" charset="-120"/>
+              </a:rPr>
+              <a:t>)</a:t>
+            </a:r>
+          </a:p>
+          <a:p>
+            <a:pPr lvl="1"/>
+            <a:endParaRPr lang="zh-TW" altLang="en-US" sz="2600" dirty="0">
+              <a:solidFill>
+                <a:srgbClr val="000000"/>
+              </a:solidFill>
+              <a:latin typeface="標楷體" panose="03000509000000000000" pitchFamily="65" charset="-120"/>
+              <a:ea typeface="標楷體" panose="03000509000000000000" pitchFamily="65" charset="-120"/>
+            </a:endParaRPr>
+          </a:p>
+          <a:p>
+            <a:pPr lvl="1">
+              <a:buFont typeface="Arial" panose="020B0604020202020204" pitchFamily="34" charset="0"/>
+              <a:buChar char="•"/>
+            </a:pPr>
+            <a:r>
+              <a:rPr lang="en-US" altLang="zh-TW" sz="2600" dirty="0">
+                <a:solidFill>
+                  <a:srgbClr val="000000"/>
+                </a:solidFill>
+                <a:latin typeface="標楷體" panose="03000509000000000000" pitchFamily="65" charset="-120"/>
+                <a:ea typeface="標楷體" panose="03000509000000000000" pitchFamily="65" charset="-120"/>
+              </a:rPr>
+              <a:t>Python </a:t>
+            </a:r>
+            <a:r>
+              <a:rPr lang="zh-TW" altLang="en-US" sz="2600" dirty="0">
+                <a:solidFill>
+                  <a:srgbClr val="000000"/>
+                </a:solidFill>
+                <a:latin typeface="標楷體" panose="03000509000000000000" pitchFamily="65" charset="-120"/>
+                <a:ea typeface="標楷體" panose="03000509000000000000" pitchFamily="65" charset="-120"/>
+              </a:rPr>
+              <a:t>可用於處理大數據並執行複雜的數學運算。</a:t>
+            </a:r>
+            <a:endParaRPr lang="en-US" altLang="zh-TW" sz="2600" dirty="0">
+              <a:solidFill>
+                <a:srgbClr val="000000"/>
+              </a:solidFill>
+              <a:latin typeface="標楷體" panose="03000509000000000000" pitchFamily="65" charset="-120"/>
+              <a:ea typeface="標楷體" panose="03000509000000000000" pitchFamily="65" charset="-120"/>
+            </a:endParaRPr>
+          </a:p>
+          <a:p>
+            <a:pPr lvl="1"/>
+            <a:r>
+              <a:rPr lang="zh-TW" altLang="en-US" sz="2600" dirty="0">
+                <a:solidFill>
+                  <a:srgbClr val="000000"/>
+                </a:solidFill>
+                <a:latin typeface="標楷體" panose="03000509000000000000" pitchFamily="65" charset="-120"/>
+                <a:ea typeface="標楷體" panose="03000509000000000000" pitchFamily="65" charset="-120"/>
+              </a:rPr>
+              <a:t> </a:t>
+            </a:r>
+            <a:r>
+              <a:rPr lang="en-US" altLang="zh-TW" sz="2600" dirty="0">
+                <a:solidFill>
+                  <a:srgbClr val="000000"/>
+                </a:solidFill>
+                <a:latin typeface="標楷體" panose="03000509000000000000" pitchFamily="65" charset="-120"/>
+                <a:ea typeface="標楷體" panose="03000509000000000000" pitchFamily="65" charset="-120"/>
+              </a:rPr>
+              <a:t>(</a:t>
+            </a:r>
+            <a:r>
+              <a:rPr lang="zh-TW" altLang="en-US" sz="2600" dirty="0">
+                <a:solidFill>
+                  <a:srgbClr val="000000"/>
+                </a:solidFill>
+                <a:latin typeface="標楷體" panose="03000509000000000000" pitchFamily="65" charset="-120"/>
+                <a:ea typeface="標楷體" panose="03000509000000000000" pitchFamily="65" charset="-120"/>
+              </a:rPr>
+              <a:t>大型語言模型</a:t>
+            </a:r>
+            <a:r>
+              <a:rPr lang="en-US" altLang="zh-TW" sz="2600" dirty="0">
+                <a:solidFill>
+                  <a:srgbClr val="000000"/>
+                </a:solidFill>
+                <a:latin typeface="標楷體" panose="03000509000000000000" pitchFamily="65" charset="-120"/>
+                <a:ea typeface="標楷體" panose="03000509000000000000" pitchFamily="65" charset="-120"/>
+              </a:rPr>
+              <a:t>)</a:t>
+            </a:r>
+            <a:endParaRPr lang="zh-TW" altLang="en-US" sz="2600" dirty="0">
+              <a:solidFill>
+                <a:srgbClr val="000000"/>
+              </a:solidFill>
+              <a:latin typeface="標楷體" panose="03000509000000000000" pitchFamily="65" charset="-120"/>
+              <a:ea typeface="標楷體" panose="03000509000000000000" pitchFamily="65" charset="-120"/>
+            </a:endParaRPr>
+          </a:p>
+        </p:txBody>
+      </p:sp>
     </p:spTree>
     <p:extLst>
       <p:ext uri="{BB962C8B-B14F-4D97-AF65-F5344CB8AC3E}">
-        <p14:creationId xmlns:p14="http://schemas.microsoft.com/office/powerpoint/2010/main" val="1349745971"/>
+        <p14:creationId xmlns:p14="http://schemas.microsoft.com/office/powerpoint/2010/main" val="1351824536"/>
       </p:ext>
     </p:extLst>
   </p:cSld>
@@ -6551,51 +8903,12 @@
           <a:chExt cx="0" cy="0"/>
         </a:xfrm>
       </p:grpSpPr>
-      <p:sp>
-        <p:nvSpPr>
-          <p:cNvPr id="2" name="矩形 1">
-            <a:extLst>
-              <a:ext uri="{FF2B5EF4-FFF2-40B4-BE49-F238E27FC236}">
-                <a16:creationId xmlns:a16="http://schemas.microsoft.com/office/drawing/2014/main" id="{44185AA8-829C-40F1-9226-778D4C254FB3}"/>
-              </a:ext>
-            </a:extLst>
-          </p:cNvPr>
-          <p:cNvSpPr/>
-          <p:nvPr/>
-        </p:nvSpPr>
-        <p:spPr>
-          <a:xfrm>
-            <a:off x="347351" y="264828"/>
-            <a:ext cx="1366977" cy="369332"/>
-          </a:xfrm>
-          <a:prstGeom prst="rect">
-            <a:avLst/>
-          </a:prstGeom>
-        </p:spPr>
-        <p:txBody>
-          <a:bodyPr wrap="none">
-            <a:spAutoFit/>
-          </a:bodyPr>
-          <a:lstStyle/>
-          <a:p>
-            <a:pPr lvl="0"/>
-            <a:r>
-              <a:rPr lang="en-US" altLang="zh-TW" dirty="0"/>
-              <a:t>Python</a:t>
-            </a:r>
-            <a:r>
-              <a:rPr lang="zh-TW" altLang="en-US" dirty="0"/>
-              <a:t> 基礎</a:t>
-            </a:r>
-          </a:p>
-        </p:txBody>
-      </p:sp>
       <p:pic>
         <p:nvPicPr>
-          <p:cNvPr id="3" name="圖片 2">
-            <a:extLst>
-              <a:ext uri="{FF2B5EF4-FFF2-40B4-BE49-F238E27FC236}">
-                <a16:creationId xmlns:a16="http://schemas.microsoft.com/office/drawing/2014/main" id="{1940835F-6B8A-4EE9-9787-D7BD7B015639}"/>
+          <p:cNvPr id="2" name="圖片 1">
+            <a:extLst>
+              <a:ext uri="{FF2B5EF4-FFF2-40B4-BE49-F238E27FC236}">
+                <a16:creationId xmlns:a16="http://schemas.microsoft.com/office/drawing/2014/main" id="{90A62F81-AE84-499A-9FF1-8453BBF8ABD4}"/>
               </a:ext>
             </a:extLst>
           </p:cNvPr>
@@ -6612,38 +8925,8 @@
         </p:blipFill>
         <p:spPr>
           <a:xfrm>
-            <a:off x="205482" y="870834"/>
-            <a:ext cx="10109772" cy="2657911"/>
-          </a:xfrm>
-          <a:prstGeom prst="rect">
-            <a:avLst/>
-          </a:prstGeom>
-        </p:spPr>
-      </p:pic>
-      <p:pic>
-        <p:nvPicPr>
-          <p:cNvPr id="5" name="圖片 4">
-            <a:extLst>
-              <a:ext uri="{FF2B5EF4-FFF2-40B4-BE49-F238E27FC236}">
-                <a16:creationId xmlns:a16="http://schemas.microsoft.com/office/drawing/2014/main" id="{E5F3C88B-5034-4D07-8714-1DED87063D81}"/>
-              </a:ext>
-            </a:extLst>
-          </p:cNvPr>
-          <p:cNvPicPr>
-            <a:picLocks noChangeAspect="1"/>
-          </p:cNvPicPr>
-          <p:nvPr/>
-        </p:nvPicPr>
-        <p:blipFill>
-          <a:blip r:embed="rId3"/>
-          <a:stretch>
-            <a:fillRect/>
-          </a:stretch>
-        </p:blipFill>
-        <p:spPr>
-          <a:xfrm>
-            <a:off x="421241" y="3528745"/>
-            <a:ext cx="9894013" cy="3170006"/>
+            <a:off x="0" y="790433"/>
+            <a:ext cx="12192000" cy="5277134"/>
           </a:xfrm>
           <a:prstGeom prst="rect">
             <a:avLst/>
@@ -6653,7 +8936,7 @@
     </p:spTree>
     <p:extLst>
       <p:ext uri="{BB962C8B-B14F-4D97-AF65-F5344CB8AC3E}">
-        <p14:creationId xmlns:p14="http://schemas.microsoft.com/office/powerpoint/2010/main" val="2995514704"/>
+        <p14:creationId xmlns:p14="http://schemas.microsoft.com/office/powerpoint/2010/main" val="3021933263"/>
       </p:ext>
     </p:extLst>
   </p:cSld>
@@ -6680,55 +8963,12 @@
           <a:chExt cx="0" cy="0"/>
         </a:xfrm>
       </p:grpSpPr>
-      <p:sp>
-        <p:nvSpPr>
-          <p:cNvPr id="2" name="矩形 1">
-            <a:extLst>
-              <a:ext uri="{FF2B5EF4-FFF2-40B4-BE49-F238E27FC236}">
-                <a16:creationId xmlns:a16="http://schemas.microsoft.com/office/drawing/2014/main" id="{8B1C4BDD-67E1-408C-A701-2C4F41617EE3}"/>
-              </a:ext>
-            </a:extLst>
-          </p:cNvPr>
-          <p:cNvSpPr/>
-          <p:nvPr/>
-        </p:nvSpPr>
-        <p:spPr>
-          <a:xfrm>
-            <a:off x="388443" y="275103"/>
-            <a:ext cx="1449179" cy="369332"/>
-          </a:xfrm>
-          <a:prstGeom prst="rect">
-            <a:avLst/>
-          </a:prstGeom>
-        </p:spPr>
-        <p:txBody>
-          <a:bodyPr wrap="none">
-            <a:spAutoFit/>
-          </a:bodyPr>
-          <a:lstStyle/>
-          <a:p>
-            <a:pPr lvl="0"/>
-            <a:r>
-              <a:rPr lang="zh-TW" altLang="en-US" dirty="0"/>
-              <a:t>讀寫</a:t>
-            </a:r>
-            <a:r>
-              <a:rPr lang="en-US" altLang="zh-TW" dirty="0"/>
-              <a:t>csv</a:t>
-            </a:r>
-            <a:r>
-              <a:rPr lang="zh-TW" altLang="en-US" dirty="0"/>
-              <a:t> 畫圖</a:t>
-            </a:r>
-          </a:p>
-        </p:txBody>
-      </p:sp>
       <p:pic>
         <p:nvPicPr>
-          <p:cNvPr id="4" name="圖片 3">
-            <a:extLst>
-              <a:ext uri="{FF2B5EF4-FFF2-40B4-BE49-F238E27FC236}">
-                <a16:creationId xmlns:a16="http://schemas.microsoft.com/office/drawing/2014/main" id="{EED6E572-B1CD-4DF7-BB96-B450036E58F0}"/>
+          <p:cNvPr id="2" name="圖片 1">
+            <a:extLst>
+              <a:ext uri="{FF2B5EF4-FFF2-40B4-BE49-F238E27FC236}">
+                <a16:creationId xmlns:a16="http://schemas.microsoft.com/office/drawing/2014/main" id="{0288E2ED-6043-4FEE-9046-2F9DF6D8C73F}"/>
               </a:ext>
             </a:extLst>
           </p:cNvPr>
@@ -6745,8 +8985,8 @@
         </p:blipFill>
         <p:spPr>
           <a:xfrm>
-            <a:off x="0" y="841624"/>
-            <a:ext cx="12192000" cy="3695274"/>
+            <a:off x="0" y="296723"/>
+            <a:ext cx="12192000" cy="6264553"/>
           </a:xfrm>
           <a:prstGeom prst="rect">
             <a:avLst/>
@@ -6756,7 +8996,7 @@
     </p:spTree>
     <p:extLst>
       <p:ext uri="{BB962C8B-B14F-4D97-AF65-F5344CB8AC3E}">
-        <p14:creationId xmlns:p14="http://schemas.microsoft.com/office/powerpoint/2010/main" val="2482292983"/>
+        <p14:creationId xmlns:p14="http://schemas.microsoft.com/office/powerpoint/2010/main" val="1303451983"/>
       </p:ext>
     </p:extLst>
   </p:cSld>
@@ -6783,47 +9023,12 @@
           <a:chExt cx="0" cy="0"/>
         </a:xfrm>
       </p:grpSpPr>
-      <p:sp>
-        <p:nvSpPr>
-          <p:cNvPr id="2" name="矩形 1">
-            <a:extLst>
-              <a:ext uri="{FF2B5EF4-FFF2-40B4-BE49-F238E27FC236}">
-                <a16:creationId xmlns:a16="http://schemas.microsoft.com/office/drawing/2014/main" id="{8B1C4BDD-67E1-408C-A701-2C4F41617EE3}"/>
-              </a:ext>
-            </a:extLst>
-          </p:cNvPr>
-          <p:cNvSpPr/>
-          <p:nvPr/>
-        </p:nvSpPr>
-        <p:spPr>
-          <a:xfrm>
-            <a:off x="388443" y="275103"/>
-            <a:ext cx="646331" cy="369332"/>
-          </a:xfrm>
-          <a:prstGeom prst="rect">
-            <a:avLst/>
-          </a:prstGeom>
-        </p:spPr>
-        <p:txBody>
-          <a:bodyPr wrap="none">
-            <a:spAutoFit/>
-          </a:bodyPr>
-          <a:lstStyle/>
-          <a:p>
-            <a:pPr lvl="0"/>
-            <a:r>
-              <a:rPr lang="zh-TW" altLang="en-US" dirty="0"/>
-              <a:t>畫圖</a:t>
-            </a:r>
-          </a:p>
-        </p:txBody>
-      </p:sp>
       <p:pic>
         <p:nvPicPr>
-          <p:cNvPr id="4" name="圖片 3">
-            <a:extLst>
-              <a:ext uri="{FF2B5EF4-FFF2-40B4-BE49-F238E27FC236}">
-                <a16:creationId xmlns:a16="http://schemas.microsoft.com/office/drawing/2014/main" id="{EED6E572-B1CD-4DF7-BB96-B450036E58F0}"/>
+          <p:cNvPr id="2" name="圖片 1">
+            <a:extLst>
+              <a:ext uri="{FF2B5EF4-FFF2-40B4-BE49-F238E27FC236}">
+                <a16:creationId xmlns:a16="http://schemas.microsoft.com/office/drawing/2014/main" id="{0815F44F-94AF-4CEC-8C19-0177F849AEF6}"/>
               </a:ext>
             </a:extLst>
           </p:cNvPr>
@@ -6840,8 +9045,8 @@
         </p:blipFill>
         <p:spPr>
           <a:xfrm>
-            <a:off x="0" y="841624"/>
-            <a:ext cx="12192000" cy="3695274"/>
+            <a:off x="323850" y="628650"/>
+            <a:ext cx="11544300" cy="5600700"/>
           </a:xfrm>
           <a:prstGeom prst="rect">
             <a:avLst/>
@@ -6851,7 +9056,7 @@
     </p:spTree>
     <p:extLst>
       <p:ext uri="{BB962C8B-B14F-4D97-AF65-F5344CB8AC3E}">
-        <p14:creationId xmlns:p14="http://schemas.microsoft.com/office/powerpoint/2010/main" val="4086744750"/>
+        <p14:creationId xmlns:p14="http://schemas.microsoft.com/office/powerpoint/2010/main" val="2162746785"/>
       </p:ext>
     </p:extLst>
   </p:cSld>
@@ -6880,10 +9085,10 @@
       </p:grpSpPr>
       <p:pic>
         <p:nvPicPr>
-          <p:cNvPr id="3" name="圖片 2" descr="一張含有 螢幕擷取畫面, 文字, 軟體, 多媒體軟體 的圖片&#10;&#10;自動產生的描述">
-            <a:extLst>
-              <a:ext uri="{FF2B5EF4-FFF2-40B4-BE49-F238E27FC236}">
-                <a16:creationId xmlns:a16="http://schemas.microsoft.com/office/drawing/2014/main" id="{9F6EEA6F-06BD-4213-A12F-018796BBAD3E}"/>
+          <p:cNvPr id="2" name="圖片 1">
+            <a:extLst>
+              <a:ext uri="{FF2B5EF4-FFF2-40B4-BE49-F238E27FC236}">
+                <a16:creationId xmlns:a16="http://schemas.microsoft.com/office/drawing/2014/main" id="{516BFB61-DC5E-4DE4-A1D0-225241649ED6}"/>
               </a:ext>
             </a:extLst>
           </p:cNvPr>
@@ -6892,21 +9097,16 @@
           </p:cNvPicPr>
           <p:nvPr/>
         </p:nvPicPr>
-        <p:blipFill rotWithShape="1">
-          <a:blip r:embed="rId2">
-            <a:extLst>
-              <a:ext uri="{28A0092B-C50C-407E-A947-70E740481C1C}">
-                <a14:useLocalDpi xmlns:a14="http://schemas.microsoft.com/office/drawing/2010/main" val="0"/>
-              </a:ext>
-            </a:extLst>
-          </a:blip>
-          <a:srcRect l="50000" b="4981"/>
-          <a:stretch/>
+        <p:blipFill>
+          <a:blip r:embed="rId2"/>
+          <a:stretch>
+            <a:fillRect/>
+          </a:stretch>
         </p:blipFill>
         <p:spPr>
           <a:xfrm>
-            <a:off x="741275" y="772488"/>
-            <a:ext cx="10709450" cy="5723990"/>
+            <a:off x="33337" y="276225"/>
+            <a:ext cx="12125325" cy="6305550"/>
           </a:xfrm>
           <a:prstGeom prst="rect">
             <a:avLst/>
@@ -6916,7 +9116,7 @@
     </p:spTree>
     <p:extLst>
       <p:ext uri="{BB962C8B-B14F-4D97-AF65-F5344CB8AC3E}">
-        <p14:creationId xmlns:p14="http://schemas.microsoft.com/office/powerpoint/2010/main" val="818418401"/>
+        <p14:creationId xmlns:p14="http://schemas.microsoft.com/office/powerpoint/2010/main" val="250628154"/>
       </p:ext>
     </p:extLst>
   </p:cSld>
@@ -6945,10 +9145,10 @@
       </p:grpSpPr>
       <p:pic>
         <p:nvPicPr>
-          <p:cNvPr id="3" name="圖片 2" descr="一張含有 文字, 螢幕擷取畫面, 軟體, 多媒體軟體 的圖片&#10;&#10;自動產生的描述">
-            <a:extLst>
-              <a:ext uri="{FF2B5EF4-FFF2-40B4-BE49-F238E27FC236}">
-                <a16:creationId xmlns:a16="http://schemas.microsoft.com/office/drawing/2014/main" id="{C01A1A46-CDB1-46C3-98B3-3D4A2F4A5FB1}"/>
+          <p:cNvPr id="2" name="圖片 1">
+            <a:extLst>
+              <a:ext uri="{FF2B5EF4-FFF2-40B4-BE49-F238E27FC236}">
+                <a16:creationId xmlns:a16="http://schemas.microsoft.com/office/drawing/2014/main" id="{69E72A90-1791-4906-8C36-C2F112466558}"/>
               </a:ext>
             </a:extLst>
           </p:cNvPr>
@@ -6957,73 +9157,26 @@
           </p:cNvPicPr>
           <p:nvPr/>
         </p:nvPicPr>
-        <p:blipFill rotWithShape="1">
-          <a:blip r:embed="rId2">
-            <a:extLst>
-              <a:ext uri="{28A0092B-C50C-407E-A947-70E740481C1C}">
-                <a14:useLocalDpi xmlns:a14="http://schemas.microsoft.com/office/drawing/2010/main" val="0"/>
-              </a:ext>
-            </a:extLst>
-          </a:blip>
-          <a:srcRect l="50899" t="16517" b="6179"/>
-          <a:stretch/>
+        <p:blipFill>
+          <a:blip r:embed="rId2"/>
+          <a:stretch>
+            <a:fillRect/>
+          </a:stretch>
         </p:blipFill>
         <p:spPr>
           <a:xfrm>
-            <a:off x="109592" y="1633590"/>
-            <a:ext cx="11299926" cy="5003515"/>
+            <a:off x="0" y="596234"/>
+            <a:ext cx="12192000" cy="5665531"/>
           </a:xfrm>
           <a:prstGeom prst="rect">
             <a:avLst/>
           </a:prstGeom>
         </p:spPr>
       </p:pic>
-      <p:sp>
-        <p:nvSpPr>
-          <p:cNvPr id="5" name="文字方塊 4">
-            <a:extLst>
-              <a:ext uri="{FF2B5EF4-FFF2-40B4-BE49-F238E27FC236}">
-                <a16:creationId xmlns:a16="http://schemas.microsoft.com/office/drawing/2014/main" id="{298B81DB-1B04-4BB6-9A5C-4E91D51379B3}"/>
-              </a:ext>
-            </a:extLst>
-          </p:cNvPr>
-          <p:cNvSpPr txBox="1"/>
-          <p:nvPr/>
-        </p:nvSpPr>
-        <p:spPr>
-          <a:xfrm>
-            <a:off x="4012948" y="1705510"/>
-            <a:ext cx="3493213" cy="369332"/>
-          </a:xfrm>
-          <a:prstGeom prst="rect">
-            <a:avLst/>
-          </a:prstGeom>
-          <a:noFill/>
-        </p:spPr>
-        <p:txBody>
-          <a:bodyPr wrap="square" rtlCol="0">
-            <a:spAutoFit/>
-          </a:bodyPr>
-          <a:lstStyle/>
-          <a:p>
-            <a:r>
-              <a:rPr lang="zh-TW" altLang="en-US" dirty="0">
-                <a:latin typeface="Microsoft YaHei" panose="020B0503020204020204" pitchFamily="34" charset="-122"/>
-                <a:ea typeface="Microsoft YaHei" panose="020B0503020204020204" pitchFamily="34" charset="-122"/>
-              </a:rPr>
-              <a:t>每月最高用電量在幾點的分布圖</a:t>
-            </a:r>
-            <a:endParaRPr lang="en-US" altLang="zh-TW" dirty="0">
-              <a:latin typeface="Microsoft YaHei" panose="020B0503020204020204" pitchFamily="34" charset="-122"/>
-              <a:ea typeface="Microsoft YaHei" panose="020B0503020204020204" pitchFamily="34" charset="-122"/>
-            </a:endParaRPr>
-          </a:p>
-        </p:txBody>
-      </p:sp>
     </p:spTree>
     <p:extLst>
       <p:ext uri="{BB962C8B-B14F-4D97-AF65-F5344CB8AC3E}">
-        <p14:creationId xmlns:p14="http://schemas.microsoft.com/office/powerpoint/2010/main" val="229526147"/>
+        <p14:creationId xmlns:p14="http://schemas.microsoft.com/office/powerpoint/2010/main" val="3576831844"/>
       </p:ext>
     </p:extLst>
   </p:cSld>

--- a/python講義.pptx
+++ b/python講義.pptx
@@ -5,8 +5,38 @@
     <p:sldMasterId id="2147483648" r:id="rId1"/>
   </p:sldMasterIdLst>
   <p:sldIdLst>
-    <p:sldId id="256" r:id="rId2"/>
-    <p:sldId id="257" r:id="rId3"/>
+    <p:sldId id="258" r:id="rId2"/>
+    <p:sldId id="289" r:id="rId3"/>
+    <p:sldId id="261" r:id="rId4"/>
+    <p:sldId id="259" r:id="rId5"/>
+    <p:sldId id="266" r:id="rId6"/>
+    <p:sldId id="267" r:id="rId7"/>
+    <p:sldId id="268" r:id="rId8"/>
+    <p:sldId id="269" r:id="rId9"/>
+    <p:sldId id="270" r:id="rId10"/>
+    <p:sldId id="271" r:id="rId11"/>
+    <p:sldId id="272" r:id="rId12"/>
+    <p:sldId id="273" r:id="rId13"/>
+    <p:sldId id="260" r:id="rId14"/>
+    <p:sldId id="263" r:id="rId15"/>
+    <p:sldId id="274" r:id="rId16"/>
+    <p:sldId id="264" r:id="rId17"/>
+    <p:sldId id="284" r:id="rId18"/>
+    <p:sldId id="275" r:id="rId19"/>
+    <p:sldId id="276" r:id="rId20"/>
+    <p:sldId id="277" r:id="rId21"/>
+    <p:sldId id="278" r:id="rId22"/>
+    <p:sldId id="279" r:id="rId23"/>
+    <p:sldId id="280" r:id="rId24"/>
+    <p:sldId id="281" r:id="rId25"/>
+    <p:sldId id="257" r:id="rId26"/>
+    <p:sldId id="256" r:id="rId27"/>
+    <p:sldId id="282" r:id="rId28"/>
+    <p:sldId id="288" r:id="rId29"/>
+    <p:sldId id="285" r:id="rId30"/>
+    <p:sldId id="287" r:id="rId31"/>
+    <p:sldId id="283" r:id="rId32"/>
+    <p:sldId id="286" r:id="rId33"/>
   </p:sldIdLst>
   <p:sldSz cx="12192000" cy="6858000"/>
   <p:notesSz cx="6858000" cy="9144000"/>
@@ -105,7 +135,2586 @@
       </a:defRPr>
     </a:lvl9pPr>
   </p:defaultTextStyle>
+  <p:extLst>
+    <p:ext uri="{EFAFB233-063F-42B5-8137-9DF3F51BA10A}">
+      <p15:sldGuideLst xmlns:p15="http://schemas.microsoft.com/office/powerpoint/2012/main"/>
+    </p:ext>
+  </p:extLst>
 </p:presentation>
+</file>
+
+<file path=ppt/diagrams/colors1.xml><?xml version="1.0" encoding="utf-8"?>
+<dgm:colorsDef xmlns:dgm="http://schemas.openxmlformats.org/drawingml/2006/diagram" xmlns:a="http://schemas.openxmlformats.org/drawingml/2006/main" uniqueId="urn:microsoft.com/office/officeart/2005/8/colors/accent1_2">
+  <dgm:title val=""/>
+  <dgm:desc val=""/>
+  <dgm:catLst>
+    <dgm:cat type="accent1" pri="11200"/>
+  </dgm:catLst>
+  <dgm:styleLbl name="node0">
+    <dgm:fillClrLst meth="repeat">
+      <a:schemeClr val="accent1"/>
+    </dgm:fillClrLst>
+    <dgm:linClrLst meth="repeat">
+      <a:schemeClr val="lt1"/>
+    </dgm:linClrLst>
+    <dgm:effectClrLst/>
+    <dgm:txLinClrLst/>
+    <dgm:txFillClrLst/>
+    <dgm:txEffectClrLst/>
+  </dgm:styleLbl>
+  <dgm:styleLbl name="alignNode1">
+    <dgm:fillClrLst meth="repeat">
+      <a:schemeClr val="accent1"/>
+    </dgm:fillClrLst>
+    <dgm:linClrLst meth="repeat">
+      <a:schemeClr val="accent1"/>
+    </dgm:linClrLst>
+    <dgm:effectClrLst/>
+    <dgm:txLinClrLst/>
+    <dgm:txFillClrLst/>
+    <dgm:txEffectClrLst/>
+  </dgm:styleLbl>
+  <dgm:styleLbl name="node1">
+    <dgm:fillClrLst meth="repeat">
+      <a:schemeClr val="accent1"/>
+    </dgm:fillClrLst>
+    <dgm:linClrLst meth="repeat">
+      <a:schemeClr val="lt1"/>
+    </dgm:linClrLst>
+    <dgm:effectClrLst/>
+    <dgm:txLinClrLst/>
+    <dgm:txFillClrLst/>
+    <dgm:txEffectClrLst/>
+  </dgm:styleLbl>
+  <dgm:styleLbl name="lnNode1">
+    <dgm:fillClrLst meth="repeat">
+      <a:schemeClr val="accent1"/>
+    </dgm:fillClrLst>
+    <dgm:linClrLst meth="repeat">
+      <a:schemeClr val="lt1"/>
+    </dgm:linClrLst>
+    <dgm:effectClrLst/>
+    <dgm:txLinClrLst/>
+    <dgm:txFillClrLst/>
+    <dgm:txEffectClrLst/>
+  </dgm:styleLbl>
+  <dgm:styleLbl name="vennNode1">
+    <dgm:fillClrLst meth="repeat">
+      <a:schemeClr val="accent1">
+        <a:alpha val="50000"/>
+      </a:schemeClr>
+    </dgm:fillClrLst>
+    <dgm:linClrLst meth="repeat">
+      <a:schemeClr val="lt1"/>
+    </dgm:linClrLst>
+    <dgm:effectClrLst/>
+    <dgm:txLinClrLst/>
+    <dgm:txFillClrLst/>
+    <dgm:txEffectClrLst/>
+  </dgm:styleLbl>
+  <dgm:styleLbl name="node2">
+    <dgm:fillClrLst meth="repeat">
+      <a:schemeClr val="accent1"/>
+    </dgm:fillClrLst>
+    <dgm:linClrLst meth="repeat">
+      <a:schemeClr val="lt1"/>
+    </dgm:linClrLst>
+    <dgm:effectClrLst/>
+    <dgm:txLinClrLst/>
+    <dgm:txFillClrLst/>
+    <dgm:txEffectClrLst/>
+  </dgm:styleLbl>
+  <dgm:styleLbl name="node3">
+    <dgm:fillClrLst meth="repeat">
+      <a:schemeClr val="accent1"/>
+    </dgm:fillClrLst>
+    <dgm:linClrLst meth="repeat">
+      <a:schemeClr val="lt1"/>
+    </dgm:linClrLst>
+    <dgm:effectClrLst/>
+    <dgm:txLinClrLst/>
+    <dgm:txFillClrLst/>
+    <dgm:txEffectClrLst/>
+  </dgm:styleLbl>
+  <dgm:styleLbl name="node4">
+    <dgm:fillClrLst meth="repeat">
+      <a:schemeClr val="accent1"/>
+    </dgm:fillClrLst>
+    <dgm:linClrLst meth="repeat">
+      <a:schemeClr val="lt1"/>
+    </dgm:linClrLst>
+    <dgm:effectClrLst/>
+    <dgm:txLinClrLst/>
+    <dgm:txFillClrLst/>
+    <dgm:txEffectClrLst/>
+  </dgm:styleLbl>
+  <dgm:styleLbl name="fgImgPlace1">
+    <dgm:fillClrLst meth="repeat">
+      <a:schemeClr val="accent1">
+        <a:tint val="50000"/>
+      </a:schemeClr>
+    </dgm:fillClrLst>
+    <dgm:linClrLst meth="repeat">
+      <a:schemeClr val="lt1"/>
+    </dgm:linClrLst>
+    <dgm:effectClrLst/>
+    <dgm:txLinClrLst/>
+    <dgm:txFillClrLst meth="repeat">
+      <a:schemeClr val="lt1"/>
+    </dgm:txFillClrLst>
+    <dgm:txEffectClrLst/>
+  </dgm:styleLbl>
+  <dgm:styleLbl name="alignImgPlace1">
+    <dgm:fillClrLst meth="repeat">
+      <a:schemeClr val="accent1">
+        <a:tint val="50000"/>
+      </a:schemeClr>
+    </dgm:fillClrLst>
+    <dgm:linClrLst meth="repeat">
+      <a:schemeClr val="lt1"/>
+    </dgm:linClrLst>
+    <dgm:effectClrLst/>
+    <dgm:txLinClrLst/>
+    <dgm:txFillClrLst meth="repeat">
+      <a:schemeClr val="lt1"/>
+    </dgm:txFillClrLst>
+    <dgm:txEffectClrLst/>
+  </dgm:styleLbl>
+  <dgm:styleLbl name="bgImgPlace1">
+    <dgm:fillClrLst meth="repeat">
+      <a:schemeClr val="accent1">
+        <a:tint val="50000"/>
+      </a:schemeClr>
+    </dgm:fillClrLst>
+    <dgm:linClrLst meth="repeat">
+      <a:schemeClr val="lt1"/>
+    </dgm:linClrLst>
+    <dgm:effectClrLst/>
+    <dgm:txLinClrLst/>
+    <dgm:txFillClrLst meth="repeat">
+      <a:schemeClr val="lt1"/>
+    </dgm:txFillClrLst>
+    <dgm:txEffectClrLst/>
+  </dgm:styleLbl>
+  <dgm:styleLbl name="sibTrans2D1">
+    <dgm:fillClrLst meth="repeat">
+      <a:schemeClr val="accent1">
+        <a:tint val="60000"/>
+      </a:schemeClr>
+    </dgm:fillClrLst>
+    <dgm:linClrLst meth="repeat">
+      <a:schemeClr val="accent1">
+        <a:tint val="60000"/>
+      </a:schemeClr>
+    </dgm:linClrLst>
+    <dgm:effectClrLst/>
+    <dgm:txLinClrLst/>
+    <dgm:txFillClrLst/>
+    <dgm:txEffectClrLst/>
+  </dgm:styleLbl>
+  <dgm:styleLbl name="fgSibTrans2D1">
+    <dgm:fillClrLst meth="repeat">
+      <a:schemeClr val="accent1">
+        <a:tint val="60000"/>
+      </a:schemeClr>
+    </dgm:fillClrLst>
+    <dgm:linClrLst meth="repeat">
+      <a:schemeClr val="accent1">
+        <a:tint val="60000"/>
+      </a:schemeClr>
+    </dgm:linClrLst>
+    <dgm:effectClrLst/>
+    <dgm:txLinClrLst/>
+    <dgm:txFillClrLst/>
+    <dgm:txEffectClrLst/>
+  </dgm:styleLbl>
+  <dgm:styleLbl name="bgSibTrans2D1">
+    <dgm:fillClrLst meth="repeat">
+      <a:schemeClr val="accent1">
+        <a:tint val="60000"/>
+      </a:schemeClr>
+    </dgm:fillClrLst>
+    <dgm:linClrLst meth="repeat">
+      <a:schemeClr val="accent1">
+        <a:tint val="60000"/>
+      </a:schemeClr>
+    </dgm:linClrLst>
+    <dgm:effectClrLst/>
+    <dgm:txLinClrLst/>
+    <dgm:txFillClrLst/>
+    <dgm:txEffectClrLst/>
+  </dgm:styleLbl>
+  <dgm:styleLbl name="sibTrans1D1">
+    <dgm:fillClrLst meth="repeat">
+      <a:schemeClr val="accent1"/>
+    </dgm:fillClrLst>
+    <dgm:linClrLst meth="repeat">
+      <a:schemeClr val="accent1"/>
+    </dgm:linClrLst>
+    <dgm:effectClrLst/>
+    <dgm:txLinClrLst/>
+    <dgm:txFillClrLst meth="repeat">
+      <a:schemeClr val="tx1"/>
+    </dgm:txFillClrLst>
+    <dgm:txEffectClrLst/>
+  </dgm:styleLbl>
+  <dgm:styleLbl name="callout">
+    <dgm:fillClrLst meth="repeat">
+      <a:schemeClr val="accent1"/>
+    </dgm:fillClrLst>
+    <dgm:linClrLst meth="repeat">
+      <a:schemeClr val="accent1">
+        <a:tint val="50000"/>
+      </a:schemeClr>
+    </dgm:linClrLst>
+    <dgm:effectClrLst/>
+    <dgm:txLinClrLst/>
+    <dgm:txFillClrLst meth="repeat">
+      <a:schemeClr val="tx1"/>
+    </dgm:txFillClrLst>
+    <dgm:txEffectClrLst/>
+  </dgm:styleLbl>
+  <dgm:styleLbl name="asst0">
+    <dgm:fillClrLst meth="repeat">
+      <a:schemeClr val="accent1"/>
+    </dgm:fillClrLst>
+    <dgm:linClrLst meth="repeat">
+      <a:schemeClr val="lt1"/>
+    </dgm:linClrLst>
+    <dgm:effectClrLst/>
+    <dgm:txLinClrLst/>
+    <dgm:txFillClrLst/>
+    <dgm:txEffectClrLst/>
+  </dgm:styleLbl>
+  <dgm:styleLbl name="asst1">
+    <dgm:fillClrLst meth="repeat">
+      <a:schemeClr val="accent1"/>
+    </dgm:fillClrLst>
+    <dgm:linClrLst meth="repeat">
+      <a:schemeClr val="lt1"/>
+    </dgm:linClrLst>
+    <dgm:effectClrLst/>
+    <dgm:txLinClrLst/>
+    <dgm:txFillClrLst/>
+    <dgm:txEffectClrLst/>
+  </dgm:styleLbl>
+  <dgm:styleLbl name="asst2">
+    <dgm:fillClrLst meth="repeat">
+      <a:schemeClr val="accent1"/>
+    </dgm:fillClrLst>
+    <dgm:linClrLst meth="repeat">
+      <a:schemeClr val="lt1"/>
+    </dgm:linClrLst>
+    <dgm:effectClrLst/>
+    <dgm:txLinClrLst/>
+    <dgm:txFillClrLst/>
+    <dgm:txEffectClrLst/>
+  </dgm:styleLbl>
+  <dgm:styleLbl name="asst3">
+    <dgm:fillClrLst meth="repeat">
+      <a:schemeClr val="accent1"/>
+    </dgm:fillClrLst>
+    <dgm:linClrLst meth="repeat">
+      <a:schemeClr val="lt1"/>
+    </dgm:linClrLst>
+    <dgm:effectClrLst/>
+    <dgm:txLinClrLst/>
+    <dgm:txFillClrLst/>
+    <dgm:txEffectClrLst/>
+  </dgm:styleLbl>
+  <dgm:styleLbl name="asst4">
+    <dgm:fillClrLst meth="repeat">
+      <a:schemeClr val="accent1"/>
+    </dgm:fillClrLst>
+    <dgm:linClrLst meth="repeat">
+      <a:schemeClr val="lt1"/>
+    </dgm:linClrLst>
+    <dgm:effectClrLst/>
+    <dgm:txLinClrLst/>
+    <dgm:txFillClrLst/>
+    <dgm:txEffectClrLst/>
+  </dgm:styleLbl>
+  <dgm:styleLbl name="parChTrans2D1">
+    <dgm:fillClrLst meth="repeat">
+      <a:schemeClr val="accent1">
+        <a:tint val="60000"/>
+      </a:schemeClr>
+    </dgm:fillClrLst>
+    <dgm:linClrLst meth="repeat">
+      <a:schemeClr val="accent1">
+        <a:tint val="60000"/>
+      </a:schemeClr>
+    </dgm:linClrLst>
+    <dgm:effectClrLst/>
+    <dgm:txLinClrLst/>
+    <dgm:txFillClrLst meth="repeat">
+      <a:schemeClr val="lt1"/>
+    </dgm:txFillClrLst>
+    <dgm:txEffectClrLst/>
+  </dgm:styleLbl>
+  <dgm:styleLbl name="parChTrans2D2">
+    <dgm:fillClrLst meth="repeat">
+      <a:schemeClr val="accent1"/>
+    </dgm:fillClrLst>
+    <dgm:linClrLst meth="repeat">
+      <a:schemeClr val="accent1"/>
+    </dgm:linClrLst>
+    <dgm:effectClrLst/>
+    <dgm:txLinClrLst/>
+    <dgm:txFillClrLst meth="repeat">
+      <a:schemeClr val="lt1"/>
+    </dgm:txFillClrLst>
+    <dgm:txEffectClrLst/>
+  </dgm:styleLbl>
+  <dgm:styleLbl name="parChTrans2D3">
+    <dgm:fillClrLst meth="repeat">
+      <a:schemeClr val="accent1"/>
+    </dgm:fillClrLst>
+    <dgm:linClrLst meth="repeat">
+      <a:schemeClr val="accent1"/>
+    </dgm:linClrLst>
+    <dgm:effectClrLst/>
+    <dgm:txLinClrLst/>
+    <dgm:txFillClrLst meth="repeat">
+      <a:schemeClr val="lt1"/>
+    </dgm:txFillClrLst>
+    <dgm:txEffectClrLst/>
+  </dgm:styleLbl>
+  <dgm:styleLbl name="parChTrans2D4">
+    <dgm:fillClrLst meth="repeat">
+      <a:schemeClr val="accent1"/>
+    </dgm:fillClrLst>
+    <dgm:linClrLst meth="repeat">
+      <a:schemeClr val="accent1"/>
+    </dgm:linClrLst>
+    <dgm:effectClrLst/>
+    <dgm:txLinClrLst/>
+    <dgm:txFillClrLst meth="repeat">
+      <a:schemeClr val="lt1"/>
+    </dgm:txFillClrLst>
+    <dgm:txEffectClrLst/>
+  </dgm:styleLbl>
+  <dgm:styleLbl name="parChTrans1D1">
+    <dgm:fillClrLst meth="repeat">
+      <a:schemeClr val="accent1"/>
+    </dgm:fillClrLst>
+    <dgm:linClrLst meth="repeat">
+      <a:schemeClr val="accent1">
+        <a:shade val="60000"/>
+      </a:schemeClr>
+    </dgm:linClrLst>
+    <dgm:effectClrLst/>
+    <dgm:txLinClrLst/>
+    <dgm:txFillClrLst meth="repeat">
+      <a:schemeClr val="tx1"/>
+    </dgm:txFillClrLst>
+    <dgm:txEffectClrLst/>
+  </dgm:styleLbl>
+  <dgm:styleLbl name="parChTrans1D2">
+    <dgm:fillClrLst meth="repeat">
+      <a:schemeClr val="accent1"/>
+    </dgm:fillClrLst>
+    <dgm:linClrLst meth="repeat">
+      <a:schemeClr val="accent1">
+        <a:shade val="60000"/>
+      </a:schemeClr>
+    </dgm:linClrLst>
+    <dgm:effectClrLst/>
+    <dgm:txLinClrLst/>
+    <dgm:txFillClrLst meth="repeat">
+      <a:schemeClr val="tx1"/>
+    </dgm:txFillClrLst>
+    <dgm:txEffectClrLst/>
+  </dgm:styleLbl>
+  <dgm:styleLbl name="parChTrans1D3">
+    <dgm:fillClrLst meth="repeat">
+      <a:schemeClr val="accent1"/>
+    </dgm:fillClrLst>
+    <dgm:linClrLst meth="repeat">
+      <a:schemeClr val="accent1">
+        <a:shade val="80000"/>
+      </a:schemeClr>
+    </dgm:linClrLst>
+    <dgm:effectClrLst/>
+    <dgm:txLinClrLst/>
+    <dgm:txFillClrLst meth="repeat">
+      <a:schemeClr val="tx1"/>
+    </dgm:txFillClrLst>
+    <dgm:txEffectClrLst/>
+  </dgm:styleLbl>
+  <dgm:styleLbl name="parChTrans1D4">
+    <dgm:fillClrLst meth="repeat">
+      <a:schemeClr val="accent1"/>
+    </dgm:fillClrLst>
+    <dgm:linClrLst meth="repeat">
+      <a:schemeClr val="accent1">
+        <a:shade val="80000"/>
+      </a:schemeClr>
+    </dgm:linClrLst>
+    <dgm:effectClrLst/>
+    <dgm:txLinClrLst/>
+    <dgm:txFillClrLst meth="repeat">
+      <a:schemeClr val="tx1"/>
+    </dgm:txFillClrLst>
+    <dgm:txEffectClrLst/>
+  </dgm:styleLbl>
+  <dgm:styleLbl name="fgAcc1">
+    <dgm:fillClrLst meth="repeat">
+      <a:schemeClr val="lt1">
+        <a:alpha val="90000"/>
+      </a:schemeClr>
+    </dgm:fillClrLst>
+    <dgm:linClrLst meth="repeat">
+      <a:schemeClr val="accent1"/>
+    </dgm:linClrLst>
+    <dgm:effectClrLst/>
+    <dgm:txLinClrLst/>
+    <dgm:txFillClrLst meth="repeat">
+      <a:schemeClr val="dk1"/>
+    </dgm:txFillClrLst>
+    <dgm:txEffectClrLst/>
+  </dgm:styleLbl>
+  <dgm:styleLbl name="conFgAcc1">
+    <dgm:fillClrLst meth="repeat">
+      <a:schemeClr val="lt1">
+        <a:alpha val="90000"/>
+      </a:schemeClr>
+    </dgm:fillClrLst>
+    <dgm:linClrLst meth="repeat">
+      <a:schemeClr val="accent1"/>
+    </dgm:linClrLst>
+    <dgm:effectClrLst/>
+    <dgm:txLinClrLst/>
+    <dgm:txFillClrLst meth="repeat">
+      <a:schemeClr val="dk1"/>
+    </dgm:txFillClrLst>
+    <dgm:txEffectClrLst/>
+  </dgm:styleLbl>
+  <dgm:styleLbl name="alignAcc1">
+    <dgm:fillClrLst meth="repeat">
+      <a:schemeClr val="lt1">
+        <a:alpha val="90000"/>
+      </a:schemeClr>
+    </dgm:fillClrLst>
+    <dgm:linClrLst meth="repeat">
+      <a:schemeClr val="accent1"/>
+    </dgm:linClrLst>
+    <dgm:effectClrLst/>
+    <dgm:txLinClrLst/>
+    <dgm:txFillClrLst meth="repeat">
+      <a:schemeClr val="dk1"/>
+    </dgm:txFillClrLst>
+    <dgm:txEffectClrLst/>
+  </dgm:styleLbl>
+  <dgm:styleLbl name="trAlignAcc1">
+    <dgm:fillClrLst meth="repeat">
+      <a:schemeClr val="lt1">
+        <a:alpha val="40000"/>
+      </a:schemeClr>
+    </dgm:fillClrLst>
+    <dgm:linClrLst meth="repeat">
+      <a:schemeClr val="accent1"/>
+    </dgm:linClrLst>
+    <dgm:effectClrLst/>
+    <dgm:txLinClrLst/>
+    <dgm:txFillClrLst meth="repeat">
+      <a:schemeClr val="dk1"/>
+    </dgm:txFillClrLst>
+    <dgm:txEffectClrLst/>
+  </dgm:styleLbl>
+  <dgm:styleLbl name="bgAcc1">
+    <dgm:fillClrLst meth="repeat">
+      <a:schemeClr val="lt1">
+        <a:alpha val="90000"/>
+      </a:schemeClr>
+    </dgm:fillClrLst>
+    <dgm:linClrLst meth="repeat">
+      <a:schemeClr val="accent1"/>
+    </dgm:linClrLst>
+    <dgm:effectClrLst/>
+    <dgm:txLinClrLst/>
+    <dgm:txFillClrLst meth="repeat">
+      <a:schemeClr val="dk1"/>
+    </dgm:txFillClrLst>
+    <dgm:txEffectClrLst/>
+  </dgm:styleLbl>
+  <dgm:styleLbl name="solidFgAcc1">
+    <dgm:fillClrLst meth="repeat">
+      <a:schemeClr val="lt1"/>
+    </dgm:fillClrLst>
+    <dgm:linClrLst meth="repeat">
+      <a:schemeClr val="accent1"/>
+    </dgm:linClrLst>
+    <dgm:effectClrLst/>
+    <dgm:txLinClrLst/>
+    <dgm:txFillClrLst meth="repeat">
+      <a:schemeClr val="dk1"/>
+    </dgm:txFillClrLst>
+    <dgm:txEffectClrLst/>
+  </dgm:styleLbl>
+  <dgm:styleLbl name="solidAlignAcc1">
+    <dgm:fillClrLst meth="repeat">
+      <a:schemeClr val="lt1"/>
+    </dgm:fillClrLst>
+    <dgm:linClrLst meth="repeat">
+      <a:schemeClr val="accent1"/>
+    </dgm:linClrLst>
+    <dgm:effectClrLst/>
+    <dgm:txLinClrLst/>
+    <dgm:txFillClrLst meth="repeat">
+      <a:schemeClr val="dk1"/>
+    </dgm:txFillClrLst>
+    <dgm:txEffectClrLst/>
+  </dgm:styleLbl>
+  <dgm:styleLbl name="solidBgAcc1">
+    <dgm:fillClrLst meth="repeat">
+      <a:schemeClr val="lt1"/>
+    </dgm:fillClrLst>
+    <dgm:linClrLst meth="repeat">
+      <a:schemeClr val="accent1"/>
+    </dgm:linClrLst>
+    <dgm:effectClrLst/>
+    <dgm:txLinClrLst/>
+    <dgm:txFillClrLst meth="repeat">
+      <a:schemeClr val="dk1"/>
+    </dgm:txFillClrLst>
+    <dgm:txEffectClrLst/>
+  </dgm:styleLbl>
+  <dgm:styleLbl name="fgAccFollowNode1">
+    <dgm:fillClrLst meth="repeat">
+      <a:schemeClr val="accent1">
+        <a:alpha val="90000"/>
+        <a:tint val="40000"/>
+      </a:schemeClr>
+    </dgm:fillClrLst>
+    <dgm:linClrLst meth="repeat">
+      <a:schemeClr val="accent1">
+        <a:alpha val="90000"/>
+        <a:tint val="40000"/>
+      </a:schemeClr>
+    </dgm:linClrLst>
+    <dgm:effectClrLst/>
+    <dgm:txLinClrLst/>
+    <dgm:txFillClrLst meth="repeat">
+      <a:schemeClr val="dk1"/>
+    </dgm:txFillClrLst>
+    <dgm:txEffectClrLst/>
+  </dgm:styleLbl>
+  <dgm:styleLbl name="alignAccFollowNode1">
+    <dgm:fillClrLst meth="repeat">
+      <a:schemeClr val="accent1">
+        <a:alpha val="90000"/>
+        <a:tint val="40000"/>
+      </a:schemeClr>
+    </dgm:fillClrLst>
+    <dgm:linClrLst meth="repeat">
+      <a:schemeClr val="accent1">
+        <a:alpha val="90000"/>
+        <a:tint val="40000"/>
+      </a:schemeClr>
+    </dgm:linClrLst>
+    <dgm:effectClrLst/>
+    <dgm:txLinClrLst/>
+    <dgm:txFillClrLst meth="repeat">
+      <a:schemeClr val="dk1"/>
+    </dgm:txFillClrLst>
+    <dgm:txEffectClrLst/>
+  </dgm:styleLbl>
+  <dgm:styleLbl name="bgAccFollowNode1">
+    <dgm:fillClrLst meth="repeat">
+      <a:schemeClr val="accent1">
+        <a:alpha val="90000"/>
+        <a:tint val="40000"/>
+      </a:schemeClr>
+    </dgm:fillClrLst>
+    <dgm:linClrLst meth="repeat">
+      <a:schemeClr val="accent1">
+        <a:alpha val="90000"/>
+        <a:tint val="40000"/>
+      </a:schemeClr>
+    </dgm:linClrLst>
+    <dgm:effectClrLst/>
+    <dgm:txLinClrLst/>
+    <dgm:txFillClrLst meth="repeat">
+      <a:schemeClr val="dk1"/>
+    </dgm:txFillClrLst>
+    <dgm:txEffectClrLst/>
+  </dgm:styleLbl>
+  <dgm:styleLbl name="fgAcc0">
+    <dgm:fillClrLst meth="repeat">
+      <a:schemeClr val="lt1">
+        <a:alpha val="90000"/>
+      </a:schemeClr>
+    </dgm:fillClrLst>
+    <dgm:linClrLst meth="repeat">
+      <a:schemeClr val="accent1"/>
+    </dgm:linClrLst>
+    <dgm:effectClrLst/>
+    <dgm:txLinClrLst/>
+    <dgm:txFillClrLst meth="repeat">
+      <a:schemeClr val="dk1"/>
+    </dgm:txFillClrLst>
+    <dgm:txEffectClrLst/>
+  </dgm:styleLbl>
+  <dgm:styleLbl name="fgAcc2">
+    <dgm:fillClrLst meth="repeat">
+      <a:schemeClr val="lt1">
+        <a:alpha val="90000"/>
+      </a:schemeClr>
+    </dgm:fillClrLst>
+    <dgm:linClrLst meth="repeat">
+      <a:schemeClr val="accent1"/>
+    </dgm:linClrLst>
+    <dgm:effectClrLst/>
+    <dgm:txLinClrLst/>
+    <dgm:txFillClrLst meth="repeat">
+      <a:schemeClr val="dk1"/>
+    </dgm:txFillClrLst>
+    <dgm:txEffectClrLst/>
+  </dgm:styleLbl>
+  <dgm:styleLbl name="fgAcc3">
+    <dgm:fillClrLst meth="repeat">
+      <a:schemeClr val="lt1">
+        <a:alpha val="90000"/>
+      </a:schemeClr>
+    </dgm:fillClrLst>
+    <dgm:linClrLst meth="repeat">
+      <a:schemeClr val="accent1"/>
+    </dgm:linClrLst>
+    <dgm:effectClrLst/>
+    <dgm:txLinClrLst/>
+    <dgm:txFillClrLst meth="repeat">
+      <a:schemeClr val="dk1"/>
+    </dgm:txFillClrLst>
+    <dgm:txEffectClrLst/>
+  </dgm:styleLbl>
+  <dgm:styleLbl name="fgAcc4">
+    <dgm:fillClrLst meth="repeat">
+      <a:schemeClr val="lt1">
+        <a:alpha val="90000"/>
+      </a:schemeClr>
+    </dgm:fillClrLst>
+    <dgm:linClrLst meth="repeat">
+      <a:schemeClr val="accent1"/>
+    </dgm:linClrLst>
+    <dgm:effectClrLst/>
+    <dgm:txLinClrLst/>
+    <dgm:txFillClrLst meth="repeat">
+      <a:schemeClr val="dk1"/>
+    </dgm:txFillClrLst>
+    <dgm:txEffectClrLst/>
+  </dgm:styleLbl>
+  <dgm:styleLbl name="bgShp">
+    <dgm:fillClrLst meth="repeat">
+      <a:schemeClr val="accent1">
+        <a:tint val="40000"/>
+      </a:schemeClr>
+    </dgm:fillClrLst>
+    <dgm:linClrLst meth="repeat">
+      <a:schemeClr val="accent1"/>
+    </dgm:linClrLst>
+    <dgm:effectClrLst/>
+    <dgm:txLinClrLst/>
+    <dgm:txFillClrLst meth="repeat">
+      <a:schemeClr val="dk1"/>
+    </dgm:txFillClrLst>
+    <dgm:txEffectClrLst/>
+  </dgm:styleLbl>
+  <dgm:styleLbl name="dkBgShp">
+    <dgm:fillClrLst meth="repeat">
+      <a:schemeClr val="accent1">
+        <a:shade val="80000"/>
+      </a:schemeClr>
+    </dgm:fillClrLst>
+    <dgm:linClrLst meth="repeat">
+      <a:schemeClr val="accent1"/>
+    </dgm:linClrLst>
+    <dgm:effectClrLst/>
+    <dgm:txLinClrLst/>
+    <dgm:txFillClrLst meth="repeat">
+      <a:schemeClr val="lt1"/>
+    </dgm:txFillClrLst>
+    <dgm:txEffectClrLst/>
+  </dgm:styleLbl>
+  <dgm:styleLbl name="trBgShp">
+    <dgm:fillClrLst meth="repeat">
+      <a:schemeClr val="accent1">
+        <a:tint val="50000"/>
+        <a:alpha val="40000"/>
+      </a:schemeClr>
+    </dgm:fillClrLst>
+    <dgm:linClrLst meth="repeat">
+      <a:schemeClr val="accent1"/>
+    </dgm:linClrLst>
+    <dgm:effectClrLst/>
+    <dgm:txLinClrLst/>
+    <dgm:txFillClrLst meth="repeat">
+      <a:schemeClr val="lt1"/>
+    </dgm:txFillClrLst>
+    <dgm:txEffectClrLst/>
+  </dgm:styleLbl>
+  <dgm:styleLbl name="fgShp">
+    <dgm:fillClrLst meth="repeat">
+      <a:schemeClr val="accent1">
+        <a:tint val="60000"/>
+      </a:schemeClr>
+    </dgm:fillClrLst>
+    <dgm:linClrLst meth="repeat">
+      <a:schemeClr val="lt1"/>
+    </dgm:linClrLst>
+    <dgm:effectClrLst/>
+    <dgm:txLinClrLst/>
+    <dgm:txFillClrLst meth="repeat">
+      <a:schemeClr val="dk1"/>
+    </dgm:txFillClrLst>
+    <dgm:txEffectClrLst/>
+  </dgm:styleLbl>
+  <dgm:styleLbl name="revTx">
+    <dgm:fillClrLst meth="repeat">
+      <a:schemeClr val="lt1">
+        <a:alpha val="0"/>
+      </a:schemeClr>
+    </dgm:fillClrLst>
+    <dgm:linClrLst meth="repeat">
+      <a:schemeClr val="dk1">
+        <a:alpha val="0"/>
+      </a:schemeClr>
+    </dgm:linClrLst>
+    <dgm:effectClrLst/>
+    <dgm:txLinClrLst/>
+    <dgm:txFillClrLst meth="repeat">
+      <a:schemeClr val="tx1"/>
+    </dgm:txFillClrLst>
+    <dgm:txEffectClrLst/>
+  </dgm:styleLbl>
+</dgm:colorsDef>
+</file>
+
+<file path=ppt/diagrams/data1.xml><?xml version="1.0" encoding="utf-8"?>
+<dgm:dataModel xmlns:dgm="http://schemas.openxmlformats.org/drawingml/2006/diagram" xmlns:a="http://schemas.openxmlformats.org/drawingml/2006/main">
+  <dgm:ptLst>
+    <dgm:pt modelId="{86DB576E-9C99-4621-8891-274E96F172BF}" type="doc">
+      <dgm:prSet loTypeId="urn:microsoft.com/office/officeart/2005/8/layout/vList3" loCatId="list" qsTypeId="urn:microsoft.com/office/officeart/2005/8/quickstyle/simple1" qsCatId="simple" csTypeId="urn:microsoft.com/office/officeart/2005/8/colors/accent1_2" csCatId="accent1" phldr="1"/>
+      <dgm:spPr/>
+    </dgm:pt>
+    <dgm:pt modelId="{C824981D-F75C-4D12-9C9E-122E50D588A0}">
+      <dgm:prSet phldrT="[文字]"/>
+      <dgm:spPr/>
+      <dgm:t>
+        <a:bodyPr/>
+        <a:lstStyle/>
+        <a:p>
+          <a:r>
+            <a:rPr lang="en-US" altLang="zh-TW" dirty="0"/>
+            <a:t>Python</a:t>
+          </a:r>
+          <a:r>
+            <a:rPr lang="zh-TW" altLang="en-US" dirty="0"/>
+            <a:t> 基礎</a:t>
+          </a:r>
+        </a:p>
+      </dgm:t>
+    </dgm:pt>
+    <dgm:pt modelId="{302A81FE-555D-4536-80CF-6AF736BE44E1}" type="parTrans" cxnId="{763F7141-050D-4FFB-B4E7-A0D1A5609154}">
+      <dgm:prSet/>
+      <dgm:spPr/>
+      <dgm:t>
+        <a:bodyPr/>
+        <a:lstStyle/>
+        <a:p>
+          <a:endParaRPr lang="zh-TW" altLang="en-US"/>
+        </a:p>
+      </dgm:t>
+    </dgm:pt>
+    <dgm:pt modelId="{2603B3A3-DA01-44C0-BE94-C4D101DC5E32}" type="sibTrans" cxnId="{763F7141-050D-4FFB-B4E7-A0D1A5609154}">
+      <dgm:prSet/>
+      <dgm:spPr/>
+      <dgm:t>
+        <a:bodyPr/>
+        <a:lstStyle/>
+        <a:p>
+          <a:endParaRPr lang="zh-TW" altLang="en-US"/>
+        </a:p>
+      </dgm:t>
+    </dgm:pt>
+    <dgm:pt modelId="{22244DBD-50AD-467B-B367-75764F9E4A02}">
+      <dgm:prSet phldrT="[文字]"/>
+      <dgm:spPr/>
+      <dgm:t>
+        <a:bodyPr/>
+        <a:lstStyle/>
+        <a:p>
+          <a:r>
+            <a:rPr lang="zh-TW" altLang="en-US" dirty="0"/>
+            <a:t>讀寫</a:t>
+          </a:r>
+          <a:r>
+            <a:rPr lang="en-US" altLang="zh-TW" dirty="0"/>
+            <a:t>csv(pandas)</a:t>
+          </a:r>
+          <a:endParaRPr lang="zh-TW" altLang="en-US" dirty="0"/>
+        </a:p>
+      </dgm:t>
+    </dgm:pt>
+    <dgm:pt modelId="{04DB01E3-ABC6-46EB-B262-349A21819D93}" type="parTrans" cxnId="{02EA2AE9-815D-4A33-AB83-88E8BC8FED5D}">
+      <dgm:prSet/>
+      <dgm:spPr/>
+      <dgm:t>
+        <a:bodyPr/>
+        <a:lstStyle/>
+        <a:p>
+          <a:endParaRPr lang="zh-TW" altLang="en-US"/>
+        </a:p>
+      </dgm:t>
+    </dgm:pt>
+    <dgm:pt modelId="{37B82B3E-0D62-408D-BBC5-634187F15B44}" type="sibTrans" cxnId="{02EA2AE9-815D-4A33-AB83-88E8BC8FED5D}">
+      <dgm:prSet/>
+      <dgm:spPr/>
+      <dgm:t>
+        <a:bodyPr/>
+        <a:lstStyle/>
+        <a:p>
+          <a:endParaRPr lang="zh-TW" altLang="en-US"/>
+        </a:p>
+      </dgm:t>
+    </dgm:pt>
+    <dgm:pt modelId="{36AD49BE-238F-4248-8D0B-A103D474918A}">
+      <dgm:prSet phldrT="[文字]"/>
+      <dgm:spPr/>
+      <dgm:t>
+        <a:bodyPr/>
+        <a:lstStyle/>
+        <a:p>
+          <a:r>
+            <a:rPr lang="en-US" altLang="zh-TW" dirty="0"/>
+            <a:t>API</a:t>
+          </a:r>
+          <a:r>
+            <a:rPr lang="zh-TW" altLang="en-US" dirty="0"/>
+            <a:t>使用</a:t>
+          </a:r>
+        </a:p>
+      </dgm:t>
+    </dgm:pt>
+    <dgm:pt modelId="{9E24E321-5AE5-429A-BEF4-DB434DEF446E}" type="parTrans" cxnId="{2EA6342C-4E14-4C60-AF8B-00D12A35496F}">
+      <dgm:prSet/>
+      <dgm:spPr/>
+      <dgm:t>
+        <a:bodyPr/>
+        <a:lstStyle/>
+        <a:p>
+          <a:endParaRPr lang="zh-TW" altLang="en-US"/>
+        </a:p>
+      </dgm:t>
+    </dgm:pt>
+    <dgm:pt modelId="{213AF780-D3F6-4457-9FDF-C7CAECEBE4D6}" type="sibTrans" cxnId="{2EA6342C-4E14-4C60-AF8B-00D12A35496F}">
+      <dgm:prSet/>
+      <dgm:spPr/>
+      <dgm:t>
+        <a:bodyPr/>
+        <a:lstStyle/>
+        <a:p>
+          <a:endParaRPr lang="zh-TW" altLang="en-US"/>
+        </a:p>
+      </dgm:t>
+    </dgm:pt>
+    <dgm:pt modelId="{C5AE3214-5E6A-4676-AA5D-2190EF1E12F0}" type="pres">
+      <dgm:prSet presAssocID="{86DB576E-9C99-4621-8891-274E96F172BF}" presName="linearFlow" presStyleCnt="0">
+        <dgm:presLayoutVars>
+          <dgm:dir/>
+          <dgm:resizeHandles val="exact"/>
+        </dgm:presLayoutVars>
+      </dgm:prSet>
+      <dgm:spPr/>
+    </dgm:pt>
+    <dgm:pt modelId="{DF29F190-19BE-4260-9B15-1B3A788CECA1}" type="pres">
+      <dgm:prSet presAssocID="{C824981D-F75C-4D12-9C9E-122E50D588A0}" presName="composite" presStyleCnt="0"/>
+      <dgm:spPr/>
+    </dgm:pt>
+    <dgm:pt modelId="{36C7F782-5BF2-4445-B1DE-FB6F7A3FF406}" type="pres">
+      <dgm:prSet presAssocID="{C824981D-F75C-4D12-9C9E-122E50D588A0}" presName="imgShp" presStyleLbl="fgImgPlace1" presStyleIdx="0" presStyleCnt="3"/>
+      <dgm:spPr/>
+    </dgm:pt>
+    <dgm:pt modelId="{2D3187C5-B00D-4513-B925-7DE47B30DB8F}" type="pres">
+      <dgm:prSet presAssocID="{C824981D-F75C-4D12-9C9E-122E50D588A0}" presName="txShp" presStyleLbl="node1" presStyleIdx="0" presStyleCnt="3">
+        <dgm:presLayoutVars>
+          <dgm:bulletEnabled val="1"/>
+        </dgm:presLayoutVars>
+      </dgm:prSet>
+      <dgm:spPr/>
+    </dgm:pt>
+    <dgm:pt modelId="{543E1F19-2E59-42B9-8F89-C65C205B33DE}" type="pres">
+      <dgm:prSet presAssocID="{2603B3A3-DA01-44C0-BE94-C4D101DC5E32}" presName="spacing" presStyleCnt="0"/>
+      <dgm:spPr/>
+    </dgm:pt>
+    <dgm:pt modelId="{B1BFA142-E555-4302-B51B-1FC141D69224}" type="pres">
+      <dgm:prSet presAssocID="{22244DBD-50AD-467B-B367-75764F9E4A02}" presName="composite" presStyleCnt="0"/>
+      <dgm:spPr/>
+    </dgm:pt>
+    <dgm:pt modelId="{84ADD1BF-B084-44E9-AEF4-DAA5FBEB3480}" type="pres">
+      <dgm:prSet presAssocID="{22244DBD-50AD-467B-B367-75764F9E4A02}" presName="imgShp" presStyleLbl="fgImgPlace1" presStyleIdx="1" presStyleCnt="3"/>
+      <dgm:spPr/>
+    </dgm:pt>
+    <dgm:pt modelId="{0C466D5C-CC91-468F-A88D-814F5D885EA2}" type="pres">
+      <dgm:prSet presAssocID="{22244DBD-50AD-467B-B367-75764F9E4A02}" presName="txShp" presStyleLbl="node1" presStyleIdx="1" presStyleCnt="3">
+        <dgm:presLayoutVars>
+          <dgm:bulletEnabled val="1"/>
+        </dgm:presLayoutVars>
+      </dgm:prSet>
+      <dgm:spPr/>
+    </dgm:pt>
+    <dgm:pt modelId="{F3F17B97-51B4-4761-9415-EF6CA71983E4}" type="pres">
+      <dgm:prSet presAssocID="{37B82B3E-0D62-408D-BBC5-634187F15B44}" presName="spacing" presStyleCnt="0"/>
+      <dgm:spPr/>
+    </dgm:pt>
+    <dgm:pt modelId="{C7EFA0B5-5A8A-49BB-8AE0-EAB3A5546ABD}" type="pres">
+      <dgm:prSet presAssocID="{36AD49BE-238F-4248-8D0B-A103D474918A}" presName="composite" presStyleCnt="0"/>
+      <dgm:spPr/>
+    </dgm:pt>
+    <dgm:pt modelId="{955C7E9F-73B8-442F-A86E-0DCC0DDEDC98}" type="pres">
+      <dgm:prSet presAssocID="{36AD49BE-238F-4248-8D0B-A103D474918A}" presName="imgShp" presStyleLbl="fgImgPlace1" presStyleIdx="2" presStyleCnt="3"/>
+      <dgm:spPr/>
+    </dgm:pt>
+    <dgm:pt modelId="{2C89B092-C278-456A-8220-1FE1D18FAFEF}" type="pres">
+      <dgm:prSet presAssocID="{36AD49BE-238F-4248-8D0B-A103D474918A}" presName="txShp" presStyleLbl="node1" presStyleIdx="2" presStyleCnt="3">
+        <dgm:presLayoutVars>
+          <dgm:bulletEnabled val="1"/>
+        </dgm:presLayoutVars>
+      </dgm:prSet>
+      <dgm:spPr/>
+    </dgm:pt>
+  </dgm:ptLst>
+  <dgm:cxnLst>
+    <dgm:cxn modelId="{600FD30F-7148-4197-934F-9249BD8150BD}" type="presOf" srcId="{86DB576E-9C99-4621-8891-274E96F172BF}" destId="{C5AE3214-5E6A-4676-AA5D-2190EF1E12F0}" srcOrd="0" destOrd="0" presId="urn:microsoft.com/office/officeart/2005/8/layout/vList3"/>
+    <dgm:cxn modelId="{2EA6342C-4E14-4C60-AF8B-00D12A35496F}" srcId="{86DB576E-9C99-4621-8891-274E96F172BF}" destId="{36AD49BE-238F-4248-8D0B-A103D474918A}" srcOrd="2" destOrd="0" parTransId="{9E24E321-5AE5-429A-BEF4-DB434DEF446E}" sibTransId="{213AF780-D3F6-4457-9FDF-C7CAECEBE4D6}"/>
+    <dgm:cxn modelId="{5609F232-6E5A-48A4-8D26-78298BEB0CB0}" type="presOf" srcId="{36AD49BE-238F-4248-8D0B-A103D474918A}" destId="{2C89B092-C278-456A-8220-1FE1D18FAFEF}" srcOrd="0" destOrd="0" presId="urn:microsoft.com/office/officeart/2005/8/layout/vList3"/>
+    <dgm:cxn modelId="{763F7141-050D-4FFB-B4E7-A0D1A5609154}" srcId="{86DB576E-9C99-4621-8891-274E96F172BF}" destId="{C824981D-F75C-4D12-9C9E-122E50D588A0}" srcOrd="0" destOrd="0" parTransId="{302A81FE-555D-4536-80CF-6AF736BE44E1}" sibTransId="{2603B3A3-DA01-44C0-BE94-C4D101DC5E32}"/>
+    <dgm:cxn modelId="{465773C7-995B-469F-A0E5-4AD7C38545D5}" type="presOf" srcId="{22244DBD-50AD-467B-B367-75764F9E4A02}" destId="{0C466D5C-CC91-468F-A88D-814F5D885EA2}" srcOrd="0" destOrd="0" presId="urn:microsoft.com/office/officeart/2005/8/layout/vList3"/>
+    <dgm:cxn modelId="{05A77AE6-1ECA-4BBC-935F-520AFE657AF9}" type="presOf" srcId="{C824981D-F75C-4D12-9C9E-122E50D588A0}" destId="{2D3187C5-B00D-4513-B925-7DE47B30DB8F}" srcOrd="0" destOrd="0" presId="urn:microsoft.com/office/officeart/2005/8/layout/vList3"/>
+    <dgm:cxn modelId="{02EA2AE9-815D-4A33-AB83-88E8BC8FED5D}" srcId="{86DB576E-9C99-4621-8891-274E96F172BF}" destId="{22244DBD-50AD-467B-B367-75764F9E4A02}" srcOrd="1" destOrd="0" parTransId="{04DB01E3-ABC6-46EB-B262-349A21819D93}" sibTransId="{37B82B3E-0D62-408D-BBC5-634187F15B44}"/>
+    <dgm:cxn modelId="{A4B65FEE-FB4F-4784-9097-7E34CBD1D226}" type="presParOf" srcId="{C5AE3214-5E6A-4676-AA5D-2190EF1E12F0}" destId="{DF29F190-19BE-4260-9B15-1B3A788CECA1}" srcOrd="0" destOrd="0" presId="urn:microsoft.com/office/officeart/2005/8/layout/vList3"/>
+    <dgm:cxn modelId="{FC58F2F2-8192-419B-ABEB-870469382436}" type="presParOf" srcId="{DF29F190-19BE-4260-9B15-1B3A788CECA1}" destId="{36C7F782-5BF2-4445-B1DE-FB6F7A3FF406}" srcOrd="0" destOrd="0" presId="urn:microsoft.com/office/officeart/2005/8/layout/vList3"/>
+    <dgm:cxn modelId="{E594F7F4-0AB2-4D95-850D-D2B864DB8239}" type="presParOf" srcId="{DF29F190-19BE-4260-9B15-1B3A788CECA1}" destId="{2D3187C5-B00D-4513-B925-7DE47B30DB8F}" srcOrd="1" destOrd="0" presId="urn:microsoft.com/office/officeart/2005/8/layout/vList3"/>
+    <dgm:cxn modelId="{F2FF8958-8601-42E5-882F-DD04EB488F3F}" type="presParOf" srcId="{C5AE3214-5E6A-4676-AA5D-2190EF1E12F0}" destId="{543E1F19-2E59-42B9-8F89-C65C205B33DE}" srcOrd="1" destOrd="0" presId="urn:microsoft.com/office/officeart/2005/8/layout/vList3"/>
+    <dgm:cxn modelId="{B42EE5BA-E35D-4967-AB71-F9D585E67A65}" type="presParOf" srcId="{C5AE3214-5E6A-4676-AA5D-2190EF1E12F0}" destId="{B1BFA142-E555-4302-B51B-1FC141D69224}" srcOrd="2" destOrd="0" presId="urn:microsoft.com/office/officeart/2005/8/layout/vList3"/>
+    <dgm:cxn modelId="{73A50295-6232-4A26-9D9B-A9C1BECDD685}" type="presParOf" srcId="{B1BFA142-E555-4302-B51B-1FC141D69224}" destId="{84ADD1BF-B084-44E9-AEF4-DAA5FBEB3480}" srcOrd="0" destOrd="0" presId="urn:microsoft.com/office/officeart/2005/8/layout/vList3"/>
+    <dgm:cxn modelId="{81F6AD30-147B-49F7-86C9-1E99BB172656}" type="presParOf" srcId="{B1BFA142-E555-4302-B51B-1FC141D69224}" destId="{0C466D5C-CC91-468F-A88D-814F5D885EA2}" srcOrd="1" destOrd="0" presId="urn:microsoft.com/office/officeart/2005/8/layout/vList3"/>
+    <dgm:cxn modelId="{3FE320AB-1844-4176-AC01-E16787207EED}" type="presParOf" srcId="{C5AE3214-5E6A-4676-AA5D-2190EF1E12F0}" destId="{F3F17B97-51B4-4761-9415-EF6CA71983E4}" srcOrd="3" destOrd="0" presId="urn:microsoft.com/office/officeart/2005/8/layout/vList3"/>
+    <dgm:cxn modelId="{87571895-BD67-43DE-8D4A-16A3A197B2E5}" type="presParOf" srcId="{C5AE3214-5E6A-4676-AA5D-2190EF1E12F0}" destId="{C7EFA0B5-5A8A-49BB-8AE0-EAB3A5546ABD}" srcOrd="4" destOrd="0" presId="urn:microsoft.com/office/officeart/2005/8/layout/vList3"/>
+    <dgm:cxn modelId="{F0E2FF54-E42E-4AE5-81B4-6D9F9A71037C}" type="presParOf" srcId="{C7EFA0B5-5A8A-49BB-8AE0-EAB3A5546ABD}" destId="{955C7E9F-73B8-442F-A86E-0DCC0DDEDC98}" srcOrd="0" destOrd="0" presId="urn:microsoft.com/office/officeart/2005/8/layout/vList3"/>
+    <dgm:cxn modelId="{69C6C820-65A7-41A0-89D0-C620CB9231B2}" type="presParOf" srcId="{C7EFA0B5-5A8A-49BB-8AE0-EAB3A5546ABD}" destId="{2C89B092-C278-456A-8220-1FE1D18FAFEF}" srcOrd="1" destOrd="0" presId="urn:microsoft.com/office/officeart/2005/8/layout/vList3"/>
+  </dgm:cxnLst>
+  <dgm:bg/>
+  <dgm:whole/>
+  <dgm:extLst>
+    <a:ext uri="http://schemas.microsoft.com/office/drawing/2008/diagram">
+      <dsp:dataModelExt xmlns:dsp="http://schemas.microsoft.com/office/drawing/2008/diagram" relId="rId6" minVer="http://schemas.openxmlformats.org/drawingml/2006/diagram"/>
+    </a:ext>
+  </dgm:extLst>
+</dgm:dataModel>
+</file>
+
+<file path=ppt/diagrams/drawing1.xml><?xml version="1.0" encoding="utf-8"?>
+<dsp:drawing xmlns:dgm="http://schemas.openxmlformats.org/drawingml/2006/diagram" xmlns:dsp="http://schemas.microsoft.com/office/drawing/2008/diagram" xmlns:a="http://schemas.openxmlformats.org/drawingml/2006/main">
+  <dsp:spTree>
+    <dsp:nvGrpSpPr>
+      <dsp:cNvPr id="0" name=""/>
+      <dsp:cNvGrpSpPr/>
+    </dsp:nvGrpSpPr>
+    <dsp:grpSpPr/>
+    <dsp:sp modelId="{2D3187C5-B00D-4513-B925-7DE47B30DB8F}">
+      <dsp:nvSpPr>
+        <dsp:cNvPr id="0" name=""/>
+        <dsp:cNvSpPr/>
+      </dsp:nvSpPr>
+      <dsp:spPr>
+        <a:xfrm rot="10800000">
+          <a:off x="2111190" y="1940"/>
+          <a:ext cx="7250604" cy="1139641"/>
+        </a:xfrm>
+        <a:prstGeom prst="homePlate">
+          <a:avLst/>
+        </a:prstGeom>
+        <a:solidFill>
+          <a:schemeClr val="accent1">
+            <a:hueOff val="0"/>
+            <a:satOff val="0"/>
+            <a:lumOff val="0"/>
+            <a:alphaOff val="0"/>
+          </a:schemeClr>
+        </a:solidFill>
+        <a:ln w="12700" cap="flat" cmpd="sng" algn="ctr">
+          <a:solidFill>
+            <a:schemeClr val="lt1">
+              <a:hueOff val="0"/>
+              <a:satOff val="0"/>
+              <a:lumOff val="0"/>
+              <a:alphaOff val="0"/>
+            </a:schemeClr>
+          </a:solidFill>
+          <a:prstDash val="solid"/>
+          <a:miter lim="800000"/>
+        </a:ln>
+        <a:effectLst/>
+      </dsp:spPr>
+      <dsp:style>
+        <a:lnRef idx="2">
+          <a:scrgbClr r="0" g="0" b="0"/>
+        </a:lnRef>
+        <a:fillRef idx="1">
+          <a:scrgbClr r="0" g="0" b="0"/>
+        </a:fillRef>
+        <a:effectRef idx="0">
+          <a:scrgbClr r="0" g="0" b="0"/>
+        </a:effectRef>
+        <a:fontRef idx="minor">
+          <a:schemeClr val="lt1"/>
+        </a:fontRef>
+      </dsp:style>
+      <dsp:txBody>
+        <a:bodyPr spcFirstLastPara="0" vert="horz" wrap="square" lIns="502550" tIns="186690" rIns="348488" bIns="186690" numCol="1" spcCol="1270" anchor="ctr" anchorCtr="0">
+          <a:noAutofit/>
+        </a:bodyPr>
+        <a:lstStyle/>
+        <a:p>
+          <a:pPr marL="0" lvl="0" indent="0" algn="ctr" defTabSz="2178050">
+            <a:lnSpc>
+              <a:spcPct val="90000"/>
+            </a:lnSpc>
+            <a:spcBef>
+              <a:spcPct val="0"/>
+            </a:spcBef>
+            <a:spcAft>
+              <a:spcPct val="35000"/>
+            </a:spcAft>
+            <a:buNone/>
+          </a:pPr>
+          <a:r>
+            <a:rPr lang="en-US" altLang="zh-TW" sz="4900" kern="1200" dirty="0"/>
+            <a:t>Python</a:t>
+          </a:r>
+          <a:r>
+            <a:rPr lang="zh-TW" altLang="en-US" sz="4900" kern="1200" dirty="0"/>
+            <a:t> 基礎</a:t>
+          </a:r>
+        </a:p>
+      </dsp:txBody>
+      <dsp:txXfrm rot="10800000">
+        <a:off x="2396100" y="1940"/>
+        <a:ext cx="6965694" cy="1139641"/>
+      </dsp:txXfrm>
+    </dsp:sp>
+    <dsp:sp modelId="{36C7F782-5BF2-4445-B1DE-FB6F7A3FF406}">
+      <dsp:nvSpPr>
+        <dsp:cNvPr id="0" name=""/>
+        <dsp:cNvSpPr/>
+      </dsp:nvSpPr>
+      <dsp:spPr>
+        <a:xfrm>
+          <a:off x="1541369" y="1940"/>
+          <a:ext cx="1139641" cy="1139641"/>
+        </a:xfrm>
+        <a:prstGeom prst="ellipse">
+          <a:avLst/>
+        </a:prstGeom>
+        <a:solidFill>
+          <a:schemeClr val="accent1">
+            <a:tint val="50000"/>
+            <a:hueOff val="0"/>
+            <a:satOff val="0"/>
+            <a:lumOff val="0"/>
+            <a:alphaOff val="0"/>
+          </a:schemeClr>
+        </a:solidFill>
+        <a:ln w="12700" cap="flat" cmpd="sng" algn="ctr">
+          <a:solidFill>
+            <a:schemeClr val="lt1">
+              <a:hueOff val="0"/>
+              <a:satOff val="0"/>
+              <a:lumOff val="0"/>
+              <a:alphaOff val="0"/>
+            </a:schemeClr>
+          </a:solidFill>
+          <a:prstDash val="solid"/>
+          <a:miter lim="800000"/>
+        </a:ln>
+        <a:effectLst/>
+      </dsp:spPr>
+      <dsp:style>
+        <a:lnRef idx="2">
+          <a:scrgbClr r="0" g="0" b="0"/>
+        </a:lnRef>
+        <a:fillRef idx="1">
+          <a:scrgbClr r="0" g="0" b="0"/>
+        </a:fillRef>
+        <a:effectRef idx="0">
+          <a:scrgbClr r="0" g="0" b="0"/>
+        </a:effectRef>
+        <a:fontRef idx="minor"/>
+      </dsp:style>
+    </dsp:sp>
+    <dsp:sp modelId="{0C466D5C-CC91-468F-A88D-814F5D885EA2}">
+      <dsp:nvSpPr>
+        <dsp:cNvPr id="0" name=""/>
+        <dsp:cNvSpPr/>
+      </dsp:nvSpPr>
+      <dsp:spPr>
+        <a:xfrm rot="10800000">
+          <a:off x="2111190" y="1457922"/>
+          <a:ext cx="7250604" cy="1139641"/>
+        </a:xfrm>
+        <a:prstGeom prst="homePlate">
+          <a:avLst/>
+        </a:prstGeom>
+        <a:solidFill>
+          <a:schemeClr val="accent1">
+            <a:hueOff val="0"/>
+            <a:satOff val="0"/>
+            <a:lumOff val="0"/>
+            <a:alphaOff val="0"/>
+          </a:schemeClr>
+        </a:solidFill>
+        <a:ln w="12700" cap="flat" cmpd="sng" algn="ctr">
+          <a:solidFill>
+            <a:schemeClr val="lt1">
+              <a:hueOff val="0"/>
+              <a:satOff val="0"/>
+              <a:lumOff val="0"/>
+              <a:alphaOff val="0"/>
+            </a:schemeClr>
+          </a:solidFill>
+          <a:prstDash val="solid"/>
+          <a:miter lim="800000"/>
+        </a:ln>
+        <a:effectLst/>
+      </dsp:spPr>
+      <dsp:style>
+        <a:lnRef idx="2">
+          <a:scrgbClr r="0" g="0" b="0"/>
+        </a:lnRef>
+        <a:fillRef idx="1">
+          <a:scrgbClr r="0" g="0" b="0"/>
+        </a:fillRef>
+        <a:effectRef idx="0">
+          <a:scrgbClr r="0" g="0" b="0"/>
+        </a:effectRef>
+        <a:fontRef idx="minor">
+          <a:schemeClr val="lt1"/>
+        </a:fontRef>
+      </dsp:style>
+      <dsp:txBody>
+        <a:bodyPr spcFirstLastPara="0" vert="horz" wrap="square" lIns="502550" tIns="186690" rIns="348488" bIns="186690" numCol="1" spcCol="1270" anchor="ctr" anchorCtr="0">
+          <a:noAutofit/>
+        </a:bodyPr>
+        <a:lstStyle/>
+        <a:p>
+          <a:pPr marL="0" lvl="0" indent="0" algn="ctr" defTabSz="2178050">
+            <a:lnSpc>
+              <a:spcPct val="90000"/>
+            </a:lnSpc>
+            <a:spcBef>
+              <a:spcPct val="0"/>
+            </a:spcBef>
+            <a:spcAft>
+              <a:spcPct val="35000"/>
+            </a:spcAft>
+            <a:buNone/>
+          </a:pPr>
+          <a:r>
+            <a:rPr lang="zh-TW" altLang="en-US" sz="4900" kern="1200" dirty="0"/>
+            <a:t>讀寫</a:t>
+          </a:r>
+          <a:r>
+            <a:rPr lang="en-US" altLang="zh-TW" sz="4900" kern="1200" dirty="0"/>
+            <a:t>csv(pandas)</a:t>
+          </a:r>
+          <a:endParaRPr lang="zh-TW" altLang="en-US" sz="4900" kern="1200" dirty="0"/>
+        </a:p>
+      </dsp:txBody>
+      <dsp:txXfrm rot="10800000">
+        <a:off x="2396100" y="1457922"/>
+        <a:ext cx="6965694" cy="1139641"/>
+      </dsp:txXfrm>
+    </dsp:sp>
+    <dsp:sp modelId="{84ADD1BF-B084-44E9-AEF4-DAA5FBEB3480}">
+      <dsp:nvSpPr>
+        <dsp:cNvPr id="0" name=""/>
+        <dsp:cNvSpPr/>
+      </dsp:nvSpPr>
+      <dsp:spPr>
+        <a:xfrm>
+          <a:off x="1541369" y="1457922"/>
+          <a:ext cx="1139641" cy="1139641"/>
+        </a:xfrm>
+        <a:prstGeom prst="ellipse">
+          <a:avLst/>
+        </a:prstGeom>
+        <a:solidFill>
+          <a:schemeClr val="accent1">
+            <a:tint val="50000"/>
+            <a:hueOff val="0"/>
+            <a:satOff val="0"/>
+            <a:lumOff val="0"/>
+            <a:alphaOff val="0"/>
+          </a:schemeClr>
+        </a:solidFill>
+        <a:ln w="12700" cap="flat" cmpd="sng" algn="ctr">
+          <a:solidFill>
+            <a:schemeClr val="lt1">
+              <a:hueOff val="0"/>
+              <a:satOff val="0"/>
+              <a:lumOff val="0"/>
+              <a:alphaOff val="0"/>
+            </a:schemeClr>
+          </a:solidFill>
+          <a:prstDash val="solid"/>
+          <a:miter lim="800000"/>
+        </a:ln>
+        <a:effectLst/>
+      </dsp:spPr>
+      <dsp:style>
+        <a:lnRef idx="2">
+          <a:scrgbClr r="0" g="0" b="0"/>
+        </a:lnRef>
+        <a:fillRef idx="1">
+          <a:scrgbClr r="0" g="0" b="0"/>
+        </a:fillRef>
+        <a:effectRef idx="0">
+          <a:scrgbClr r="0" g="0" b="0"/>
+        </a:effectRef>
+        <a:fontRef idx="minor"/>
+      </dsp:style>
+    </dsp:sp>
+    <dsp:sp modelId="{2C89B092-C278-456A-8220-1FE1D18FAFEF}">
+      <dsp:nvSpPr>
+        <dsp:cNvPr id="0" name=""/>
+        <dsp:cNvSpPr/>
+      </dsp:nvSpPr>
+      <dsp:spPr>
+        <a:xfrm rot="10800000">
+          <a:off x="2111190" y="2913903"/>
+          <a:ext cx="7250604" cy="1139641"/>
+        </a:xfrm>
+        <a:prstGeom prst="homePlate">
+          <a:avLst/>
+        </a:prstGeom>
+        <a:solidFill>
+          <a:schemeClr val="accent1">
+            <a:hueOff val="0"/>
+            <a:satOff val="0"/>
+            <a:lumOff val="0"/>
+            <a:alphaOff val="0"/>
+          </a:schemeClr>
+        </a:solidFill>
+        <a:ln w="12700" cap="flat" cmpd="sng" algn="ctr">
+          <a:solidFill>
+            <a:schemeClr val="lt1">
+              <a:hueOff val="0"/>
+              <a:satOff val="0"/>
+              <a:lumOff val="0"/>
+              <a:alphaOff val="0"/>
+            </a:schemeClr>
+          </a:solidFill>
+          <a:prstDash val="solid"/>
+          <a:miter lim="800000"/>
+        </a:ln>
+        <a:effectLst/>
+      </dsp:spPr>
+      <dsp:style>
+        <a:lnRef idx="2">
+          <a:scrgbClr r="0" g="0" b="0"/>
+        </a:lnRef>
+        <a:fillRef idx="1">
+          <a:scrgbClr r="0" g="0" b="0"/>
+        </a:fillRef>
+        <a:effectRef idx="0">
+          <a:scrgbClr r="0" g="0" b="0"/>
+        </a:effectRef>
+        <a:fontRef idx="minor">
+          <a:schemeClr val="lt1"/>
+        </a:fontRef>
+      </dsp:style>
+      <dsp:txBody>
+        <a:bodyPr spcFirstLastPara="0" vert="horz" wrap="square" lIns="502550" tIns="186690" rIns="348488" bIns="186690" numCol="1" spcCol="1270" anchor="ctr" anchorCtr="0">
+          <a:noAutofit/>
+        </a:bodyPr>
+        <a:lstStyle/>
+        <a:p>
+          <a:pPr marL="0" lvl="0" indent="0" algn="ctr" defTabSz="2178050">
+            <a:lnSpc>
+              <a:spcPct val="90000"/>
+            </a:lnSpc>
+            <a:spcBef>
+              <a:spcPct val="0"/>
+            </a:spcBef>
+            <a:spcAft>
+              <a:spcPct val="35000"/>
+            </a:spcAft>
+            <a:buNone/>
+          </a:pPr>
+          <a:r>
+            <a:rPr lang="en-US" altLang="zh-TW" sz="4900" kern="1200" dirty="0"/>
+            <a:t>API</a:t>
+          </a:r>
+          <a:r>
+            <a:rPr lang="zh-TW" altLang="en-US" sz="4900" kern="1200" dirty="0"/>
+            <a:t>使用</a:t>
+          </a:r>
+        </a:p>
+      </dsp:txBody>
+      <dsp:txXfrm rot="10800000">
+        <a:off x="2396100" y="2913903"/>
+        <a:ext cx="6965694" cy="1139641"/>
+      </dsp:txXfrm>
+    </dsp:sp>
+    <dsp:sp modelId="{955C7E9F-73B8-442F-A86E-0DCC0DDEDC98}">
+      <dsp:nvSpPr>
+        <dsp:cNvPr id="0" name=""/>
+        <dsp:cNvSpPr/>
+      </dsp:nvSpPr>
+      <dsp:spPr>
+        <a:xfrm>
+          <a:off x="1541369" y="2913903"/>
+          <a:ext cx="1139641" cy="1139641"/>
+        </a:xfrm>
+        <a:prstGeom prst="ellipse">
+          <a:avLst/>
+        </a:prstGeom>
+        <a:solidFill>
+          <a:schemeClr val="accent1">
+            <a:tint val="50000"/>
+            <a:hueOff val="0"/>
+            <a:satOff val="0"/>
+            <a:lumOff val="0"/>
+            <a:alphaOff val="0"/>
+          </a:schemeClr>
+        </a:solidFill>
+        <a:ln w="12700" cap="flat" cmpd="sng" algn="ctr">
+          <a:solidFill>
+            <a:schemeClr val="lt1">
+              <a:hueOff val="0"/>
+              <a:satOff val="0"/>
+              <a:lumOff val="0"/>
+              <a:alphaOff val="0"/>
+            </a:schemeClr>
+          </a:solidFill>
+          <a:prstDash val="solid"/>
+          <a:miter lim="800000"/>
+        </a:ln>
+        <a:effectLst/>
+      </dsp:spPr>
+      <dsp:style>
+        <a:lnRef idx="2">
+          <a:scrgbClr r="0" g="0" b="0"/>
+        </a:lnRef>
+        <a:fillRef idx="1">
+          <a:scrgbClr r="0" g="0" b="0"/>
+        </a:fillRef>
+        <a:effectRef idx="0">
+          <a:scrgbClr r="0" g="0" b="0"/>
+        </a:effectRef>
+        <a:fontRef idx="minor"/>
+      </dsp:style>
+    </dsp:sp>
+  </dsp:spTree>
+</dsp:drawing>
+</file>
+
+<file path=ppt/diagrams/layout1.xml><?xml version="1.0" encoding="utf-8"?>
+<dgm:layoutDef xmlns:dgm="http://schemas.openxmlformats.org/drawingml/2006/diagram" xmlns:a="http://schemas.openxmlformats.org/drawingml/2006/main" uniqueId="urn:microsoft.com/office/officeart/2005/8/layout/vList3">
+  <dgm:title val=""/>
+  <dgm:desc val=""/>
+  <dgm:catLst>
+    <dgm:cat type="list" pri="14000"/>
+    <dgm:cat type="convert" pri="3000"/>
+    <dgm:cat type="picture" pri="27000"/>
+    <dgm:cat type="pictureconvert" pri="27000"/>
+  </dgm:catLst>
+  <dgm:sampData useDef="1">
+    <dgm:dataModel>
+      <dgm:ptLst/>
+      <dgm:bg/>
+      <dgm:whole/>
+    </dgm:dataModel>
+  </dgm:sampData>
+  <dgm:styleData>
+    <dgm:dataModel>
+      <dgm:ptLst>
+        <dgm:pt modelId="0" type="doc"/>
+        <dgm:pt modelId="1"/>
+        <dgm:pt modelId="2"/>
+      </dgm:ptLst>
+      <dgm:cxnLst>
+        <dgm:cxn modelId="3" srcId="0" destId="1" srcOrd="0" destOrd="0"/>
+        <dgm:cxn modelId="4" srcId="0" destId="2" srcOrd="1" destOrd="0"/>
+      </dgm:cxnLst>
+      <dgm:bg/>
+      <dgm:whole/>
+    </dgm:dataModel>
+  </dgm:styleData>
+  <dgm:clrData>
+    <dgm:dataModel>
+      <dgm:ptLst>
+        <dgm:pt modelId="0" type="doc"/>
+        <dgm:pt modelId="1"/>
+        <dgm:pt modelId="2"/>
+        <dgm:pt modelId="3"/>
+        <dgm:pt modelId="4"/>
+      </dgm:ptLst>
+      <dgm:cxnLst>
+        <dgm:cxn modelId="5" srcId="0" destId="1" srcOrd="0" destOrd="0"/>
+        <dgm:cxn modelId="6" srcId="0" destId="2" srcOrd="1" destOrd="0"/>
+        <dgm:cxn modelId="7" srcId="0" destId="3" srcOrd="2" destOrd="0"/>
+        <dgm:cxn modelId="8" srcId="0" destId="4" srcOrd="3" destOrd="0"/>
+      </dgm:cxnLst>
+      <dgm:bg/>
+      <dgm:whole/>
+    </dgm:dataModel>
+  </dgm:clrData>
+  <dgm:layoutNode name="linearFlow">
+    <dgm:varLst>
+      <dgm:dir/>
+      <dgm:resizeHandles val="exact"/>
+    </dgm:varLst>
+    <dgm:alg type="lin">
+      <dgm:param type="linDir" val="fromT"/>
+      <dgm:param type="vertAlign" val="mid"/>
+      <dgm:param type="horzAlign" val="ctr"/>
+    </dgm:alg>
+    <dgm:shape xmlns:r="http://schemas.openxmlformats.org/officeDocument/2006/relationships" r:blip="">
+      <dgm:adjLst/>
+    </dgm:shape>
+    <dgm:presOf/>
+    <dgm:constrLst>
+      <dgm:constr type="w" for="ch" forName="composite" refType="w"/>
+      <dgm:constr type="h" for="ch" forName="composite" refType="h"/>
+      <dgm:constr type="h" for="ch" forName="spacing" refType="h" refFor="ch" refForName="composite" fact="0.25"/>
+      <dgm:constr type="h" for="ch" forName="spacing" refType="w" op="lte" fact="0.1"/>
+      <dgm:constr type="primFontSz" for="des" ptType="node" op="equ" val="65"/>
+    </dgm:constrLst>
+    <dgm:ruleLst/>
+    <dgm:forEach name="Name0" axis="ch" ptType="node">
+      <dgm:layoutNode name="composite">
+        <dgm:alg type="composite"/>
+        <dgm:shape xmlns:r="http://schemas.openxmlformats.org/officeDocument/2006/relationships" r:blip="">
+          <dgm:adjLst/>
+        </dgm:shape>
+        <dgm:presOf/>
+        <dgm:choose name="Name1">
+          <dgm:if name="Name2" func="var" arg="dir" op="equ" val="norm">
+            <dgm:constrLst>
+              <dgm:constr type="w" for="ch" forName="imgShp" refType="w" fact="0.335"/>
+              <dgm:constr type="h" for="ch" forName="imgShp" refType="w" refFor="ch" refForName="imgShp" op="equ"/>
+              <dgm:constr type="h" for="ch" forName="imgShp" refType="h" op="lte"/>
+              <dgm:constr type="ctrY" for="ch" forName="imgShp" refType="h" fact="0.5"/>
+              <dgm:constr type="l" for="ch" forName="imgShp"/>
+              <dgm:constr type="w" for="ch" forName="txShp" refType="w" op="equ" fact="0.665"/>
+              <dgm:constr type="h" for="ch" forName="txShp" refType="h" refFor="ch" refForName="imgShp" op="equ"/>
+              <dgm:constr type="ctrY" for="ch" forName="txShp" refType="h" fact="0.5"/>
+              <dgm:constr type="l" for="ch" forName="txShp" refType="w" refFor="ch" refForName="imgShp" fact="0.5"/>
+              <dgm:constr type="lMarg" for="ch" forName="txShp" refType="w" refFor="ch" refForName="imgShp" fact="1.25"/>
+            </dgm:constrLst>
+          </dgm:if>
+          <dgm:else name="Name3">
+            <dgm:constrLst>
+              <dgm:constr type="w" for="ch" forName="imgShp" refType="w" fact="0.335"/>
+              <dgm:constr type="h" for="ch" forName="imgShp" refType="w" refFor="ch" refForName="imgShp" op="equ"/>
+              <dgm:constr type="h" for="ch" forName="imgShp" refType="h" op="lte"/>
+              <dgm:constr type="ctrY" for="ch" forName="imgShp" refType="h" fact="0.5"/>
+              <dgm:constr type="r" for="ch" forName="imgShp" refType="w"/>
+              <dgm:constr type="w" for="ch" forName="txShp" refType="w" op="equ" fact="0.665"/>
+              <dgm:constr type="h" for="ch" forName="txShp" refType="h" refFor="ch" refForName="imgShp" op="equ"/>
+              <dgm:constr type="ctrY" for="ch" forName="txShp" refType="h" fact="0.5"/>
+              <dgm:constr type="r" for="ch" forName="txShp" refType="ctrX" refFor="ch" refForName="imgShp"/>
+              <dgm:constr type="rMarg" for="ch" forName="txShp" refType="w" refFor="ch" refForName="imgShp" fact="1.25"/>
+            </dgm:constrLst>
+          </dgm:else>
+        </dgm:choose>
+        <dgm:ruleLst/>
+        <dgm:layoutNode name="imgShp" styleLbl="fgImgPlace1">
+          <dgm:alg type="sp"/>
+          <dgm:shape xmlns:r="http://schemas.openxmlformats.org/officeDocument/2006/relationships" type="ellipse" r:blip="" blipPhldr="1">
+            <dgm:adjLst/>
+          </dgm:shape>
+          <dgm:presOf/>
+          <dgm:constrLst/>
+          <dgm:ruleLst/>
+        </dgm:layoutNode>
+        <dgm:layoutNode name="txShp">
+          <dgm:varLst>
+            <dgm:bulletEnabled val="1"/>
+          </dgm:varLst>
+          <dgm:alg type="tx"/>
+          <dgm:choose name="Name4">
+            <dgm:if name="Name5" func="var" arg="dir" op="equ" val="norm">
+              <dgm:shape xmlns:r="http://schemas.openxmlformats.org/officeDocument/2006/relationships" rot="180" type="homePlate" r:blip="" zOrderOff="-1">
+                <dgm:adjLst/>
+              </dgm:shape>
+            </dgm:if>
+            <dgm:else name="Name6">
+              <dgm:shape xmlns:r="http://schemas.openxmlformats.org/officeDocument/2006/relationships" type="homePlate" r:blip="" zOrderOff="-1">
+                <dgm:adjLst/>
+              </dgm:shape>
+            </dgm:else>
+          </dgm:choose>
+          <dgm:presOf axis="desOrSelf" ptType="node"/>
+          <dgm:constrLst>
+            <dgm:constr type="tMarg" refType="primFontSz" fact="0.3"/>
+            <dgm:constr type="bMarg" refType="primFontSz" fact="0.3"/>
+          </dgm:constrLst>
+          <dgm:ruleLst>
+            <dgm:rule type="primFontSz" val="5" fact="NaN" max="NaN"/>
+          </dgm:ruleLst>
+        </dgm:layoutNode>
+      </dgm:layoutNode>
+      <dgm:forEach name="Name7" axis="followSib" ptType="sibTrans" cnt="1">
+        <dgm:layoutNode name="spacing">
+          <dgm:alg type="sp"/>
+          <dgm:shape xmlns:r="http://schemas.openxmlformats.org/officeDocument/2006/relationships" r:blip="">
+            <dgm:adjLst/>
+          </dgm:shape>
+          <dgm:presOf axis="self"/>
+          <dgm:constrLst/>
+          <dgm:ruleLst/>
+        </dgm:layoutNode>
+      </dgm:forEach>
+    </dgm:forEach>
+  </dgm:layoutNode>
+</dgm:layoutDef>
+</file>
+
+<file path=ppt/diagrams/quickStyle1.xml><?xml version="1.0" encoding="utf-8"?>
+<dgm:styleDef xmlns:dgm="http://schemas.openxmlformats.org/drawingml/2006/diagram" xmlns:a="http://schemas.openxmlformats.org/drawingml/2006/main" uniqueId="urn:microsoft.com/office/officeart/2005/8/quickstyle/simple1">
+  <dgm:title val=""/>
+  <dgm:desc val=""/>
+  <dgm:catLst>
+    <dgm:cat type="simple" pri="10100"/>
+  </dgm:catLst>
+  <dgm:scene3d>
+    <a:camera prst="orthographicFront"/>
+    <a:lightRig rig="threePt" dir="t"/>
+  </dgm:scene3d>
+  <dgm:styleLbl name="node0">
+    <dgm:scene3d>
+      <a:camera prst="orthographicFront"/>
+      <a:lightRig rig="threePt" dir="t"/>
+    </dgm:scene3d>
+    <dgm:sp3d/>
+    <dgm:txPr/>
+    <dgm:style>
+      <a:lnRef idx="2">
+        <a:scrgbClr r="0" g="0" b="0"/>
+      </a:lnRef>
+      <a:fillRef idx="1">
+        <a:scrgbClr r="0" g="0" b="0"/>
+      </a:fillRef>
+      <a:effectRef idx="0">
+        <a:scrgbClr r="0" g="0" b="0"/>
+      </a:effectRef>
+      <a:fontRef idx="minor">
+        <a:schemeClr val="lt1"/>
+      </a:fontRef>
+    </dgm:style>
+  </dgm:styleLbl>
+  <dgm:styleLbl name="lnNode1">
+    <dgm:scene3d>
+      <a:camera prst="orthographicFront"/>
+      <a:lightRig rig="threePt" dir="t"/>
+    </dgm:scene3d>
+    <dgm:sp3d/>
+    <dgm:txPr/>
+    <dgm:style>
+      <a:lnRef idx="2">
+        <a:scrgbClr r="0" g="0" b="0"/>
+      </a:lnRef>
+      <a:fillRef idx="1">
+        <a:scrgbClr r="0" g="0" b="0"/>
+      </a:fillRef>
+      <a:effectRef idx="0">
+        <a:scrgbClr r="0" g="0" b="0"/>
+      </a:effectRef>
+      <a:fontRef idx="minor">
+        <a:schemeClr val="lt1"/>
+      </a:fontRef>
+    </dgm:style>
+  </dgm:styleLbl>
+  <dgm:styleLbl name="vennNode1">
+    <dgm:scene3d>
+      <a:camera prst="orthographicFront"/>
+      <a:lightRig rig="threePt" dir="t"/>
+    </dgm:scene3d>
+    <dgm:sp3d/>
+    <dgm:txPr/>
+    <dgm:style>
+      <a:lnRef idx="2">
+        <a:scrgbClr r="0" g="0" b="0"/>
+      </a:lnRef>
+      <a:fillRef idx="1">
+        <a:scrgbClr r="0" g="0" b="0"/>
+      </a:fillRef>
+      <a:effectRef idx="0">
+        <a:scrgbClr r="0" g="0" b="0"/>
+      </a:effectRef>
+      <a:fontRef idx="minor">
+        <a:schemeClr val="tx1"/>
+      </a:fontRef>
+    </dgm:style>
+  </dgm:styleLbl>
+  <dgm:styleLbl name="alignNode1">
+    <dgm:scene3d>
+      <a:camera prst="orthographicFront"/>
+      <a:lightRig rig="threePt" dir="t"/>
+    </dgm:scene3d>
+    <dgm:sp3d/>
+    <dgm:txPr/>
+    <dgm:style>
+      <a:lnRef idx="2">
+        <a:scrgbClr r="0" g="0" b="0"/>
+      </a:lnRef>
+      <a:fillRef idx="1">
+        <a:scrgbClr r="0" g="0" b="0"/>
+      </a:fillRef>
+      <a:effectRef idx="0">
+        <a:scrgbClr r="0" g="0" b="0"/>
+      </a:effectRef>
+      <a:fontRef idx="minor">
+        <a:schemeClr val="lt1"/>
+      </a:fontRef>
+    </dgm:style>
+  </dgm:styleLbl>
+  <dgm:styleLbl name="node1">
+    <dgm:scene3d>
+      <a:camera prst="orthographicFront"/>
+      <a:lightRig rig="threePt" dir="t"/>
+    </dgm:scene3d>
+    <dgm:sp3d/>
+    <dgm:txPr/>
+    <dgm:style>
+      <a:lnRef idx="2">
+        <a:scrgbClr r="0" g="0" b="0"/>
+      </a:lnRef>
+      <a:fillRef idx="1">
+        <a:scrgbClr r="0" g="0" b="0"/>
+      </a:fillRef>
+      <a:effectRef idx="0">
+        <a:scrgbClr r="0" g="0" b="0"/>
+      </a:effectRef>
+      <a:fontRef idx="minor">
+        <a:schemeClr val="lt1"/>
+      </a:fontRef>
+    </dgm:style>
+  </dgm:styleLbl>
+  <dgm:styleLbl name="node2">
+    <dgm:scene3d>
+      <a:camera prst="orthographicFront"/>
+      <a:lightRig rig="threePt" dir="t"/>
+    </dgm:scene3d>
+    <dgm:sp3d/>
+    <dgm:txPr/>
+    <dgm:style>
+      <a:lnRef idx="2">
+        <a:scrgbClr r="0" g="0" b="0"/>
+      </a:lnRef>
+      <a:fillRef idx="1">
+        <a:scrgbClr r="0" g="0" b="0"/>
+      </a:fillRef>
+      <a:effectRef idx="0">
+        <a:scrgbClr r="0" g="0" b="0"/>
+      </a:effectRef>
+      <a:fontRef idx="minor">
+        <a:schemeClr val="lt1"/>
+      </a:fontRef>
+    </dgm:style>
+  </dgm:styleLbl>
+  <dgm:styleLbl name="node3">
+    <dgm:scene3d>
+      <a:camera prst="orthographicFront"/>
+      <a:lightRig rig="threePt" dir="t"/>
+    </dgm:scene3d>
+    <dgm:sp3d/>
+    <dgm:txPr/>
+    <dgm:style>
+      <a:lnRef idx="2">
+        <a:scrgbClr r="0" g="0" b="0"/>
+      </a:lnRef>
+      <a:fillRef idx="1">
+        <a:scrgbClr r="0" g="0" b="0"/>
+      </a:fillRef>
+      <a:effectRef idx="0">
+        <a:scrgbClr r="0" g="0" b="0"/>
+      </a:effectRef>
+      <a:fontRef idx="minor">
+        <a:schemeClr val="lt1"/>
+      </a:fontRef>
+    </dgm:style>
+  </dgm:styleLbl>
+  <dgm:styleLbl name="node4">
+    <dgm:scene3d>
+      <a:camera prst="orthographicFront"/>
+      <a:lightRig rig="threePt" dir="t"/>
+    </dgm:scene3d>
+    <dgm:sp3d/>
+    <dgm:txPr/>
+    <dgm:style>
+      <a:lnRef idx="2">
+        <a:scrgbClr r="0" g="0" b="0"/>
+      </a:lnRef>
+      <a:fillRef idx="1">
+        <a:scrgbClr r="0" g="0" b="0"/>
+      </a:fillRef>
+      <a:effectRef idx="0">
+        <a:scrgbClr r="0" g="0" b="0"/>
+      </a:effectRef>
+      <a:fontRef idx="minor">
+        <a:schemeClr val="lt1"/>
+      </a:fontRef>
+    </dgm:style>
+  </dgm:styleLbl>
+  <dgm:styleLbl name="fgImgPlace1">
+    <dgm:scene3d>
+      <a:camera prst="orthographicFront"/>
+      <a:lightRig rig="threePt" dir="t"/>
+    </dgm:scene3d>
+    <dgm:sp3d/>
+    <dgm:txPr/>
+    <dgm:style>
+      <a:lnRef idx="2">
+        <a:scrgbClr r="0" g="0" b="0"/>
+      </a:lnRef>
+      <a:fillRef idx="1">
+        <a:scrgbClr r="0" g="0" b="0"/>
+      </a:fillRef>
+      <a:effectRef idx="0">
+        <a:scrgbClr r="0" g="0" b="0"/>
+      </a:effectRef>
+      <a:fontRef idx="minor"/>
+    </dgm:style>
+  </dgm:styleLbl>
+  <dgm:styleLbl name="alignImgPlace1">
+    <dgm:scene3d>
+      <a:camera prst="orthographicFront"/>
+      <a:lightRig rig="threePt" dir="t"/>
+    </dgm:scene3d>
+    <dgm:sp3d/>
+    <dgm:txPr/>
+    <dgm:style>
+      <a:lnRef idx="2">
+        <a:scrgbClr r="0" g="0" b="0"/>
+      </a:lnRef>
+      <a:fillRef idx="1">
+        <a:scrgbClr r="0" g="0" b="0"/>
+      </a:fillRef>
+      <a:effectRef idx="0">
+        <a:scrgbClr r="0" g="0" b="0"/>
+      </a:effectRef>
+      <a:fontRef idx="minor"/>
+    </dgm:style>
+  </dgm:styleLbl>
+  <dgm:styleLbl name="bgImgPlace1">
+    <dgm:scene3d>
+      <a:camera prst="orthographicFront"/>
+      <a:lightRig rig="threePt" dir="t"/>
+    </dgm:scene3d>
+    <dgm:sp3d/>
+    <dgm:txPr/>
+    <dgm:style>
+      <a:lnRef idx="2">
+        <a:scrgbClr r="0" g="0" b="0"/>
+      </a:lnRef>
+      <a:fillRef idx="1">
+        <a:scrgbClr r="0" g="0" b="0"/>
+      </a:fillRef>
+      <a:effectRef idx="0">
+        <a:scrgbClr r="0" g="0" b="0"/>
+      </a:effectRef>
+      <a:fontRef idx="minor"/>
+    </dgm:style>
+  </dgm:styleLbl>
+  <dgm:styleLbl name="sibTrans2D1">
+    <dgm:scene3d>
+      <a:camera prst="orthographicFront"/>
+      <a:lightRig rig="threePt" dir="t"/>
+    </dgm:scene3d>
+    <dgm:sp3d/>
+    <dgm:txPr/>
+    <dgm:style>
+      <a:lnRef idx="0">
+        <a:scrgbClr r="0" g="0" b="0"/>
+      </a:lnRef>
+      <a:fillRef idx="1">
+        <a:scrgbClr r="0" g="0" b="0"/>
+      </a:fillRef>
+      <a:effectRef idx="0">
+        <a:scrgbClr r="0" g="0" b="0"/>
+      </a:effectRef>
+      <a:fontRef idx="minor">
+        <a:schemeClr val="lt1"/>
+      </a:fontRef>
+    </dgm:style>
+  </dgm:styleLbl>
+  <dgm:styleLbl name="fgSibTrans2D1">
+    <dgm:scene3d>
+      <a:camera prst="orthographicFront"/>
+      <a:lightRig rig="threePt" dir="t"/>
+    </dgm:scene3d>
+    <dgm:sp3d/>
+    <dgm:txPr/>
+    <dgm:style>
+      <a:lnRef idx="0">
+        <a:scrgbClr r="0" g="0" b="0"/>
+      </a:lnRef>
+      <a:fillRef idx="1">
+        <a:scrgbClr r="0" g="0" b="0"/>
+      </a:fillRef>
+      <a:effectRef idx="0">
+        <a:scrgbClr r="0" g="0" b="0"/>
+      </a:effectRef>
+      <a:fontRef idx="minor">
+        <a:schemeClr val="lt1"/>
+      </a:fontRef>
+    </dgm:style>
+  </dgm:styleLbl>
+  <dgm:styleLbl name="bgSibTrans2D1">
+    <dgm:scene3d>
+      <a:camera prst="orthographicFront"/>
+      <a:lightRig rig="threePt" dir="t"/>
+    </dgm:scene3d>
+    <dgm:sp3d/>
+    <dgm:txPr/>
+    <dgm:style>
+      <a:lnRef idx="0">
+        <a:scrgbClr r="0" g="0" b="0"/>
+      </a:lnRef>
+      <a:fillRef idx="1">
+        <a:scrgbClr r="0" g="0" b="0"/>
+      </a:fillRef>
+      <a:effectRef idx="0">
+        <a:scrgbClr r="0" g="0" b="0"/>
+      </a:effectRef>
+      <a:fontRef idx="minor">
+        <a:schemeClr val="lt1"/>
+      </a:fontRef>
+    </dgm:style>
+  </dgm:styleLbl>
+  <dgm:styleLbl name="sibTrans1D1">
+    <dgm:scene3d>
+      <a:camera prst="orthographicFront"/>
+      <a:lightRig rig="threePt" dir="t"/>
+    </dgm:scene3d>
+    <dgm:sp3d/>
+    <dgm:txPr/>
+    <dgm:style>
+      <a:lnRef idx="1">
+        <a:scrgbClr r="0" g="0" b="0"/>
+      </a:lnRef>
+      <a:fillRef idx="0">
+        <a:scrgbClr r="0" g="0" b="0"/>
+      </a:fillRef>
+      <a:effectRef idx="0">
+        <a:scrgbClr r="0" g="0" b="0"/>
+      </a:effectRef>
+      <a:fontRef idx="minor"/>
+    </dgm:style>
+  </dgm:styleLbl>
+  <dgm:styleLbl name="callout">
+    <dgm:scene3d>
+      <a:camera prst="orthographicFront"/>
+      <a:lightRig rig="threePt" dir="t"/>
+    </dgm:scene3d>
+    <dgm:sp3d/>
+    <dgm:txPr/>
+    <dgm:style>
+      <a:lnRef idx="2">
+        <a:scrgbClr r="0" g="0" b="0"/>
+      </a:lnRef>
+      <a:fillRef idx="1">
+        <a:scrgbClr r="0" g="0" b="0"/>
+      </a:fillRef>
+      <a:effectRef idx="0">
+        <a:scrgbClr r="0" g="0" b="0"/>
+      </a:effectRef>
+      <a:fontRef idx="minor"/>
+    </dgm:style>
+  </dgm:styleLbl>
+  <dgm:styleLbl name="asst0">
+    <dgm:scene3d>
+      <a:camera prst="orthographicFront"/>
+      <a:lightRig rig="threePt" dir="t"/>
+    </dgm:scene3d>
+    <dgm:sp3d/>
+    <dgm:txPr/>
+    <dgm:style>
+      <a:lnRef idx="2">
+        <a:scrgbClr r="0" g="0" b="0"/>
+      </a:lnRef>
+      <a:fillRef idx="1">
+        <a:scrgbClr r="0" g="0" b="0"/>
+      </a:fillRef>
+      <a:effectRef idx="0">
+        <a:scrgbClr r="0" g="0" b="0"/>
+      </a:effectRef>
+      <a:fontRef idx="minor">
+        <a:schemeClr val="lt1"/>
+      </a:fontRef>
+    </dgm:style>
+  </dgm:styleLbl>
+  <dgm:styleLbl name="asst1">
+    <dgm:scene3d>
+      <a:camera prst="orthographicFront"/>
+      <a:lightRig rig="threePt" dir="t"/>
+    </dgm:scene3d>
+    <dgm:sp3d/>
+    <dgm:txPr/>
+    <dgm:style>
+      <a:lnRef idx="2">
+        <a:scrgbClr r="0" g="0" b="0"/>
+      </a:lnRef>
+      <a:fillRef idx="1">
+        <a:scrgbClr r="0" g="0" b="0"/>
+      </a:fillRef>
+      <a:effectRef idx="0">
+        <a:scrgbClr r="0" g="0" b="0"/>
+      </a:effectRef>
+      <a:fontRef idx="minor">
+        <a:schemeClr val="lt1"/>
+      </a:fontRef>
+    </dgm:style>
+  </dgm:styleLbl>
+  <dgm:styleLbl name="asst2">
+    <dgm:scene3d>
+      <a:camera prst="orthographicFront"/>
+      <a:lightRig rig="threePt" dir="t"/>
+    </dgm:scene3d>
+    <dgm:sp3d/>
+    <dgm:txPr/>
+    <dgm:style>
+      <a:lnRef idx="2">
+        <a:scrgbClr r="0" g="0" b="0"/>
+      </a:lnRef>
+      <a:fillRef idx="1">
+        <a:scrgbClr r="0" g="0" b="0"/>
+      </a:fillRef>
+      <a:effectRef idx="0">
+        <a:scrgbClr r="0" g="0" b="0"/>
+      </a:effectRef>
+      <a:fontRef idx="minor">
+        <a:schemeClr val="lt1"/>
+      </a:fontRef>
+    </dgm:style>
+  </dgm:styleLbl>
+  <dgm:styleLbl name="asst3">
+    <dgm:scene3d>
+      <a:camera prst="orthographicFront"/>
+      <a:lightRig rig="threePt" dir="t"/>
+    </dgm:scene3d>
+    <dgm:sp3d/>
+    <dgm:txPr/>
+    <dgm:style>
+      <a:lnRef idx="2">
+        <a:scrgbClr r="0" g="0" b="0"/>
+      </a:lnRef>
+      <a:fillRef idx="1">
+        <a:scrgbClr r="0" g="0" b="0"/>
+      </a:fillRef>
+      <a:effectRef idx="0">
+        <a:scrgbClr r="0" g="0" b="0"/>
+      </a:effectRef>
+      <a:fontRef idx="minor">
+        <a:schemeClr val="lt1"/>
+      </a:fontRef>
+    </dgm:style>
+  </dgm:styleLbl>
+  <dgm:styleLbl name="asst4">
+    <dgm:scene3d>
+      <a:camera prst="orthographicFront"/>
+      <a:lightRig rig="threePt" dir="t"/>
+    </dgm:scene3d>
+    <dgm:sp3d/>
+    <dgm:txPr/>
+    <dgm:style>
+      <a:lnRef idx="2">
+        <a:scrgbClr r="0" g="0" b="0"/>
+      </a:lnRef>
+      <a:fillRef idx="1">
+        <a:scrgbClr r="0" g="0" b="0"/>
+      </a:fillRef>
+      <a:effectRef idx="0">
+        <a:scrgbClr r="0" g="0" b="0"/>
+      </a:effectRef>
+      <a:fontRef idx="minor">
+        <a:schemeClr val="lt1"/>
+      </a:fontRef>
+    </dgm:style>
+  </dgm:styleLbl>
+  <dgm:styleLbl name="parChTrans2D1">
+    <dgm:scene3d>
+      <a:camera prst="orthographicFront"/>
+      <a:lightRig rig="threePt" dir="t"/>
+    </dgm:scene3d>
+    <dgm:sp3d/>
+    <dgm:txPr/>
+    <dgm:style>
+      <a:lnRef idx="2">
+        <a:scrgbClr r="0" g="0" b="0"/>
+      </a:lnRef>
+      <a:fillRef idx="1">
+        <a:scrgbClr r="0" g="0" b="0"/>
+      </a:fillRef>
+      <a:effectRef idx="0">
+        <a:scrgbClr r="0" g="0" b="0"/>
+      </a:effectRef>
+      <a:fontRef idx="minor">
+        <a:schemeClr val="lt1"/>
+      </a:fontRef>
+    </dgm:style>
+  </dgm:styleLbl>
+  <dgm:styleLbl name="parChTrans2D2">
+    <dgm:scene3d>
+      <a:camera prst="orthographicFront"/>
+      <a:lightRig rig="threePt" dir="t"/>
+    </dgm:scene3d>
+    <dgm:sp3d/>
+    <dgm:txPr/>
+    <dgm:style>
+      <a:lnRef idx="2">
+        <a:scrgbClr r="0" g="0" b="0"/>
+      </a:lnRef>
+      <a:fillRef idx="1">
+        <a:scrgbClr r="0" g="0" b="0"/>
+      </a:fillRef>
+      <a:effectRef idx="0">
+        <a:scrgbClr r="0" g="0" b="0"/>
+      </a:effectRef>
+      <a:fontRef idx="minor">
+        <a:schemeClr val="lt1"/>
+      </a:fontRef>
+    </dgm:style>
+  </dgm:styleLbl>
+  <dgm:styleLbl name="parChTrans2D3">
+    <dgm:scene3d>
+      <a:camera prst="orthographicFront"/>
+      <a:lightRig rig="threePt" dir="t"/>
+    </dgm:scene3d>
+    <dgm:sp3d/>
+    <dgm:txPr/>
+    <dgm:style>
+      <a:lnRef idx="2">
+        <a:scrgbClr r="0" g="0" b="0"/>
+      </a:lnRef>
+      <a:fillRef idx="1">
+        <a:scrgbClr r="0" g="0" b="0"/>
+      </a:fillRef>
+      <a:effectRef idx="0">
+        <a:scrgbClr r="0" g="0" b="0"/>
+      </a:effectRef>
+      <a:fontRef idx="minor">
+        <a:schemeClr val="lt1"/>
+      </a:fontRef>
+    </dgm:style>
+  </dgm:styleLbl>
+  <dgm:styleLbl name="parChTrans2D4">
+    <dgm:scene3d>
+      <a:camera prst="orthographicFront"/>
+      <a:lightRig rig="threePt" dir="t"/>
+    </dgm:scene3d>
+    <dgm:sp3d/>
+    <dgm:txPr/>
+    <dgm:style>
+      <a:lnRef idx="2">
+        <a:scrgbClr r="0" g="0" b="0"/>
+      </a:lnRef>
+      <a:fillRef idx="1">
+        <a:scrgbClr r="0" g="0" b="0"/>
+      </a:fillRef>
+      <a:effectRef idx="0">
+        <a:scrgbClr r="0" g="0" b="0"/>
+      </a:effectRef>
+      <a:fontRef idx="minor">
+        <a:schemeClr val="lt1"/>
+      </a:fontRef>
+    </dgm:style>
+  </dgm:styleLbl>
+  <dgm:styleLbl name="parChTrans1D1">
+    <dgm:scene3d>
+      <a:camera prst="orthographicFront"/>
+      <a:lightRig rig="threePt" dir="t"/>
+    </dgm:scene3d>
+    <dgm:sp3d/>
+    <dgm:txPr/>
+    <dgm:style>
+      <a:lnRef idx="2">
+        <a:scrgbClr r="0" g="0" b="0"/>
+      </a:lnRef>
+      <a:fillRef idx="0">
+        <a:scrgbClr r="0" g="0" b="0"/>
+      </a:fillRef>
+      <a:effectRef idx="0">
+        <a:scrgbClr r="0" g="0" b="0"/>
+      </a:effectRef>
+      <a:fontRef idx="minor"/>
+    </dgm:style>
+  </dgm:styleLbl>
+  <dgm:styleLbl name="parChTrans1D2">
+    <dgm:scene3d>
+      <a:camera prst="orthographicFront"/>
+      <a:lightRig rig="threePt" dir="t"/>
+    </dgm:scene3d>
+    <dgm:sp3d/>
+    <dgm:txPr/>
+    <dgm:style>
+      <a:lnRef idx="2">
+        <a:scrgbClr r="0" g="0" b="0"/>
+      </a:lnRef>
+      <a:fillRef idx="0">
+        <a:scrgbClr r="0" g="0" b="0"/>
+      </a:fillRef>
+      <a:effectRef idx="0">
+        <a:scrgbClr r="0" g="0" b="0"/>
+      </a:effectRef>
+      <a:fontRef idx="minor"/>
+    </dgm:style>
+  </dgm:styleLbl>
+  <dgm:styleLbl name="parChTrans1D3">
+    <dgm:scene3d>
+      <a:camera prst="orthographicFront"/>
+      <a:lightRig rig="threePt" dir="t"/>
+    </dgm:scene3d>
+    <dgm:sp3d/>
+    <dgm:txPr/>
+    <dgm:style>
+      <a:lnRef idx="2">
+        <a:scrgbClr r="0" g="0" b="0"/>
+      </a:lnRef>
+      <a:fillRef idx="0">
+        <a:scrgbClr r="0" g="0" b="0"/>
+      </a:fillRef>
+      <a:effectRef idx="0">
+        <a:scrgbClr r="0" g="0" b="0"/>
+      </a:effectRef>
+      <a:fontRef idx="minor"/>
+    </dgm:style>
+  </dgm:styleLbl>
+  <dgm:styleLbl name="parChTrans1D4">
+    <dgm:scene3d>
+      <a:camera prst="orthographicFront"/>
+      <a:lightRig rig="threePt" dir="t"/>
+    </dgm:scene3d>
+    <dgm:sp3d/>
+    <dgm:txPr/>
+    <dgm:style>
+      <a:lnRef idx="2">
+        <a:scrgbClr r="0" g="0" b="0"/>
+      </a:lnRef>
+      <a:fillRef idx="0">
+        <a:scrgbClr r="0" g="0" b="0"/>
+      </a:fillRef>
+      <a:effectRef idx="0">
+        <a:scrgbClr r="0" g="0" b="0"/>
+      </a:effectRef>
+      <a:fontRef idx="minor"/>
+    </dgm:style>
+  </dgm:styleLbl>
+  <dgm:styleLbl name="fgAcc1">
+    <dgm:scene3d>
+      <a:camera prst="orthographicFront"/>
+      <a:lightRig rig="threePt" dir="t"/>
+    </dgm:scene3d>
+    <dgm:sp3d/>
+    <dgm:txPr/>
+    <dgm:style>
+      <a:lnRef idx="2">
+        <a:scrgbClr r="0" g="0" b="0"/>
+      </a:lnRef>
+      <a:fillRef idx="1">
+        <a:scrgbClr r="0" g="0" b="0"/>
+      </a:fillRef>
+      <a:effectRef idx="0">
+        <a:scrgbClr r="0" g="0" b="0"/>
+      </a:effectRef>
+      <a:fontRef idx="minor"/>
+    </dgm:style>
+  </dgm:styleLbl>
+  <dgm:styleLbl name="conFgAcc1">
+    <dgm:scene3d>
+      <a:camera prst="orthographicFront"/>
+      <a:lightRig rig="threePt" dir="t"/>
+    </dgm:scene3d>
+    <dgm:sp3d/>
+    <dgm:txPr/>
+    <dgm:style>
+      <a:lnRef idx="2">
+        <a:scrgbClr r="0" g="0" b="0"/>
+      </a:lnRef>
+      <a:fillRef idx="1">
+        <a:scrgbClr r="0" g="0" b="0"/>
+      </a:fillRef>
+      <a:effectRef idx="0">
+        <a:scrgbClr r="0" g="0" b="0"/>
+      </a:effectRef>
+      <a:fontRef idx="minor"/>
+    </dgm:style>
+  </dgm:styleLbl>
+  <dgm:styleLbl name="alignAcc1">
+    <dgm:scene3d>
+      <a:camera prst="orthographicFront"/>
+      <a:lightRig rig="threePt" dir="t"/>
+    </dgm:scene3d>
+    <dgm:sp3d/>
+    <dgm:txPr/>
+    <dgm:style>
+      <a:lnRef idx="2">
+        <a:scrgbClr r="0" g="0" b="0"/>
+      </a:lnRef>
+      <a:fillRef idx="1">
+        <a:scrgbClr r="0" g="0" b="0"/>
+      </a:fillRef>
+      <a:effectRef idx="0">
+        <a:scrgbClr r="0" g="0" b="0"/>
+      </a:effectRef>
+      <a:fontRef idx="minor"/>
+    </dgm:style>
+  </dgm:styleLbl>
+  <dgm:styleLbl name="trAlignAcc1">
+    <dgm:scene3d>
+      <a:camera prst="orthographicFront"/>
+      <a:lightRig rig="threePt" dir="t"/>
+    </dgm:scene3d>
+    <dgm:sp3d/>
+    <dgm:txPr/>
+    <dgm:style>
+      <a:lnRef idx="1">
+        <a:scrgbClr r="0" g="0" b="0"/>
+      </a:lnRef>
+      <a:fillRef idx="1">
+        <a:scrgbClr r="0" g="0" b="0"/>
+      </a:fillRef>
+      <a:effectRef idx="0">
+        <a:scrgbClr r="0" g="0" b="0"/>
+      </a:effectRef>
+      <a:fontRef idx="minor"/>
+    </dgm:style>
+  </dgm:styleLbl>
+  <dgm:styleLbl name="bgAcc1">
+    <dgm:scene3d>
+      <a:camera prst="orthographicFront"/>
+      <a:lightRig rig="threePt" dir="t"/>
+    </dgm:scene3d>
+    <dgm:sp3d/>
+    <dgm:txPr/>
+    <dgm:style>
+      <a:lnRef idx="2">
+        <a:scrgbClr r="0" g="0" b="0"/>
+      </a:lnRef>
+      <a:fillRef idx="1">
+        <a:scrgbClr r="0" g="0" b="0"/>
+      </a:fillRef>
+      <a:effectRef idx="0">
+        <a:scrgbClr r="0" g="0" b="0"/>
+      </a:effectRef>
+      <a:fontRef idx="minor"/>
+    </dgm:style>
+  </dgm:styleLbl>
+  <dgm:styleLbl name="solidFgAcc1">
+    <dgm:scene3d>
+      <a:camera prst="orthographicFront"/>
+      <a:lightRig rig="threePt" dir="t"/>
+    </dgm:scene3d>
+    <dgm:sp3d/>
+    <dgm:txPr/>
+    <dgm:style>
+      <a:lnRef idx="2">
+        <a:scrgbClr r="0" g="0" b="0"/>
+      </a:lnRef>
+      <a:fillRef idx="1">
+        <a:scrgbClr r="0" g="0" b="0"/>
+      </a:fillRef>
+      <a:effectRef idx="0">
+        <a:scrgbClr r="0" g="0" b="0"/>
+      </a:effectRef>
+      <a:fontRef idx="minor"/>
+    </dgm:style>
+  </dgm:styleLbl>
+  <dgm:styleLbl name="solidAlignAcc1">
+    <dgm:scene3d>
+      <a:camera prst="orthographicFront"/>
+      <a:lightRig rig="threePt" dir="t"/>
+    </dgm:scene3d>
+    <dgm:sp3d/>
+    <dgm:txPr/>
+    <dgm:style>
+      <a:lnRef idx="2">
+        <a:scrgbClr r="0" g="0" b="0"/>
+      </a:lnRef>
+      <a:fillRef idx="1">
+        <a:scrgbClr r="0" g="0" b="0"/>
+      </a:fillRef>
+      <a:effectRef idx="0">
+        <a:scrgbClr r="0" g="0" b="0"/>
+      </a:effectRef>
+      <a:fontRef idx="minor"/>
+    </dgm:style>
+  </dgm:styleLbl>
+  <dgm:styleLbl name="solidBgAcc1">
+    <dgm:scene3d>
+      <a:camera prst="orthographicFront"/>
+      <a:lightRig rig="threePt" dir="t"/>
+    </dgm:scene3d>
+    <dgm:sp3d/>
+    <dgm:txPr/>
+    <dgm:style>
+      <a:lnRef idx="2">
+        <a:scrgbClr r="0" g="0" b="0"/>
+      </a:lnRef>
+      <a:fillRef idx="1">
+        <a:scrgbClr r="0" g="0" b="0"/>
+      </a:fillRef>
+      <a:effectRef idx="0">
+        <a:scrgbClr r="0" g="0" b="0"/>
+      </a:effectRef>
+      <a:fontRef idx="minor"/>
+    </dgm:style>
+  </dgm:styleLbl>
+  <dgm:styleLbl name="fgAccFollowNode1">
+    <dgm:scene3d>
+      <a:camera prst="orthographicFront"/>
+      <a:lightRig rig="threePt" dir="t"/>
+    </dgm:scene3d>
+    <dgm:sp3d/>
+    <dgm:txPr/>
+    <dgm:style>
+      <a:lnRef idx="2">
+        <a:scrgbClr r="0" g="0" b="0"/>
+      </a:lnRef>
+      <a:fillRef idx="1">
+        <a:scrgbClr r="0" g="0" b="0"/>
+      </a:fillRef>
+      <a:effectRef idx="0">
+        <a:scrgbClr r="0" g="0" b="0"/>
+      </a:effectRef>
+      <a:fontRef idx="minor"/>
+    </dgm:style>
+  </dgm:styleLbl>
+  <dgm:styleLbl name="alignAccFollowNode1">
+    <dgm:scene3d>
+      <a:camera prst="orthographicFront"/>
+      <a:lightRig rig="threePt" dir="t"/>
+    </dgm:scene3d>
+    <dgm:sp3d/>
+    <dgm:txPr/>
+    <dgm:style>
+      <a:lnRef idx="2">
+        <a:scrgbClr r="0" g="0" b="0"/>
+      </a:lnRef>
+      <a:fillRef idx="1">
+        <a:scrgbClr r="0" g="0" b="0"/>
+      </a:fillRef>
+      <a:effectRef idx="0">
+        <a:scrgbClr r="0" g="0" b="0"/>
+      </a:effectRef>
+      <a:fontRef idx="minor"/>
+    </dgm:style>
+  </dgm:styleLbl>
+  <dgm:styleLbl name="bgAccFollowNode1">
+    <dgm:scene3d>
+      <a:camera prst="orthographicFront"/>
+      <a:lightRig rig="threePt" dir="t"/>
+    </dgm:scene3d>
+    <dgm:sp3d/>
+    <dgm:txPr/>
+    <dgm:style>
+      <a:lnRef idx="2">
+        <a:scrgbClr r="0" g="0" b="0"/>
+      </a:lnRef>
+      <a:fillRef idx="1">
+        <a:scrgbClr r="0" g="0" b="0"/>
+      </a:fillRef>
+      <a:effectRef idx="0">
+        <a:scrgbClr r="0" g="0" b="0"/>
+      </a:effectRef>
+      <a:fontRef idx="minor"/>
+    </dgm:style>
+  </dgm:styleLbl>
+  <dgm:styleLbl name="fgAcc0">
+    <dgm:scene3d>
+      <a:camera prst="orthographicFront"/>
+      <a:lightRig rig="threePt" dir="t"/>
+    </dgm:scene3d>
+    <dgm:sp3d/>
+    <dgm:txPr/>
+    <dgm:style>
+      <a:lnRef idx="2">
+        <a:scrgbClr r="0" g="0" b="0"/>
+      </a:lnRef>
+      <a:fillRef idx="1">
+        <a:scrgbClr r="0" g="0" b="0"/>
+      </a:fillRef>
+      <a:effectRef idx="0">
+        <a:scrgbClr r="0" g="0" b="0"/>
+      </a:effectRef>
+      <a:fontRef idx="minor"/>
+    </dgm:style>
+  </dgm:styleLbl>
+  <dgm:styleLbl name="fgAcc2">
+    <dgm:scene3d>
+      <a:camera prst="orthographicFront"/>
+      <a:lightRig rig="threePt" dir="t"/>
+    </dgm:scene3d>
+    <dgm:sp3d/>
+    <dgm:txPr/>
+    <dgm:style>
+      <a:lnRef idx="2">
+        <a:scrgbClr r="0" g="0" b="0"/>
+      </a:lnRef>
+      <a:fillRef idx="1">
+        <a:scrgbClr r="0" g="0" b="0"/>
+      </a:fillRef>
+      <a:effectRef idx="0">
+        <a:scrgbClr r="0" g="0" b="0"/>
+      </a:effectRef>
+      <a:fontRef idx="minor"/>
+    </dgm:style>
+  </dgm:styleLbl>
+  <dgm:styleLbl name="fgAcc3">
+    <dgm:scene3d>
+      <a:camera prst="orthographicFront"/>
+      <a:lightRig rig="threePt" dir="t"/>
+    </dgm:scene3d>
+    <dgm:sp3d/>
+    <dgm:txPr/>
+    <dgm:style>
+      <a:lnRef idx="2">
+        <a:scrgbClr r="0" g="0" b="0"/>
+      </a:lnRef>
+      <a:fillRef idx="1">
+        <a:scrgbClr r="0" g="0" b="0"/>
+      </a:fillRef>
+      <a:effectRef idx="0">
+        <a:scrgbClr r="0" g="0" b="0"/>
+      </a:effectRef>
+      <a:fontRef idx="minor"/>
+    </dgm:style>
+  </dgm:styleLbl>
+  <dgm:styleLbl name="fgAcc4">
+    <dgm:scene3d>
+      <a:camera prst="orthographicFront"/>
+      <a:lightRig rig="threePt" dir="t"/>
+    </dgm:scene3d>
+    <dgm:sp3d/>
+    <dgm:txPr/>
+    <dgm:style>
+      <a:lnRef idx="2">
+        <a:scrgbClr r="0" g="0" b="0"/>
+      </a:lnRef>
+      <a:fillRef idx="1">
+        <a:scrgbClr r="0" g="0" b="0"/>
+      </a:fillRef>
+      <a:effectRef idx="0">
+        <a:scrgbClr r="0" g="0" b="0"/>
+      </a:effectRef>
+      <a:fontRef idx="minor"/>
+    </dgm:style>
+  </dgm:styleLbl>
+  <dgm:styleLbl name="bgShp">
+    <dgm:scene3d>
+      <a:camera prst="orthographicFront"/>
+      <a:lightRig rig="threePt" dir="t"/>
+    </dgm:scene3d>
+    <dgm:sp3d/>
+    <dgm:txPr/>
+    <dgm:style>
+      <a:lnRef idx="0">
+        <a:scrgbClr r="0" g="0" b="0"/>
+      </a:lnRef>
+      <a:fillRef idx="1">
+        <a:scrgbClr r="0" g="0" b="0"/>
+      </a:fillRef>
+      <a:effectRef idx="0">
+        <a:scrgbClr r="0" g="0" b="0"/>
+      </a:effectRef>
+      <a:fontRef idx="minor"/>
+    </dgm:style>
+  </dgm:styleLbl>
+  <dgm:styleLbl name="dkBgShp">
+    <dgm:scene3d>
+      <a:camera prst="orthographicFront"/>
+      <a:lightRig rig="threePt" dir="t"/>
+    </dgm:scene3d>
+    <dgm:sp3d/>
+    <dgm:txPr/>
+    <dgm:style>
+      <a:lnRef idx="0">
+        <a:scrgbClr r="0" g="0" b="0"/>
+      </a:lnRef>
+      <a:fillRef idx="1">
+        <a:scrgbClr r="0" g="0" b="0"/>
+      </a:fillRef>
+      <a:effectRef idx="0">
+        <a:scrgbClr r="0" g="0" b="0"/>
+      </a:effectRef>
+      <a:fontRef idx="minor"/>
+    </dgm:style>
+  </dgm:styleLbl>
+  <dgm:styleLbl name="trBgShp">
+    <dgm:scene3d>
+      <a:camera prst="orthographicFront"/>
+      <a:lightRig rig="threePt" dir="t"/>
+    </dgm:scene3d>
+    <dgm:sp3d/>
+    <dgm:txPr/>
+    <dgm:style>
+      <a:lnRef idx="0">
+        <a:scrgbClr r="0" g="0" b="0"/>
+      </a:lnRef>
+      <a:fillRef idx="1">
+        <a:scrgbClr r="0" g="0" b="0"/>
+      </a:fillRef>
+      <a:effectRef idx="0">
+        <a:scrgbClr r="0" g="0" b="0"/>
+      </a:effectRef>
+      <a:fontRef idx="minor"/>
+    </dgm:style>
+  </dgm:styleLbl>
+  <dgm:styleLbl name="fgShp">
+    <dgm:scene3d>
+      <a:camera prst="orthographicFront"/>
+      <a:lightRig rig="threePt" dir="t"/>
+    </dgm:scene3d>
+    <dgm:sp3d/>
+    <dgm:txPr/>
+    <dgm:style>
+      <a:lnRef idx="2">
+        <a:scrgbClr r="0" g="0" b="0"/>
+      </a:lnRef>
+      <a:fillRef idx="1">
+        <a:scrgbClr r="0" g="0" b="0"/>
+      </a:fillRef>
+      <a:effectRef idx="0">
+        <a:scrgbClr r="0" g="0" b="0"/>
+      </a:effectRef>
+      <a:fontRef idx="minor"/>
+    </dgm:style>
+  </dgm:styleLbl>
+  <dgm:styleLbl name="revTx">
+    <dgm:scene3d>
+      <a:camera prst="orthographicFront"/>
+      <a:lightRig rig="threePt" dir="t"/>
+    </dgm:scene3d>
+    <dgm:sp3d/>
+    <dgm:txPr/>
+    <dgm:style>
+      <a:lnRef idx="0">
+        <a:scrgbClr r="0" g="0" b="0"/>
+      </a:lnRef>
+      <a:fillRef idx="0">
+        <a:scrgbClr r="0" g="0" b="0"/>
+      </a:fillRef>
+      <a:effectRef idx="0">
+        <a:scrgbClr r="0" g="0" b="0"/>
+      </a:effectRef>
+      <a:fontRef idx="minor"/>
+    </dgm:style>
+  </dgm:styleLbl>
+</dgm:styleDef>
 </file>
 
 <file path=ppt/slideLayouts/slideLayout1.xml><?xml version="1.0" encoding="utf-8"?>
@@ -255,7 +2864,7 @@
           <a:p>
             <a:fld id="{32322C77-3870-48CC-9C51-EE7032AEA3C9}" type="datetimeFigureOut">
               <a:rPr lang="zh-TW" altLang="en-US" smtClean="0"/>
-              <a:t>2024/5/20</a:t>
+              <a:t>2024/6/11</a:t>
             </a:fld>
             <a:endParaRPr lang="zh-TW" altLang="en-US"/>
           </a:p>
@@ -453,7 +3062,7 @@
           <a:p>
             <a:fld id="{32322C77-3870-48CC-9C51-EE7032AEA3C9}" type="datetimeFigureOut">
               <a:rPr lang="zh-TW" altLang="en-US" smtClean="0"/>
-              <a:t>2024/5/20</a:t>
+              <a:t>2024/6/11</a:t>
             </a:fld>
             <a:endParaRPr lang="zh-TW" altLang="en-US"/>
           </a:p>
@@ -661,7 +3270,7 @@
           <a:p>
             <a:fld id="{32322C77-3870-48CC-9C51-EE7032AEA3C9}" type="datetimeFigureOut">
               <a:rPr lang="zh-TW" altLang="en-US" smtClean="0"/>
-              <a:t>2024/5/20</a:t>
+              <a:t>2024/6/11</a:t>
             </a:fld>
             <a:endParaRPr lang="zh-TW" altLang="en-US"/>
           </a:p>
@@ -859,7 +3468,7 @@
           <a:p>
             <a:fld id="{32322C77-3870-48CC-9C51-EE7032AEA3C9}" type="datetimeFigureOut">
               <a:rPr lang="zh-TW" altLang="en-US" smtClean="0"/>
-              <a:t>2024/5/20</a:t>
+              <a:t>2024/6/11</a:t>
             </a:fld>
             <a:endParaRPr lang="zh-TW" altLang="en-US"/>
           </a:p>
@@ -1134,7 +3743,7 @@
           <a:p>
             <a:fld id="{32322C77-3870-48CC-9C51-EE7032AEA3C9}" type="datetimeFigureOut">
               <a:rPr lang="zh-TW" altLang="en-US" smtClean="0"/>
-              <a:t>2024/5/20</a:t>
+              <a:t>2024/6/11</a:t>
             </a:fld>
             <a:endParaRPr lang="zh-TW" altLang="en-US"/>
           </a:p>
@@ -1399,7 +4008,7 @@
           <a:p>
             <a:fld id="{32322C77-3870-48CC-9C51-EE7032AEA3C9}" type="datetimeFigureOut">
               <a:rPr lang="zh-TW" altLang="en-US" smtClean="0"/>
-              <a:t>2024/5/20</a:t>
+              <a:t>2024/6/11</a:t>
             </a:fld>
             <a:endParaRPr lang="zh-TW" altLang="en-US"/>
           </a:p>
@@ -1811,7 +4420,7 @@
           <a:p>
             <a:fld id="{32322C77-3870-48CC-9C51-EE7032AEA3C9}" type="datetimeFigureOut">
               <a:rPr lang="zh-TW" altLang="en-US" smtClean="0"/>
-              <a:t>2024/5/20</a:t>
+              <a:t>2024/6/11</a:t>
             </a:fld>
             <a:endParaRPr lang="zh-TW" altLang="en-US"/>
           </a:p>
@@ -1952,7 +4561,7 @@
           <a:p>
             <a:fld id="{32322C77-3870-48CC-9C51-EE7032AEA3C9}" type="datetimeFigureOut">
               <a:rPr lang="zh-TW" altLang="en-US" smtClean="0"/>
-              <a:t>2024/5/20</a:t>
+              <a:t>2024/6/11</a:t>
             </a:fld>
             <a:endParaRPr lang="zh-TW" altLang="en-US"/>
           </a:p>
@@ -2065,7 +4674,7 @@
           <a:p>
             <a:fld id="{32322C77-3870-48CC-9C51-EE7032AEA3C9}" type="datetimeFigureOut">
               <a:rPr lang="zh-TW" altLang="en-US" smtClean="0"/>
-              <a:t>2024/5/20</a:t>
+              <a:t>2024/6/11</a:t>
             </a:fld>
             <a:endParaRPr lang="zh-TW" altLang="en-US"/>
           </a:p>
@@ -2376,7 +4985,7 @@
           <a:p>
             <a:fld id="{32322C77-3870-48CC-9C51-EE7032AEA3C9}" type="datetimeFigureOut">
               <a:rPr lang="zh-TW" altLang="en-US" smtClean="0"/>
-              <a:t>2024/5/20</a:t>
+              <a:t>2024/6/11</a:t>
             </a:fld>
             <a:endParaRPr lang="zh-TW" altLang="en-US"/>
           </a:p>
@@ -2664,7 +5273,7 @@
           <a:p>
             <a:fld id="{32322C77-3870-48CC-9C51-EE7032AEA3C9}" type="datetimeFigureOut">
               <a:rPr lang="zh-TW" altLang="en-US" smtClean="0"/>
-              <a:t>2024/5/20</a:t>
+              <a:t>2024/6/11</a:t>
             </a:fld>
             <a:endParaRPr lang="zh-TW" altLang="en-US"/>
           </a:p>
@@ -2905,7 +5514,7 @@
           <a:p>
             <a:fld id="{32322C77-3870-48CC-9C51-EE7032AEA3C9}" type="datetimeFigureOut">
               <a:rPr lang="zh-TW" altLang="en-US" smtClean="0"/>
-              <a:t>2024/5/20</a:t>
+              <a:t>2024/6/11</a:t>
             </a:fld>
             <a:endParaRPr lang="zh-TW" altLang="en-US"/>
           </a:p>
@@ -3322,12 +5931,70 @@
           <a:chExt cx="0" cy="0"/>
         </a:xfrm>
       </p:grpSpPr>
+      <p:graphicFrame>
+        <p:nvGraphicFramePr>
+          <p:cNvPr id="4" name="資料庫圖表 3">
+            <a:extLst>
+              <a:ext uri="{FF2B5EF4-FFF2-40B4-BE49-F238E27FC236}">
+                <a16:creationId xmlns:a16="http://schemas.microsoft.com/office/drawing/2014/main" id="{3CFC0950-AD88-4EDF-8276-A48E7DDED26C}"/>
+              </a:ext>
+            </a:extLst>
+          </p:cNvPr>
+          <p:cNvGraphicFramePr/>
+          <p:nvPr>
+            <p:extLst>
+              <p:ext uri="{D42A27DB-BD31-4B8C-83A1-F6EECF244321}">
+                <p14:modId xmlns:p14="http://schemas.microsoft.com/office/powerpoint/2010/main" val="2345293324"/>
+              </p:ext>
+            </p:extLst>
+          </p:nvPr>
+        </p:nvGraphicFramePr>
+        <p:xfrm>
+          <a:off x="192925" y="1401257"/>
+          <a:ext cx="10903165" cy="4055486"/>
+        </p:xfrm>
+        <a:graphic>
+          <a:graphicData uri="http://schemas.openxmlformats.org/drawingml/2006/diagram">
+            <dgm:relIds xmlns:dgm="http://schemas.openxmlformats.org/drawingml/2006/diagram" xmlns:r="http://schemas.openxmlformats.org/officeDocument/2006/relationships" r:dm="rId2" r:lo="rId3" r:qs="rId4" r:cs="rId5"/>
+          </a:graphicData>
+        </a:graphic>
+      </p:graphicFrame>
+    </p:spTree>
+    <p:extLst>
+      <p:ext uri="{BB962C8B-B14F-4D97-AF65-F5344CB8AC3E}">
+        <p14:creationId xmlns:p14="http://schemas.microsoft.com/office/powerpoint/2010/main" val="2240217032"/>
+      </p:ext>
+    </p:extLst>
+  </p:cSld>
+  <p:clrMapOvr>
+    <a:masterClrMapping/>
+  </p:clrMapOvr>
+</p:sld>
+</file>
+
+<file path=ppt/slides/slide10.xml><?xml version="1.0" encoding="utf-8"?>
+<p:sld xmlns:a="http://schemas.openxmlformats.org/drawingml/2006/main" xmlns:r="http://schemas.openxmlformats.org/officeDocument/2006/relationships" xmlns:p="http://schemas.openxmlformats.org/presentationml/2006/main">
+  <p:cSld>
+    <p:spTree>
+      <p:nvGrpSpPr>
+        <p:cNvPr id="1" name=""/>
+        <p:cNvGrpSpPr/>
+        <p:nvPr/>
+      </p:nvGrpSpPr>
+      <p:grpSpPr>
+        <a:xfrm>
+          <a:off x="0" y="0"/>
+          <a:ext cx="0" cy="0"/>
+          <a:chOff x="0" y="0"/>
+          <a:chExt cx="0" cy="0"/>
+        </a:xfrm>
+      </p:grpSpPr>
       <p:pic>
         <p:nvPicPr>
-          <p:cNvPr id="4" name="圖片 3">
-            <a:extLst>
-              <a:ext uri="{FF2B5EF4-FFF2-40B4-BE49-F238E27FC236}">
-                <a16:creationId xmlns:a16="http://schemas.microsoft.com/office/drawing/2014/main" id="{D3A74B7D-7E43-45A3-A7A5-B1AB40EBBF1B}"/>
+          <p:cNvPr id="2" name="圖片 1">
+            <a:extLst>
+              <a:ext uri="{FF2B5EF4-FFF2-40B4-BE49-F238E27FC236}">
+                <a16:creationId xmlns:a16="http://schemas.microsoft.com/office/drawing/2014/main" id="{081EB88A-6A97-422B-8673-60E542570663}"/>
               </a:ext>
             </a:extLst>
           </p:cNvPr>
@@ -3344,8 +6011,8 @@
         </p:blipFill>
         <p:spPr>
           <a:xfrm>
-            <a:off x="2475603" y="1334915"/>
-            <a:ext cx="6822509" cy="4614170"/>
+            <a:off x="9525" y="1785937"/>
+            <a:ext cx="12172950" cy="3286125"/>
           </a:xfrm>
           <a:prstGeom prst="rect">
             <a:avLst/>
@@ -3355,7 +6022,947 @@
     </p:spTree>
     <p:extLst>
       <p:ext uri="{BB962C8B-B14F-4D97-AF65-F5344CB8AC3E}">
-        <p14:creationId xmlns:p14="http://schemas.microsoft.com/office/powerpoint/2010/main" val="229526147"/>
+        <p14:creationId xmlns:p14="http://schemas.microsoft.com/office/powerpoint/2010/main" val="1076868761"/>
+      </p:ext>
+    </p:extLst>
+  </p:cSld>
+  <p:clrMapOvr>
+    <a:masterClrMapping/>
+  </p:clrMapOvr>
+</p:sld>
+</file>
+
+<file path=ppt/slides/slide11.xml><?xml version="1.0" encoding="utf-8"?>
+<p:sld xmlns:a="http://schemas.openxmlformats.org/drawingml/2006/main" xmlns:r="http://schemas.openxmlformats.org/officeDocument/2006/relationships" xmlns:p="http://schemas.openxmlformats.org/presentationml/2006/main">
+  <p:cSld>
+    <p:spTree>
+      <p:nvGrpSpPr>
+        <p:cNvPr id="1" name=""/>
+        <p:cNvGrpSpPr/>
+        <p:nvPr/>
+      </p:nvGrpSpPr>
+      <p:grpSpPr>
+        <a:xfrm>
+          <a:off x="0" y="0"/>
+          <a:ext cx="0" cy="0"/>
+          <a:chOff x="0" y="0"/>
+          <a:chExt cx="0" cy="0"/>
+        </a:xfrm>
+      </p:grpSpPr>
+      <p:pic>
+        <p:nvPicPr>
+          <p:cNvPr id="2" name="圖片 1">
+            <a:extLst>
+              <a:ext uri="{FF2B5EF4-FFF2-40B4-BE49-F238E27FC236}">
+                <a16:creationId xmlns:a16="http://schemas.microsoft.com/office/drawing/2014/main" id="{308F07F1-E3CE-49FA-B4D0-ED6FDCBB401C}"/>
+              </a:ext>
+            </a:extLst>
+          </p:cNvPr>
+          <p:cNvPicPr>
+            <a:picLocks noChangeAspect="1"/>
+          </p:cNvPicPr>
+          <p:nvPr/>
+        </p:nvPicPr>
+        <p:blipFill>
+          <a:blip r:embed="rId2"/>
+          <a:stretch>
+            <a:fillRect/>
+          </a:stretch>
+        </p:blipFill>
+        <p:spPr>
+          <a:xfrm>
+            <a:off x="214312" y="762000"/>
+            <a:ext cx="11763375" cy="5334000"/>
+          </a:xfrm>
+          <a:prstGeom prst="rect">
+            <a:avLst/>
+          </a:prstGeom>
+        </p:spPr>
+      </p:pic>
+    </p:spTree>
+    <p:extLst>
+      <p:ext uri="{BB962C8B-B14F-4D97-AF65-F5344CB8AC3E}">
+        <p14:creationId xmlns:p14="http://schemas.microsoft.com/office/powerpoint/2010/main" val="3743670681"/>
+      </p:ext>
+    </p:extLst>
+  </p:cSld>
+  <p:clrMapOvr>
+    <a:masterClrMapping/>
+  </p:clrMapOvr>
+</p:sld>
+</file>
+
+<file path=ppt/slides/slide12.xml><?xml version="1.0" encoding="utf-8"?>
+<p:sld xmlns:a="http://schemas.openxmlformats.org/drawingml/2006/main" xmlns:r="http://schemas.openxmlformats.org/officeDocument/2006/relationships" xmlns:p="http://schemas.openxmlformats.org/presentationml/2006/main">
+  <p:cSld>
+    <p:spTree>
+      <p:nvGrpSpPr>
+        <p:cNvPr id="1" name=""/>
+        <p:cNvGrpSpPr/>
+        <p:nvPr/>
+      </p:nvGrpSpPr>
+      <p:grpSpPr>
+        <a:xfrm>
+          <a:off x="0" y="0"/>
+          <a:ext cx="0" cy="0"/>
+          <a:chOff x="0" y="0"/>
+          <a:chExt cx="0" cy="0"/>
+        </a:xfrm>
+      </p:grpSpPr>
+      <p:grpSp>
+        <p:nvGrpSpPr>
+          <p:cNvPr id="4" name="群組 3">
+            <a:extLst>
+              <a:ext uri="{FF2B5EF4-FFF2-40B4-BE49-F238E27FC236}">
+                <a16:creationId xmlns:a16="http://schemas.microsoft.com/office/drawing/2014/main" id="{1FA6E636-7076-4762-BC07-7573B588118A}"/>
+              </a:ext>
+            </a:extLst>
+          </p:cNvPr>
+          <p:cNvGrpSpPr/>
+          <p:nvPr/>
+        </p:nvGrpSpPr>
+        <p:grpSpPr>
+          <a:xfrm>
+            <a:off x="0" y="403528"/>
+            <a:ext cx="11877675" cy="2534881"/>
+            <a:chOff x="0" y="403528"/>
+            <a:chExt cx="11877675" cy="2534881"/>
+          </a:xfrm>
+        </p:grpSpPr>
+        <p:pic>
+          <p:nvPicPr>
+            <p:cNvPr id="2" name="圖片 1">
+              <a:extLst>
+                <a:ext uri="{FF2B5EF4-FFF2-40B4-BE49-F238E27FC236}">
+                  <a16:creationId xmlns:a16="http://schemas.microsoft.com/office/drawing/2014/main" id="{B4B832B4-DA24-4CFD-9700-216EDBDC68AA}"/>
+                </a:ext>
+              </a:extLst>
+            </p:cNvPr>
+            <p:cNvPicPr>
+              <a:picLocks noChangeAspect="1"/>
+            </p:cNvPicPr>
+            <p:nvPr/>
+          </p:nvPicPr>
+          <p:blipFill rotWithShape="1">
+            <a:blip r:embed="rId2"/>
+            <a:srcRect b="3226"/>
+            <a:stretch/>
+          </p:blipFill>
+          <p:spPr>
+            <a:xfrm>
+              <a:off x="0" y="403528"/>
+              <a:ext cx="11877675" cy="2534881"/>
+            </a:xfrm>
+            <a:prstGeom prst="rect">
+              <a:avLst/>
+            </a:prstGeom>
+          </p:spPr>
+        </p:pic>
+        <p:sp>
+          <p:nvSpPr>
+            <p:cNvPr id="3" name="矩形 2">
+              <a:extLst>
+                <a:ext uri="{FF2B5EF4-FFF2-40B4-BE49-F238E27FC236}">
+                  <a16:creationId xmlns:a16="http://schemas.microsoft.com/office/drawing/2014/main" id="{14517340-9EE0-4EF9-B970-35B6CC2CB158}"/>
+                </a:ext>
+              </a:extLst>
+            </p:cNvPr>
+            <p:cNvSpPr/>
+            <p:nvPr/>
+          </p:nvSpPr>
+          <p:spPr>
+            <a:xfrm>
+              <a:off x="8167955" y="2291137"/>
+              <a:ext cx="3709720" cy="647272"/>
+            </a:xfrm>
+            <a:prstGeom prst="rect">
+              <a:avLst/>
+            </a:prstGeom>
+            <a:solidFill>
+              <a:srgbClr val="FFFFFF"/>
+            </a:solidFill>
+            <a:ln>
+              <a:solidFill>
+                <a:srgbClr val="FFFFFF"/>
+              </a:solidFill>
+            </a:ln>
+          </p:spPr>
+          <p:style>
+            <a:lnRef idx="2">
+              <a:schemeClr val="accent1">
+                <a:shade val="50000"/>
+              </a:schemeClr>
+            </a:lnRef>
+            <a:fillRef idx="1">
+              <a:schemeClr val="accent1"/>
+            </a:fillRef>
+            <a:effectRef idx="0">
+              <a:schemeClr val="accent1"/>
+            </a:effectRef>
+            <a:fontRef idx="minor">
+              <a:schemeClr val="lt1"/>
+            </a:fontRef>
+          </p:style>
+          <p:txBody>
+            <a:bodyPr rtlCol="0" anchor="ctr"/>
+            <a:lstStyle/>
+            <a:p>
+              <a:pPr algn="ctr"/>
+              <a:endParaRPr lang="zh-TW" altLang="en-US"/>
+            </a:p>
+          </p:txBody>
+        </p:sp>
+      </p:grpSp>
+      <p:sp>
+        <p:nvSpPr>
+          <p:cNvPr id="5" name="矩形 4">
+            <a:extLst>
+              <a:ext uri="{FF2B5EF4-FFF2-40B4-BE49-F238E27FC236}">
+                <a16:creationId xmlns:a16="http://schemas.microsoft.com/office/drawing/2014/main" id="{AC935B09-A7ED-481A-AD21-7864AACB173C}"/>
+              </a:ext>
+            </a:extLst>
+          </p:cNvPr>
+          <p:cNvSpPr/>
+          <p:nvPr/>
+        </p:nvSpPr>
+        <p:spPr>
+          <a:xfrm>
+            <a:off x="1352764" y="3473316"/>
+            <a:ext cx="4000073" cy="892552"/>
+          </a:xfrm>
+          <a:prstGeom prst="rect">
+            <a:avLst/>
+          </a:prstGeom>
+        </p:spPr>
+        <p:txBody>
+          <a:bodyPr wrap="square">
+            <a:spAutoFit/>
+          </a:bodyPr>
+          <a:lstStyle/>
+          <a:p>
+            <a:r>
+              <a:rPr lang="en-US" altLang="zh-TW" sz="2600" b="1" dirty="0">
+                <a:latin typeface="Times New Roman" panose="02020603050405020304" pitchFamily="18" charset="0"/>
+                <a:cs typeface="Times New Roman" panose="02020603050405020304" pitchFamily="18" charset="0"/>
+              </a:rPr>
+              <a:t>for </a:t>
+            </a:r>
+            <a:r>
+              <a:rPr lang="en-US" altLang="zh-TW" sz="2600" b="1" dirty="0" err="1">
+                <a:latin typeface="Times New Roman" panose="02020603050405020304" pitchFamily="18" charset="0"/>
+                <a:cs typeface="Times New Roman" panose="02020603050405020304" pitchFamily="18" charset="0"/>
+              </a:rPr>
+              <a:t>i</a:t>
+            </a:r>
+            <a:r>
+              <a:rPr lang="en-US" altLang="zh-TW" sz="2600" b="1" dirty="0">
+                <a:latin typeface="Times New Roman" panose="02020603050405020304" pitchFamily="18" charset="0"/>
+                <a:cs typeface="Times New Roman" panose="02020603050405020304" pitchFamily="18" charset="0"/>
+              </a:rPr>
+              <a:t> in range(10):</a:t>
+            </a:r>
+          </a:p>
+          <a:p>
+            <a:r>
+              <a:rPr lang="en-US" altLang="zh-TW" sz="2600" b="1" dirty="0">
+                <a:latin typeface="Times New Roman" panose="02020603050405020304" pitchFamily="18" charset="0"/>
+                <a:cs typeface="Times New Roman" panose="02020603050405020304" pitchFamily="18" charset="0"/>
+              </a:rPr>
+              <a:t>    print(</a:t>
+            </a:r>
+            <a:r>
+              <a:rPr lang="en-US" altLang="zh-TW" sz="2600" b="1" dirty="0" err="1">
+                <a:latin typeface="Times New Roman" panose="02020603050405020304" pitchFamily="18" charset="0"/>
+                <a:cs typeface="Times New Roman" panose="02020603050405020304" pitchFamily="18" charset="0"/>
+              </a:rPr>
+              <a:t>i</a:t>
+            </a:r>
+            <a:r>
+              <a:rPr lang="en-US" altLang="zh-TW" sz="2600" b="1" dirty="0">
+                <a:latin typeface="Times New Roman" panose="02020603050405020304" pitchFamily="18" charset="0"/>
+                <a:cs typeface="Times New Roman" panose="02020603050405020304" pitchFamily="18" charset="0"/>
+              </a:rPr>
+              <a:t>)</a:t>
+            </a:r>
+            <a:endParaRPr lang="en-US" altLang="zh-TW" sz="2600" b="1" dirty="0">
+              <a:effectLst/>
+              <a:latin typeface="Times New Roman" panose="02020603050405020304" pitchFamily="18" charset="0"/>
+              <a:cs typeface="Times New Roman" panose="02020603050405020304" pitchFamily="18" charset="0"/>
+            </a:endParaRPr>
+          </a:p>
+        </p:txBody>
+      </p:sp>
+    </p:spTree>
+    <p:extLst>
+      <p:ext uri="{BB962C8B-B14F-4D97-AF65-F5344CB8AC3E}">
+        <p14:creationId xmlns:p14="http://schemas.microsoft.com/office/powerpoint/2010/main" val="4094527550"/>
+      </p:ext>
+    </p:extLst>
+  </p:cSld>
+  <p:clrMapOvr>
+    <a:masterClrMapping/>
+  </p:clrMapOvr>
+</p:sld>
+</file>
+
+<file path=ppt/slides/slide13.xml><?xml version="1.0" encoding="utf-8"?>
+<p:sld xmlns:a="http://schemas.openxmlformats.org/drawingml/2006/main" xmlns:r="http://schemas.openxmlformats.org/officeDocument/2006/relationships" xmlns:p="http://schemas.openxmlformats.org/presentationml/2006/main">
+  <p:cSld>
+    <p:spTree>
+      <p:nvGrpSpPr>
+        <p:cNvPr id="1" name=""/>
+        <p:cNvGrpSpPr/>
+        <p:nvPr/>
+      </p:nvGrpSpPr>
+      <p:grpSpPr>
+        <a:xfrm>
+          <a:off x="0" y="0"/>
+          <a:ext cx="0" cy="0"/>
+          <a:chOff x="0" y="0"/>
+          <a:chExt cx="0" cy="0"/>
+        </a:xfrm>
+      </p:grpSpPr>
+      <p:sp>
+        <p:nvSpPr>
+          <p:cNvPr id="2" name="矩形 1">
+            <a:extLst>
+              <a:ext uri="{FF2B5EF4-FFF2-40B4-BE49-F238E27FC236}">
+                <a16:creationId xmlns:a16="http://schemas.microsoft.com/office/drawing/2014/main" id="{44185AA8-829C-40F1-9226-778D4C254FB3}"/>
+              </a:ext>
+            </a:extLst>
+          </p:cNvPr>
+          <p:cNvSpPr/>
+          <p:nvPr/>
+        </p:nvSpPr>
+        <p:spPr>
+          <a:xfrm>
+            <a:off x="347351" y="264828"/>
+            <a:ext cx="1366977" cy="369332"/>
+          </a:xfrm>
+          <a:prstGeom prst="rect">
+            <a:avLst/>
+          </a:prstGeom>
+        </p:spPr>
+        <p:txBody>
+          <a:bodyPr wrap="none">
+            <a:spAutoFit/>
+          </a:bodyPr>
+          <a:lstStyle/>
+          <a:p>
+            <a:pPr lvl="0"/>
+            <a:r>
+              <a:rPr lang="en-US" altLang="zh-TW" dirty="0"/>
+              <a:t>Python</a:t>
+            </a:r>
+            <a:r>
+              <a:rPr lang="zh-TW" altLang="en-US" dirty="0"/>
+              <a:t> 基礎</a:t>
+            </a:r>
+          </a:p>
+        </p:txBody>
+      </p:sp>
+      <p:pic>
+        <p:nvPicPr>
+          <p:cNvPr id="4" name="圖片 3">
+            <a:extLst>
+              <a:ext uri="{FF2B5EF4-FFF2-40B4-BE49-F238E27FC236}">
+                <a16:creationId xmlns:a16="http://schemas.microsoft.com/office/drawing/2014/main" id="{BC10945A-2EB7-4B3B-B703-4C92156F1D9B}"/>
+              </a:ext>
+            </a:extLst>
+          </p:cNvPr>
+          <p:cNvPicPr>
+            <a:picLocks noChangeAspect="1"/>
+          </p:cNvPicPr>
+          <p:nvPr/>
+        </p:nvPicPr>
+        <p:blipFill>
+          <a:blip r:embed="rId2"/>
+          <a:stretch>
+            <a:fillRect/>
+          </a:stretch>
+        </p:blipFill>
+        <p:spPr>
+          <a:xfrm>
+            <a:off x="0" y="1338219"/>
+            <a:ext cx="12192000" cy="3852789"/>
+          </a:xfrm>
+          <a:prstGeom prst="rect">
+            <a:avLst/>
+          </a:prstGeom>
+        </p:spPr>
+      </p:pic>
+    </p:spTree>
+    <p:extLst>
+      <p:ext uri="{BB962C8B-B14F-4D97-AF65-F5344CB8AC3E}">
+        <p14:creationId xmlns:p14="http://schemas.microsoft.com/office/powerpoint/2010/main" val="1349745971"/>
+      </p:ext>
+    </p:extLst>
+  </p:cSld>
+  <p:clrMapOvr>
+    <a:masterClrMapping/>
+  </p:clrMapOvr>
+</p:sld>
+</file>
+
+<file path=ppt/slides/slide14.xml><?xml version="1.0" encoding="utf-8"?>
+<p:sld xmlns:a="http://schemas.openxmlformats.org/drawingml/2006/main" xmlns:r="http://schemas.openxmlformats.org/officeDocument/2006/relationships" xmlns:p="http://schemas.openxmlformats.org/presentationml/2006/main">
+  <p:cSld>
+    <p:spTree>
+      <p:nvGrpSpPr>
+        <p:cNvPr id="1" name=""/>
+        <p:cNvGrpSpPr/>
+        <p:nvPr/>
+      </p:nvGrpSpPr>
+      <p:grpSpPr>
+        <a:xfrm>
+          <a:off x="0" y="0"/>
+          <a:ext cx="0" cy="0"/>
+          <a:chOff x="0" y="0"/>
+          <a:chExt cx="0" cy="0"/>
+        </a:xfrm>
+      </p:grpSpPr>
+      <p:sp>
+        <p:nvSpPr>
+          <p:cNvPr id="2" name="矩形 1">
+            <a:extLst>
+              <a:ext uri="{FF2B5EF4-FFF2-40B4-BE49-F238E27FC236}">
+                <a16:creationId xmlns:a16="http://schemas.microsoft.com/office/drawing/2014/main" id="{44185AA8-829C-40F1-9226-778D4C254FB3}"/>
+              </a:ext>
+            </a:extLst>
+          </p:cNvPr>
+          <p:cNvSpPr/>
+          <p:nvPr/>
+        </p:nvSpPr>
+        <p:spPr>
+          <a:xfrm>
+            <a:off x="347351" y="264828"/>
+            <a:ext cx="1366977" cy="369332"/>
+          </a:xfrm>
+          <a:prstGeom prst="rect">
+            <a:avLst/>
+          </a:prstGeom>
+        </p:spPr>
+        <p:txBody>
+          <a:bodyPr wrap="none">
+            <a:spAutoFit/>
+          </a:bodyPr>
+          <a:lstStyle/>
+          <a:p>
+            <a:pPr lvl="0"/>
+            <a:r>
+              <a:rPr lang="en-US" altLang="zh-TW" dirty="0"/>
+              <a:t>Python</a:t>
+            </a:r>
+            <a:r>
+              <a:rPr lang="zh-TW" altLang="en-US" dirty="0"/>
+              <a:t> 基礎</a:t>
+            </a:r>
+          </a:p>
+        </p:txBody>
+      </p:sp>
+      <p:pic>
+        <p:nvPicPr>
+          <p:cNvPr id="3" name="圖片 2">
+            <a:extLst>
+              <a:ext uri="{FF2B5EF4-FFF2-40B4-BE49-F238E27FC236}">
+                <a16:creationId xmlns:a16="http://schemas.microsoft.com/office/drawing/2014/main" id="{1940835F-6B8A-4EE9-9787-D7BD7B015639}"/>
+              </a:ext>
+            </a:extLst>
+          </p:cNvPr>
+          <p:cNvPicPr>
+            <a:picLocks noChangeAspect="1"/>
+          </p:cNvPicPr>
+          <p:nvPr/>
+        </p:nvPicPr>
+        <p:blipFill>
+          <a:blip r:embed="rId2"/>
+          <a:stretch>
+            <a:fillRect/>
+          </a:stretch>
+        </p:blipFill>
+        <p:spPr>
+          <a:xfrm>
+            <a:off x="205482" y="870834"/>
+            <a:ext cx="10109772" cy="2657911"/>
+          </a:xfrm>
+          <a:prstGeom prst="rect">
+            <a:avLst/>
+          </a:prstGeom>
+        </p:spPr>
+      </p:pic>
+      <p:pic>
+        <p:nvPicPr>
+          <p:cNvPr id="5" name="圖片 4">
+            <a:extLst>
+              <a:ext uri="{FF2B5EF4-FFF2-40B4-BE49-F238E27FC236}">
+                <a16:creationId xmlns:a16="http://schemas.microsoft.com/office/drawing/2014/main" id="{E5F3C88B-5034-4D07-8714-1DED87063D81}"/>
+              </a:ext>
+            </a:extLst>
+          </p:cNvPr>
+          <p:cNvPicPr>
+            <a:picLocks noChangeAspect="1"/>
+          </p:cNvPicPr>
+          <p:nvPr/>
+        </p:nvPicPr>
+        <p:blipFill>
+          <a:blip r:embed="rId3"/>
+          <a:stretch>
+            <a:fillRect/>
+          </a:stretch>
+        </p:blipFill>
+        <p:spPr>
+          <a:xfrm>
+            <a:off x="421241" y="3528745"/>
+            <a:ext cx="9894013" cy="3170006"/>
+          </a:xfrm>
+          <a:prstGeom prst="rect">
+            <a:avLst/>
+          </a:prstGeom>
+        </p:spPr>
+      </p:pic>
+    </p:spTree>
+    <p:extLst>
+      <p:ext uri="{BB962C8B-B14F-4D97-AF65-F5344CB8AC3E}">
+        <p14:creationId xmlns:p14="http://schemas.microsoft.com/office/powerpoint/2010/main" val="2995514704"/>
+      </p:ext>
+    </p:extLst>
+  </p:cSld>
+  <p:clrMapOvr>
+    <a:masterClrMapping/>
+  </p:clrMapOvr>
+</p:sld>
+</file>
+
+<file path=ppt/slides/slide15.xml><?xml version="1.0" encoding="utf-8"?>
+<p:sld xmlns:a="http://schemas.openxmlformats.org/drawingml/2006/main" xmlns:r="http://schemas.openxmlformats.org/officeDocument/2006/relationships" xmlns:p="http://schemas.openxmlformats.org/presentationml/2006/main">
+  <p:cSld>
+    <p:spTree>
+      <p:nvGrpSpPr>
+        <p:cNvPr id="1" name=""/>
+        <p:cNvGrpSpPr/>
+        <p:nvPr/>
+      </p:nvGrpSpPr>
+      <p:grpSpPr>
+        <a:xfrm>
+          <a:off x="0" y="0"/>
+          <a:ext cx="0" cy="0"/>
+          <a:chOff x="0" y="0"/>
+          <a:chExt cx="0" cy="0"/>
+        </a:xfrm>
+      </p:grpSpPr>
+      <p:pic>
+        <p:nvPicPr>
+          <p:cNvPr id="3" name="圖片 2">
+            <a:extLst>
+              <a:ext uri="{FF2B5EF4-FFF2-40B4-BE49-F238E27FC236}">
+                <a16:creationId xmlns:a16="http://schemas.microsoft.com/office/drawing/2014/main" id="{F866922F-A42E-440E-8F7D-ADBDA224F6B5}"/>
+              </a:ext>
+            </a:extLst>
+          </p:cNvPr>
+          <p:cNvPicPr>
+            <a:picLocks noChangeAspect="1"/>
+          </p:cNvPicPr>
+          <p:nvPr/>
+        </p:nvPicPr>
+        <p:blipFill>
+          <a:blip r:embed="rId2"/>
+          <a:stretch>
+            <a:fillRect/>
+          </a:stretch>
+        </p:blipFill>
+        <p:spPr>
+          <a:xfrm>
+            <a:off x="1019175" y="947737"/>
+            <a:ext cx="10153650" cy="4962525"/>
+          </a:xfrm>
+          <a:prstGeom prst="rect">
+            <a:avLst/>
+          </a:prstGeom>
+        </p:spPr>
+      </p:pic>
+    </p:spTree>
+    <p:extLst>
+      <p:ext uri="{BB962C8B-B14F-4D97-AF65-F5344CB8AC3E}">
+        <p14:creationId xmlns:p14="http://schemas.microsoft.com/office/powerpoint/2010/main" val="381467390"/>
+      </p:ext>
+    </p:extLst>
+  </p:cSld>
+  <p:clrMapOvr>
+    <a:masterClrMapping/>
+  </p:clrMapOvr>
+</p:sld>
+</file>
+
+<file path=ppt/slides/slide16.xml><?xml version="1.0" encoding="utf-8"?>
+<p:sld xmlns:a="http://schemas.openxmlformats.org/drawingml/2006/main" xmlns:r="http://schemas.openxmlformats.org/officeDocument/2006/relationships" xmlns:p="http://schemas.openxmlformats.org/presentationml/2006/main">
+  <p:cSld>
+    <p:spTree>
+      <p:nvGrpSpPr>
+        <p:cNvPr id="1" name=""/>
+        <p:cNvGrpSpPr/>
+        <p:nvPr/>
+      </p:nvGrpSpPr>
+      <p:grpSpPr>
+        <a:xfrm>
+          <a:off x="0" y="0"/>
+          <a:ext cx="0" cy="0"/>
+          <a:chOff x="0" y="0"/>
+          <a:chExt cx="0" cy="0"/>
+        </a:xfrm>
+      </p:grpSpPr>
+      <p:sp>
+        <p:nvSpPr>
+          <p:cNvPr id="2" name="矩形 1">
+            <a:extLst>
+              <a:ext uri="{FF2B5EF4-FFF2-40B4-BE49-F238E27FC236}">
+                <a16:creationId xmlns:a16="http://schemas.microsoft.com/office/drawing/2014/main" id="{8B1C4BDD-67E1-408C-A701-2C4F41617EE3}"/>
+              </a:ext>
+            </a:extLst>
+          </p:cNvPr>
+          <p:cNvSpPr/>
+          <p:nvPr/>
+        </p:nvSpPr>
+        <p:spPr>
+          <a:xfrm>
+            <a:off x="388443" y="275103"/>
+            <a:ext cx="2170402" cy="369332"/>
+          </a:xfrm>
+          <a:prstGeom prst="rect">
+            <a:avLst/>
+          </a:prstGeom>
+        </p:spPr>
+        <p:txBody>
+          <a:bodyPr wrap="none">
+            <a:spAutoFit/>
+          </a:bodyPr>
+          <a:lstStyle/>
+          <a:p>
+            <a:pPr lvl="0"/>
+            <a:r>
+              <a:rPr lang="zh-TW" altLang="en-US" dirty="0"/>
+              <a:t>使用</a:t>
+            </a:r>
+            <a:r>
+              <a:rPr lang="en-US" altLang="zh-TW" dirty="0"/>
+              <a:t>Pandas </a:t>
+            </a:r>
+            <a:r>
+              <a:rPr lang="zh-TW" altLang="en-US" dirty="0"/>
+              <a:t>讀寫</a:t>
+            </a:r>
+            <a:r>
+              <a:rPr lang="en-US" altLang="zh-TW" dirty="0"/>
+              <a:t>csv</a:t>
+            </a:r>
+            <a:r>
+              <a:rPr lang="zh-TW" altLang="en-US" dirty="0"/>
+              <a:t> </a:t>
+            </a:r>
+          </a:p>
+        </p:txBody>
+      </p:sp>
+      <p:pic>
+        <p:nvPicPr>
+          <p:cNvPr id="4" name="圖片 3">
+            <a:extLst>
+              <a:ext uri="{FF2B5EF4-FFF2-40B4-BE49-F238E27FC236}">
+                <a16:creationId xmlns:a16="http://schemas.microsoft.com/office/drawing/2014/main" id="{EED6E572-B1CD-4DF7-BB96-B450036E58F0}"/>
+              </a:ext>
+            </a:extLst>
+          </p:cNvPr>
+          <p:cNvPicPr>
+            <a:picLocks noChangeAspect="1"/>
+          </p:cNvPicPr>
+          <p:nvPr/>
+        </p:nvPicPr>
+        <p:blipFill>
+          <a:blip r:embed="rId2"/>
+          <a:stretch>
+            <a:fillRect/>
+          </a:stretch>
+        </p:blipFill>
+        <p:spPr>
+          <a:xfrm>
+            <a:off x="0" y="841624"/>
+            <a:ext cx="12192000" cy="4768066"/>
+          </a:xfrm>
+          <a:prstGeom prst="rect">
+            <a:avLst/>
+          </a:prstGeom>
+        </p:spPr>
+      </p:pic>
+    </p:spTree>
+    <p:extLst>
+      <p:ext uri="{BB962C8B-B14F-4D97-AF65-F5344CB8AC3E}">
+        <p14:creationId xmlns:p14="http://schemas.microsoft.com/office/powerpoint/2010/main" val="2482292983"/>
+      </p:ext>
+    </p:extLst>
+  </p:cSld>
+  <p:clrMapOvr>
+    <a:masterClrMapping/>
+  </p:clrMapOvr>
+</p:sld>
+</file>
+
+<file path=ppt/slides/slide17.xml><?xml version="1.0" encoding="utf-8"?>
+<p:sld xmlns:a="http://schemas.openxmlformats.org/drawingml/2006/main" xmlns:r="http://schemas.openxmlformats.org/officeDocument/2006/relationships" xmlns:p="http://schemas.openxmlformats.org/presentationml/2006/main">
+  <p:cSld>
+    <p:spTree>
+      <p:nvGrpSpPr>
+        <p:cNvPr id="1" name=""/>
+        <p:cNvGrpSpPr/>
+        <p:nvPr/>
+      </p:nvGrpSpPr>
+      <p:grpSpPr>
+        <a:xfrm>
+          <a:off x="0" y="0"/>
+          <a:ext cx="0" cy="0"/>
+          <a:chOff x="0" y="0"/>
+          <a:chExt cx="0" cy="0"/>
+        </a:xfrm>
+      </p:grpSpPr>
+      <p:pic>
+        <p:nvPicPr>
+          <p:cNvPr id="2" name="圖片 1">
+            <a:extLst>
+              <a:ext uri="{FF2B5EF4-FFF2-40B4-BE49-F238E27FC236}">
+                <a16:creationId xmlns:a16="http://schemas.microsoft.com/office/drawing/2014/main" id="{A88C2D43-2BA3-4119-A4DA-6C2132629A2E}"/>
+              </a:ext>
+            </a:extLst>
+          </p:cNvPr>
+          <p:cNvPicPr>
+            <a:picLocks noChangeAspect="1"/>
+          </p:cNvPicPr>
+          <p:nvPr/>
+        </p:nvPicPr>
+        <p:blipFill>
+          <a:blip r:embed="rId2"/>
+          <a:stretch>
+            <a:fillRect/>
+          </a:stretch>
+        </p:blipFill>
+        <p:spPr>
+          <a:xfrm>
+            <a:off x="0" y="876642"/>
+            <a:ext cx="12192000" cy="4734845"/>
+          </a:xfrm>
+          <a:prstGeom prst="rect">
+            <a:avLst/>
+          </a:prstGeom>
+        </p:spPr>
+      </p:pic>
+    </p:spTree>
+    <p:extLst>
+      <p:ext uri="{BB962C8B-B14F-4D97-AF65-F5344CB8AC3E}">
+        <p14:creationId xmlns:p14="http://schemas.microsoft.com/office/powerpoint/2010/main" val="2857503378"/>
+      </p:ext>
+    </p:extLst>
+  </p:cSld>
+  <p:clrMapOvr>
+    <a:masterClrMapping/>
+  </p:clrMapOvr>
+</p:sld>
+</file>
+
+<file path=ppt/slides/slide18.xml><?xml version="1.0" encoding="utf-8"?>
+<p:sld xmlns:a="http://schemas.openxmlformats.org/drawingml/2006/main" xmlns:r="http://schemas.openxmlformats.org/officeDocument/2006/relationships" xmlns:p="http://schemas.openxmlformats.org/presentationml/2006/main">
+  <p:cSld>
+    <p:spTree>
+      <p:nvGrpSpPr>
+        <p:cNvPr id="1" name=""/>
+        <p:cNvGrpSpPr/>
+        <p:nvPr/>
+      </p:nvGrpSpPr>
+      <p:grpSpPr>
+        <a:xfrm>
+          <a:off x="0" y="0"/>
+          <a:ext cx="0" cy="0"/>
+          <a:chOff x="0" y="0"/>
+          <a:chExt cx="0" cy="0"/>
+        </a:xfrm>
+      </p:grpSpPr>
+      <p:sp>
+        <p:nvSpPr>
+          <p:cNvPr id="2" name="矩形 1">
+            <a:extLst>
+              <a:ext uri="{FF2B5EF4-FFF2-40B4-BE49-F238E27FC236}">
+                <a16:creationId xmlns:a16="http://schemas.microsoft.com/office/drawing/2014/main" id="{84225EED-4B4D-4A72-BEE4-38A2E10C7D83}"/>
+              </a:ext>
+            </a:extLst>
+          </p:cNvPr>
+          <p:cNvSpPr/>
+          <p:nvPr/>
+        </p:nvSpPr>
+        <p:spPr>
+          <a:xfrm>
+            <a:off x="321511" y="398393"/>
+            <a:ext cx="3226909" cy="369332"/>
+          </a:xfrm>
+          <a:prstGeom prst="rect">
+            <a:avLst/>
+          </a:prstGeom>
+        </p:spPr>
+        <p:txBody>
+          <a:bodyPr wrap="none">
+            <a:spAutoFit/>
+          </a:bodyPr>
+          <a:lstStyle/>
+          <a:p>
+            <a:r>
+              <a:rPr lang="en-US" altLang="zh-TW" dirty="0"/>
+              <a:t>Python </a:t>
+            </a:r>
+            <a:r>
+              <a:rPr lang="zh-TW" altLang="en-US" dirty="0"/>
+              <a:t>數據處理庫</a:t>
+            </a:r>
+            <a:r>
+              <a:rPr lang="en-US" altLang="zh-TW" dirty="0" err="1"/>
+              <a:t>numpy</a:t>
+            </a:r>
+            <a:r>
+              <a:rPr lang="zh-TW" altLang="en-US" dirty="0"/>
+              <a:t>基礎 </a:t>
+            </a:r>
+          </a:p>
+        </p:txBody>
+      </p:sp>
+      <p:sp>
+        <p:nvSpPr>
+          <p:cNvPr id="3" name="矩形 2">
+            <a:extLst>
+              <a:ext uri="{FF2B5EF4-FFF2-40B4-BE49-F238E27FC236}">
+                <a16:creationId xmlns:a16="http://schemas.microsoft.com/office/drawing/2014/main" id="{87B2D638-9698-4E0D-BC15-4818A7E41231}"/>
+              </a:ext>
+            </a:extLst>
+          </p:cNvPr>
+          <p:cNvSpPr/>
+          <p:nvPr/>
+        </p:nvSpPr>
+        <p:spPr>
+          <a:xfrm>
+            <a:off x="3630029" y="2001161"/>
+            <a:ext cx="4363265" cy="2554545"/>
+          </a:xfrm>
+          <a:prstGeom prst="rect">
+            <a:avLst/>
+          </a:prstGeom>
+        </p:spPr>
+        <p:txBody>
+          <a:bodyPr wrap="square">
+            <a:spAutoFit/>
+          </a:bodyPr>
+          <a:lstStyle/>
+          <a:p>
+            <a:pPr marL="342900" indent="-342900">
+              <a:buAutoNum type="arabicPeriod"/>
+            </a:pPr>
+            <a:r>
+              <a:rPr lang="zh-TW" altLang="en-US" sz="3200" dirty="0"/>
+              <a:t> 什麼是</a:t>
+            </a:r>
+            <a:r>
+              <a:rPr lang="en-US" altLang="zh-TW" sz="3200" dirty="0" err="1"/>
+              <a:t>Numpy</a:t>
+            </a:r>
+            <a:endParaRPr lang="en-US" altLang="zh-TW" sz="3200" dirty="0"/>
+          </a:p>
+          <a:p>
+            <a:endParaRPr lang="en-US" altLang="zh-TW" sz="3200" dirty="0"/>
+          </a:p>
+          <a:p>
+            <a:r>
+              <a:rPr lang="en-US" altLang="zh-TW" sz="3200" dirty="0"/>
+              <a:t>2. NumPy </a:t>
+            </a:r>
+            <a:r>
+              <a:rPr lang="zh-TW" altLang="en-US" sz="3200" dirty="0"/>
+              <a:t>概述 </a:t>
+            </a:r>
+            <a:endParaRPr lang="en-US" altLang="zh-TW" sz="3200" dirty="0"/>
+          </a:p>
+          <a:p>
+            <a:pPr marL="342900" indent="-342900">
+              <a:buAutoNum type="arabicPeriod"/>
+            </a:pPr>
+            <a:endParaRPr lang="en-US" altLang="zh-TW" sz="3200" dirty="0"/>
+          </a:p>
+          <a:p>
+            <a:r>
+              <a:rPr lang="en-US" altLang="zh-TW" sz="3200" dirty="0"/>
+              <a:t>3. </a:t>
+            </a:r>
+            <a:r>
+              <a:rPr lang="zh-TW" altLang="en-US" sz="3200" dirty="0"/>
+              <a:t>數學運算符 </a:t>
+            </a:r>
+          </a:p>
+        </p:txBody>
+      </p:sp>
+    </p:spTree>
+    <p:extLst>
+      <p:ext uri="{BB962C8B-B14F-4D97-AF65-F5344CB8AC3E}">
+        <p14:creationId xmlns:p14="http://schemas.microsoft.com/office/powerpoint/2010/main" val="1934647614"/>
+      </p:ext>
+    </p:extLst>
+  </p:cSld>
+  <p:clrMapOvr>
+    <a:masterClrMapping/>
+  </p:clrMapOvr>
+</p:sld>
+</file>
+
+<file path=ppt/slides/slide19.xml><?xml version="1.0" encoding="utf-8"?>
+<p:sld xmlns:a="http://schemas.openxmlformats.org/drawingml/2006/main" xmlns:r="http://schemas.openxmlformats.org/officeDocument/2006/relationships" xmlns:p="http://schemas.openxmlformats.org/presentationml/2006/main">
+  <p:cSld>
+    <p:spTree>
+      <p:nvGrpSpPr>
+        <p:cNvPr id="1" name=""/>
+        <p:cNvGrpSpPr/>
+        <p:nvPr/>
+      </p:nvGrpSpPr>
+      <p:grpSpPr>
+        <a:xfrm>
+          <a:off x="0" y="0"/>
+          <a:ext cx="0" cy="0"/>
+          <a:chOff x="0" y="0"/>
+          <a:chExt cx="0" cy="0"/>
+        </a:xfrm>
+      </p:grpSpPr>
+      <p:pic>
+        <p:nvPicPr>
+          <p:cNvPr id="2" name="圖片 1">
+            <a:extLst>
+              <a:ext uri="{FF2B5EF4-FFF2-40B4-BE49-F238E27FC236}">
+                <a16:creationId xmlns:a16="http://schemas.microsoft.com/office/drawing/2014/main" id="{566EC427-B4F0-4D78-8DF9-C99CF04E96D3}"/>
+              </a:ext>
+            </a:extLst>
+          </p:cNvPr>
+          <p:cNvPicPr>
+            <a:picLocks noChangeAspect="1"/>
+          </p:cNvPicPr>
+          <p:nvPr/>
+        </p:nvPicPr>
+        <p:blipFill>
+          <a:blip r:embed="rId2"/>
+          <a:stretch>
+            <a:fillRect/>
+          </a:stretch>
+        </p:blipFill>
+        <p:spPr>
+          <a:xfrm>
+            <a:off x="290512" y="1170398"/>
+            <a:ext cx="11610975" cy="3962400"/>
+          </a:xfrm>
+          <a:prstGeom prst="rect">
+            <a:avLst/>
+          </a:prstGeom>
+        </p:spPr>
+      </p:pic>
+    </p:spTree>
+    <p:extLst>
+      <p:ext uri="{BB962C8B-B14F-4D97-AF65-F5344CB8AC3E}">
+        <p14:creationId xmlns:p14="http://schemas.microsoft.com/office/powerpoint/2010/main" val="133718315"/>
       </p:ext>
     </p:extLst>
   </p:cSld>
@@ -3382,10 +6989,2194 @@
           <a:chExt cx="0" cy="0"/>
         </a:xfrm>
       </p:grpSpPr>
+      <p:sp>
+        <p:nvSpPr>
+          <p:cNvPr id="2" name="矩形 1">
+            <a:extLst>
+              <a:ext uri="{FF2B5EF4-FFF2-40B4-BE49-F238E27FC236}">
+                <a16:creationId xmlns:a16="http://schemas.microsoft.com/office/drawing/2014/main" id="{06CF1B6D-95D3-4509-BDD4-D1745CC44261}"/>
+              </a:ext>
+            </a:extLst>
+          </p:cNvPr>
+          <p:cNvSpPr/>
+          <p:nvPr/>
+        </p:nvSpPr>
+        <p:spPr>
+          <a:xfrm>
+            <a:off x="3208132" y="2155273"/>
+            <a:ext cx="4768870" cy="369332"/>
+          </a:xfrm>
+          <a:prstGeom prst="rect">
+            <a:avLst/>
+          </a:prstGeom>
+        </p:spPr>
+        <p:txBody>
+          <a:bodyPr wrap="none">
+            <a:spAutoFit/>
+          </a:bodyPr>
+          <a:lstStyle/>
+          <a:p>
+            <a:r>
+              <a:rPr lang="zh-TW" altLang="en-US" dirty="0"/>
+              <a:t>https://www.w3schools.com/python/default.asp</a:t>
+            </a:r>
+          </a:p>
+        </p:txBody>
+      </p:sp>
+    </p:spTree>
+    <p:extLst>
+      <p:ext uri="{BB962C8B-B14F-4D97-AF65-F5344CB8AC3E}">
+        <p14:creationId xmlns:p14="http://schemas.microsoft.com/office/powerpoint/2010/main" val="203806243"/>
+      </p:ext>
+    </p:extLst>
+  </p:cSld>
+  <p:clrMapOvr>
+    <a:masterClrMapping/>
+  </p:clrMapOvr>
+</p:sld>
+</file>
+
+<file path=ppt/slides/slide20.xml><?xml version="1.0" encoding="utf-8"?>
+<p:sld xmlns:a="http://schemas.openxmlformats.org/drawingml/2006/main" xmlns:r="http://schemas.openxmlformats.org/officeDocument/2006/relationships" xmlns:p="http://schemas.openxmlformats.org/presentationml/2006/main">
+  <p:cSld>
+    <p:spTree>
+      <p:nvGrpSpPr>
+        <p:cNvPr id="1" name=""/>
+        <p:cNvGrpSpPr/>
+        <p:nvPr/>
+      </p:nvGrpSpPr>
+      <p:grpSpPr>
+        <a:xfrm>
+          <a:off x="0" y="0"/>
+          <a:ext cx="0" cy="0"/>
+          <a:chOff x="0" y="0"/>
+          <a:chExt cx="0" cy="0"/>
+        </a:xfrm>
+      </p:grpSpPr>
+      <p:pic>
+        <p:nvPicPr>
+          <p:cNvPr id="2" name="圖片 1">
+            <a:extLst>
+              <a:ext uri="{FF2B5EF4-FFF2-40B4-BE49-F238E27FC236}">
+                <a16:creationId xmlns:a16="http://schemas.microsoft.com/office/drawing/2014/main" id="{39DCD023-1F9B-4732-BBB0-6002A594802A}"/>
+              </a:ext>
+            </a:extLst>
+          </p:cNvPr>
+          <p:cNvPicPr>
+            <a:picLocks noChangeAspect="1"/>
+          </p:cNvPicPr>
+          <p:nvPr/>
+        </p:nvPicPr>
+        <p:blipFill>
+          <a:blip r:embed="rId2"/>
+          <a:stretch>
+            <a:fillRect/>
+          </a:stretch>
+        </p:blipFill>
+        <p:spPr>
+          <a:xfrm>
+            <a:off x="0" y="1172963"/>
+            <a:ext cx="12192000" cy="4512074"/>
+          </a:xfrm>
+          <a:prstGeom prst="rect">
+            <a:avLst/>
+          </a:prstGeom>
+        </p:spPr>
+      </p:pic>
+    </p:spTree>
+    <p:extLst>
+      <p:ext uri="{BB962C8B-B14F-4D97-AF65-F5344CB8AC3E}">
+        <p14:creationId xmlns:p14="http://schemas.microsoft.com/office/powerpoint/2010/main" val="3381531997"/>
+      </p:ext>
+    </p:extLst>
+  </p:cSld>
+  <p:clrMapOvr>
+    <a:masterClrMapping/>
+  </p:clrMapOvr>
+</p:sld>
+</file>
+
+<file path=ppt/slides/slide21.xml><?xml version="1.0" encoding="utf-8"?>
+<p:sld xmlns:a="http://schemas.openxmlformats.org/drawingml/2006/main" xmlns:r="http://schemas.openxmlformats.org/officeDocument/2006/relationships" xmlns:p="http://schemas.openxmlformats.org/presentationml/2006/main">
+  <p:cSld>
+    <p:spTree>
+      <p:nvGrpSpPr>
+        <p:cNvPr id="1" name=""/>
+        <p:cNvGrpSpPr/>
+        <p:nvPr/>
+      </p:nvGrpSpPr>
+      <p:grpSpPr>
+        <a:xfrm>
+          <a:off x="0" y="0"/>
+          <a:ext cx="0" cy="0"/>
+          <a:chOff x="0" y="0"/>
+          <a:chExt cx="0" cy="0"/>
+        </a:xfrm>
+      </p:grpSpPr>
+      <p:pic>
+        <p:nvPicPr>
+          <p:cNvPr id="2" name="圖片 1">
+            <a:extLst>
+              <a:ext uri="{FF2B5EF4-FFF2-40B4-BE49-F238E27FC236}">
+                <a16:creationId xmlns:a16="http://schemas.microsoft.com/office/drawing/2014/main" id="{9FF2DDB8-4A73-44A0-8622-FE3166341005}"/>
+              </a:ext>
+            </a:extLst>
+          </p:cNvPr>
+          <p:cNvPicPr>
+            <a:picLocks noChangeAspect="1"/>
+          </p:cNvPicPr>
+          <p:nvPr/>
+        </p:nvPicPr>
+        <p:blipFill rotWithShape="1">
+          <a:blip r:embed="rId2"/>
+          <a:srcRect t="3666"/>
+          <a:stretch/>
+        </p:blipFill>
+        <p:spPr>
+          <a:xfrm>
+            <a:off x="133564" y="1202076"/>
+            <a:ext cx="12192000" cy="3241562"/>
+          </a:xfrm>
+          <a:prstGeom prst="rect">
+            <a:avLst/>
+          </a:prstGeom>
+        </p:spPr>
+      </p:pic>
+    </p:spTree>
+    <p:extLst>
+      <p:ext uri="{BB962C8B-B14F-4D97-AF65-F5344CB8AC3E}">
+        <p14:creationId xmlns:p14="http://schemas.microsoft.com/office/powerpoint/2010/main" val="3276471759"/>
+      </p:ext>
+    </p:extLst>
+  </p:cSld>
+  <p:clrMapOvr>
+    <a:masterClrMapping/>
+  </p:clrMapOvr>
+</p:sld>
+</file>
+
+<file path=ppt/slides/slide22.xml><?xml version="1.0" encoding="utf-8"?>
+<p:sld xmlns:a="http://schemas.openxmlformats.org/drawingml/2006/main" xmlns:r="http://schemas.openxmlformats.org/officeDocument/2006/relationships" xmlns:p="http://schemas.openxmlformats.org/presentationml/2006/main">
+  <p:cSld>
+    <p:spTree>
+      <p:nvGrpSpPr>
+        <p:cNvPr id="1" name=""/>
+        <p:cNvGrpSpPr/>
+        <p:nvPr/>
+      </p:nvGrpSpPr>
+      <p:grpSpPr>
+        <a:xfrm>
+          <a:off x="0" y="0"/>
+          <a:ext cx="0" cy="0"/>
+          <a:chOff x="0" y="0"/>
+          <a:chExt cx="0" cy="0"/>
+        </a:xfrm>
+      </p:grpSpPr>
+      <p:pic>
+        <p:nvPicPr>
+          <p:cNvPr id="2" name="圖片 1">
+            <a:extLst>
+              <a:ext uri="{FF2B5EF4-FFF2-40B4-BE49-F238E27FC236}">
+                <a16:creationId xmlns:a16="http://schemas.microsoft.com/office/drawing/2014/main" id="{BBBEB2F9-468A-48CB-B0D7-BA60E4F4AAAF}"/>
+              </a:ext>
+            </a:extLst>
+          </p:cNvPr>
+          <p:cNvPicPr>
+            <a:picLocks noChangeAspect="1"/>
+          </p:cNvPicPr>
+          <p:nvPr/>
+        </p:nvPicPr>
+        <p:blipFill>
+          <a:blip r:embed="rId2"/>
+          <a:stretch>
+            <a:fillRect/>
+          </a:stretch>
+        </p:blipFill>
+        <p:spPr>
+          <a:xfrm>
+            <a:off x="285750" y="442912"/>
+            <a:ext cx="11620500" cy="5972175"/>
+          </a:xfrm>
+          <a:prstGeom prst="rect">
+            <a:avLst/>
+          </a:prstGeom>
+        </p:spPr>
+      </p:pic>
+    </p:spTree>
+    <p:extLst>
+      <p:ext uri="{BB962C8B-B14F-4D97-AF65-F5344CB8AC3E}">
+        <p14:creationId xmlns:p14="http://schemas.microsoft.com/office/powerpoint/2010/main" val="999953814"/>
+      </p:ext>
+    </p:extLst>
+  </p:cSld>
+  <p:clrMapOvr>
+    <a:masterClrMapping/>
+  </p:clrMapOvr>
+</p:sld>
+</file>
+
+<file path=ppt/slides/slide23.xml><?xml version="1.0" encoding="utf-8"?>
+<p:sld xmlns:a="http://schemas.openxmlformats.org/drawingml/2006/main" xmlns:r="http://schemas.openxmlformats.org/officeDocument/2006/relationships" xmlns:p="http://schemas.openxmlformats.org/presentationml/2006/main">
+  <p:cSld>
+    <p:spTree>
+      <p:nvGrpSpPr>
+        <p:cNvPr id="1" name=""/>
+        <p:cNvGrpSpPr/>
+        <p:nvPr/>
+      </p:nvGrpSpPr>
+      <p:grpSpPr>
+        <a:xfrm>
+          <a:off x="0" y="0"/>
+          <a:ext cx="0" cy="0"/>
+          <a:chOff x="0" y="0"/>
+          <a:chExt cx="0" cy="0"/>
+        </a:xfrm>
+      </p:grpSpPr>
+      <p:pic>
+        <p:nvPicPr>
+          <p:cNvPr id="2" name="圖片 1">
+            <a:extLst>
+              <a:ext uri="{FF2B5EF4-FFF2-40B4-BE49-F238E27FC236}">
+                <a16:creationId xmlns:a16="http://schemas.microsoft.com/office/drawing/2014/main" id="{0216F166-8710-40A2-A635-08343E00D6CF}"/>
+              </a:ext>
+            </a:extLst>
+          </p:cNvPr>
+          <p:cNvPicPr>
+            <a:picLocks noChangeAspect="1"/>
+          </p:cNvPicPr>
+          <p:nvPr/>
+        </p:nvPicPr>
+        <p:blipFill>
+          <a:blip r:embed="rId2"/>
+          <a:stretch>
+            <a:fillRect/>
+          </a:stretch>
+        </p:blipFill>
+        <p:spPr>
+          <a:xfrm>
+            <a:off x="185737" y="342900"/>
+            <a:ext cx="11820525" cy="6172200"/>
+          </a:xfrm>
+          <a:prstGeom prst="rect">
+            <a:avLst/>
+          </a:prstGeom>
+        </p:spPr>
+      </p:pic>
+    </p:spTree>
+    <p:extLst>
+      <p:ext uri="{BB962C8B-B14F-4D97-AF65-F5344CB8AC3E}">
+        <p14:creationId xmlns:p14="http://schemas.microsoft.com/office/powerpoint/2010/main" val="3484737898"/>
+      </p:ext>
+    </p:extLst>
+  </p:cSld>
+  <p:clrMapOvr>
+    <a:masterClrMapping/>
+  </p:clrMapOvr>
+</p:sld>
+</file>
+
+<file path=ppt/slides/slide24.xml><?xml version="1.0" encoding="utf-8"?>
+<p:sld xmlns:a="http://schemas.openxmlformats.org/drawingml/2006/main" xmlns:r="http://schemas.openxmlformats.org/officeDocument/2006/relationships" xmlns:p="http://schemas.openxmlformats.org/presentationml/2006/main">
+  <p:cSld>
+    <p:spTree>
+      <p:nvGrpSpPr>
+        <p:cNvPr id="1" name=""/>
+        <p:cNvGrpSpPr/>
+        <p:nvPr/>
+      </p:nvGrpSpPr>
+      <p:grpSpPr>
+        <a:xfrm>
+          <a:off x="0" y="0"/>
+          <a:ext cx="0" cy="0"/>
+          <a:chOff x="0" y="0"/>
+          <a:chExt cx="0" cy="0"/>
+        </a:xfrm>
+      </p:grpSpPr>
+      <p:pic>
+        <p:nvPicPr>
+          <p:cNvPr id="2" name="圖片 1">
+            <a:extLst>
+              <a:ext uri="{FF2B5EF4-FFF2-40B4-BE49-F238E27FC236}">
+                <a16:creationId xmlns:a16="http://schemas.microsoft.com/office/drawing/2014/main" id="{133AC72F-BA3B-4E95-BF0E-BC64AF730D70}"/>
+              </a:ext>
+            </a:extLst>
+          </p:cNvPr>
+          <p:cNvPicPr>
+            <a:picLocks noChangeAspect="1"/>
+          </p:cNvPicPr>
+          <p:nvPr/>
+        </p:nvPicPr>
+        <p:blipFill>
+          <a:blip r:embed="rId2"/>
+          <a:stretch>
+            <a:fillRect/>
+          </a:stretch>
+        </p:blipFill>
+        <p:spPr>
+          <a:xfrm>
+            <a:off x="23812" y="428625"/>
+            <a:ext cx="12144375" cy="6000750"/>
+          </a:xfrm>
+          <a:prstGeom prst="rect">
+            <a:avLst/>
+          </a:prstGeom>
+        </p:spPr>
+      </p:pic>
+    </p:spTree>
+    <p:extLst>
+      <p:ext uri="{BB962C8B-B14F-4D97-AF65-F5344CB8AC3E}">
+        <p14:creationId xmlns:p14="http://schemas.microsoft.com/office/powerpoint/2010/main" val="252484289"/>
+      </p:ext>
+    </p:extLst>
+  </p:cSld>
+  <p:clrMapOvr>
+    <a:masterClrMapping/>
+  </p:clrMapOvr>
+</p:sld>
+</file>
+
+<file path=ppt/slides/slide25.xml><?xml version="1.0" encoding="utf-8"?>
+<p:sld xmlns:a="http://schemas.openxmlformats.org/drawingml/2006/main" xmlns:r="http://schemas.openxmlformats.org/officeDocument/2006/relationships" xmlns:p="http://schemas.openxmlformats.org/presentationml/2006/main">
+  <p:cSld>
+    <p:spTree>
+      <p:nvGrpSpPr>
+        <p:cNvPr id="1" name=""/>
+        <p:cNvGrpSpPr/>
+        <p:nvPr/>
+      </p:nvGrpSpPr>
+      <p:grpSpPr>
+        <a:xfrm>
+          <a:off x="0" y="0"/>
+          <a:ext cx="0" cy="0"/>
+          <a:chOff x="0" y="0"/>
+          <a:chExt cx="0" cy="0"/>
+        </a:xfrm>
+      </p:grpSpPr>
+      <p:pic>
+        <p:nvPicPr>
+          <p:cNvPr id="3" name="圖片 2" descr="一張含有 螢幕擷取畫面, 文字, 軟體, 多媒體軟體 的圖片&#10;&#10;自動產生的描述">
+            <a:extLst>
+              <a:ext uri="{FF2B5EF4-FFF2-40B4-BE49-F238E27FC236}">
+                <a16:creationId xmlns:a16="http://schemas.microsoft.com/office/drawing/2014/main" id="{9F6EEA6F-06BD-4213-A12F-018796BBAD3E}"/>
+              </a:ext>
+            </a:extLst>
+          </p:cNvPr>
+          <p:cNvPicPr>
+            <a:picLocks noChangeAspect="1"/>
+          </p:cNvPicPr>
+          <p:nvPr/>
+        </p:nvPicPr>
+        <p:blipFill rotWithShape="1">
+          <a:blip r:embed="rId2">
+            <a:extLst>
+              <a:ext uri="{28A0092B-C50C-407E-A947-70E740481C1C}">
+                <a14:useLocalDpi xmlns:a14="http://schemas.microsoft.com/office/drawing/2010/main" val="0"/>
+              </a:ext>
+            </a:extLst>
+          </a:blip>
+          <a:srcRect l="50000" b="4981"/>
+          <a:stretch/>
+        </p:blipFill>
+        <p:spPr>
+          <a:xfrm>
+            <a:off x="741275" y="772488"/>
+            <a:ext cx="10709450" cy="5723990"/>
+          </a:xfrm>
+          <a:prstGeom prst="rect">
+            <a:avLst/>
+          </a:prstGeom>
+        </p:spPr>
+      </p:pic>
     </p:spTree>
     <p:extLst>
       <p:ext uri="{BB962C8B-B14F-4D97-AF65-F5344CB8AC3E}">
         <p14:creationId xmlns:p14="http://schemas.microsoft.com/office/powerpoint/2010/main" val="818418401"/>
+      </p:ext>
+    </p:extLst>
+  </p:cSld>
+  <p:clrMapOvr>
+    <a:masterClrMapping/>
+  </p:clrMapOvr>
+</p:sld>
+</file>
+
+<file path=ppt/slides/slide26.xml><?xml version="1.0" encoding="utf-8"?>
+<p:sld xmlns:a="http://schemas.openxmlformats.org/drawingml/2006/main" xmlns:r="http://schemas.openxmlformats.org/officeDocument/2006/relationships" xmlns:p="http://schemas.openxmlformats.org/presentationml/2006/main">
+  <p:cSld>
+    <p:spTree>
+      <p:nvGrpSpPr>
+        <p:cNvPr id="1" name=""/>
+        <p:cNvGrpSpPr/>
+        <p:nvPr/>
+      </p:nvGrpSpPr>
+      <p:grpSpPr>
+        <a:xfrm>
+          <a:off x="0" y="0"/>
+          <a:ext cx="0" cy="0"/>
+          <a:chOff x="0" y="0"/>
+          <a:chExt cx="0" cy="0"/>
+        </a:xfrm>
+      </p:grpSpPr>
+      <p:pic>
+        <p:nvPicPr>
+          <p:cNvPr id="3" name="圖片 2" descr="一張含有 文字, 螢幕擷取畫面, 軟體, 多媒體軟體 的圖片&#10;&#10;自動產生的描述">
+            <a:extLst>
+              <a:ext uri="{FF2B5EF4-FFF2-40B4-BE49-F238E27FC236}">
+                <a16:creationId xmlns:a16="http://schemas.microsoft.com/office/drawing/2014/main" id="{C01A1A46-CDB1-46C3-98B3-3D4A2F4A5FB1}"/>
+              </a:ext>
+            </a:extLst>
+          </p:cNvPr>
+          <p:cNvPicPr>
+            <a:picLocks noChangeAspect="1"/>
+          </p:cNvPicPr>
+          <p:nvPr/>
+        </p:nvPicPr>
+        <p:blipFill rotWithShape="1">
+          <a:blip r:embed="rId2">
+            <a:extLst>
+              <a:ext uri="{28A0092B-C50C-407E-A947-70E740481C1C}">
+                <a14:useLocalDpi xmlns:a14="http://schemas.microsoft.com/office/drawing/2010/main" val="0"/>
+              </a:ext>
+            </a:extLst>
+          </a:blip>
+          <a:srcRect l="50899" t="16517" b="6179"/>
+          <a:stretch/>
+        </p:blipFill>
+        <p:spPr>
+          <a:xfrm>
+            <a:off x="109592" y="1633590"/>
+            <a:ext cx="11299926" cy="5003515"/>
+          </a:xfrm>
+          <a:prstGeom prst="rect">
+            <a:avLst/>
+          </a:prstGeom>
+        </p:spPr>
+      </p:pic>
+      <p:sp>
+        <p:nvSpPr>
+          <p:cNvPr id="5" name="文字方塊 4">
+            <a:extLst>
+              <a:ext uri="{FF2B5EF4-FFF2-40B4-BE49-F238E27FC236}">
+                <a16:creationId xmlns:a16="http://schemas.microsoft.com/office/drawing/2014/main" id="{298B81DB-1B04-4BB6-9A5C-4E91D51379B3}"/>
+              </a:ext>
+            </a:extLst>
+          </p:cNvPr>
+          <p:cNvSpPr txBox="1"/>
+          <p:nvPr/>
+        </p:nvSpPr>
+        <p:spPr>
+          <a:xfrm>
+            <a:off x="4012948" y="1705510"/>
+            <a:ext cx="3493213" cy="369332"/>
+          </a:xfrm>
+          <a:prstGeom prst="rect">
+            <a:avLst/>
+          </a:prstGeom>
+          <a:noFill/>
+        </p:spPr>
+        <p:txBody>
+          <a:bodyPr wrap="square" rtlCol="0">
+            <a:spAutoFit/>
+          </a:bodyPr>
+          <a:lstStyle/>
+          <a:p>
+            <a:r>
+              <a:rPr lang="zh-TW" altLang="en-US" dirty="0">
+                <a:latin typeface="Microsoft YaHei" panose="020B0503020204020204" pitchFamily="34" charset="-122"/>
+                <a:ea typeface="Microsoft YaHei" panose="020B0503020204020204" pitchFamily="34" charset="-122"/>
+              </a:rPr>
+              <a:t>每月最高用電量在幾點的分布圖</a:t>
+            </a:r>
+            <a:endParaRPr lang="en-US" altLang="zh-TW" dirty="0">
+              <a:latin typeface="Microsoft YaHei" panose="020B0503020204020204" pitchFamily="34" charset="-122"/>
+              <a:ea typeface="Microsoft YaHei" panose="020B0503020204020204" pitchFamily="34" charset="-122"/>
+            </a:endParaRPr>
+          </a:p>
+        </p:txBody>
+      </p:sp>
+    </p:spTree>
+    <p:extLst>
+      <p:ext uri="{BB962C8B-B14F-4D97-AF65-F5344CB8AC3E}">
+        <p14:creationId xmlns:p14="http://schemas.microsoft.com/office/powerpoint/2010/main" val="229526147"/>
+      </p:ext>
+    </p:extLst>
+  </p:cSld>
+  <p:clrMapOvr>
+    <a:masterClrMapping/>
+  </p:clrMapOvr>
+</p:sld>
+</file>
+
+<file path=ppt/slides/slide27.xml><?xml version="1.0" encoding="utf-8"?>
+<p:sld xmlns:a="http://schemas.openxmlformats.org/drawingml/2006/main" xmlns:r="http://schemas.openxmlformats.org/officeDocument/2006/relationships" xmlns:p="http://schemas.openxmlformats.org/presentationml/2006/main">
+  <p:cSld>
+    <p:spTree>
+      <p:nvGrpSpPr>
+        <p:cNvPr id="1" name=""/>
+        <p:cNvGrpSpPr/>
+        <p:nvPr/>
+      </p:nvGrpSpPr>
+      <p:grpSpPr>
+        <a:xfrm>
+          <a:off x="0" y="0"/>
+          <a:ext cx="0" cy="0"/>
+          <a:chOff x="0" y="0"/>
+          <a:chExt cx="0" cy="0"/>
+        </a:xfrm>
+      </p:grpSpPr>
+      <p:sp>
+        <p:nvSpPr>
+          <p:cNvPr id="2" name="文字方塊 1">
+            <a:extLst>
+              <a:ext uri="{FF2B5EF4-FFF2-40B4-BE49-F238E27FC236}">
+                <a16:creationId xmlns:a16="http://schemas.microsoft.com/office/drawing/2014/main" id="{B043C254-4FBA-4497-A765-83A80384D345}"/>
+              </a:ext>
+            </a:extLst>
+          </p:cNvPr>
+          <p:cNvSpPr txBox="1"/>
+          <p:nvPr/>
+        </p:nvSpPr>
+        <p:spPr>
+          <a:xfrm>
+            <a:off x="2628472" y="770562"/>
+            <a:ext cx="6155933" cy="3816429"/>
+          </a:xfrm>
+          <a:prstGeom prst="rect">
+            <a:avLst/>
+          </a:prstGeom>
+          <a:noFill/>
+        </p:spPr>
+        <p:txBody>
+          <a:bodyPr wrap="square" rtlCol="0">
+            <a:spAutoFit/>
+          </a:bodyPr>
+          <a:lstStyle/>
+          <a:p>
+            <a:r>
+              <a:rPr lang="zh-TW" altLang="en-US" sz="3200" dirty="0"/>
+              <a:t>讀寫資料套件</a:t>
+            </a:r>
+            <a:endParaRPr lang="en-US" altLang="zh-TW" sz="3200" dirty="0"/>
+          </a:p>
+          <a:p>
+            <a:r>
+              <a:rPr lang="en-US" altLang="zh-TW" sz="3200" dirty="0"/>
+              <a:t>Pandas</a:t>
+            </a:r>
+          </a:p>
+          <a:p>
+            <a:r>
+              <a:rPr lang="en-US" altLang="zh-TW" sz="3200" dirty="0" err="1"/>
+              <a:t>Numpy</a:t>
+            </a:r>
+            <a:endParaRPr lang="en-US" altLang="zh-TW" sz="3200" dirty="0"/>
+          </a:p>
+          <a:p>
+            <a:endParaRPr lang="en-US" altLang="zh-TW" sz="3200" dirty="0"/>
+          </a:p>
+          <a:p>
+            <a:r>
+              <a:rPr lang="zh-TW" altLang="en-US" sz="3200" dirty="0"/>
+              <a:t>畫圖套件</a:t>
+            </a:r>
+            <a:endParaRPr lang="en-US" altLang="zh-TW" sz="3200" dirty="0"/>
+          </a:p>
+          <a:p>
+            <a:r>
+              <a:rPr lang="en-US" altLang="zh-TW" sz="3200" dirty="0"/>
+              <a:t>Matplotlib</a:t>
+            </a:r>
+          </a:p>
+          <a:p>
+            <a:r>
+              <a:rPr lang="en-US" altLang="zh-TW" sz="3200" dirty="0" err="1"/>
+              <a:t>Plotly</a:t>
+            </a:r>
+            <a:endParaRPr lang="en-US" altLang="zh-TW" sz="3200" dirty="0"/>
+          </a:p>
+          <a:p>
+            <a:endParaRPr lang="en-US" altLang="zh-TW" dirty="0"/>
+          </a:p>
+        </p:txBody>
+      </p:sp>
+    </p:spTree>
+    <p:extLst>
+      <p:ext uri="{BB962C8B-B14F-4D97-AF65-F5344CB8AC3E}">
+        <p14:creationId xmlns:p14="http://schemas.microsoft.com/office/powerpoint/2010/main" val="3082721767"/>
+      </p:ext>
+    </p:extLst>
+  </p:cSld>
+  <p:clrMapOvr>
+    <a:masterClrMapping/>
+  </p:clrMapOvr>
+</p:sld>
+</file>
+
+<file path=ppt/slides/slide28.xml><?xml version="1.0" encoding="utf-8"?>
+<p:sld xmlns:a="http://schemas.openxmlformats.org/drawingml/2006/main" xmlns:r="http://schemas.openxmlformats.org/officeDocument/2006/relationships" xmlns:p="http://schemas.openxmlformats.org/presentationml/2006/main">
+  <p:cSld>
+    <p:spTree>
+      <p:nvGrpSpPr>
+        <p:cNvPr id="1" name=""/>
+        <p:cNvGrpSpPr/>
+        <p:nvPr/>
+      </p:nvGrpSpPr>
+      <p:grpSpPr>
+        <a:xfrm>
+          <a:off x="0" y="0"/>
+          <a:ext cx="0" cy="0"/>
+          <a:chOff x="0" y="0"/>
+          <a:chExt cx="0" cy="0"/>
+        </a:xfrm>
+      </p:grpSpPr>
+      <p:sp>
+        <p:nvSpPr>
+          <p:cNvPr id="2" name="文字方塊 1">
+            <a:extLst>
+              <a:ext uri="{FF2B5EF4-FFF2-40B4-BE49-F238E27FC236}">
+                <a16:creationId xmlns:a16="http://schemas.microsoft.com/office/drawing/2014/main" id="{B37A5326-9F8C-4C1B-B2D4-769054DCAA14}"/>
+              </a:ext>
+            </a:extLst>
+          </p:cNvPr>
+          <p:cNvSpPr txBox="1"/>
+          <p:nvPr/>
+        </p:nvSpPr>
+        <p:spPr>
+          <a:xfrm>
+            <a:off x="328774" y="184935"/>
+            <a:ext cx="1068512" cy="492443"/>
+          </a:xfrm>
+          <a:prstGeom prst="rect">
+            <a:avLst/>
+          </a:prstGeom>
+          <a:noFill/>
+        </p:spPr>
+        <p:txBody>
+          <a:bodyPr wrap="square" rtlCol="0">
+            <a:spAutoFit/>
+          </a:bodyPr>
+          <a:lstStyle/>
+          <a:p>
+            <a:r>
+              <a:rPr lang="zh-TW" altLang="en-US" sz="2600" dirty="0"/>
+              <a:t>例子</a:t>
+            </a:r>
+            <a:r>
+              <a:rPr lang="en-US" altLang="zh-TW" sz="2600" dirty="0"/>
+              <a:t>1</a:t>
+            </a:r>
+            <a:endParaRPr lang="zh-TW" altLang="en-US" sz="2600" dirty="0"/>
+          </a:p>
+        </p:txBody>
+      </p:sp>
+      <p:sp>
+        <p:nvSpPr>
+          <p:cNvPr id="3" name="文字方塊 2">
+            <a:extLst>
+              <a:ext uri="{FF2B5EF4-FFF2-40B4-BE49-F238E27FC236}">
+                <a16:creationId xmlns:a16="http://schemas.microsoft.com/office/drawing/2014/main" id="{291EC2F1-6900-4F25-9709-6191AAC544D4}"/>
+              </a:ext>
+            </a:extLst>
+          </p:cNvPr>
+          <p:cNvSpPr txBox="1"/>
+          <p:nvPr/>
+        </p:nvSpPr>
+        <p:spPr>
+          <a:xfrm>
+            <a:off x="945222" y="892141"/>
+            <a:ext cx="3071973" cy="492443"/>
+          </a:xfrm>
+          <a:prstGeom prst="rect">
+            <a:avLst/>
+          </a:prstGeom>
+          <a:noFill/>
+        </p:spPr>
+        <p:txBody>
+          <a:bodyPr wrap="square" rtlCol="0">
+            <a:spAutoFit/>
+          </a:bodyPr>
+          <a:lstStyle/>
+          <a:p>
+            <a:r>
+              <a:rPr lang="zh-TW" altLang="en-US" sz="2600" dirty="0"/>
+              <a:t>批量讀取</a:t>
+            </a:r>
+            <a:r>
+              <a:rPr lang="en-US" altLang="zh-TW" sz="2600" dirty="0"/>
+              <a:t>csv</a:t>
+            </a:r>
+            <a:r>
+              <a:rPr lang="zh-TW" altLang="en-US" sz="2600" dirty="0"/>
+              <a:t>資料</a:t>
+            </a:r>
+          </a:p>
+        </p:txBody>
+      </p:sp>
+    </p:spTree>
+    <p:extLst>
+      <p:ext uri="{BB962C8B-B14F-4D97-AF65-F5344CB8AC3E}">
+        <p14:creationId xmlns:p14="http://schemas.microsoft.com/office/powerpoint/2010/main" val="983236023"/>
+      </p:ext>
+    </p:extLst>
+  </p:cSld>
+  <p:clrMapOvr>
+    <a:masterClrMapping/>
+  </p:clrMapOvr>
+</p:sld>
+</file>
+
+<file path=ppt/slides/slide29.xml><?xml version="1.0" encoding="utf-8"?>
+<p:sld xmlns:a="http://schemas.openxmlformats.org/drawingml/2006/main" xmlns:r="http://schemas.openxmlformats.org/officeDocument/2006/relationships" xmlns:p="http://schemas.openxmlformats.org/presentationml/2006/main">
+  <p:cSld>
+    <p:spTree>
+      <p:nvGrpSpPr>
+        <p:cNvPr id="1" name=""/>
+        <p:cNvGrpSpPr/>
+        <p:nvPr/>
+      </p:nvGrpSpPr>
+      <p:grpSpPr>
+        <a:xfrm>
+          <a:off x="0" y="0"/>
+          <a:ext cx="0" cy="0"/>
+          <a:chOff x="0" y="0"/>
+          <a:chExt cx="0" cy="0"/>
+        </a:xfrm>
+      </p:grpSpPr>
+      <p:sp>
+        <p:nvSpPr>
+          <p:cNvPr id="2" name="矩形 1">
+            <a:extLst>
+              <a:ext uri="{FF2B5EF4-FFF2-40B4-BE49-F238E27FC236}">
+                <a16:creationId xmlns:a16="http://schemas.microsoft.com/office/drawing/2014/main" id="{4249FFF3-7276-4762-B0CE-F403B48FFF96}"/>
+              </a:ext>
+            </a:extLst>
+          </p:cNvPr>
+          <p:cNvSpPr/>
+          <p:nvPr/>
+        </p:nvSpPr>
+        <p:spPr>
+          <a:xfrm>
+            <a:off x="226031" y="132071"/>
+            <a:ext cx="9054958" cy="4031873"/>
+          </a:xfrm>
+          <a:prstGeom prst="rect">
+            <a:avLst/>
+          </a:prstGeom>
+        </p:spPr>
+        <p:txBody>
+          <a:bodyPr wrap="square">
+            <a:spAutoFit/>
+          </a:bodyPr>
+          <a:lstStyle/>
+          <a:p>
+            <a:r>
+              <a:rPr lang="zh-TW" altLang="en-US" sz="3200" dirty="0">
+                <a:latin typeface="Consolas" panose="020B0609020204030204" pitchFamily="49" charset="0"/>
+              </a:rPr>
+              <a:t>    函數是一個僅在被呼叫時運行的程式碼區塊。</a:t>
+            </a:r>
+          </a:p>
+          <a:p>
+            <a:br>
+              <a:rPr lang="zh-TW" altLang="en-US" sz="3200" dirty="0">
+                <a:latin typeface="Consolas" panose="020B0609020204030204" pitchFamily="49" charset="0"/>
+              </a:rPr>
+            </a:br>
+            <a:r>
+              <a:rPr lang="zh-TW" altLang="en-US" sz="3200" dirty="0">
+                <a:latin typeface="Consolas" panose="020B0609020204030204" pitchFamily="49" charset="0"/>
+              </a:rPr>
+              <a:t>    您可以將資料（稱為參數）傳遞到函數中。</a:t>
+            </a:r>
+          </a:p>
+          <a:p>
+            <a:br>
+              <a:rPr lang="zh-TW" altLang="en-US" sz="3200" dirty="0">
+                <a:latin typeface="Consolas" panose="020B0609020204030204" pitchFamily="49" charset="0"/>
+              </a:rPr>
+            </a:br>
+            <a:r>
+              <a:rPr lang="zh-TW" altLang="en-US" sz="3200" dirty="0">
+                <a:latin typeface="Consolas" panose="020B0609020204030204" pitchFamily="49" charset="0"/>
+              </a:rPr>
+              <a:t>    函數可以傳回資料作為結果。</a:t>
+            </a:r>
+            <a:endParaRPr lang="en-US" altLang="zh-TW" sz="3200" dirty="0">
+              <a:latin typeface="Consolas" panose="020B0609020204030204" pitchFamily="49" charset="0"/>
+            </a:endParaRPr>
+          </a:p>
+          <a:p>
+            <a:endParaRPr lang="en-US" altLang="zh-TW" sz="3200" dirty="0">
+              <a:latin typeface="Consolas" panose="020B0609020204030204" pitchFamily="49" charset="0"/>
+            </a:endParaRPr>
+          </a:p>
+          <a:p>
+            <a:r>
+              <a:rPr lang="en-US" altLang="zh-TW" sz="3200" b="0" dirty="0">
+                <a:effectLst/>
+                <a:latin typeface="Consolas" panose="020B0609020204030204" pitchFamily="49" charset="0"/>
+              </a:rPr>
+              <a:t>	</a:t>
+            </a:r>
+            <a:r>
+              <a:rPr lang="zh-TW" altLang="en-US" sz="3200" b="1" dirty="0">
+                <a:effectLst/>
+                <a:latin typeface="Consolas" panose="020B0609020204030204" pitchFamily="49" charset="0"/>
+              </a:rPr>
+              <a:t>可以讓程式碼可讀性變高</a:t>
+            </a:r>
+            <a:endParaRPr lang="en-US" altLang="zh-TW" sz="3200" b="1" dirty="0">
+              <a:effectLst/>
+              <a:latin typeface="Consolas" panose="020B0609020204030204" pitchFamily="49" charset="0"/>
+            </a:endParaRPr>
+          </a:p>
+          <a:p>
+            <a:endParaRPr lang="zh-TW" altLang="en-US" sz="3200" b="0" dirty="0">
+              <a:effectLst/>
+              <a:latin typeface="Consolas" panose="020B0609020204030204" pitchFamily="49" charset="0"/>
+            </a:endParaRPr>
+          </a:p>
+        </p:txBody>
+      </p:sp>
+      <p:sp>
+        <p:nvSpPr>
+          <p:cNvPr id="3" name="矩形 2">
+            <a:extLst>
+              <a:ext uri="{FF2B5EF4-FFF2-40B4-BE49-F238E27FC236}">
+                <a16:creationId xmlns:a16="http://schemas.microsoft.com/office/drawing/2014/main" id="{8972F146-3D93-4F8A-B8C7-273F072429D0}"/>
+              </a:ext>
+            </a:extLst>
+          </p:cNvPr>
+          <p:cNvSpPr/>
+          <p:nvPr/>
+        </p:nvSpPr>
+        <p:spPr>
+          <a:xfrm>
+            <a:off x="1458931" y="3799945"/>
+            <a:ext cx="7822058" cy="2554545"/>
+          </a:xfrm>
+          <a:prstGeom prst="rect">
+            <a:avLst/>
+          </a:prstGeom>
+        </p:spPr>
+        <p:txBody>
+          <a:bodyPr wrap="square">
+            <a:spAutoFit/>
+          </a:bodyPr>
+          <a:lstStyle/>
+          <a:p>
+            <a:r>
+              <a:rPr lang="en-US" altLang="zh-TW" sz="3200" dirty="0">
+                <a:solidFill>
+                  <a:srgbClr val="569CD6"/>
+                </a:solidFill>
+                <a:latin typeface="Consolas" panose="020B0609020204030204" pitchFamily="49" charset="0"/>
+              </a:rPr>
+              <a:t>def</a:t>
+            </a:r>
+            <a:r>
+              <a:rPr lang="en-US" altLang="zh-TW" sz="3200" dirty="0">
+                <a:solidFill>
+                  <a:srgbClr val="D4D4D4"/>
+                </a:solidFill>
+                <a:latin typeface="Consolas" panose="020B0609020204030204" pitchFamily="49" charset="0"/>
+              </a:rPr>
+              <a:t> </a:t>
+            </a:r>
+            <a:r>
+              <a:rPr lang="en-US" altLang="zh-TW" sz="3200" dirty="0">
+                <a:solidFill>
+                  <a:srgbClr val="DCDCAA"/>
+                </a:solidFill>
+                <a:latin typeface="Consolas" panose="020B0609020204030204" pitchFamily="49" charset="0"/>
+              </a:rPr>
+              <a:t>my_function1</a:t>
+            </a:r>
+            <a:r>
+              <a:rPr lang="en-US" altLang="zh-TW" sz="3200" dirty="0">
+                <a:solidFill>
+                  <a:srgbClr val="D4D4D4"/>
+                </a:solidFill>
+                <a:latin typeface="Consolas" panose="020B0609020204030204" pitchFamily="49" charset="0"/>
+              </a:rPr>
+              <a:t>():</a:t>
+            </a:r>
+          </a:p>
+          <a:p>
+            <a:r>
+              <a:rPr lang="en-US" altLang="zh-TW" sz="3200" dirty="0">
+                <a:solidFill>
+                  <a:srgbClr val="D4D4D4"/>
+                </a:solidFill>
+                <a:latin typeface="Consolas" panose="020B0609020204030204" pitchFamily="49" charset="0"/>
+              </a:rPr>
+              <a:t>  </a:t>
+            </a:r>
+            <a:r>
+              <a:rPr lang="en-US" altLang="zh-TW" sz="3200" dirty="0">
+                <a:solidFill>
+                  <a:srgbClr val="DCDCAA"/>
+                </a:solidFill>
+                <a:latin typeface="Consolas" panose="020B0609020204030204" pitchFamily="49" charset="0"/>
+              </a:rPr>
+              <a:t>print</a:t>
+            </a:r>
+            <a:r>
+              <a:rPr lang="en-US" altLang="zh-TW" sz="3200" dirty="0">
+                <a:solidFill>
+                  <a:srgbClr val="D4D4D4"/>
+                </a:solidFill>
+                <a:latin typeface="Consolas" panose="020B0609020204030204" pitchFamily="49" charset="0"/>
+              </a:rPr>
+              <a:t>(</a:t>
+            </a:r>
+            <a:r>
+              <a:rPr lang="en-US" altLang="zh-TW" sz="3200" dirty="0">
+                <a:solidFill>
+                  <a:srgbClr val="CE9178"/>
+                </a:solidFill>
+                <a:latin typeface="Consolas" panose="020B0609020204030204" pitchFamily="49" charset="0"/>
+              </a:rPr>
+              <a:t>"Hello from a function"</a:t>
+            </a:r>
+            <a:r>
+              <a:rPr lang="en-US" altLang="zh-TW" sz="3200" dirty="0">
+                <a:solidFill>
+                  <a:srgbClr val="D4D4D4"/>
+                </a:solidFill>
+                <a:latin typeface="Consolas" panose="020B0609020204030204" pitchFamily="49" charset="0"/>
+              </a:rPr>
+              <a:t>)</a:t>
+            </a:r>
+          </a:p>
+          <a:p>
+            <a:br>
+              <a:rPr lang="en-US" altLang="zh-TW" sz="3200" dirty="0">
+                <a:solidFill>
+                  <a:srgbClr val="D4D4D4"/>
+                </a:solidFill>
+                <a:latin typeface="Consolas" panose="020B0609020204030204" pitchFamily="49" charset="0"/>
+              </a:rPr>
+            </a:br>
+            <a:r>
+              <a:rPr lang="en-US" altLang="zh-TW" sz="3200" dirty="0">
+                <a:solidFill>
+                  <a:srgbClr val="569CD6"/>
+                </a:solidFill>
+                <a:latin typeface="Consolas" panose="020B0609020204030204" pitchFamily="49" charset="0"/>
+              </a:rPr>
+              <a:t>def</a:t>
+            </a:r>
+            <a:r>
+              <a:rPr lang="en-US" altLang="zh-TW" sz="3200" dirty="0">
+                <a:solidFill>
+                  <a:srgbClr val="D4D4D4"/>
+                </a:solidFill>
+                <a:latin typeface="Consolas" panose="020B0609020204030204" pitchFamily="49" charset="0"/>
+              </a:rPr>
+              <a:t> </a:t>
+            </a:r>
+            <a:r>
+              <a:rPr lang="en-US" altLang="zh-TW" sz="3200" dirty="0">
+                <a:solidFill>
+                  <a:srgbClr val="DCDCAA"/>
+                </a:solidFill>
+                <a:latin typeface="Consolas" panose="020B0609020204030204" pitchFamily="49" charset="0"/>
+              </a:rPr>
+              <a:t>my_function2</a:t>
+            </a:r>
+            <a:r>
+              <a:rPr lang="en-US" altLang="zh-TW" sz="3200" dirty="0">
+                <a:solidFill>
+                  <a:srgbClr val="D4D4D4"/>
+                </a:solidFill>
+                <a:latin typeface="Consolas" panose="020B0609020204030204" pitchFamily="49" charset="0"/>
+              </a:rPr>
+              <a:t>(</a:t>
+            </a:r>
+            <a:r>
+              <a:rPr lang="en-US" altLang="zh-TW" sz="3200" dirty="0" err="1">
+                <a:solidFill>
+                  <a:srgbClr val="9CDCFE"/>
+                </a:solidFill>
+                <a:latin typeface="Consolas" panose="020B0609020204030204" pitchFamily="49" charset="0"/>
+              </a:rPr>
+              <a:t>fname</a:t>
+            </a:r>
+            <a:r>
+              <a:rPr lang="en-US" altLang="zh-TW" sz="3200" dirty="0">
+                <a:solidFill>
+                  <a:srgbClr val="D4D4D4"/>
+                </a:solidFill>
+                <a:latin typeface="Consolas" panose="020B0609020204030204" pitchFamily="49" charset="0"/>
+              </a:rPr>
+              <a:t>, </a:t>
+            </a:r>
+            <a:r>
+              <a:rPr lang="en-US" altLang="zh-TW" sz="3200" dirty="0" err="1">
+                <a:solidFill>
+                  <a:srgbClr val="9CDCFE"/>
+                </a:solidFill>
+                <a:latin typeface="Consolas" panose="020B0609020204030204" pitchFamily="49" charset="0"/>
+              </a:rPr>
+              <a:t>lname</a:t>
+            </a:r>
+            <a:r>
+              <a:rPr lang="en-US" altLang="zh-TW" sz="3200" dirty="0">
+                <a:solidFill>
+                  <a:srgbClr val="D4D4D4"/>
+                </a:solidFill>
+                <a:latin typeface="Consolas" panose="020B0609020204030204" pitchFamily="49" charset="0"/>
+              </a:rPr>
+              <a:t>):</a:t>
+            </a:r>
+          </a:p>
+          <a:p>
+            <a:r>
+              <a:rPr lang="en-US" altLang="zh-TW" sz="3200" dirty="0">
+                <a:solidFill>
+                  <a:srgbClr val="D4D4D4"/>
+                </a:solidFill>
+                <a:latin typeface="Consolas" panose="020B0609020204030204" pitchFamily="49" charset="0"/>
+              </a:rPr>
+              <a:t>  </a:t>
+            </a:r>
+            <a:r>
+              <a:rPr lang="en-US" altLang="zh-TW" sz="3200" dirty="0">
+                <a:solidFill>
+                  <a:srgbClr val="DCDCAA"/>
+                </a:solidFill>
+                <a:latin typeface="Consolas" panose="020B0609020204030204" pitchFamily="49" charset="0"/>
+              </a:rPr>
+              <a:t>print</a:t>
+            </a:r>
+            <a:r>
+              <a:rPr lang="en-US" altLang="zh-TW" sz="3200" dirty="0">
+                <a:solidFill>
+                  <a:srgbClr val="D4D4D4"/>
+                </a:solidFill>
+                <a:latin typeface="Consolas" panose="020B0609020204030204" pitchFamily="49" charset="0"/>
+              </a:rPr>
+              <a:t>(</a:t>
+            </a:r>
+            <a:r>
+              <a:rPr lang="en-US" altLang="zh-TW" sz="3200" dirty="0" err="1">
+                <a:solidFill>
+                  <a:srgbClr val="D4D4D4"/>
+                </a:solidFill>
+                <a:latin typeface="Consolas" panose="020B0609020204030204" pitchFamily="49" charset="0"/>
+              </a:rPr>
+              <a:t>fname</a:t>
+            </a:r>
+            <a:r>
+              <a:rPr lang="en-US" altLang="zh-TW" sz="3200" dirty="0">
+                <a:solidFill>
+                  <a:srgbClr val="D4D4D4"/>
+                </a:solidFill>
+                <a:latin typeface="Consolas" panose="020B0609020204030204" pitchFamily="49" charset="0"/>
+              </a:rPr>
+              <a:t> + </a:t>
+            </a:r>
+            <a:r>
+              <a:rPr lang="en-US" altLang="zh-TW" sz="3200" dirty="0">
+                <a:solidFill>
+                  <a:srgbClr val="CE9178"/>
+                </a:solidFill>
+                <a:latin typeface="Consolas" panose="020B0609020204030204" pitchFamily="49" charset="0"/>
+              </a:rPr>
+              <a:t>" "</a:t>
+            </a:r>
+            <a:r>
+              <a:rPr lang="en-US" altLang="zh-TW" sz="3200" dirty="0">
+                <a:solidFill>
+                  <a:srgbClr val="D4D4D4"/>
+                </a:solidFill>
+                <a:latin typeface="Consolas" panose="020B0609020204030204" pitchFamily="49" charset="0"/>
+              </a:rPr>
+              <a:t> + </a:t>
+            </a:r>
+            <a:r>
+              <a:rPr lang="en-US" altLang="zh-TW" sz="3200" dirty="0" err="1">
+                <a:solidFill>
+                  <a:srgbClr val="D4D4D4"/>
+                </a:solidFill>
+                <a:latin typeface="Consolas" panose="020B0609020204030204" pitchFamily="49" charset="0"/>
+              </a:rPr>
+              <a:t>lname</a:t>
+            </a:r>
+            <a:r>
+              <a:rPr lang="en-US" altLang="zh-TW" sz="3200" dirty="0">
+                <a:solidFill>
+                  <a:srgbClr val="D4D4D4"/>
+                </a:solidFill>
+                <a:latin typeface="Consolas" panose="020B0609020204030204" pitchFamily="49" charset="0"/>
+              </a:rPr>
+              <a:t>)</a:t>
+            </a:r>
+            <a:endParaRPr lang="en-US" altLang="zh-TW" sz="3200" b="0" dirty="0">
+              <a:solidFill>
+                <a:srgbClr val="D4D4D4"/>
+              </a:solidFill>
+              <a:effectLst/>
+              <a:latin typeface="Consolas" panose="020B0609020204030204" pitchFamily="49" charset="0"/>
+            </a:endParaRPr>
+          </a:p>
+        </p:txBody>
+      </p:sp>
+    </p:spTree>
+    <p:extLst>
+      <p:ext uri="{BB962C8B-B14F-4D97-AF65-F5344CB8AC3E}">
+        <p14:creationId xmlns:p14="http://schemas.microsoft.com/office/powerpoint/2010/main" val="2568078168"/>
+      </p:ext>
+    </p:extLst>
+  </p:cSld>
+  <p:clrMapOvr>
+    <a:masterClrMapping/>
+  </p:clrMapOvr>
+</p:sld>
+</file>
+
+<file path=ppt/slides/slide3.xml><?xml version="1.0" encoding="utf-8"?>
+<p:sld xmlns:a="http://schemas.openxmlformats.org/drawingml/2006/main" xmlns:r="http://schemas.openxmlformats.org/officeDocument/2006/relationships" xmlns:p="http://schemas.openxmlformats.org/presentationml/2006/main">
+  <p:cSld>
+    <p:spTree>
+      <p:nvGrpSpPr>
+        <p:cNvPr id="1" name=""/>
+        <p:cNvGrpSpPr/>
+        <p:nvPr/>
+      </p:nvGrpSpPr>
+      <p:grpSpPr>
+        <a:xfrm>
+          <a:off x="0" y="0"/>
+          <a:ext cx="0" cy="0"/>
+          <a:chOff x="0" y="0"/>
+          <a:chExt cx="0" cy="0"/>
+        </a:xfrm>
+      </p:grpSpPr>
+      <p:pic>
+        <p:nvPicPr>
+          <p:cNvPr id="4" name="圖片 3">
+            <a:extLst>
+              <a:ext uri="{FF2B5EF4-FFF2-40B4-BE49-F238E27FC236}">
+                <a16:creationId xmlns:a16="http://schemas.microsoft.com/office/drawing/2014/main" id="{679966B6-11BE-4634-843B-A51C4F4F414E}"/>
+              </a:ext>
+            </a:extLst>
+          </p:cNvPr>
+          <p:cNvPicPr>
+            <a:picLocks noChangeAspect="1"/>
+          </p:cNvPicPr>
+          <p:nvPr/>
+        </p:nvPicPr>
+        <p:blipFill>
+          <a:blip r:embed="rId2"/>
+          <a:stretch>
+            <a:fillRect/>
+          </a:stretch>
+        </p:blipFill>
+        <p:spPr>
+          <a:xfrm>
+            <a:off x="133350" y="552450"/>
+            <a:ext cx="11925300" cy="5753100"/>
+          </a:xfrm>
+          <a:prstGeom prst="rect">
+            <a:avLst/>
+          </a:prstGeom>
+        </p:spPr>
+      </p:pic>
+    </p:spTree>
+    <p:extLst>
+      <p:ext uri="{BB962C8B-B14F-4D97-AF65-F5344CB8AC3E}">
+        <p14:creationId xmlns:p14="http://schemas.microsoft.com/office/powerpoint/2010/main" val="1492037117"/>
+      </p:ext>
+    </p:extLst>
+  </p:cSld>
+  <p:clrMapOvr>
+    <a:masterClrMapping/>
+  </p:clrMapOvr>
+</p:sld>
+</file>
+
+<file path=ppt/slides/slide30.xml><?xml version="1.0" encoding="utf-8"?>
+<p:sld xmlns:a="http://schemas.openxmlformats.org/drawingml/2006/main" xmlns:r="http://schemas.openxmlformats.org/officeDocument/2006/relationships" xmlns:p="http://schemas.openxmlformats.org/presentationml/2006/main">
+  <p:cSld>
+    <p:spTree>
+      <p:nvGrpSpPr>
+        <p:cNvPr id="1" name=""/>
+        <p:cNvGrpSpPr/>
+        <p:nvPr/>
+      </p:nvGrpSpPr>
+      <p:grpSpPr>
+        <a:xfrm>
+          <a:off x="0" y="0"/>
+          <a:ext cx="0" cy="0"/>
+          <a:chOff x="0" y="0"/>
+          <a:chExt cx="0" cy="0"/>
+        </a:xfrm>
+      </p:grpSpPr>
+      <p:pic>
+        <p:nvPicPr>
+          <p:cNvPr id="2" name="圖片 1">
+            <a:extLst>
+              <a:ext uri="{FF2B5EF4-FFF2-40B4-BE49-F238E27FC236}">
+                <a16:creationId xmlns:a16="http://schemas.microsoft.com/office/drawing/2014/main" id="{1CE03B16-8013-4DC0-9DC3-5DCD77E6EEE5}"/>
+              </a:ext>
+            </a:extLst>
+          </p:cNvPr>
+          <p:cNvPicPr>
+            <a:picLocks noChangeAspect="1"/>
+          </p:cNvPicPr>
+          <p:nvPr/>
+        </p:nvPicPr>
+        <p:blipFill>
+          <a:blip r:embed="rId2"/>
+          <a:stretch>
+            <a:fillRect/>
+          </a:stretch>
+        </p:blipFill>
+        <p:spPr>
+          <a:xfrm>
+            <a:off x="239409" y="229991"/>
+            <a:ext cx="11487150" cy="3562350"/>
+          </a:xfrm>
+          <a:prstGeom prst="rect">
+            <a:avLst/>
+          </a:prstGeom>
+        </p:spPr>
+      </p:pic>
+      <p:pic>
+        <p:nvPicPr>
+          <p:cNvPr id="3" name="圖片 2">
+            <a:extLst>
+              <a:ext uri="{FF2B5EF4-FFF2-40B4-BE49-F238E27FC236}">
+                <a16:creationId xmlns:a16="http://schemas.microsoft.com/office/drawing/2014/main" id="{6CEE0B0B-CEF0-4952-A862-22FAC9C3C5C0}"/>
+              </a:ext>
+            </a:extLst>
+          </p:cNvPr>
+          <p:cNvPicPr>
+            <a:picLocks noChangeAspect="1"/>
+          </p:cNvPicPr>
+          <p:nvPr/>
+        </p:nvPicPr>
+        <p:blipFill rotWithShape="1">
+          <a:blip r:embed="rId3"/>
+          <a:srcRect b="3918"/>
+          <a:stretch/>
+        </p:blipFill>
+        <p:spPr>
+          <a:xfrm>
+            <a:off x="675311" y="4046894"/>
+            <a:ext cx="6896100" cy="2168972"/>
+          </a:xfrm>
+          <a:prstGeom prst="rect">
+            <a:avLst/>
+          </a:prstGeom>
+        </p:spPr>
+      </p:pic>
+    </p:spTree>
+    <p:extLst>
+      <p:ext uri="{BB962C8B-B14F-4D97-AF65-F5344CB8AC3E}">
+        <p14:creationId xmlns:p14="http://schemas.microsoft.com/office/powerpoint/2010/main" val="2943300558"/>
+      </p:ext>
+    </p:extLst>
+  </p:cSld>
+  <p:clrMapOvr>
+    <a:masterClrMapping/>
+  </p:clrMapOvr>
+</p:sld>
+</file>
+
+<file path=ppt/slides/slide31.xml><?xml version="1.0" encoding="utf-8"?>
+<p:sld xmlns:a="http://schemas.openxmlformats.org/drawingml/2006/main" xmlns:r="http://schemas.openxmlformats.org/officeDocument/2006/relationships" xmlns:p="http://schemas.openxmlformats.org/presentationml/2006/main">
+  <p:cSld>
+    <p:spTree>
+      <p:nvGrpSpPr>
+        <p:cNvPr id="1" name=""/>
+        <p:cNvGrpSpPr/>
+        <p:nvPr/>
+      </p:nvGrpSpPr>
+      <p:grpSpPr>
+        <a:xfrm>
+          <a:off x="0" y="0"/>
+          <a:ext cx="0" cy="0"/>
+          <a:chOff x="0" y="0"/>
+          <a:chExt cx="0" cy="0"/>
+        </a:xfrm>
+      </p:grpSpPr>
+      <p:sp>
+        <p:nvSpPr>
+          <p:cNvPr id="2" name="文字方塊 1">
+            <a:extLst>
+              <a:ext uri="{FF2B5EF4-FFF2-40B4-BE49-F238E27FC236}">
+                <a16:creationId xmlns:a16="http://schemas.microsoft.com/office/drawing/2014/main" id="{B37A5326-9F8C-4C1B-B2D4-769054DCAA14}"/>
+              </a:ext>
+            </a:extLst>
+          </p:cNvPr>
+          <p:cNvSpPr txBox="1"/>
+          <p:nvPr/>
+        </p:nvSpPr>
+        <p:spPr>
+          <a:xfrm>
+            <a:off x="328774" y="184935"/>
+            <a:ext cx="1068512" cy="492443"/>
+          </a:xfrm>
+          <a:prstGeom prst="rect">
+            <a:avLst/>
+          </a:prstGeom>
+          <a:noFill/>
+        </p:spPr>
+        <p:txBody>
+          <a:bodyPr wrap="square" rtlCol="0">
+            <a:spAutoFit/>
+          </a:bodyPr>
+          <a:lstStyle/>
+          <a:p>
+            <a:r>
+              <a:rPr lang="zh-TW" altLang="en-US" sz="2600" dirty="0"/>
+              <a:t>例子</a:t>
+            </a:r>
+          </a:p>
+        </p:txBody>
+      </p:sp>
+      <p:sp>
+        <p:nvSpPr>
+          <p:cNvPr id="3" name="文字方塊 2">
+            <a:extLst>
+              <a:ext uri="{FF2B5EF4-FFF2-40B4-BE49-F238E27FC236}">
+                <a16:creationId xmlns:a16="http://schemas.microsoft.com/office/drawing/2014/main" id="{291EC2F1-6900-4F25-9709-6191AAC544D4}"/>
+              </a:ext>
+            </a:extLst>
+          </p:cNvPr>
+          <p:cNvSpPr txBox="1"/>
+          <p:nvPr/>
+        </p:nvSpPr>
+        <p:spPr>
+          <a:xfrm>
+            <a:off x="863029" y="922963"/>
+            <a:ext cx="7983020" cy="492443"/>
+          </a:xfrm>
+          <a:prstGeom prst="rect">
+            <a:avLst/>
+          </a:prstGeom>
+          <a:noFill/>
+        </p:spPr>
+        <p:txBody>
+          <a:bodyPr wrap="square" rtlCol="0">
+            <a:spAutoFit/>
+          </a:bodyPr>
+          <a:lstStyle/>
+          <a:p>
+            <a:r>
+              <a:rPr lang="zh-TW" altLang="en-US" sz="2600" dirty="0"/>
+              <a:t>批量讀取</a:t>
+            </a:r>
+            <a:r>
+              <a:rPr lang="en-US" altLang="zh-TW" sz="2600" dirty="0"/>
+              <a:t>csv</a:t>
+            </a:r>
+            <a:r>
+              <a:rPr lang="zh-TW" altLang="en-US" sz="2600" dirty="0"/>
+              <a:t>並畫圖且以</a:t>
+            </a:r>
+            <a:r>
+              <a:rPr lang="en-US" altLang="zh-TW" sz="2600" dirty="0" err="1"/>
+              <a:t>numpy</a:t>
+            </a:r>
+            <a:r>
+              <a:rPr lang="zh-TW" altLang="en-US" sz="2600" dirty="0"/>
+              <a:t>保存畫圖的數據</a:t>
+            </a:r>
+          </a:p>
+        </p:txBody>
+      </p:sp>
+      <p:pic>
+        <p:nvPicPr>
+          <p:cNvPr id="4" name="圖片 3" descr="一張含有 文字, 螢幕擷取畫面, 軟體, 多媒體軟體 的圖片&#10;&#10;自動產生的描述">
+            <a:extLst>
+              <a:ext uri="{FF2B5EF4-FFF2-40B4-BE49-F238E27FC236}">
+                <a16:creationId xmlns:a16="http://schemas.microsoft.com/office/drawing/2014/main" id="{344DD05A-91A0-4C62-841E-E418B5BD2C73}"/>
+              </a:ext>
+            </a:extLst>
+          </p:cNvPr>
+          <p:cNvPicPr>
+            <a:picLocks noChangeAspect="1"/>
+          </p:cNvPicPr>
+          <p:nvPr/>
+        </p:nvPicPr>
+        <p:blipFill rotWithShape="1">
+          <a:blip r:embed="rId2">
+            <a:extLst>
+              <a:ext uri="{28A0092B-C50C-407E-A947-70E740481C1C}">
+                <a14:useLocalDpi xmlns:a14="http://schemas.microsoft.com/office/drawing/2010/main" val="0"/>
+              </a:ext>
+            </a:extLst>
+          </a:blip>
+          <a:srcRect l="50899" t="16517" b="6179"/>
+          <a:stretch/>
+        </p:blipFill>
+        <p:spPr>
+          <a:xfrm>
+            <a:off x="2352783" y="1660991"/>
+            <a:ext cx="8722759" cy="3862366"/>
+          </a:xfrm>
+          <a:prstGeom prst="rect">
+            <a:avLst/>
+          </a:prstGeom>
+        </p:spPr>
+      </p:pic>
+    </p:spTree>
+    <p:extLst>
+      <p:ext uri="{BB962C8B-B14F-4D97-AF65-F5344CB8AC3E}">
+        <p14:creationId xmlns:p14="http://schemas.microsoft.com/office/powerpoint/2010/main" val="511441200"/>
+      </p:ext>
+    </p:extLst>
+  </p:cSld>
+  <p:clrMapOvr>
+    <a:masterClrMapping/>
+  </p:clrMapOvr>
+</p:sld>
+</file>
+
+<file path=ppt/slides/slide32.xml><?xml version="1.0" encoding="utf-8"?>
+<p:sld xmlns:a="http://schemas.openxmlformats.org/drawingml/2006/main" xmlns:r="http://schemas.openxmlformats.org/officeDocument/2006/relationships" xmlns:p="http://schemas.openxmlformats.org/presentationml/2006/main">
+  <p:cSld>
+    <p:spTree>
+      <p:nvGrpSpPr>
+        <p:cNvPr id="1" name=""/>
+        <p:cNvGrpSpPr/>
+        <p:nvPr/>
+      </p:nvGrpSpPr>
+      <p:grpSpPr>
+        <a:xfrm>
+          <a:off x="0" y="0"/>
+          <a:ext cx="0" cy="0"/>
+          <a:chOff x="0" y="0"/>
+          <a:chExt cx="0" cy="0"/>
+        </a:xfrm>
+      </p:grpSpPr>
+    </p:spTree>
+    <p:extLst>
+      <p:ext uri="{BB962C8B-B14F-4D97-AF65-F5344CB8AC3E}">
+        <p14:creationId xmlns:p14="http://schemas.microsoft.com/office/powerpoint/2010/main" val="3601165254"/>
+      </p:ext>
+    </p:extLst>
+  </p:cSld>
+  <p:clrMapOvr>
+    <a:masterClrMapping/>
+  </p:clrMapOvr>
+</p:sld>
+</file>
+
+<file path=ppt/slides/slide4.xml><?xml version="1.0" encoding="utf-8"?>
+<p:sld xmlns:a="http://schemas.openxmlformats.org/drawingml/2006/main" xmlns:r="http://schemas.openxmlformats.org/officeDocument/2006/relationships" xmlns:p="http://schemas.openxmlformats.org/presentationml/2006/main">
+  <p:cSld>
+    <p:spTree>
+      <p:nvGrpSpPr>
+        <p:cNvPr id="1" name=""/>
+        <p:cNvGrpSpPr/>
+        <p:nvPr/>
+      </p:nvGrpSpPr>
+      <p:grpSpPr>
+        <a:xfrm>
+          <a:off x="0" y="0"/>
+          <a:ext cx="0" cy="0"/>
+          <a:chOff x="0" y="0"/>
+          <a:chExt cx="0" cy="0"/>
+        </a:xfrm>
+      </p:grpSpPr>
+      <p:sp>
+        <p:nvSpPr>
+          <p:cNvPr id="2" name="矩形 1">
+            <a:extLst>
+              <a:ext uri="{FF2B5EF4-FFF2-40B4-BE49-F238E27FC236}">
+                <a16:creationId xmlns:a16="http://schemas.microsoft.com/office/drawing/2014/main" id="{44185AA8-829C-40F1-9226-778D4C254FB3}"/>
+              </a:ext>
+            </a:extLst>
+          </p:cNvPr>
+          <p:cNvSpPr/>
+          <p:nvPr/>
+        </p:nvSpPr>
+        <p:spPr>
+          <a:xfrm>
+            <a:off x="347351" y="264828"/>
+            <a:ext cx="1828642" cy="369332"/>
+          </a:xfrm>
+          <a:prstGeom prst="rect">
+            <a:avLst/>
+          </a:prstGeom>
+        </p:spPr>
+        <p:txBody>
+          <a:bodyPr wrap="none">
+            <a:spAutoFit/>
+          </a:bodyPr>
+          <a:lstStyle/>
+          <a:p>
+            <a:pPr lvl="0"/>
+            <a:r>
+              <a:rPr lang="en-US" altLang="zh-TW" dirty="0"/>
+              <a:t>Python</a:t>
+            </a:r>
+            <a:r>
+              <a:rPr lang="zh-TW" altLang="en-US" dirty="0"/>
+              <a:t> 語法基礎</a:t>
+            </a:r>
+          </a:p>
+        </p:txBody>
+      </p:sp>
+      <p:sp>
+        <p:nvSpPr>
+          <p:cNvPr id="3" name="矩形 2">
+            <a:extLst>
+              <a:ext uri="{FF2B5EF4-FFF2-40B4-BE49-F238E27FC236}">
+                <a16:creationId xmlns:a16="http://schemas.microsoft.com/office/drawing/2014/main" id="{31F6868C-205A-4A87-B36F-A685C0653E95}"/>
+              </a:ext>
+            </a:extLst>
+          </p:cNvPr>
+          <p:cNvSpPr/>
+          <p:nvPr/>
+        </p:nvSpPr>
+        <p:spPr>
+          <a:xfrm>
+            <a:off x="1221168" y="1365373"/>
+            <a:ext cx="9258472" cy="4093428"/>
+          </a:xfrm>
+          <a:prstGeom prst="rect">
+            <a:avLst/>
+          </a:prstGeom>
+        </p:spPr>
+        <p:txBody>
+          <a:bodyPr wrap="square">
+            <a:spAutoFit/>
+          </a:bodyPr>
+          <a:lstStyle/>
+          <a:p>
+            <a:r>
+              <a:rPr lang="en-US" altLang="zh-TW" sz="2600" dirty="0">
+                <a:solidFill>
+                  <a:srgbClr val="000000"/>
+                </a:solidFill>
+                <a:latin typeface="標楷體" panose="03000509000000000000" pitchFamily="65" charset="-120"/>
+                <a:ea typeface="標楷體" panose="03000509000000000000" pitchFamily="65" charset="-120"/>
+              </a:rPr>
+              <a:t>Python </a:t>
+            </a:r>
+            <a:r>
+              <a:rPr lang="zh-TW" altLang="en-US" sz="2600" dirty="0">
+                <a:solidFill>
+                  <a:srgbClr val="000000"/>
+                </a:solidFill>
+                <a:latin typeface="標楷體" panose="03000509000000000000" pitchFamily="65" charset="-120"/>
+                <a:ea typeface="標楷體" panose="03000509000000000000" pitchFamily="65" charset="-120"/>
+              </a:rPr>
+              <a:t>能做什麼？</a:t>
+            </a:r>
+          </a:p>
+          <a:p>
+            <a:pPr lvl="1">
+              <a:buFont typeface="Arial" panose="020B0604020202020204" pitchFamily="34" charset="0"/>
+              <a:buChar char="•"/>
+            </a:pPr>
+            <a:r>
+              <a:rPr lang="en-US" altLang="zh-TW" sz="2600" dirty="0">
+                <a:solidFill>
+                  <a:srgbClr val="000000"/>
+                </a:solidFill>
+                <a:latin typeface="標楷體" panose="03000509000000000000" pitchFamily="65" charset="-120"/>
+                <a:ea typeface="標楷體" panose="03000509000000000000" pitchFamily="65" charset="-120"/>
+              </a:rPr>
+              <a:t>Python </a:t>
+            </a:r>
+            <a:r>
+              <a:rPr lang="zh-TW" altLang="en-US" sz="2600" dirty="0">
+                <a:solidFill>
+                  <a:srgbClr val="000000"/>
+                </a:solidFill>
+                <a:latin typeface="標楷體" panose="03000509000000000000" pitchFamily="65" charset="-120"/>
+                <a:ea typeface="標楷體" panose="03000509000000000000" pitchFamily="65" charset="-120"/>
+              </a:rPr>
+              <a:t>可以在伺服器上使用來建立 </a:t>
+            </a:r>
+            <a:r>
+              <a:rPr lang="en-US" altLang="zh-TW" sz="2600" dirty="0">
+                <a:solidFill>
+                  <a:srgbClr val="000000"/>
+                </a:solidFill>
+                <a:latin typeface="標楷體" panose="03000509000000000000" pitchFamily="65" charset="-120"/>
+                <a:ea typeface="標楷體" panose="03000509000000000000" pitchFamily="65" charset="-120"/>
+              </a:rPr>
+              <a:t>Web </a:t>
+            </a:r>
+            <a:r>
+              <a:rPr lang="zh-TW" altLang="en-US" sz="2600" dirty="0">
+                <a:solidFill>
+                  <a:srgbClr val="000000"/>
+                </a:solidFill>
+                <a:latin typeface="標楷體" panose="03000509000000000000" pitchFamily="65" charset="-120"/>
+                <a:ea typeface="標楷體" panose="03000509000000000000" pitchFamily="65" charset="-120"/>
+              </a:rPr>
+              <a:t>應用程式。</a:t>
+            </a:r>
+            <a:endParaRPr lang="en-US" altLang="zh-TW" sz="2600" dirty="0">
+              <a:solidFill>
+                <a:srgbClr val="000000"/>
+              </a:solidFill>
+              <a:latin typeface="標楷體" panose="03000509000000000000" pitchFamily="65" charset="-120"/>
+              <a:ea typeface="標楷體" panose="03000509000000000000" pitchFamily="65" charset="-120"/>
+            </a:endParaRPr>
+          </a:p>
+          <a:p>
+            <a:pPr lvl="1">
+              <a:buFont typeface="Arial" panose="020B0604020202020204" pitchFamily="34" charset="0"/>
+              <a:buChar char="•"/>
+            </a:pPr>
+            <a:endParaRPr lang="zh-TW" altLang="en-US" sz="2600" dirty="0">
+              <a:solidFill>
+                <a:srgbClr val="000000"/>
+              </a:solidFill>
+              <a:latin typeface="標楷體" panose="03000509000000000000" pitchFamily="65" charset="-120"/>
+              <a:ea typeface="標楷體" panose="03000509000000000000" pitchFamily="65" charset="-120"/>
+            </a:endParaRPr>
+          </a:p>
+          <a:p>
+            <a:pPr lvl="1">
+              <a:buFont typeface="Arial" panose="020B0604020202020204" pitchFamily="34" charset="0"/>
+              <a:buChar char="•"/>
+            </a:pPr>
+            <a:r>
+              <a:rPr lang="en-US" altLang="zh-TW" sz="2600" dirty="0">
+                <a:solidFill>
+                  <a:srgbClr val="000000"/>
+                </a:solidFill>
+                <a:latin typeface="標楷體" panose="03000509000000000000" pitchFamily="65" charset="-120"/>
+                <a:ea typeface="標楷體" panose="03000509000000000000" pitchFamily="65" charset="-120"/>
+              </a:rPr>
+              <a:t>Python </a:t>
+            </a:r>
+            <a:r>
+              <a:rPr lang="zh-TW" altLang="en-US" sz="2600" dirty="0">
+                <a:solidFill>
+                  <a:srgbClr val="000000"/>
+                </a:solidFill>
+                <a:latin typeface="標楷體" panose="03000509000000000000" pitchFamily="65" charset="-120"/>
+                <a:ea typeface="標楷體" panose="03000509000000000000" pitchFamily="65" charset="-120"/>
+              </a:rPr>
+              <a:t>可以與軟體一起使用來創建工作流程。</a:t>
+            </a:r>
+            <a:endParaRPr lang="en-US" altLang="zh-TW" sz="2600" dirty="0">
+              <a:solidFill>
+                <a:srgbClr val="000000"/>
+              </a:solidFill>
+              <a:latin typeface="標楷體" panose="03000509000000000000" pitchFamily="65" charset="-120"/>
+              <a:ea typeface="標楷體" panose="03000509000000000000" pitchFamily="65" charset="-120"/>
+            </a:endParaRPr>
+          </a:p>
+          <a:p>
+            <a:pPr lvl="1">
+              <a:buFont typeface="Arial" panose="020B0604020202020204" pitchFamily="34" charset="0"/>
+              <a:buChar char="•"/>
+            </a:pPr>
+            <a:endParaRPr lang="zh-TW" altLang="en-US" sz="2600" dirty="0">
+              <a:solidFill>
+                <a:srgbClr val="000000"/>
+              </a:solidFill>
+              <a:latin typeface="標楷體" panose="03000509000000000000" pitchFamily="65" charset="-120"/>
+              <a:ea typeface="標楷體" panose="03000509000000000000" pitchFamily="65" charset="-120"/>
+            </a:endParaRPr>
+          </a:p>
+          <a:p>
+            <a:pPr lvl="1">
+              <a:buFont typeface="Arial" panose="020B0604020202020204" pitchFamily="34" charset="0"/>
+              <a:buChar char="•"/>
+            </a:pPr>
+            <a:r>
+              <a:rPr lang="en-US" altLang="zh-TW" sz="2600" dirty="0">
+                <a:solidFill>
+                  <a:srgbClr val="000000"/>
+                </a:solidFill>
+                <a:latin typeface="標楷體" panose="03000509000000000000" pitchFamily="65" charset="-120"/>
+                <a:ea typeface="標楷體" panose="03000509000000000000" pitchFamily="65" charset="-120"/>
+              </a:rPr>
+              <a:t>Python</a:t>
+            </a:r>
+            <a:r>
+              <a:rPr lang="zh-TW" altLang="en-US" sz="2600" dirty="0">
+                <a:solidFill>
+                  <a:srgbClr val="000000"/>
+                </a:solidFill>
+                <a:latin typeface="標楷體" panose="03000509000000000000" pitchFamily="65" charset="-120"/>
+                <a:ea typeface="標楷體" panose="03000509000000000000" pitchFamily="65" charset="-120"/>
+              </a:rPr>
+              <a:t>可以連接到資料庫系統。它還可以讀取和修改文件。</a:t>
+            </a:r>
+            <a:endParaRPr lang="en-US" altLang="zh-TW" sz="2600" dirty="0">
+              <a:solidFill>
+                <a:srgbClr val="000000"/>
+              </a:solidFill>
+              <a:latin typeface="標楷體" panose="03000509000000000000" pitchFamily="65" charset="-120"/>
+              <a:ea typeface="標楷體" panose="03000509000000000000" pitchFamily="65" charset="-120"/>
+            </a:endParaRPr>
+          </a:p>
+          <a:p>
+            <a:pPr lvl="1"/>
+            <a:r>
+              <a:rPr lang="zh-TW" altLang="en-US" sz="2600" dirty="0">
+                <a:solidFill>
+                  <a:srgbClr val="000000"/>
+                </a:solidFill>
+                <a:latin typeface="標楷體" panose="03000509000000000000" pitchFamily="65" charset="-120"/>
+                <a:ea typeface="標楷體" panose="03000509000000000000" pitchFamily="65" charset="-120"/>
+              </a:rPr>
+              <a:t> </a:t>
+            </a:r>
+            <a:r>
+              <a:rPr lang="en-US" altLang="zh-TW" sz="2600" dirty="0">
+                <a:solidFill>
+                  <a:srgbClr val="000000"/>
+                </a:solidFill>
+                <a:latin typeface="標楷體" panose="03000509000000000000" pitchFamily="65" charset="-120"/>
+                <a:ea typeface="標楷體" panose="03000509000000000000" pitchFamily="65" charset="-120"/>
+              </a:rPr>
+              <a:t>(csv</a:t>
+            </a:r>
+            <a:r>
+              <a:rPr lang="zh-TW" altLang="en-US" sz="2600" dirty="0">
+                <a:solidFill>
+                  <a:srgbClr val="000000"/>
+                </a:solidFill>
+                <a:latin typeface="標楷體" panose="03000509000000000000" pitchFamily="65" charset="-120"/>
+                <a:ea typeface="標楷體" panose="03000509000000000000" pitchFamily="65" charset="-120"/>
+              </a:rPr>
+              <a:t>資料處理，</a:t>
+            </a:r>
+            <a:r>
+              <a:rPr lang="en-US" altLang="zh-TW" sz="2600" dirty="0">
+                <a:solidFill>
+                  <a:srgbClr val="000000"/>
+                </a:solidFill>
+                <a:latin typeface="標楷體" panose="03000509000000000000" pitchFamily="65" charset="-120"/>
+                <a:ea typeface="標楷體" panose="03000509000000000000" pitchFamily="65" charset="-120"/>
+              </a:rPr>
+              <a:t> pdf</a:t>
+            </a:r>
+            <a:r>
+              <a:rPr lang="zh-TW" altLang="en-US" sz="2600" dirty="0">
+                <a:solidFill>
+                  <a:srgbClr val="000000"/>
+                </a:solidFill>
+                <a:latin typeface="標楷體" panose="03000509000000000000" pitchFamily="65" charset="-120"/>
+                <a:ea typeface="標楷體" panose="03000509000000000000" pitchFamily="65" charset="-120"/>
+              </a:rPr>
+              <a:t>資料處理</a:t>
+            </a:r>
+            <a:r>
+              <a:rPr lang="en-US" altLang="zh-TW" sz="2600" dirty="0">
+                <a:solidFill>
+                  <a:srgbClr val="000000"/>
+                </a:solidFill>
+                <a:latin typeface="標楷體" panose="03000509000000000000" pitchFamily="65" charset="-120"/>
+                <a:ea typeface="標楷體" panose="03000509000000000000" pitchFamily="65" charset="-120"/>
+              </a:rPr>
+              <a:t>)</a:t>
+            </a:r>
+          </a:p>
+          <a:p>
+            <a:pPr lvl="1"/>
+            <a:endParaRPr lang="zh-TW" altLang="en-US" sz="2600" dirty="0">
+              <a:solidFill>
+                <a:srgbClr val="000000"/>
+              </a:solidFill>
+              <a:latin typeface="標楷體" panose="03000509000000000000" pitchFamily="65" charset="-120"/>
+              <a:ea typeface="標楷體" panose="03000509000000000000" pitchFamily="65" charset="-120"/>
+            </a:endParaRPr>
+          </a:p>
+          <a:p>
+            <a:pPr lvl="1">
+              <a:buFont typeface="Arial" panose="020B0604020202020204" pitchFamily="34" charset="0"/>
+              <a:buChar char="•"/>
+            </a:pPr>
+            <a:r>
+              <a:rPr lang="en-US" altLang="zh-TW" sz="2600" dirty="0">
+                <a:solidFill>
+                  <a:srgbClr val="000000"/>
+                </a:solidFill>
+                <a:latin typeface="標楷體" panose="03000509000000000000" pitchFamily="65" charset="-120"/>
+                <a:ea typeface="標楷體" panose="03000509000000000000" pitchFamily="65" charset="-120"/>
+              </a:rPr>
+              <a:t>Python </a:t>
+            </a:r>
+            <a:r>
+              <a:rPr lang="zh-TW" altLang="en-US" sz="2600" dirty="0">
+                <a:solidFill>
+                  <a:srgbClr val="000000"/>
+                </a:solidFill>
+                <a:latin typeface="標楷體" panose="03000509000000000000" pitchFamily="65" charset="-120"/>
+                <a:ea typeface="標楷體" panose="03000509000000000000" pitchFamily="65" charset="-120"/>
+              </a:rPr>
+              <a:t>可用於處理大數據並執行複雜的數學運算。</a:t>
+            </a:r>
+            <a:endParaRPr lang="en-US" altLang="zh-TW" sz="2600" dirty="0">
+              <a:solidFill>
+                <a:srgbClr val="000000"/>
+              </a:solidFill>
+              <a:latin typeface="標楷體" panose="03000509000000000000" pitchFamily="65" charset="-120"/>
+              <a:ea typeface="標楷體" panose="03000509000000000000" pitchFamily="65" charset="-120"/>
+            </a:endParaRPr>
+          </a:p>
+          <a:p>
+            <a:pPr lvl="1"/>
+            <a:r>
+              <a:rPr lang="zh-TW" altLang="en-US" sz="2600" dirty="0">
+                <a:solidFill>
+                  <a:srgbClr val="000000"/>
+                </a:solidFill>
+                <a:latin typeface="標楷體" panose="03000509000000000000" pitchFamily="65" charset="-120"/>
+                <a:ea typeface="標楷體" panose="03000509000000000000" pitchFamily="65" charset="-120"/>
+              </a:rPr>
+              <a:t> </a:t>
+            </a:r>
+            <a:r>
+              <a:rPr lang="en-US" altLang="zh-TW" sz="2600" dirty="0">
+                <a:solidFill>
+                  <a:srgbClr val="000000"/>
+                </a:solidFill>
+                <a:latin typeface="標楷體" panose="03000509000000000000" pitchFamily="65" charset="-120"/>
+                <a:ea typeface="標楷體" panose="03000509000000000000" pitchFamily="65" charset="-120"/>
+              </a:rPr>
+              <a:t>(</a:t>
+            </a:r>
+            <a:r>
+              <a:rPr lang="zh-TW" altLang="en-US" sz="2600" dirty="0">
+                <a:solidFill>
+                  <a:srgbClr val="000000"/>
+                </a:solidFill>
+                <a:latin typeface="標楷體" panose="03000509000000000000" pitchFamily="65" charset="-120"/>
+                <a:ea typeface="標楷體" panose="03000509000000000000" pitchFamily="65" charset="-120"/>
+              </a:rPr>
+              <a:t>大型語言模型</a:t>
+            </a:r>
+            <a:r>
+              <a:rPr lang="en-US" altLang="zh-TW" sz="2600" dirty="0">
+                <a:solidFill>
+                  <a:srgbClr val="000000"/>
+                </a:solidFill>
+                <a:latin typeface="標楷體" panose="03000509000000000000" pitchFamily="65" charset="-120"/>
+                <a:ea typeface="標楷體" panose="03000509000000000000" pitchFamily="65" charset="-120"/>
+              </a:rPr>
+              <a:t>)</a:t>
+            </a:r>
+            <a:endParaRPr lang="zh-TW" altLang="en-US" sz="2600" dirty="0">
+              <a:solidFill>
+                <a:srgbClr val="000000"/>
+              </a:solidFill>
+              <a:latin typeface="標楷體" panose="03000509000000000000" pitchFamily="65" charset="-120"/>
+              <a:ea typeface="標楷體" panose="03000509000000000000" pitchFamily="65" charset="-120"/>
+            </a:endParaRPr>
+          </a:p>
+        </p:txBody>
+      </p:sp>
+    </p:spTree>
+    <p:extLst>
+      <p:ext uri="{BB962C8B-B14F-4D97-AF65-F5344CB8AC3E}">
+        <p14:creationId xmlns:p14="http://schemas.microsoft.com/office/powerpoint/2010/main" val="1351824536"/>
+      </p:ext>
+    </p:extLst>
+  </p:cSld>
+  <p:clrMapOvr>
+    <a:masterClrMapping/>
+  </p:clrMapOvr>
+</p:sld>
+</file>
+
+<file path=ppt/slides/slide5.xml><?xml version="1.0" encoding="utf-8"?>
+<p:sld xmlns:a="http://schemas.openxmlformats.org/drawingml/2006/main" xmlns:r="http://schemas.openxmlformats.org/officeDocument/2006/relationships" xmlns:p="http://schemas.openxmlformats.org/presentationml/2006/main">
+  <p:cSld>
+    <p:spTree>
+      <p:nvGrpSpPr>
+        <p:cNvPr id="1" name=""/>
+        <p:cNvGrpSpPr/>
+        <p:nvPr/>
+      </p:nvGrpSpPr>
+      <p:grpSpPr>
+        <a:xfrm>
+          <a:off x="0" y="0"/>
+          <a:ext cx="0" cy="0"/>
+          <a:chOff x="0" y="0"/>
+          <a:chExt cx="0" cy="0"/>
+        </a:xfrm>
+      </p:grpSpPr>
+      <p:pic>
+        <p:nvPicPr>
+          <p:cNvPr id="2" name="圖片 1">
+            <a:extLst>
+              <a:ext uri="{FF2B5EF4-FFF2-40B4-BE49-F238E27FC236}">
+                <a16:creationId xmlns:a16="http://schemas.microsoft.com/office/drawing/2014/main" id="{90A62F81-AE84-499A-9FF1-8453BBF8ABD4}"/>
+              </a:ext>
+            </a:extLst>
+          </p:cNvPr>
+          <p:cNvPicPr>
+            <a:picLocks noChangeAspect="1"/>
+          </p:cNvPicPr>
+          <p:nvPr/>
+        </p:nvPicPr>
+        <p:blipFill>
+          <a:blip r:embed="rId2"/>
+          <a:stretch>
+            <a:fillRect/>
+          </a:stretch>
+        </p:blipFill>
+        <p:spPr>
+          <a:xfrm>
+            <a:off x="0" y="790433"/>
+            <a:ext cx="12192000" cy="5277134"/>
+          </a:xfrm>
+          <a:prstGeom prst="rect">
+            <a:avLst/>
+          </a:prstGeom>
+        </p:spPr>
+      </p:pic>
+    </p:spTree>
+    <p:extLst>
+      <p:ext uri="{BB962C8B-B14F-4D97-AF65-F5344CB8AC3E}">
+        <p14:creationId xmlns:p14="http://schemas.microsoft.com/office/powerpoint/2010/main" val="3021933263"/>
+      </p:ext>
+    </p:extLst>
+  </p:cSld>
+  <p:clrMapOvr>
+    <a:masterClrMapping/>
+  </p:clrMapOvr>
+</p:sld>
+</file>
+
+<file path=ppt/slides/slide6.xml><?xml version="1.0" encoding="utf-8"?>
+<p:sld xmlns:a="http://schemas.openxmlformats.org/drawingml/2006/main" xmlns:r="http://schemas.openxmlformats.org/officeDocument/2006/relationships" xmlns:p="http://schemas.openxmlformats.org/presentationml/2006/main">
+  <p:cSld>
+    <p:spTree>
+      <p:nvGrpSpPr>
+        <p:cNvPr id="1" name=""/>
+        <p:cNvGrpSpPr/>
+        <p:nvPr/>
+      </p:nvGrpSpPr>
+      <p:grpSpPr>
+        <a:xfrm>
+          <a:off x="0" y="0"/>
+          <a:ext cx="0" cy="0"/>
+          <a:chOff x="0" y="0"/>
+          <a:chExt cx="0" cy="0"/>
+        </a:xfrm>
+      </p:grpSpPr>
+      <p:pic>
+        <p:nvPicPr>
+          <p:cNvPr id="2" name="圖片 1">
+            <a:extLst>
+              <a:ext uri="{FF2B5EF4-FFF2-40B4-BE49-F238E27FC236}">
+                <a16:creationId xmlns:a16="http://schemas.microsoft.com/office/drawing/2014/main" id="{0288E2ED-6043-4FEE-9046-2F9DF6D8C73F}"/>
+              </a:ext>
+            </a:extLst>
+          </p:cNvPr>
+          <p:cNvPicPr>
+            <a:picLocks noChangeAspect="1"/>
+          </p:cNvPicPr>
+          <p:nvPr/>
+        </p:nvPicPr>
+        <p:blipFill>
+          <a:blip r:embed="rId2"/>
+          <a:stretch>
+            <a:fillRect/>
+          </a:stretch>
+        </p:blipFill>
+        <p:spPr>
+          <a:xfrm>
+            <a:off x="0" y="296723"/>
+            <a:ext cx="12192000" cy="6264553"/>
+          </a:xfrm>
+          <a:prstGeom prst="rect">
+            <a:avLst/>
+          </a:prstGeom>
+        </p:spPr>
+      </p:pic>
+    </p:spTree>
+    <p:extLst>
+      <p:ext uri="{BB962C8B-B14F-4D97-AF65-F5344CB8AC3E}">
+        <p14:creationId xmlns:p14="http://schemas.microsoft.com/office/powerpoint/2010/main" val="1303451983"/>
+      </p:ext>
+    </p:extLst>
+  </p:cSld>
+  <p:clrMapOvr>
+    <a:masterClrMapping/>
+  </p:clrMapOvr>
+</p:sld>
+</file>
+
+<file path=ppt/slides/slide7.xml><?xml version="1.0" encoding="utf-8"?>
+<p:sld xmlns:a="http://schemas.openxmlformats.org/drawingml/2006/main" xmlns:r="http://schemas.openxmlformats.org/officeDocument/2006/relationships" xmlns:p="http://schemas.openxmlformats.org/presentationml/2006/main">
+  <p:cSld>
+    <p:spTree>
+      <p:nvGrpSpPr>
+        <p:cNvPr id="1" name=""/>
+        <p:cNvGrpSpPr/>
+        <p:nvPr/>
+      </p:nvGrpSpPr>
+      <p:grpSpPr>
+        <a:xfrm>
+          <a:off x="0" y="0"/>
+          <a:ext cx="0" cy="0"/>
+          <a:chOff x="0" y="0"/>
+          <a:chExt cx="0" cy="0"/>
+        </a:xfrm>
+      </p:grpSpPr>
+      <p:pic>
+        <p:nvPicPr>
+          <p:cNvPr id="2" name="圖片 1">
+            <a:extLst>
+              <a:ext uri="{FF2B5EF4-FFF2-40B4-BE49-F238E27FC236}">
+                <a16:creationId xmlns:a16="http://schemas.microsoft.com/office/drawing/2014/main" id="{0815F44F-94AF-4CEC-8C19-0177F849AEF6}"/>
+              </a:ext>
+            </a:extLst>
+          </p:cNvPr>
+          <p:cNvPicPr>
+            <a:picLocks noChangeAspect="1"/>
+          </p:cNvPicPr>
+          <p:nvPr/>
+        </p:nvPicPr>
+        <p:blipFill>
+          <a:blip r:embed="rId2"/>
+          <a:stretch>
+            <a:fillRect/>
+          </a:stretch>
+        </p:blipFill>
+        <p:spPr>
+          <a:xfrm>
+            <a:off x="323850" y="628650"/>
+            <a:ext cx="11544300" cy="5600700"/>
+          </a:xfrm>
+          <a:prstGeom prst="rect">
+            <a:avLst/>
+          </a:prstGeom>
+        </p:spPr>
+      </p:pic>
+    </p:spTree>
+    <p:extLst>
+      <p:ext uri="{BB962C8B-B14F-4D97-AF65-F5344CB8AC3E}">
+        <p14:creationId xmlns:p14="http://schemas.microsoft.com/office/powerpoint/2010/main" val="2162746785"/>
+      </p:ext>
+    </p:extLst>
+  </p:cSld>
+  <p:clrMapOvr>
+    <a:masterClrMapping/>
+  </p:clrMapOvr>
+</p:sld>
+</file>
+
+<file path=ppt/slides/slide8.xml><?xml version="1.0" encoding="utf-8"?>
+<p:sld xmlns:a="http://schemas.openxmlformats.org/drawingml/2006/main" xmlns:r="http://schemas.openxmlformats.org/officeDocument/2006/relationships" xmlns:p="http://schemas.openxmlformats.org/presentationml/2006/main">
+  <p:cSld>
+    <p:spTree>
+      <p:nvGrpSpPr>
+        <p:cNvPr id="1" name=""/>
+        <p:cNvGrpSpPr/>
+        <p:nvPr/>
+      </p:nvGrpSpPr>
+      <p:grpSpPr>
+        <a:xfrm>
+          <a:off x="0" y="0"/>
+          <a:ext cx="0" cy="0"/>
+          <a:chOff x="0" y="0"/>
+          <a:chExt cx="0" cy="0"/>
+        </a:xfrm>
+      </p:grpSpPr>
+      <p:pic>
+        <p:nvPicPr>
+          <p:cNvPr id="2" name="圖片 1">
+            <a:extLst>
+              <a:ext uri="{FF2B5EF4-FFF2-40B4-BE49-F238E27FC236}">
+                <a16:creationId xmlns:a16="http://schemas.microsoft.com/office/drawing/2014/main" id="{516BFB61-DC5E-4DE4-A1D0-225241649ED6}"/>
+              </a:ext>
+            </a:extLst>
+          </p:cNvPr>
+          <p:cNvPicPr>
+            <a:picLocks noChangeAspect="1"/>
+          </p:cNvPicPr>
+          <p:nvPr/>
+        </p:nvPicPr>
+        <p:blipFill>
+          <a:blip r:embed="rId2"/>
+          <a:stretch>
+            <a:fillRect/>
+          </a:stretch>
+        </p:blipFill>
+        <p:spPr>
+          <a:xfrm>
+            <a:off x="33337" y="276225"/>
+            <a:ext cx="12125325" cy="6305550"/>
+          </a:xfrm>
+          <a:prstGeom prst="rect">
+            <a:avLst/>
+          </a:prstGeom>
+        </p:spPr>
+      </p:pic>
+    </p:spTree>
+    <p:extLst>
+      <p:ext uri="{BB962C8B-B14F-4D97-AF65-F5344CB8AC3E}">
+        <p14:creationId xmlns:p14="http://schemas.microsoft.com/office/powerpoint/2010/main" val="250628154"/>
+      </p:ext>
+    </p:extLst>
+  </p:cSld>
+  <p:clrMapOvr>
+    <a:masterClrMapping/>
+  </p:clrMapOvr>
+</p:sld>
+</file>
+
+<file path=ppt/slides/slide9.xml><?xml version="1.0" encoding="utf-8"?>
+<p:sld xmlns:a="http://schemas.openxmlformats.org/drawingml/2006/main" xmlns:r="http://schemas.openxmlformats.org/officeDocument/2006/relationships" xmlns:p="http://schemas.openxmlformats.org/presentationml/2006/main">
+  <p:cSld>
+    <p:spTree>
+      <p:nvGrpSpPr>
+        <p:cNvPr id="1" name=""/>
+        <p:cNvGrpSpPr/>
+        <p:nvPr/>
+      </p:nvGrpSpPr>
+      <p:grpSpPr>
+        <a:xfrm>
+          <a:off x="0" y="0"/>
+          <a:ext cx="0" cy="0"/>
+          <a:chOff x="0" y="0"/>
+          <a:chExt cx="0" cy="0"/>
+        </a:xfrm>
+      </p:grpSpPr>
+      <p:pic>
+        <p:nvPicPr>
+          <p:cNvPr id="2" name="圖片 1">
+            <a:extLst>
+              <a:ext uri="{FF2B5EF4-FFF2-40B4-BE49-F238E27FC236}">
+                <a16:creationId xmlns:a16="http://schemas.microsoft.com/office/drawing/2014/main" id="{69E72A90-1791-4906-8C36-C2F112466558}"/>
+              </a:ext>
+            </a:extLst>
+          </p:cNvPr>
+          <p:cNvPicPr>
+            <a:picLocks noChangeAspect="1"/>
+          </p:cNvPicPr>
+          <p:nvPr/>
+        </p:nvPicPr>
+        <p:blipFill>
+          <a:blip r:embed="rId2"/>
+          <a:stretch>
+            <a:fillRect/>
+          </a:stretch>
+        </p:blipFill>
+        <p:spPr>
+          <a:xfrm>
+            <a:off x="0" y="596234"/>
+            <a:ext cx="12192000" cy="5665531"/>
+          </a:xfrm>
+          <a:prstGeom prst="rect">
+            <a:avLst/>
+          </a:prstGeom>
+        </p:spPr>
+      </p:pic>
+    </p:spTree>
+    <p:extLst>
+      <p:ext uri="{BB962C8B-B14F-4D97-AF65-F5344CB8AC3E}">
+        <p14:creationId xmlns:p14="http://schemas.microsoft.com/office/powerpoint/2010/main" val="3576831844"/>
       </p:ext>
     </p:extLst>
   </p:cSld>

--- a/python講義.pptx
+++ b/python講義.pptx
@@ -36,7 +36,11 @@
     <p:sldId id="285" r:id="rId30"/>
     <p:sldId id="287" r:id="rId31"/>
     <p:sldId id="283" r:id="rId32"/>
-    <p:sldId id="286" r:id="rId33"/>
+    <p:sldId id="290" r:id="rId33"/>
+    <p:sldId id="291" r:id="rId34"/>
+    <p:sldId id="292" r:id="rId35"/>
+    <p:sldId id="293" r:id="rId36"/>
+    <p:sldId id="294" r:id="rId37"/>
   </p:sldIdLst>
   <p:sldSz cx="12192000" cy="6858000"/>
   <p:notesSz cx="6858000" cy="9144000"/>
@@ -2864,7 +2868,7 @@
           <a:p>
             <a:fld id="{32322C77-3870-48CC-9C51-EE7032AEA3C9}" type="datetimeFigureOut">
               <a:rPr lang="zh-TW" altLang="en-US" smtClean="0"/>
-              <a:t>2024/6/11</a:t>
+              <a:t>2024/7/5</a:t>
             </a:fld>
             <a:endParaRPr lang="zh-TW" altLang="en-US"/>
           </a:p>
@@ -3062,7 +3066,7 @@
           <a:p>
             <a:fld id="{32322C77-3870-48CC-9C51-EE7032AEA3C9}" type="datetimeFigureOut">
               <a:rPr lang="zh-TW" altLang="en-US" smtClean="0"/>
-              <a:t>2024/6/11</a:t>
+              <a:t>2024/7/5</a:t>
             </a:fld>
             <a:endParaRPr lang="zh-TW" altLang="en-US"/>
           </a:p>
@@ -3270,7 +3274,7 @@
           <a:p>
             <a:fld id="{32322C77-3870-48CC-9C51-EE7032AEA3C9}" type="datetimeFigureOut">
               <a:rPr lang="zh-TW" altLang="en-US" smtClean="0"/>
-              <a:t>2024/6/11</a:t>
+              <a:t>2024/7/5</a:t>
             </a:fld>
             <a:endParaRPr lang="zh-TW" altLang="en-US"/>
           </a:p>
@@ -3468,7 +3472,7 @@
           <a:p>
             <a:fld id="{32322C77-3870-48CC-9C51-EE7032AEA3C9}" type="datetimeFigureOut">
               <a:rPr lang="zh-TW" altLang="en-US" smtClean="0"/>
-              <a:t>2024/6/11</a:t>
+              <a:t>2024/7/5</a:t>
             </a:fld>
             <a:endParaRPr lang="zh-TW" altLang="en-US"/>
           </a:p>
@@ -3743,7 +3747,7 @@
           <a:p>
             <a:fld id="{32322C77-3870-48CC-9C51-EE7032AEA3C9}" type="datetimeFigureOut">
               <a:rPr lang="zh-TW" altLang="en-US" smtClean="0"/>
-              <a:t>2024/6/11</a:t>
+              <a:t>2024/7/5</a:t>
             </a:fld>
             <a:endParaRPr lang="zh-TW" altLang="en-US"/>
           </a:p>
@@ -4008,7 +4012,7 @@
           <a:p>
             <a:fld id="{32322C77-3870-48CC-9C51-EE7032AEA3C9}" type="datetimeFigureOut">
               <a:rPr lang="zh-TW" altLang="en-US" smtClean="0"/>
-              <a:t>2024/6/11</a:t>
+              <a:t>2024/7/5</a:t>
             </a:fld>
             <a:endParaRPr lang="zh-TW" altLang="en-US"/>
           </a:p>
@@ -4420,7 +4424,7 @@
           <a:p>
             <a:fld id="{32322C77-3870-48CC-9C51-EE7032AEA3C9}" type="datetimeFigureOut">
               <a:rPr lang="zh-TW" altLang="en-US" smtClean="0"/>
-              <a:t>2024/6/11</a:t>
+              <a:t>2024/7/5</a:t>
             </a:fld>
             <a:endParaRPr lang="zh-TW" altLang="en-US"/>
           </a:p>
@@ -4561,7 +4565,7 @@
           <a:p>
             <a:fld id="{32322C77-3870-48CC-9C51-EE7032AEA3C9}" type="datetimeFigureOut">
               <a:rPr lang="zh-TW" altLang="en-US" smtClean="0"/>
-              <a:t>2024/6/11</a:t>
+              <a:t>2024/7/5</a:t>
             </a:fld>
             <a:endParaRPr lang="zh-TW" altLang="en-US"/>
           </a:p>
@@ -4674,7 +4678,7 @@
           <a:p>
             <a:fld id="{32322C77-3870-48CC-9C51-EE7032AEA3C9}" type="datetimeFigureOut">
               <a:rPr lang="zh-TW" altLang="en-US" smtClean="0"/>
-              <a:t>2024/6/11</a:t>
+              <a:t>2024/7/5</a:t>
             </a:fld>
             <a:endParaRPr lang="zh-TW" altLang="en-US"/>
           </a:p>
@@ -4985,7 +4989,7 @@
           <a:p>
             <a:fld id="{32322C77-3870-48CC-9C51-EE7032AEA3C9}" type="datetimeFigureOut">
               <a:rPr lang="zh-TW" altLang="en-US" smtClean="0"/>
-              <a:t>2024/6/11</a:t>
+              <a:t>2024/7/5</a:t>
             </a:fld>
             <a:endParaRPr lang="zh-TW" altLang="en-US"/>
           </a:p>
@@ -5273,7 +5277,7 @@
           <a:p>
             <a:fld id="{32322C77-3870-48CC-9C51-EE7032AEA3C9}" type="datetimeFigureOut">
               <a:rPr lang="zh-TW" altLang="en-US" smtClean="0"/>
-              <a:t>2024/6/11</a:t>
+              <a:t>2024/7/5</a:t>
             </a:fld>
             <a:endParaRPr lang="zh-TW" altLang="en-US"/>
           </a:p>
@@ -5514,7 +5518,7 @@
           <a:p>
             <a:fld id="{32322C77-3870-48CC-9C51-EE7032AEA3C9}" type="datetimeFigureOut">
               <a:rPr lang="zh-TW" altLang="en-US" smtClean="0"/>
-              <a:t>2024/6/11</a:t>
+              <a:t>2024/7/5</a:t>
             </a:fld>
             <a:endParaRPr lang="zh-TW" altLang="en-US"/>
           </a:p>
@@ -8453,10 +8457,1285 @@
           <a:chExt cx="0" cy="0"/>
         </a:xfrm>
       </p:grpSpPr>
+      <p:sp>
+        <p:nvSpPr>
+          <p:cNvPr id="2" name="文字方塊 1">
+            <a:extLst>
+              <a:ext uri="{FF2B5EF4-FFF2-40B4-BE49-F238E27FC236}">
+                <a16:creationId xmlns:a16="http://schemas.microsoft.com/office/drawing/2014/main" id="{B043C254-4FBA-4497-A765-83A80384D345}"/>
+              </a:ext>
+            </a:extLst>
+          </p:cNvPr>
+          <p:cNvSpPr txBox="1"/>
+          <p:nvPr/>
+        </p:nvSpPr>
+        <p:spPr>
+          <a:xfrm>
+            <a:off x="2628472" y="770562"/>
+            <a:ext cx="6155933" cy="3816429"/>
+          </a:xfrm>
+          <a:prstGeom prst="rect">
+            <a:avLst/>
+          </a:prstGeom>
+          <a:noFill/>
+        </p:spPr>
+        <p:txBody>
+          <a:bodyPr wrap="square" rtlCol="0">
+            <a:spAutoFit/>
+          </a:bodyPr>
+          <a:lstStyle/>
+          <a:p>
+            <a:r>
+              <a:rPr lang="zh-TW" altLang="en-US" sz="3200" dirty="0"/>
+              <a:t>讀寫資料套件</a:t>
+            </a:r>
+            <a:endParaRPr lang="en-US" altLang="zh-TW" sz="3200" dirty="0"/>
+          </a:p>
+          <a:p>
+            <a:r>
+              <a:rPr lang="en-US" altLang="zh-TW" sz="3200" dirty="0"/>
+              <a:t>Pandas</a:t>
+            </a:r>
+          </a:p>
+          <a:p>
+            <a:r>
+              <a:rPr lang="en-US" altLang="zh-TW" sz="3200" dirty="0" err="1"/>
+              <a:t>Numpy</a:t>
+            </a:r>
+            <a:endParaRPr lang="en-US" altLang="zh-TW" sz="3200" dirty="0"/>
+          </a:p>
+          <a:p>
+            <a:endParaRPr lang="en-US" altLang="zh-TW" sz="3200" dirty="0"/>
+          </a:p>
+          <a:p>
+            <a:r>
+              <a:rPr lang="zh-TW" altLang="en-US" sz="3200" dirty="0"/>
+              <a:t>畫圖套件</a:t>
+            </a:r>
+            <a:endParaRPr lang="en-US" altLang="zh-TW" sz="3200" dirty="0"/>
+          </a:p>
+          <a:p>
+            <a:r>
+              <a:rPr lang="en-US" altLang="zh-TW" sz="3200" dirty="0"/>
+              <a:t>Matplotlib</a:t>
+            </a:r>
+          </a:p>
+          <a:p>
+            <a:r>
+              <a:rPr lang="en-US" altLang="zh-TW" sz="3200" dirty="0" err="1"/>
+              <a:t>Plotly</a:t>
+            </a:r>
+            <a:endParaRPr lang="en-US" altLang="zh-TW" sz="3200" dirty="0"/>
+          </a:p>
+          <a:p>
+            <a:endParaRPr lang="en-US" altLang="zh-TW" dirty="0"/>
+          </a:p>
+        </p:txBody>
+      </p:sp>
     </p:spTree>
     <p:extLst>
       <p:ext uri="{BB962C8B-B14F-4D97-AF65-F5344CB8AC3E}">
-        <p14:creationId xmlns:p14="http://schemas.microsoft.com/office/powerpoint/2010/main" val="3601165254"/>
+        <p14:creationId xmlns:p14="http://schemas.microsoft.com/office/powerpoint/2010/main" val="3279431173"/>
+      </p:ext>
+    </p:extLst>
+  </p:cSld>
+  <p:clrMapOvr>
+    <a:masterClrMapping/>
+  </p:clrMapOvr>
+</p:sld>
+</file>
+
+<file path=ppt/slides/slide33.xml><?xml version="1.0" encoding="utf-8"?>
+<p:sld xmlns:a="http://schemas.openxmlformats.org/drawingml/2006/main" xmlns:r="http://schemas.openxmlformats.org/officeDocument/2006/relationships" xmlns:p="http://schemas.openxmlformats.org/presentationml/2006/main">
+  <p:cSld>
+    <p:spTree>
+      <p:nvGrpSpPr>
+        <p:cNvPr id="1" name=""/>
+        <p:cNvGrpSpPr/>
+        <p:nvPr/>
+      </p:nvGrpSpPr>
+      <p:grpSpPr>
+        <a:xfrm>
+          <a:off x="0" y="0"/>
+          <a:ext cx="0" cy="0"/>
+          <a:chOff x="0" y="0"/>
+          <a:chExt cx="0" cy="0"/>
+        </a:xfrm>
+      </p:grpSpPr>
+      <p:sp>
+        <p:nvSpPr>
+          <p:cNvPr id="2" name="矩形 1">
+            <a:extLst>
+              <a:ext uri="{FF2B5EF4-FFF2-40B4-BE49-F238E27FC236}">
+                <a16:creationId xmlns:a16="http://schemas.microsoft.com/office/drawing/2014/main" id="{4249FFF3-7276-4762-B0CE-F403B48FFF96}"/>
+              </a:ext>
+            </a:extLst>
+          </p:cNvPr>
+          <p:cNvSpPr/>
+          <p:nvPr/>
+        </p:nvSpPr>
+        <p:spPr>
+          <a:xfrm>
+            <a:off x="226031" y="132071"/>
+            <a:ext cx="9054958" cy="4031873"/>
+          </a:xfrm>
+          <a:prstGeom prst="rect">
+            <a:avLst/>
+          </a:prstGeom>
+        </p:spPr>
+        <p:txBody>
+          <a:bodyPr wrap="square">
+            <a:spAutoFit/>
+          </a:bodyPr>
+          <a:lstStyle/>
+          <a:p>
+            <a:r>
+              <a:rPr lang="zh-TW" altLang="en-US" sz="3200" dirty="0">
+                <a:latin typeface="Consolas" panose="020B0609020204030204" pitchFamily="49" charset="0"/>
+              </a:rPr>
+              <a:t>    函數是一個僅在被呼叫時運行的程式碼區塊。</a:t>
+            </a:r>
+          </a:p>
+          <a:p>
+            <a:br>
+              <a:rPr lang="zh-TW" altLang="en-US" sz="3200" dirty="0">
+                <a:latin typeface="Consolas" panose="020B0609020204030204" pitchFamily="49" charset="0"/>
+              </a:rPr>
+            </a:br>
+            <a:r>
+              <a:rPr lang="zh-TW" altLang="en-US" sz="3200" dirty="0">
+                <a:latin typeface="Consolas" panose="020B0609020204030204" pitchFamily="49" charset="0"/>
+              </a:rPr>
+              <a:t>    您可以將資料（稱為參數）傳遞到函數中。</a:t>
+            </a:r>
+          </a:p>
+          <a:p>
+            <a:br>
+              <a:rPr lang="zh-TW" altLang="en-US" sz="3200" dirty="0">
+                <a:latin typeface="Consolas" panose="020B0609020204030204" pitchFamily="49" charset="0"/>
+              </a:rPr>
+            </a:br>
+            <a:r>
+              <a:rPr lang="zh-TW" altLang="en-US" sz="3200" dirty="0">
+                <a:latin typeface="Consolas" panose="020B0609020204030204" pitchFamily="49" charset="0"/>
+              </a:rPr>
+              <a:t>    函數可以傳回資料作為結果。</a:t>
+            </a:r>
+            <a:endParaRPr lang="en-US" altLang="zh-TW" sz="3200" dirty="0">
+              <a:latin typeface="Consolas" panose="020B0609020204030204" pitchFamily="49" charset="0"/>
+            </a:endParaRPr>
+          </a:p>
+          <a:p>
+            <a:endParaRPr lang="en-US" altLang="zh-TW" sz="3200" dirty="0">
+              <a:latin typeface="Consolas" panose="020B0609020204030204" pitchFamily="49" charset="0"/>
+            </a:endParaRPr>
+          </a:p>
+          <a:p>
+            <a:r>
+              <a:rPr lang="en-US" altLang="zh-TW" sz="3200" b="0" dirty="0">
+                <a:effectLst/>
+                <a:latin typeface="Consolas" panose="020B0609020204030204" pitchFamily="49" charset="0"/>
+              </a:rPr>
+              <a:t>	</a:t>
+            </a:r>
+            <a:r>
+              <a:rPr lang="zh-TW" altLang="en-US" sz="3200" b="1" dirty="0">
+                <a:effectLst/>
+                <a:latin typeface="Consolas" panose="020B0609020204030204" pitchFamily="49" charset="0"/>
+              </a:rPr>
+              <a:t>可以讓程式碼可讀性變高</a:t>
+            </a:r>
+            <a:endParaRPr lang="en-US" altLang="zh-TW" sz="3200" b="1" dirty="0">
+              <a:effectLst/>
+              <a:latin typeface="Consolas" panose="020B0609020204030204" pitchFamily="49" charset="0"/>
+            </a:endParaRPr>
+          </a:p>
+          <a:p>
+            <a:endParaRPr lang="zh-TW" altLang="en-US" sz="3200" b="0" dirty="0">
+              <a:effectLst/>
+              <a:latin typeface="Consolas" panose="020B0609020204030204" pitchFamily="49" charset="0"/>
+            </a:endParaRPr>
+          </a:p>
+        </p:txBody>
+      </p:sp>
+      <p:sp>
+        <p:nvSpPr>
+          <p:cNvPr id="3" name="矩形 2">
+            <a:extLst>
+              <a:ext uri="{FF2B5EF4-FFF2-40B4-BE49-F238E27FC236}">
+                <a16:creationId xmlns:a16="http://schemas.microsoft.com/office/drawing/2014/main" id="{8972F146-3D93-4F8A-B8C7-273F072429D0}"/>
+              </a:ext>
+            </a:extLst>
+          </p:cNvPr>
+          <p:cNvSpPr/>
+          <p:nvPr/>
+        </p:nvSpPr>
+        <p:spPr>
+          <a:xfrm>
+            <a:off x="1458931" y="3799945"/>
+            <a:ext cx="7822058" cy="2554545"/>
+          </a:xfrm>
+          <a:prstGeom prst="rect">
+            <a:avLst/>
+          </a:prstGeom>
+        </p:spPr>
+        <p:txBody>
+          <a:bodyPr wrap="square">
+            <a:spAutoFit/>
+          </a:bodyPr>
+          <a:lstStyle/>
+          <a:p>
+            <a:r>
+              <a:rPr lang="en-US" altLang="zh-TW" sz="3200" dirty="0">
+                <a:solidFill>
+                  <a:srgbClr val="569CD6"/>
+                </a:solidFill>
+                <a:latin typeface="Consolas" panose="020B0609020204030204" pitchFamily="49" charset="0"/>
+              </a:rPr>
+              <a:t>def</a:t>
+            </a:r>
+            <a:r>
+              <a:rPr lang="en-US" altLang="zh-TW" sz="3200" dirty="0">
+                <a:solidFill>
+                  <a:srgbClr val="D4D4D4"/>
+                </a:solidFill>
+                <a:latin typeface="Consolas" panose="020B0609020204030204" pitchFamily="49" charset="0"/>
+              </a:rPr>
+              <a:t> </a:t>
+            </a:r>
+            <a:r>
+              <a:rPr lang="en-US" altLang="zh-TW" sz="3200" dirty="0">
+                <a:solidFill>
+                  <a:srgbClr val="DCDCAA"/>
+                </a:solidFill>
+                <a:latin typeface="Consolas" panose="020B0609020204030204" pitchFamily="49" charset="0"/>
+              </a:rPr>
+              <a:t>my_function1</a:t>
+            </a:r>
+            <a:r>
+              <a:rPr lang="en-US" altLang="zh-TW" sz="3200" dirty="0">
+                <a:solidFill>
+                  <a:srgbClr val="D4D4D4"/>
+                </a:solidFill>
+                <a:latin typeface="Consolas" panose="020B0609020204030204" pitchFamily="49" charset="0"/>
+              </a:rPr>
+              <a:t>():</a:t>
+            </a:r>
+          </a:p>
+          <a:p>
+            <a:r>
+              <a:rPr lang="en-US" altLang="zh-TW" sz="3200" dirty="0">
+                <a:solidFill>
+                  <a:srgbClr val="D4D4D4"/>
+                </a:solidFill>
+                <a:latin typeface="Consolas" panose="020B0609020204030204" pitchFamily="49" charset="0"/>
+              </a:rPr>
+              <a:t>  </a:t>
+            </a:r>
+            <a:r>
+              <a:rPr lang="en-US" altLang="zh-TW" sz="3200" dirty="0">
+                <a:solidFill>
+                  <a:srgbClr val="DCDCAA"/>
+                </a:solidFill>
+                <a:latin typeface="Consolas" panose="020B0609020204030204" pitchFamily="49" charset="0"/>
+              </a:rPr>
+              <a:t>print</a:t>
+            </a:r>
+            <a:r>
+              <a:rPr lang="en-US" altLang="zh-TW" sz="3200" dirty="0">
+                <a:solidFill>
+                  <a:srgbClr val="D4D4D4"/>
+                </a:solidFill>
+                <a:latin typeface="Consolas" panose="020B0609020204030204" pitchFamily="49" charset="0"/>
+              </a:rPr>
+              <a:t>(</a:t>
+            </a:r>
+            <a:r>
+              <a:rPr lang="en-US" altLang="zh-TW" sz="3200" dirty="0">
+                <a:solidFill>
+                  <a:srgbClr val="CE9178"/>
+                </a:solidFill>
+                <a:latin typeface="Consolas" panose="020B0609020204030204" pitchFamily="49" charset="0"/>
+              </a:rPr>
+              <a:t>"Hello from a function"</a:t>
+            </a:r>
+            <a:r>
+              <a:rPr lang="en-US" altLang="zh-TW" sz="3200" dirty="0">
+                <a:solidFill>
+                  <a:srgbClr val="D4D4D4"/>
+                </a:solidFill>
+                <a:latin typeface="Consolas" panose="020B0609020204030204" pitchFamily="49" charset="0"/>
+              </a:rPr>
+              <a:t>)</a:t>
+            </a:r>
+          </a:p>
+          <a:p>
+            <a:br>
+              <a:rPr lang="en-US" altLang="zh-TW" sz="3200" dirty="0">
+                <a:solidFill>
+                  <a:srgbClr val="D4D4D4"/>
+                </a:solidFill>
+                <a:latin typeface="Consolas" panose="020B0609020204030204" pitchFamily="49" charset="0"/>
+              </a:rPr>
+            </a:br>
+            <a:r>
+              <a:rPr lang="en-US" altLang="zh-TW" sz="3200" dirty="0">
+                <a:solidFill>
+                  <a:srgbClr val="569CD6"/>
+                </a:solidFill>
+                <a:latin typeface="Consolas" panose="020B0609020204030204" pitchFamily="49" charset="0"/>
+              </a:rPr>
+              <a:t>def</a:t>
+            </a:r>
+            <a:r>
+              <a:rPr lang="en-US" altLang="zh-TW" sz="3200" dirty="0">
+                <a:solidFill>
+                  <a:srgbClr val="D4D4D4"/>
+                </a:solidFill>
+                <a:latin typeface="Consolas" panose="020B0609020204030204" pitchFamily="49" charset="0"/>
+              </a:rPr>
+              <a:t> </a:t>
+            </a:r>
+            <a:r>
+              <a:rPr lang="en-US" altLang="zh-TW" sz="3200" dirty="0">
+                <a:solidFill>
+                  <a:srgbClr val="DCDCAA"/>
+                </a:solidFill>
+                <a:latin typeface="Consolas" panose="020B0609020204030204" pitchFamily="49" charset="0"/>
+              </a:rPr>
+              <a:t>my_function2</a:t>
+            </a:r>
+            <a:r>
+              <a:rPr lang="en-US" altLang="zh-TW" sz="3200" dirty="0">
+                <a:solidFill>
+                  <a:srgbClr val="D4D4D4"/>
+                </a:solidFill>
+                <a:latin typeface="Consolas" panose="020B0609020204030204" pitchFamily="49" charset="0"/>
+              </a:rPr>
+              <a:t>(</a:t>
+            </a:r>
+            <a:r>
+              <a:rPr lang="en-US" altLang="zh-TW" sz="3200" dirty="0" err="1">
+                <a:solidFill>
+                  <a:srgbClr val="9CDCFE"/>
+                </a:solidFill>
+                <a:latin typeface="Consolas" panose="020B0609020204030204" pitchFamily="49" charset="0"/>
+              </a:rPr>
+              <a:t>fname</a:t>
+            </a:r>
+            <a:r>
+              <a:rPr lang="en-US" altLang="zh-TW" sz="3200" dirty="0">
+                <a:solidFill>
+                  <a:srgbClr val="D4D4D4"/>
+                </a:solidFill>
+                <a:latin typeface="Consolas" panose="020B0609020204030204" pitchFamily="49" charset="0"/>
+              </a:rPr>
+              <a:t>, </a:t>
+            </a:r>
+            <a:r>
+              <a:rPr lang="en-US" altLang="zh-TW" sz="3200" dirty="0" err="1">
+                <a:solidFill>
+                  <a:srgbClr val="9CDCFE"/>
+                </a:solidFill>
+                <a:latin typeface="Consolas" panose="020B0609020204030204" pitchFamily="49" charset="0"/>
+              </a:rPr>
+              <a:t>lname</a:t>
+            </a:r>
+            <a:r>
+              <a:rPr lang="en-US" altLang="zh-TW" sz="3200" dirty="0">
+                <a:solidFill>
+                  <a:srgbClr val="D4D4D4"/>
+                </a:solidFill>
+                <a:latin typeface="Consolas" panose="020B0609020204030204" pitchFamily="49" charset="0"/>
+              </a:rPr>
+              <a:t>):</a:t>
+            </a:r>
+          </a:p>
+          <a:p>
+            <a:r>
+              <a:rPr lang="en-US" altLang="zh-TW" sz="3200" dirty="0">
+                <a:solidFill>
+                  <a:srgbClr val="D4D4D4"/>
+                </a:solidFill>
+                <a:latin typeface="Consolas" panose="020B0609020204030204" pitchFamily="49" charset="0"/>
+              </a:rPr>
+              <a:t>  </a:t>
+            </a:r>
+            <a:r>
+              <a:rPr lang="en-US" altLang="zh-TW" sz="3200" dirty="0">
+                <a:solidFill>
+                  <a:srgbClr val="DCDCAA"/>
+                </a:solidFill>
+                <a:latin typeface="Consolas" panose="020B0609020204030204" pitchFamily="49" charset="0"/>
+              </a:rPr>
+              <a:t>print</a:t>
+            </a:r>
+            <a:r>
+              <a:rPr lang="en-US" altLang="zh-TW" sz="3200" dirty="0">
+                <a:solidFill>
+                  <a:srgbClr val="D4D4D4"/>
+                </a:solidFill>
+                <a:latin typeface="Consolas" panose="020B0609020204030204" pitchFamily="49" charset="0"/>
+              </a:rPr>
+              <a:t>(</a:t>
+            </a:r>
+            <a:r>
+              <a:rPr lang="en-US" altLang="zh-TW" sz="3200" dirty="0" err="1">
+                <a:solidFill>
+                  <a:srgbClr val="D4D4D4"/>
+                </a:solidFill>
+                <a:latin typeface="Consolas" panose="020B0609020204030204" pitchFamily="49" charset="0"/>
+              </a:rPr>
+              <a:t>fname</a:t>
+            </a:r>
+            <a:r>
+              <a:rPr lang="en-US" altLang="zh-TW" sz="3200" dirty="0">
+                <a:solidFill>
+                  <a:srgbClr val="D4D4D4"/>
+                </a:solidFill>
+                <a:latin typeface="Consolas" panose="020B0609020204030204" pitchFamily="49" charset="0"/>
+              </a:rPr>
+              <a:t> + </a:t>
+            </a:r>
+            <a:r>
+              <a:rPr lang="en-US" altLang="zh-TW" sz="3200" dirty="0">
+                <a:solidFill>
+                  <a:srgbClr val="CE9178"/>
+                </a:solidFill>
+                <a:latin typeface="Consolas" panose="020B0609020204030204" pitchFamily="49" charset="0"/>
+              </a:rPr>
+              <a:t>" "</a:t>
+            </a:r>
+            <a:r>
+              <a:rPr lang="en-US" altLang="zh-TW" sz="3200" dirty="0">
+                <a:solidFill>
+                  <a:srgbClr val="D4D4D4"/>
+                </a:solidFill>
+                <a:latin typeface="Consolas" panose="020B0609020204030204" pitchFamily="49" charset="0"/>
+              </a:rPr>
+              <a:t> + </a:t>
+            </a:r>
+            <a:r>
+              <a:rPr lang="en-US" altLang="zh-TW" sz="3200" dirty="0" err="1">
+                <a:solidFill>
+                  <a:srgbClr val="D4D4D4"/>
+                </a:solidFill>
+                <a:latin typeface="Consolas" panose="020B0609020204030204" pitchFamily="49" charset="0"/>
+              </a:rPr>
+              <a:t>lname</a:t>
+            </a:r>
+            <a:r>
+              <a:rPr lang="en-US" altLang="zh-TW" sz="3200" dirty="0">
+                <a:solidFill>
+                  <a:srgbClr val="D4D4D4"/>
+                </a:solidFill>
+                <a:latin typeface="Consolas" panose="020B0609020204030204" pitchFamily="49" charset="0"/>
+              </a:rPr>
+              <a:t>)</a:t>
+            </a:r>
+            <a:endParaRPr lang="en-US" altLang="zh-TW" sz="3200" b="0" dirty="0">
+              <a:solidFill>
+                <a:srgbClr val="D4D4D4"/>
+              </a:solidFill>
+              <a:effectLst/>
+              <a:latin typeface="Consolas" panose="020B0609020204030204" pitchFamily="49" charset="0"/>
+            </a:endParaRPr>
+          </a:p>
+        </p:txBody>
+      </p:sp>
+    </p:spTree>
+    <p:extLst>
+      <p:ext uri="{BB962C8B-B14F-4D97-AF65-F5344CB8AC3E}">
+        <p14:creationId xmlns:p14="http://schemas.microsoft.com/office/powerpoint/2010/main" val="1825842083"/>
+      </p:ext>
+    </p:extLst>
+  </p:cSld>
+  <p:clrMapOvr>
+    <a:masterClrMapping/>
+  </p:clrMapOvr>
+</p:sld>
+</file>
+
+<file path=ppt/slides/slide34.xml><?xml version="1.0" encoding="utf-8"?>
+<p:sld xmlns:a="http://schemas.openxmlformats.org/drawingml/2006/main" xmlns:r="http://schemas.openxmlformats.org/officeDocument/2006/relationships" xmlns:p="http://schemas.openxmlformats.org/presentationml/2006/main">
+  <p:cSld>
+    <p:spTree>
+      <p:nvGrpSpPr>
+        <p:cNvPr id="1" name=""/>
+        <p:cNvGrpSpPr/>
+        <p:nvPr/>
+      </p:nvGrpSpPr>
+      <p:grpSpPr>
+        <a:xfrm>
+          <a:off x="0" y="0"/>
+          <a:ext cx="0" cy="0"/>
+          <a:chOff x="0" y="0"/>
+          <a:chExt cx="0" cy="0"/>
+        </a:xfrm>
+      </p:grpSpPr>
+      <p:pic>
+        <p:nvPicPr>
+          <p:cNvPr id="2" name="圖片 1">
+            <a:extLst>
+              <a:ext uri="{FF2B5EF4-FFF2-40B4-BE49-F238E27FC236}">
+                <a16:creationId xmlns:a16="http://schemas.microsoft.com/office/drawing/2014/main" id="{1CE03B16-8013-4DC0-9DC3-5DCD77E6EEE5}"/>
+              </a:ext>
+            </a:extLst>
+          </p:cNvPr>
+          <p:cNvPicPr>
+            <a:picLocks noChangeAspect="1"/>
+          </p:cNvPicPr>
+          <p:nvPr/>
+        </p:nvPicPr>
+        <p:blipFill>
+          <a:blip r:embed="rId2"/>
+          <a:stretch>
+            <a:fillRect/>
+          </a:stretch>
+        </p:blipFill>
+        <p:spPr>
+          <a:xfrm>
+            <a:off x="239409" y="229991"/>
+            <a:ext cx="11487150" cy="3562350"/>
+          </a:xfrm>
+          <a:prstGeom prst="rect">
+            <a:avLst/>
+          </a:prstGeom>
+        </p:spPr>
+      </p:pic>
+      <p:pic>
+        <p:nvPicPr>
+          <p:cNvPr id="3" name="圖片 2">
+            <a:extLst>
+              <a:ext uri="{FF2B5EF4-FFF2-40B4-BE49-F238E27FC236}">
+                <a16:creationId xmlns:a16="http://schemas.microsoft.com/office/drawing/2014/main" id="{6CEE0B0B-CEF0-4952-A862-22FAC9C3C5C0}"/>
+              </a:ext>
+            </a:extLst>
+          </p:cNvPr>
+          <p:cNvPicPr>
+            <a:picLocks noChangeAspect="1"/>
+          </p:cNvPicPr>
+          <p:nvPr/>
+        </p:nvPicPr>
+        <p:blipFill rotWithShape="1">
+          <a:blip r:embed="rId3"/>
+          <a:srcRect b="3918"/>
+          <a:stretch/>
+        </p:blipFill>
+        <p:spPr>
+          <a:xfrm>
+            <a:off x="675311" y="4046894"/>
+            <a:ext cx="6896100" cy="2168972"/>
+          </a:xfrm>
+          <a:prstGeom prst="rect">
+            <a:avLst/>
+          </a:prstGeom>
+        </p:spPr>
+      </p:pic>
+    </p:spTree>
+    <p:extLst>
+      <p:ext uri="{BB962C8B-B14F-4D97-AF65-F5344CB8AC3E}">
+        <p14:creationId xmlns:p14="http://schemas.microsoft.com/office/powerpoint/2010/main" val="3318502287"/>
+      </p:ext>
+    </p:extLst>
+  </p:cSld>
+  <p:clrMapOvr>
+    <a:masterClrMapping/>
+  </p:clrMapOvr>
+</p:sld>
+</file>
+
+<file path=ppt/slides/slide35.xml><?xml version="1.0" encoding="utf-8"?>
+<p:sld xmlns:a="http://schemas.openxmlformats.org/drawingml/2006/main" xmlns:r="http://schemas.openxmlformats.org/officeDocument/2006/relationships" xmlns:p="http://schemas.openxmlformats.org/presentationml/2006/main">
+  <p:cSld>
+    <p:spTree>
+      <p:nvGrpSpPr>
+        <p:cNvPr id="1" name=""/>
+        <p:cNvGrpSpPr/>
+        <p:nvPr/>
+      </p:nvGrpSpPr>
+      <p:grpSpPr>
+        <a:xfrm>
+          <a:off x="0" y="0"/>
+          <a:ext cx="0" cy="0"/>
+          <a:chOff x="0" y="0"/>
+          <a:chExt cx="0" cy="0"/>
+        </a:xfrm>
+      </p:grpSpPr>
+      <p:sp>
+        <p:nvSpPr>
+          <p:cNvPr id="2" name="文字方塊 1">
+            <a:extLst>
+              <a:ext uri="{FF2B5EF4-FFF2-40B4-BE49-F238E27FC236}">
+                <a16:creationId xmlns:a16="http://schemas.microsoft.com/office/drawing/2014/main" id="{B37A5326-9F8C-4C1B-B2D4-769054DCAA14}"/>
+              </a:ext>
+            </a:extLst>
+          </p:cNvPr>
+          <p:cNvSpPr txBox="1"/>
+          <p:nvPr/>
+        </p:nvSpPr>
+        <p:spPr>
+          <a:xfrm>
+            <a:off x="328774" y="184935"/>
+            <a:ext cx="1387010" cy="492443"/>
+          </a:xfrm>
+          <a:prstGeom prst="rect">
+            <a:avLst/>
+          </a:prstGeom>
+          <a:noFill/>
+        </p:spPr>
+        <p:txBody>
+          <a:bodyPr wrap="square" rtlCol="0">
+            <a:spAutoFit/>
+          </a:bodyPr>
+          <a:lstStyle/>
+          <a:p>
+            <a:r>
+              <a:rPr lang="en-US" altLang="zh-TW" sz="2600" dirty="0"/>
+              <a:t>10</a:t>
+            </a:r>
+            <a:r>
+              <a:rPr lang="zh-TW" altLang="en-US" sz="2600" dirty="0"/>
+              <a:t> 例子</a:t>
+            </a:r>
+          </a:p>
+        </p:txBody>
+      </p:sp>
+      <p:sp>
+        <p:nvSpPr>
+          <p:cNvPr id="3" name="文字方塊 2">
+            <a:extLst>
+              <a:ext uri="{FF2B5EF4-FFF2-40B4-BE49-F238E27FC236}">
+                <a16:creationId xmlns:a16="http://schemas.microsoft.com/office/drawing/2014/main" id="{291EC2F1-6900-4F25-9709-6191AAC544D4}"/>
+              </a:ext>
+            </a:extLst>
+          </p:cNvPr>
+          <p:cNvSpPr txBox="1"/>
+          <p:nvPr/>
+        </p:nvSpPr>
+        <p:spPr>
+          <a:xfrm>
+            <a:off x="863029" y="922963"/>
+            <a:ext cx="7983020" cy="492443"/>
+          </a:xfrm>
+          <a:prstGeom prst="rect">
+            <a:avLst/>
+          </a:prstGeom>
+          <a:noFill/>
+        </p:spPr>
+        <p:txBody>
+          <a:bodyPr wrap="square" rtlCol="0">
+            <a:spAutoFit/>
+          </a:bodyPr>
+          <a:lstStyle/>
+          <a:p>
+            <a:r>
+              <a:rPr lang="zh-TW" altLang="en-US" sz="2600" dirty="0"/>
+              <a:t>批量讀取</a:t>
+            </a:r>
+            <a:r>
+              <a:rPr lang="en-US" altLang="zh-TW" sz="2600" dirty="0"/>
+              <a:t>csv</a:t>
+            </a:r>
+            <a:r>
+              <a:rPr lang="zh-TW" altLang="en-US" sz="2600" dirty="0"/>
+              <a:t>並畫圖且以</a:t>
+            </a:r>
+            <a:r>
+              <a:rPr lang="en-US" altLang="zh-TW" sz="2600" dirty="0" err="1"/>
+              <a:t>numpy</a:t>
+            </a:r>
+            <a:r>
+              <a:rPr lang="zh-TW" altLang="en-US" sz="2600" dirty="0"/>
+              <a:t>保存畫圖的數據</a:t>
+            </a:r>
+          </a:p>
+        </p:txBody>
+      </p:sp>
+    </p:spTree>
+    <p:extLst>
+      <p:ext uri="{BB962C8B-B14F-4D97-AF65-F5344CB8AC3E}">
+        <p14:creationId xmlns:p14="http://schemas.microsoft.com/office/powerpoint/2010/main" val="2305707062"/>
+      </p:ext>
+    </p:extLst>
+  </p:cSld>
+  <p:clrMapOvr>
+    <a:masterClrMapping/>
+  </p:clrMapOvr>
+</p:sld>
+</file>
+
+<file path=ppt/slides/slide36.xml><?xml version="1.0" encoding="utf-8"?>
+<p:sld xmlns:a="http://schemas.openxmlformats.org/drawingml/2006/main" xmlns:r="http://schemas.openxmlformats.org/officeDocument/2006/relationships" xmlns:p="http://schemas.openxmlformats.org/presentationml/2006/main">
+  <p:cSld>
+    <p:spTree>
+      <p:nvGrpSpPr>
+        <p:cNvPr id="1" name=""/>
+        <p:cNvGrpSpPr/>
+        <p:nvPr/>
+      </p:nvGrpSpPr>
+      <p:grpSpPr>
+        <a:xfrm>
+          <a:off x="0" y="0"/>
+          <a:ext cx="0" cy="0"/>
+          <a:chOff x="0" y="0"/>
+          <a:chExt cx="0" cy="0"/>
+        </a:xfrm>
+      </p:grpSpPr>
+      <p:sp>
+        <p:nvSpPr>
+          <p:cNvPr id="2" name="文字方塊 1">
+            <a:extLst>
+              <a:ext uri="{FF2B5EF4-FFF2-40B4-BE49-F238E27FC236}">
+                <a16:creationId xmlns:a16="http://schemas.microsoft.com/office/drawing/2014/main" id="{282294E2-2C67-4529-A1E5-6AB7C6B337EB}"/>
+              </a:ext>
+            </a:extLst>
+          </p:cNvPr>
+          <p:cNvSpPr txBox="1"/>
+          <p:nvPr/>
+        </p:nvSpPr>
+        <p:spPr>
+          <a:xfrm>
+            <a:off x="503433" y="329042"/>
+            <a:ext cx="2157573" cy="492443"/>
+          </a:xfrm>
+          <a:prstGeom prst="rect">
+            <a:avLst/>
+          </a:prstGeom>
+          <a:noFill/>
+        </p:spPr>
+        <p:txBody>
+          <a:bodyPr wrap="square" rtlCol="0">
+            <a:spAutoFit/>
+          </a:bodyPr>
+          <a:lstStyle/>
+          <a:p>
+            <a:r>
+              <a:rPr lang="en-US" altLang="zh-TW" sz="2600" dirty="0"/>
+              <a:t>API</a:t>
+            </a:r>
+            <a:r>
+              <a:rPr lang="zh-TW" altLang="en-US" sz="2600" dirty="0"/>
+              <a:t>使用</a:t>
+            </a:r>
+          </a:p>
+        </p:txBody>
+      </p:sp>
+      <p:sp>
+        <p:nvSpPr>
+          <p:cNvPr id="4" name="矩形 3">
+            <a:extLst>
+              <a:ext uri="{FF2B5EF4-FFF2-40B4-BE49-F238E27FC236}">
+                <a16:creationId xmlns:a16="http://schemas.microsoft.com/office/drawing/2014/main" id="{0AE8946A-504C-474B-856F-C61246458C62}"/>
+              </a:ext>
+            </a:extLst>
+          </p:cNvPr>
+          <p:cNvSpPr/>
+          <p:nvPr/>
+        </p:nvSpPr>
+        <p:spPr>
+          <a:xfrm>
+            <a:off x="2661006" y="329042"/>
+            <a:ext cx="8209052" cy="6463308"/>
+          </a:xfrm>
+          <a:prstGeom prst="rect">
+            <a:avLst/>
+          </a:prstGeom>
+        </p:spPr>
+        <p:txBody>
+          <a:bodyPr wrap="square">
+            <a:spAutoFit/>
+          </a:bodyPr>
+          <a:lstStyle/>
+          <a:p>
+            <a:r>
+              <a:rPr lang="en-US" altLang="zh-TW" dirty="0">
+                <a:latin typeface="Times New Roman" panose="02020603050405020304" pitchFamily="18" charset="0"/>
+                <a:cs typeface="Times New Roman" panose="02020603050405020304" pitchFamily="18" charset="0"/>
+              </a:rPr>
+              <a:t>import requests</a:t>
+            </a:r>
+            <a:br>
+              <a:rPr lang="en-US" altLang="zh-TW" dirty="0">
+                <a:latin typeface="Times New Roman" panose="02020603050405020304" pitchFamily="18" charset="0"/>
+                <a:cs typeface="Times New Roman" panose="02020603050405020304" pitchFamily="18" charset="0"/>
+              </a:rPr>
+            </a:br>
+            <a:br>
+              <a:rPr lang="en-US" altLang="zh-TW" dirty="0">
+                <a:latin typeface="Times New Roman" panose="02020603050405020304" pitchFamily="18" charset="0"/>
+                <a:cs typeface="Times New Roman" panose="02020603050405020304" pitchFamily="18" charset="0"/>
+              </a:rPr>
+            </a:br>
+            <a:r>
+              <a:rPr lang="en-US" altLang="zh-TW" dirty="0">
+                <a:latin typeface="Times New Roman" panose="02020603050405020304" pitchFamily="18" charset="0"/>
+                <a:cs typeface="Times New Roman" panose="02020603050405020304" pitchFamily="18" charset="0"/>
+              </a:rPr>
+              <a:t>endpoint = "http://{host}/backend/</a:t>
+            </a:r>
+            <a:r>
+              <a:rPr lang="en-US" altLang="zh-TW" dirty="0" err="1">
+                <a:latin typeface="Times New Roman" panose="02020603050405020304" pitchFamily="18" charset="0"/>
+                <a:cs typeface="Times New Roman" panose="02020603050405020304" pitchFamily="18" charset="0"/>
+              </a:rPr>
+              <a:t>api</a:t>
+            </a:r>
+            <a:r>
+              <a:rPr lang="en-US" altLang="zh-TW" dirty="0">
+                <a:latin typeface="Times New Roman" panose="02020603050405020304" pitchFamily="18" charset="0"/>
+                <a:cs typeface="Times New Roman" panose="02020603050405020304" pitchFamily="18" charset="0"/>
+              </a:rPr>
+              <a:t>/v1/</a:t>
+            </a:r>
+            <a:r>
+              <a:rPr lang="en-US" altLang="zh-TW" dirty="0" err="1">
+                <a:latin typeface="Times New Roman" panose="02020603050405020304" pitchFamily="18" charset="0"/>
+                <a:cs typeface="Times New Roman" panose="02020603050405020304" pitchFamily="18" charset="0"/>
+              </a:rPr>
+              <a:t>obs</a:t>
+            </a:r>
+            <a:r>
+              <a:rPr lang="en-US" altLang="zh-TW" dirty="0">
+                <a:latin typeface="Times New Roman" panose="02020603050405020304" pitchFamily="18" charset="0"/>
+                <a:cs typeface="Times New Roman" panose="02020603050405020304" pitchFamily="18" charset="0"/>
+              </a:rPr>
+              <a:t>/</a:t>
+            </a:r>
+            <a:r>
+              <a:rPr lang="en-US" altLang="zh-TW" dirty="0" err="1">
+                <a:latin typeface="Times New Roman" panose="02020603050405020304" pitchFamily="18" charset="0"/>
+                <a:cs typeface="Times New Roman" panose="02020603050405020304" pitchFamily="18" charset="0"/>
+              </a:rPr>
+              <a:t>cb_grid_history</a:t>
+            </a:r>
+            <a:r>
+              <a:rPr lang="en-US" altLang="zh-TW" dirty="0">
+                <a:latin typeface="Times New Roman" panose="02020603050405020304" pitchFamily="18" charset="0"/>
+                <a:cs typeface="Times New Roman" panose="02020603050405020304" pitchFamily="18" charset="0"/>
+              </a:rPr>
+              <a:t>/"</a:t>
+            </a:r>
+            <a:br>
+              <a:rPr lang="en-US" altLang="zh-TW" dirty="0">
+                <a:latin typeface="Times New Roman" panose="02020603050405020304" pitchFamily="18" charset="0"/>
+                <a:cs typeface="Times New Roman" panose="02020603050405020304" pitchFamily="18" charset="0"/>
+              </a:rPr>
+            </a:br>
+            <a:r>
+              <a:rPr lang="en-US" altLang="zh-TW" dirty="0">
+                <a:latin typeface="Times New Roman" panose="02020603050405020304" pitchFamily="18" charset="0"/>
+                <a:cs typeface="Times New Roman" panose="02020603050405020304" pitchFamily="18" charset="0"/>
+              </a:rPr>
+              <a:t>params = {"</a:t>
+            </a:r>
+            <a:r>
+              <a:rPr lang="en-US" altLang="zh-TW" dirty="0" err="1">
+                <a:latin typeface="Times New Roman" panose="02020603050405020304" pitchFamily="18" charset="0"/>
+                <a:cs typeface="Times New Roman" panose="02020603050405020304" pitchFamily="18" charset="0"/>
+              </a:rPr>
+              <a:t>latlon</a:t>
+            </a:r>
+            <a:r>
+              <a:rPr lang="en-US" altLang="zh-TW" dirty="0">
+                <a:latin typeface="Times New Roman" panose="02020603050405020304" pitchFamily="18" charset="0"/>
+                <a:cs typeface="Times New Roman" panose="02020603050405020304" pitchFamily="18" charset="0"/>
+              </a:rPr>
+              <a:t>": "23,121", "from": "2022-01-18T08:00+08:00", "to": "2022-01-18T15:00+08:00"}</a:t>
+            </a:r>
+            <a:br>
+              <a:rPr lang="en-US" altLang="zh-TW" dirty="0">
+                <a:latin typeface="Times New Roman" panose="02020603050405020304" pitchFamily="18" charset="0"/>
+                <a:cs typeface="Times New Roman" panose="02020603050405020304" pitchFamily="18" charset="0"/>
+              </a:rPr>
+            </a:br>
+            <a:r>
+              <a:rPr lang="en-US" altLang="zh-TW" dirty="0" err="1">
+                <a:latin typeface="Times New Roman" panose="02020603050405020304" pitchFamily="18" charset="0"/>
+                <a:cs typeface="Times New Roman" panose="02020603050405020304" pitchFamily="18" charset="0"/>
+              </a:rPr>
+              <a:t>auth_token</a:t>
+            </a:r>
+            <a:r>
+              <a:rPr lang="en-US" altLang="zh-TW" dirty="0">
+                <a:latin typeface="Times New Roman" panose="02020603050405020304" pitchFamily="18" charset="0"/>
+                <a:cs typeface="Times New Roman" panose="02020603050405020304" pitchFamily="18" charset="0"/>
+              </a:rPr>
+              <a:t> = "xxx"</a:t>
+            </a:r>
+            <a:br>
+              <a:rPr lang="en-US" altLang="zh-TW" dirty="0">
+                <a:latin typeface="Times New Roman" panose="02020603050405020304" pitchFamily="18" charset="0"/>
+                <a:cs typeface="Times New Roman" panose="02020603050405020304" pitchFamily="18" charset="0"/>
+              </a:rPr>
+            </a:br>
+            <a:br>
+              <a:rPr lang="en-US" altLang="zh-TW" dirty="0">
+                <a:latin typeface="Times New Roman" panose="02020603050405020304" pitchFamily="18" charset="0"/>
+                <a:cs typeface="Times New Roman" panose="02020603050405020304" pitchFamily="18" charset="0"/>
+              </a:rPr>
+            </a:br>
+            <a:r>
+              <a:rPr lang="en-US" altLang="zh-TW" dirty="0">
+                <a:latin typeface="Times New Roman" panose="02020603050405020304" pitchFamily="18" charset="0"/>
+                <a:cs typeface="Times New Roman" panose="02020603050405020304" pitchFamily="18" charset="0"/>
+              </a:rPr>
+              <a:t>try:</a:t>
+            </a:r>
+            <a:br>
+              <a:rPr lang="en-US" altLang="zh-TW" dirty="0">
+                <a:latin typeface="Times New Roman" panose="02020603050405020304" pitchFamily="18" charset="0"/>
+                <a:cs typeface="Times New Roman" panose="02020603050405020304" pitchFamily="18" charset="0"/>
+              </a:rPr>
+            </a:br>
+            <a:r>
+              <a:rPr lang="en-US" altLang="zh-TW" dirty="0">
+                <a:latin typeface="Times New Roman" panose="02020603050405020304" pitchFamily="18" charset="0"/>
+                <a:cs typeface="Times New Roman" panose="02020603050405020304" pitchFamily="18" charset="0"/>
+              </a:rPr>
+              <a:t>  # </a:t>
+            </a:r>
+            <a:r>
+              <a:rPr lang="zh-TW" altLang="en-US" dirty="0">
+                <a:latin typeface="Times New Roman" panose="02020603050405020304" pitchFamily="18" charset="0"/>
+                <a:cs typeface="Times New Roman" panose="02020603050405020304" pitchFamily="18" charset="0"/>
+              </a:rPr>
+              <a:t>向資源發送請求，並傳遞該資源所需參數</a:t>
+            </a:r>
+            <a:br>
+              <a:rPr lang="zh-TW" altLang="en-US" dirty="0">
+                <a:latin typeface="Times New Roman" panose="02020603050405020304" pitchFamily="18" charset="0"/>
+                <a:cs typeface="Times New Roman" panose="02020603050405020304" pitchFamily="18" charset="0"/>
+              </a:rPr>
+            </a:br>
+            <a:r>
+              <a:rPr lang="zh-TW" altLang="en-US" dirty="0">
+                <a:latin typeface="Times New Roman" panose="02020603050405020304" pitchFamily="18" charset="0"/>
+                <a:cs typeface="Times New Roman" panose="02020603050405020304" pitchFamily="18" charset="0"/>
+              </a:rPr>
+              <a:t>  </a:t>
+            </a:r>
+            <a:r>
+              <a:rPr lang="en-US" altLang="zh-TW" dirty="0">
+                <a:latin typeface="Times New Roman" panose="02020603050405020304" pitchFamily="18" charset="0"/>
+                <a:cs typeface="Times New Roman" panose="02020603050405020304" pitchFamily="18" charset="0"/>
+              </a:rPr>
+              <a:t>response = </a:t>
+            </a:r>
+            <a:r>
+              <a:rPr lang="en-US" altLang="zh-TW" dirty="0" err="1">
+                <a:latin typeface="Times New Roman" panose="02020603050405020304" pitchFamily="18" charset="0"/>
+                <a:cs typeface="Times New Roman" panose="02020603050405020304" pitchFamily="18" charset="0"/>
+              </a:rPr>
+              <a:t>requests.get</a:t>
+            </a:r>
+            <a:r>
+              <a:rPr lang="en-US" altLang="zh-TW" dirty="0">
+                <a:latin typeface="Times New Roman" panose="02020603050405020304" pitchFamily="18" charset="0"/>
+                <a:cs typeface="Times New Roman" panose="02020603050405020304" pitchFamily="18" charset="0"/>
+              </a:rPr>
+              <a:t>(endpoint, params=params, headers={"Authorization": </a:t>
+            </a:r>
+            <a:r>
+              <a:rPr lang="en-US" altLang="zh-TW" dirty="0" err="1">
+                <a:latin typeface="Times New Roman" panose="02020603050405020304" pitchFamily="18" charset="0"/>
+                <a:cs typeface="Times New Roman" panose="02020603050405020304" pitchFamily="18" charset="0"/>
+              </a:rPr>
+              <a:t>f"Token</a:t>
+            </a:r>
+            <a:r>
+              <a:rPr lang="en-US" altLang="zh-TW" dirty="0">
+                <a:latin typeface="Times New Roman" panose="02020603050405020304" pitchFamily="18" charset="0"/>
+                <a:cs typeface="Times New Roman" panose="02020603050405020304" pitchFamily="18" charset="0"/>
+              </a:rPr>
+              <a:t> {</a:t>
+            </a:r>
+            <a:r>
+              <a:rPr lang="en-US" altLang="zh-TW" dirty="0" err="1">
+                <a:latin typeface="Times New Roman" panose="02020603050405020304" pitchFamily="18" charset="0"/>
+                <a:cs typeface="Times New Roman" panose="02020603050405020304" pitchFamily="18" charset="0"/>
+              </a:rPr>
+              <a:t>auth_token</a:t>
+            </a:r>
+            <a:r>
+              <a:rPr lang="en-US" altLang="zh-TW" dirty="0">
+                <a:latin typeface="Times New Roman" panose="02020603050405020304" pitchFamily="18" charset="0"/>
+                <a:cs typeface="Times New Roman" panose="02020603050405020304" pitchFamily="18" charset="0"/>
+              </a:rPr>
+              <a:t>}"})</a:t>
+            </a:r>
+            <a:br>
+              <a:rPr lang="en-US" altLang="zh-TW" dirty="0">
+                <a:latin typeface="Times New Roman" panose="02020603050405020304" pitchFamily="18" charset="0"/>
+                <a:cs typeface="Times New Roman" panose="02020603050405020304" pitchFamily="18" charset="0"/>
+              </a:rPr>
+            </a:br>
+            <a:br>
+              <a:rPr lang="en-US" altLang="zh-TW" dirty="0">
+                <a:latin typeface="Times New Roman" panose="02020603050405020304" pitchFamily="18" charset="0"/>
+                <a:cs typeface="Times New Roman" panose="02020603050405020304" pitchFamily="18" charset="0"/>
+              </a:rPr>
+            </a:br>
+            <a:r>
+              <a:rPr lang="en-US" altLang="zh-TW" dirty="0">
+                <a:latin typeface="Times New Roman" panose="02020603050405020304" pitchFamily="18" charset="0"/>
+                <a:cs typeface="Times New Roman" panose="02020603050405020304" pitchFamily="18" charset="0"/>
+              </a:rPr>
+              <a:t>  # </a:t>
+            </a:r>
+            <a:r>
+              <a:rPr lang="zh-TW" altLang="en-US" dirty="0">
+                <a:latin typeface="Times New Roman" panose="02020603050405020304" pitchFamily="18" charset="0"/>
+                <a:cs typeface="Times New Roman" panose="02020603050405020304" pitchFamily="18" charset="0"/>
+              </a:rPr>
+              <a:t>請求成功回傳資料</a:t>
+            </a:r>
+            <a:br>
+              <a:rPr lang="zh-TW" altLang="en-US" dirty="0">
+                <a:latin typeface="Times New Roman" panose="02020603050405020304" pitchFamily="18" charset="0"/>
+                <a:cs typeface="Times New Roman" panose="02020603050405020304" pitchFamily="18" charset="0"/>
+              </a:rPr>
+            </a:br>
+            <a:r>
+              <a:rPr lang="zh-TW" altLang="en-US" dirty="0">
+                <a:latin typeface="Times New Roman" panose="02020603050405020304" pitchFamily="18" charset="0"/>
+                <a:cs typeface="Times New Roman" panose="02020603050405020304" pitchFamily="18" charset="0"/>
+              </a:rPr>
+              <a:t>  </a:t>
+            </a:r>
+            <a:r>
+              <a:rPr lang="en-US" altLang="zh-TW" dirty="0">
+                <a:latin typeface="Times New Roman" panose="02020603050405020304" pitchFamily="18" charset="0"/>
+                <a:cs typeface="Times New Roman" panose="02020603050405020304" pitchFamily="18" charset="0"/>
+              </a:rPr>
+              <a:t>if </a:t>
+            </a:r>
+            <a:r>
+              <a:rPr lang="en-US" altLang="zh-TW" dirty="0" err="1">
+                <a:latin typeface="Times New Roman" panose="02020603050405020304" pitchFamily="18" charset="0"/>
+                <a:cs typeface="Times New Roman" panose="02020603050405020304" pitchFamily="18" charset="0"/>
+              </a:rPr>
+              <a:t>response.status_code</a:t>
+            </a:r>
+            <a:r>
+              <a:rPr lang="en-US" altLang="zh-TW" dirty="0">
+                <a:latin typeface="Times New Roman" panose="02020603050405020304" pitchFamily="18" charset="0"/>
+                <a:cs typeface="Times New Roman" panose="02020603050405020304" pitchFamily="18" charset="0"/>
+              </a:rPr>
+              <a:t> == 200:</a:t>
+            </a:r>
+            <a:br>
+              <a:rPr lang="en-US" altLang="zh-TW" dirty="0">
+                <a:latin typeface="Times New Roman" panose="02020603050405020304" pitchFamily="18" charset="0"/>
+                <a:cs typeface="Times New Roman" panose="02020603050405020304" pitchFamily="18" charset="0"/>
+              </a:rPr>
+            </a:br>
+            <a:r>
+              <a:rPr lang="en-US" altLang="zh-TW" dirty="0">
+                <a:latin typeface="Times New Roman" panose="02020603050405020304" pitchFamily="18" charset="0"/>
+                <a:cs typeface="Times New Roman" panose="02020603050405020304" pitchFamily="18" charset="0"/>
+              </a:rPr>
+              <a:t>    result = </a:t>
+            </a:r>
+            <a:r>
+              <a:rPr lang="en-US" altLang="zh-TW" dirty="0" err="1">
+                <a:latin typeface="Times New Roman" panose="02020603050405020304" pitchFamily="18" charset="0"/>
+                <a:cs typeface="Times New Roman" panose="02020603050405020304" pitchFamily="18" charset="0"/>
+              </a:rPr>
+              <a:t>response.json</a:t>
+            </a:r>
+            <a:r>
+              <a:rPr lang="en-US" altLang="zh-TW" dirty="0">
+                <a:latin typeface="Times New Roman" panose="02020603050405020304" pitchFamily="18" charset="0"/>
+                <a:cs typeface="Times New Roman" panose="02020603050405020304" pitchFamily="18" charset="0"/>
+              </a:rPr>
+              <a:t>()</a:t>
+            </a:r>
+            <a:br>
+              <a:rPr lang="en-US" altLang="zh-TW" dirty="0">
+                <a:latin typeface="Times New Roman" panose="02020603050405020304" pitchFamily="18" charset="0"/>
+                <a:cs typeface="Times New Roman" panose="02020603050405020304" pitchFamily="18" charset="0"/>
+              </a:rPr>
+            </a:br>
+            <a:r>
+              <a:rPr lang="en-US" altLang="zh-TW" dirty="0">
+                <a:latin typeface="Times New Roman" panose="02020603050405020304" pitchFamily="18" charset="0"/>
+                <a:cs typeface="Times New Roman" panose="02020603050405020304" pitchFamily="18" charset="0"/>
+              </a:rPr>
+              <a:t>    print(</a:t>
+            </a:r>
+            <a:r>
+              <a:rPr lang="en-US" altLang="zh-TW" dirty="0" err="1">
+                <a:latin typeface="Times New Roman" panose="02020603050405020304" pitchFamily="18" charset="0"/>
+                <a:cs typeface="Times New Roman" panose="02020603050405020304" pitchFamily="18" charset="0"/>
+              </a:rPr>
+              <a:t>f"success</a:t>
+            </a:r>
+            <a:r>
+              <a:rPr lang="en-US" altLang="zh-TW" dirty="0">
+                <a:latin typeface="Times New Roman" panose="02020603050405020304" pitchFamily="18" charset="0"/>
+                <a:cs typeface="Times New Roman" panose="02020603050405020304" pitchFamily="18" charset="0"/>
+              </a:rPr>
+              <a:t>! data= {result}")</a:t>
+            </a:r>
+            <a:br>
+              <a:rPr lang="en-US" altLang="zh-TW" dirty="0">
+                <a:latin typeface="Times New Roman" panose="02020603050405020304" pitchFamily="18" charset="0"/>
+                <a:cs typeface="Times New Roman" panose="02020603050405020304" pitchFamily="18" charset="0"/>
+              </a:rPr>
+            </a:br>
+            <a:br>
+              <a:rPr lang="en-US" altLang="zh-TW" dirty="0">
+                <a:latin typeface="Times New Roman" panose="02020603050405020304" pitchFamily="18" charset="0"/>
+                <a:cs typeface="Times New Roman" panose="02020603050405020304" pitchFamily="18" charset="0"/>
+              </a:rPr>
+            </a:br>
+            <a:r>
+              <a:rPr lang="en-US" altLang="zh-TW" dirty="0">
+                <a:latin typeface="Times New Roman" panose="02020603050405020304" pitchFamily="18" charset="0"/>
+                <a:cs typeface="Times New Roman" panose="02020603050405020304" pitchFamily="18" charset="0"/>
+              </a:rPr>
+              <a:t>  else:</a:t>
+            </a:r>
+            <a:br>
+              <a:rPr lang="en-US" altLang="zh-TW" dirty="0">
+                <a:latin typeface="Times New Roman" panose="02020603050405020304" pitchFamily="18" charset="0"/>
+                <a:cs typeface="Times New Roman" panose="02020603050405020304" pitchFamily="18" charset="0"/>
+              </a:rPr>
+            </a:br>
+            <a:r>
+              <a:rPr lang="en-US" altLang="zh-TW" dirty="0">
+                <a:latin typeface="Times New Roman" panose="02020603050405020304" pitchFamily="18" charset="0"/>
+                <a:cs typeface="Times New Roman" panose="02020603050405020304" pitchFamily="18" charset="0"/>
+              </a:rPr>
+              <a:t>    # </a:t>
+            </a:r>
+            <a:r>
+              <a:rPr lang="zh-TW" altLang="en-US" dirty="0">
+                <a:latin typeface="Times New Roman" panose="02020603050405020304" pitchFamily="18" charset="0"/>
+                <a:cs typeface="Times New Roman" panose="02020603050405020304" pitchFamily="18" charset="0"/>
+              </a:rPr>
+              <a:t>請求失敗的</a:t>
+            </a:r>
+            <a:r>
+              <a:rPr lang="en-US" altLang="zh-TW" dirty="0" err="1">
+                <a:latin typeface="Times New Roman" panose="02020603050405020304" pitchFamily="18" charset="0"/>
+                <a:cs typeface="Times New Roman" panose="02020603050405020304" pitchFamily="18" charset="0"/>
+              </a:rPr>
+              <a:t>status_code</a:t>
+            </a:r>
+            <a:br>
+              <a:rPr lang="en-US" altLang="zh-TW" dirty="0">
+                <a:latin typeface="Times New Roman" panose="02020603050405020304" pitchFamily="18" charset="0"/>
+                <a:cs typeface="Times New Roman" panose="02020603050405020304" pitchFamily="18" charset="0"/>
+              </a:rPr>
+            </a:br>
+            <a:r>
+              <a:rPr lang="en-US" altLang="zh-TW" dirty="0">
+                <a:latin typeface="Times New Roman" panose="02020603050405020304" pitchFamily="18" charset="0"/>
+                <a:cs typeface="Times New Roman" panose="02020603050405020304" pitchFamily="18" charset="0"/>
+              </a:rPr>
+              <a:t>    print(</a:t>
+            </a:r>
+            <a:r>
+              <a:rPr lang="en-US" altLang="zh-TW" dirty="0" err="1">
+                <a:latin typeface="Times New Roman" panose="02020603050405020304" pitchFamily="18" charset="0"/>
+                <a:cs typeface="Times New Roman" panose="02020603050405020304" pitchFamily="18" charset="0"/>
+              </a:rPr>
+              <a:t>f"Error</a:t>
+            </a:r>
+            <a:r>
+              <a:rPr lang="en-US" altLang="zh-TW" dirty="0">
+                <a:latin typeface="Times New Roman" panose="02020603050405020304" pitchFamily="18" charset="0"/>
+                <a:cs typeface="Times New Roman" panose="02020603050405020304" pitchFamily="18" charset="0"/>
+              </a:rPr>
+              <a:t>: {</a:t>
+            </a:r>
+            <a:r>
+              <a:rPr lang="en-US" altLang="zh-TW" dirty="0" err="1">
+                <a:latin typeface="Times New Roman" panose="02020603050405020304" pitchFamily="18" charset="0"/>
+                <a:cs typeface="Times New Roman" panose="02020603050405020304" pitchFamily="18" charset="0"/>
+              </a:rPr>
+              <a:t>response.status_code</a:t>
+            </a:r>
+            <a:r>
+              <a:rPr lang="en-US" altLang="zh-TW" dirty="0">
+                <a:latin typeface="Times New Roman" panose="02020603050405020304" pitchFamily="18" charset="0"/>
+                <a:cs typeface="Times New Roman" panose="02020603050405020304" pitchFamily="18" charset="0"/>
+              </a:rPr>
+              <a:t>} {</a:t>
+            </a:r>
+            <a:r>
+              <a:rPr lang="en-US" altLang="zh-TW" dirty="0" err="1">
+                <a:latin typeface="Times New Roman" panose="02020603050405020304" pitchFamily="18" charset="0"/>
+                <a:cs typeface="Times New Roman" panose="02020603050405020304" pitchFamily="18" charset="0"/>
+              </a:rPr>
+              <a:t>response.json</a:t>
+            </a:r>
+            <a:r>
+              <a:rPr lang="en-US" altLang="zh-TW" dirty="0">
+                <a:latin typeface="Times New Roman" panose="02020603050405020304" pitchFamily="18" charset="0"/>
+                <a:cs typeface="Times New Roman" panose="02020603050405020304" pitchFamily="18" charset="0"/>
+              </a:rPr>
+              <a:t>()['message']}")</a:t>
+            </a:r>
+            <a:br>
+              <a:rPr lang="en-US" altLang="zh-TW" dirty="0">
+                <a:latin typeface="Times New Roman" panose="02020603050405020304" pitchFamily="18" charset="0"/>
+                <a:cs typeface="Times New Roman" panose="02020603050405020304" pitchFamily="18" charset="0"/>
+              </a:rPr>
+            </a:br>
+            <a:br>
+              <a:rPr lang="en-US" altLang="zh-TW" dirty="0">
+                <a:latin typeface="Times New Roman" panose="02020603050405020304" pitchFamily="18" charset="0"/>
+                <a:cs typeface="Times New Roman" panose="02020603050405020304" pitchFamily="18" charset="0"/>
+              </a:rPr>
+            </a:br>
+            <a:r>
+              <a:rPr lang="en-US" altLang="zh-TW" dirty="0">
+                <a:latin typeface="Times New Roman" panose="02020603050405020304" pitchFamily="18" charset="0"/>
+                <a:cs typeface="Times New Roman" panose="02020603050405020304" pitchFamily="18" charset="0"/>
+              </a:rPr>
+              <a:t>except Exception as e:</a:t>
+            </a:r>
+            <a:br>
+              <a:rPr lang="en-US" altLang="zh-TW" dirty="0">
+                <a:latin typeface="Times New Roman" panose="02020603050405020304" pitchFamily="18" charset="0"/>
+                <a:cs typeface="Times New Roman" panose="02020603050405020304" pitchFamily="18" charset="0"/>
+              </a:rPr>
+            </a:br>
+            <a:r>
+              <a:rPr lang="en-US" altLang="zh-TW" dirty="0">
+                <a:latin typeface="Times New Roman" panose="02020603050405020304" pitchFamily="18" charset="0"/>
+                <a:cs typeface="Times New Roman" panose="02020603050405020304" pitchFamily="18" charset="0"/>
+              </a:rPr>
+              <a:t>  print(</a:t>
+            </a:r>
+            <a:r>
+              <a:rPr lang="en-US" altLang="zh-TW" dirty="0" err="1">
+                <a:latin typeface="Times New Roman" panose="02020603050405020304" pitchFamily="18" charset="0"/>
+                <a:cs typeface="Times New Roman" panose="02020603050405020304" pitchFamily="18" charset="0"/>
+              </a:rPr>
+              <a:t>f"An</a:t>
+            </a:r>
+            <a:r>
+              <a:rPr lang="en-US" altLang="zh-TW" dirty="0">
+                <a:latin typeface="Times New Roman" panose="02020603050405020304" pitchFamily="18" charset="0"/>
+                <a:cs typeface="Times New Roman" panose="02020603050405020304" pitchFamily="18" charset="0"/>
+              </a:rPr>
+              <a:t> error occurred: {str(e)}")</a:t>
+            </a:r>
+            <a:endParaRPr lang="zh-TW" altLang="en-US" dirty="0">
+              <a:latin typeface="Times New Roman" panose="02020603050405020304" pitchFamily="18" charset="0"/>
+              <a:cs typeface="Times New Roman" panose="02020603050405020304" pitchFamily="18" charset="0"/>
+            </a:endParaRPr>
+          </a:p>
+        </p:txBody>
+      </p:sp>
+    </p:spTree>
+    <p:extLst>
+      <p:ext uri="{BB962C8B-B14F-4D97-AF65-F5344CB8AC3E}">
+        <p14:creationId xmlns:p14="http://schemas.microsoft.com/office/powerpoint/2010/main" val="2257152155"/>
       </p:ext>
     </p:extLst>
   </p:cSld>

--- a/python講義.pptx
+++ b/python講義.pptx
@@ -41,6 +41,7 @@
     <p:sldId id="292" r:id="rId35"/>
     <p:sldId id="293" r:id="rId36"/>
     <p:sldId id="294" r:id="rId37"/>
+    <p:sldId id="295" r:id="rId38"/>
   </p:sldIdLst>
   <p:sldSz cx="12192000" cy="6858000"/>
   <p:notesSz cx="6858000" cy="9144000"/>
@@ -9732,10 +9733,939 @@
           </a:p>
         </p:txBody>
       </p:sp>
+      <p:sp>
+        <p:nvSpPr>
+          <p:cNvPr id="3" name="文字方塊 2">
+            <a:extLst>
+              <a:ext uri="{FF2B5EF4-FFF2-40B4-BE49-F238E27FC236}">
+                <a16:creationId xmlns:a16="http://schemas.microsoft.com/office/drawing/2014/main" id="{EDC8011A-B756-443F-82D3-320D55D6AC46}"/>
+              </a:ext>
+            </a:extLst>
+          </p:cNvPr>
+          <p:cNvSpPr txBox="1"/>
+          <p:nvPr/>
+        </p:nvSpPr>
+        <p:spPr>
+          <a:xfrm>
+            <a:off x="431514" y="1058417"/>
+            <a:ext cx="1273996" cy="369332"/>
+          </a:xfrm>
+          <a:prstGeom prst="rect">
+            <a:avLst/>
+          </a:prstGeom>
+          <a:noFill/>
+        </p:spPr>
+        <p:txBody>
+          <a:bodyPr wrap="square" rtlCol="0">
+            <a:spAutoFit/>
+          </a:bodyPr>
+          <a:lstStyle/>
+          <a:p>
+            <a:r>
+              <a:rPr lang="zh-TW" altLang="en-US" dirty="0"/>
+              <a:t>氣象資料</a:t>
+            </a:r>
+          </a:p>
+        </p:txBody>
+      </p:sp>
     </p:spTree>
     <p:extLst>
       <p:ext uri="{BB962C8B-B14F-4D97-AF65-F5344CB8AC3E}">
         <p14:creationId xmlns:p14="http://schemas.microsoft.com/office/powerpoint/2010/main" val="2257152155"/>
+      </p:ext>
+    </p:extLst>
+  </p:cSld>
+  <p:clrMapOvr>
+    <a:masterClrMapping/>
+  </p:clrMapOvr>
+</p:sld>
+</file>
+
+<file path=ppt/slides/slide37.xml><?xml version="1.0" encoding="utf-8"?>
+<p:sld xmlns:a="http://schemas.openxmlformats.org/drawingml/2006/main" xmlns:r="http://schemas.openxmlformats.org/officeDocument/2006/relationships" xmlns:p="http://schemas.openxmlformats.org/presentationml/2006/main">
+  <p:cSld>
+    <p:spTree>
+      <p:nvGrpSpPr>
+        <p:cNvPr id="1" name=""/>
+        <p:cNvGrpSpPr/>
+        <p:nvPr/>
+      </p:nvGrpSpPr>
+      <p:grpSpPr>
+        <a:xfrm>
+          <a:off x="0" y="0"/>
+          <a:ext cx="0" cy="0"/>
+          <a:chOff x="0" y="0"/>
+          <a:chExt cx="0" cy="0"/>
+        </a:xfrm>
+      </p:grpSpPr>
+      <p:sp>
+        <p:nvSpPr>
+          <p:cNvPr id="2" name="矩形 1">
+            <a:extLst>
+              <a:ext uri="{FF2B5EF4-FFF2-40B4-BE49-F238E27FC236}">
+                <a16:creationId xmlns:a16="http://schemas.microsoft.com/office/drawing/2014/main" id="{0AF09E12-973E-4704-9BDA-3A620906E777}"/>
+              </a:ext>
+            </a:extLst>
+          </p:cNvPr>
+          <p:cNvSpPr/>
+          <p:nvPr/>
+        </p:nvSpPr>
+        <p:spPr>
+          <a:xfrm>
+            <a:off x="2815119" y="259394"/>
+            <a:ext cx="8794679" cy="6186309"/>
+          </a:xfrm>
+          <a:prstGeom prst="rect">
+            <a:avLst/>
+          </a:prstGeom>
+        </p:spPr>
+        <p:txBody>
+          <a:bodyPr wrap="square">
+            <a:spAutoFit/>
+          </a:bodyPr>
+          <a:lstStyle/>
+          <a:p>
+            <a:r>
+              <a:rPr lang="en-US" altLang="zh-TW" dirty="0">
+                <a:solidFill>
+                  <a:srgbClr val="CCCCCC"/>
+                </a:solidFill>
+                <a:latin typeface="Consolas" panose="020B0609020204030204" pitchFamily="49" charset="0"/>
+              </a:rPr>
+              <a:t>    </a:t>
+            </a:r>
+            <a:r>
+              <a:rPr lang="en-US" altLang="zh-TW" dirty="0">
+                <a:solidFill>
+                  <a:srgbClr val="C586C0"/>
+                </a:solidFill>
+                <a:latin typeface="Consolas" panose="020B0609020204030204" pitchFamily="49" charset="0"/>
+              </a:rPr>
+              <a:t>import</a:t>
+            </a:r>
+            <a:r>
+              <a:rPr lang="en-US" altLang="zh-TW" dirty="0">
+                <a:solidFill>
+                  <a:srgbClr val="CCCCCC"/>
+                </a:solidFill>
+                <a:latin typeface="Consolas" panose="020B0609020204030204" pitchFamily="49" charset="0"/>
+              </a:rPr>
+              <a:t> requests</a:t>
+            </a:r>
+          </a:p>
+          <a:p>
+            <a:br>
+              <a:rPr lang="en-US" altLang="zh-TW" dirty="0">
+                <a:solidFill>
+                  <a:srgbClr val="CCCCCC"/>
+                </a:solidFill>
+                <a:latin typeface="Consolas" panose="020B0609020204030204" pitchFamily="49" charset="0"/>
+              </a:rPr>
+            </a:br>
+            <a:r>
+              <a:rPr lang="en-US" altLang="zh-TW" dirty="0">
+                <a:solidFill>
+                  <a:srgbClr val="CCCCCC"/>
+                </a:solidFill>
+                <a:latin typeface="Consolas" panose="020B0609020204030204" pitchFamily="49" charset="0"/>
+              </a:rPr>
+              <a:t>    LLAMA_FACTORY_API_URL </a:t>
+            </a:r>
+            <a:r>
+              <a:rPr lang="en-US" altLang="zh-TW" dirty="0">
+                <a:solidFill>
+                  <a:srgbClr val="D4D4D4"/>
+                </a:solidFill>
+                <a:latin typeface="Consolas" panose="020B0609020204030204" pitchFamily="49" charset="0"/>
+              </a:rPr>
+              <a:t>=</a:t>
+            </a:r>
+            <a:r>
+              <a:rPr lang="en-US" altLang="zh-TW" dirty="0">
+                <a:solidFill>
+                  <a:srgbClr val="CCCCCC"/>
+                </a:solidFill>
+                <a:latin typeface="Consolas" panose="020B0609020204030204" pitchFamily="49" charset="0"/>
+              </a:rPr>
+              <a:t> </a:t>
+            </a:r>
+            <a:r>
+              <a:rPr lang="en-US" altLang="zh-TW" dirty="0">
+                <a:solidFill>
+                  <a:srgbClr val="CE9178"/>
+                </a:solidFill>
+                <a:latin typeface="Consolas" panose="020B0609020204030204" pitchFamily="49" charset="0"/>
+              </a:rPr>
+              <a:t>"http://10.52.121.112:30224/v1/chat/completions"</a:t>
+            </a:r>
+            <a:endParaRPr lang="en-US" altLang="zh-TW" dirty="0">
+              <a:solidFill>
+                <a:srgbClr val="CCCCCC"/>
+              </a:solidFill>
+              <a:latin typeface="Consolas" panose="020B0609020204030204" pitchFamily="49" charset="0"/>
+            </a:endParaRPr>
+          </a:p>
+          <a:p>
+            <a:r>
+              <a:rPr lang="en-US" altLang="zh-TW" dirty="0">
+                <a:solidFill>
+                  <a:srgbClr val="CCCCCC"/>
+                </a:solidFill>
+                <a:latin typeface="Consolas" panose="020B0609020204030204" pitchFamily="49" charset="0"/>
+              </a:rPr>
+              <a:t>    LLAMA_FACTORY_API_KEY </a:t>
+            </a:r>
+            <a:r>
+              <a:rPr lang="en-US" altLang="zh-TW" dirty="0">
+                <a:solidFill>
+                  <a:srgbClr val="D4D4D4"/>
+                </a:solidFill>
+                <a:latin typeface="Consolas" panose="020B0609020204030204" pitchFamily="49" charset="0"/>
+              </a:rPr>
+              <a:t>=</a:t>
+            </a:r>
+            <a:r>
+              <a:rPr lang="en-US" altLang="zh-TW" dirty="0">
+                <a:solidFill>
+                  <a:srgbClr val="CCCCCC"/>
+                </a:solidFill>
+                <a:latin typeface="Consolas" panose="020B0609020204030204" pitchFamily="49" charset="0"/>
+              </a:rPr>
+              <a:t> </a:t>
+            </a:r>
+            <a:r>
+              <a:rPr lang="en-US" altLang="zh-TW" dirty="0">
+                <a:solidFill>
+                  <a:srgbClr val="CE9178"/>
+                </a:solidFill>
+                <a:latin typeface="Consolas" panose="020B0609020204030204" pitchFamily="49" charset="0"/>
+              </a:rPr>
+              <a:t>" "</a:t>
+            </a:r>
+            <a:r>
+              <a:rPr lang="en-US" altLang="zh-TW" dirty="0">
+                <a:solidFill>
+                  <a:srgbClr val="CCCCCC"/>
+                </a:solidFill>
+                <a:latin typeface="Consolas" panose="020B0609020204030204" pitchFamily="49" charset="0"/>
+              </a:rPr>
+              <a:t>  </a:t>
+            </a:r>
+            <a:r>
+              <a:rPr lang="en-US" altLang="zh-TW" dirty="0">
+                <a:solidFill>
+                  <a:srgbClr val="6A9955"/>
+                </a:solidFill>
+                <a:latin typeface="Consolas" panose="020B0609020204030204" pitchFamily="49" charset="0"/>
+              </a:rPr>
+              <a:t># </a:t>
+            </a:r>
+            <a:r>
+              <a:rPr lang="zh-TW" altLang="en-US" dirty="0">
+                <a:solidFill>
+                  <a:srgbClr val="6A9955"/>
+                </a:solidFill>
+                <a:latin typeface="Consolas" panose="020B0609020204030204" pitchFamily="49" charset="0"/>
+              </a:rPr>
+              <a:t>請將</a:t>
+            </a:r>
+            <a:r>
+              <a:rPr lang="en-US" altLang="zh-TW" dirty="0">
+                <a:solidFill>
+                  <a:srgbClr val="6A9955"/>
+                </a:solidFill>
+                <a:latin typeface="Consolas" panose="020B0609020204030204" pitchFamily="49" charset="0"/>
+              </a:rPr>
+              <a:t>your-</a:t>
+            </a:r>
+            <a:r>
+              <a:rPr lang="en-US" altLang="zh-TW" dirty="0" err="1">
+                <a:solidFill>
+                  <a:srgbClr val="6A9955"/>
+                </a:solidFill>
+                <a:latin typeface="Consolas" panose="020B0609020204030204" pitchFamily="49" charset="0"/>
+              </a:rPr>
+              <a:t>api</a:t>
+            </a:r>
+            <a:r>
+              <a:rPr lang="en-US" altLang="zh-TW" dirty="0">
+                <a:solidFill>
+                  <a:srgbClr val="6A9955"/>
+                </a:solidFill>
+                <a:latin typeface="Consolas" panose="020B0609020204030204" pitchFamily="49" charset="0"/>
+              </a:rPr>
+              <a:t>-key</a:t>
+            </a:r>
+            <a:r>
+              <a:rPr lang="zh-TW" altLang="en-US" dirty="0">
+                <a:solidFill>
+                  <a:srgbClr val="6A9955"/>
+                </a:solidFill>
+                <a:latin typeface="Consolas" panose="020B0609020204030204" pitchFamily="49" charset="0"/>
+              </a:rPr>
+              <a:t>替換為您的實際</a:t>
+            </a:r>
+            <a:r>
+              <a:rPr lang="en-US" altLang="zh-TW" dirty="0">
+                <a:solidFill>
+                  <a:srgbClr val="6A9955"/>
+                </a:solidFill>
+                <a:latin typeface="Consolas" panose="020B0609020204030204" pitchFamily="49" charset="0"/>
+              </a:rPr>
+              <a:t>API</a:t>
+            </a:r>
+            <a:r>
+              <a:rPr lang="zh-TW" altLang="en-US" dirty="0">
+                <a:solidFill>
+                  <a:srgbClr val="6A9955"/>
+                </a:solidFill>
+                <a:latin typeface="Consolas" panose="020B0609020204030204" pitchFamily="49" charset="0"/>
+              </a:rPr>
+              <a:t>金鑰 </a:t>
+            </a:r>
+            <a:endParaRPr lang="zh-TW" altLang="en-US" dirty="0">
+              <a:solidFill>
+                <a:srgbClr val="CCCCCC"/>
+              </a:solidFill>
+              <a:latin typeface="Consolas" panose="020B0609020204030204" pitchFamily="49" charset="0"/>
+            </a:endParaRPr>
+          </a:p>
+          <a:p>
+            <a:r>
+              <a:rPr lang="zh-TW" altLang="en-US" dirty="0">
+                <a:solidFill>
+                  <a:srgbClr val="CCCCCC"/>
+                </a:solidFill>
+                <a:latin typeface="Consolas" panose="020B0609020204030204" pitchFamily="49" charset="0"/>
+              </a:rPr>
+              <a:t>    </a:t>
+            </a:r>
+            <a:r>
+              <a:rPr lang="en-US" altLang="zh-TW" dirty="0">
+                <a:solidFill>
+                  <a:srgbClr val="CCCCCC"/>
+                </a:solidFill>
+                <a:latin typeface="Consolas" panose="020B0609020204030204" pitchFamily="49" charset="0"/>
+              </a:rPr>
+              <a:t>prompt </a:t>
+            </a:r>
+            <a:r>
+              <a:rPr lang="en-US" altLang="zh-TW" dirty="0">
+                <a:solidFill>
+                  <a:srgbClr val="D4D4D4"/>
+                </a:solidFill>
+                <a:latin typeface="Consolas" panose="020B0609020204030204" pitchFamily="49" charset="0"/>
+              </a:rPr>
+              <a:t>=</a:t>
+            </a:r>
+            <a:r>
+              <a:rPr lang="en-US" altLang="zh-TW" dirty="0">
+                <a:solidFill>
+                  <a:srgbClr val="CCCCCC"/>
+                </a:solidFill>
+                <a:latin typeface="Consolas" panose="020B0609020204030204" pitchFamily="49" charset="0"/>
+              </a:rPr>
+              <a:t> </a:t>
+            </a:r>
+            <a:r>
+              <a:rPr lang="en-US" altLang="zh-TW" dirty="0">
+                <a:solidFill>
+                  <a:srgbClr val="CE9178"/>
+                </a:solidFill>
+                <a:latin typeface="Consolas" panose="020B0609020204030204" pitchFamily="49" charset="0"/>
+              </a:rPr>
+              <a:t>"</a:t>
+            </a:r>
+            <a:r>
+              <a:rPr lang="zh-TW" altLang="en-US" dirty="0">
+                <a:solidFill>
+                  <a:srgbClr val="CE9178"/>
+                </a:solidFill>
+                <a:latin typeface="Consolas" panose="020B0609020204030204" pitchFamily="49" charset="0"/>
+              </a:rPr>
+              <a:t>批量讀取</a:t>
+            </a:r>
+            <a:r>
+              <a:rPr lang="en-US" altLang="zh-TW" dirty="0">
+                <a:solidFill>
+                  <a:srgbClr val="CE9178"/>
+                </a:solidFill>
+                <a:latin typeface="Consolas" panose="020B0609020204030204" pitchFamily="49" charset="0"/>
+              </a:rPr>
+              <a:t>csv</a:t>
+            </a:r>
+            <a:r>
+              <a:rPr lang="zh-TW" altLang="en-US" dirty="0">
+                <a:solidFill>
+                  <a:srgbClr val="CE9178"/>
+                </a:solidFill>
+                <a:latin typeface="Consolas" panose="020B0609020204030204" pitchFamily="49" charset="0"/>
+              </a:rPr>
+              <a:t>並畫合鬚圖且保存畫圖的數據</a:t>
+            </a:r>
+            <a:r>
+              <a:rPr lang="en-US" altLang="zh-TW" dirty="0">
+                <a:solidFill>
+                  <a:srgbClr val="CE9178"/>
+                </a:solidFill>
+                <a:latin typeface="Consolas" panose="020B0609020204030204" pitchFamily="49" charset="0"/>
+              </a:rPr>
+              <a:t>"</a:t>
+            </a:r>
+            <a:endParaRPr lang="zh-TW" altLang="en-US" dirty="0">
+              <a:solidFill>
+                <a:srgbClr val="CCCCCC"/>
+              </a:solidFill>
+              <a:latin typeface="Consolas" panose="020B0609020204030204" pitchFamily="49" charset="0"/>
+            </a:endParaRPr>
+          </a:p>
+          <a:p>
+            <a:br>
+              <a:rPr lang="zh-TW" altLang="en-US" dirty="0">
+                <a:solidFill>
+                  <a:srgbClr val="CCCCCC"/>
+                </a:solidFill>
+                <a:latin typeface="Consolas" panose="020B0609020204030204" pitchFamily="49" charset="0"/>
+              </a:rPr>
+            </a:br>
+            <a:r>
+              <a:rPr lang="zh-TW" altLang="en-US" dirty="0">
+                <a:solidFill>
+                  <a:srgbClr val="CCCCCC"/>
+                </a:solidFill>
+                <a:latin typeface="Consolas" panose="020B0609020204030204" pitchFamily="49" charset="0"/>
+              </a:rPr>
+              <a:t>    </a:t>
+            </a:r>
+            <a:r>
+              <a:rPr lang="en-US" altLang="zh-TW" dirty="0">
+                <a:solidFill>
+                  <a:srgbClr val="CCCCCC"/>
+                </a:solidFill>
+                <a:latin typeface="Consolas" panose="020B0609020204030204" pitchFamily="49" charset="0"/>
+              </a:rPr>
+              <a:t>headers </a:t>
+            </a:r>
+            <a:r>
+              <a:rPr lang="en-US" altLang="zh-TW" dirty="0">
+                <a:solidFill>
+                  <a:srgbClr val="D4D4D4"/>
+                </a:solidFill>
+                <a:latin typeface="Consolas" panose="020B0609020204030204" pitchFamily="49" charset="0"/>
+              </a:rPr>
+              <a:t>=</a:t>
+            </a:r>
+            <a:r>
+              <a:rPr lang="en-US" altLang="zh-TW" dirty="0">
+                <a:solidFill>
+                  <a:srgbClr val="CCCCCC"/>
+                </a:solidFill>
+                <a:latin typeface="Consolas" panose="020B0609020204030204" pitchFamily="49" charset="0"/>
+              </a:rPr>
+              <a:t> {</a:t>
+            </a:r>
+          </a:p>
+          <a:p>
+            <a:r>
+              <a:rPr lang="en-US" altLang="zh-TW" dirty="0">
+                <a:solidFill>
+                  <a:srgbClr val="CCCCCC"/>
+                </a:solidFill>
+                <a:latin typeface="Consolas" panose="020B0609020204030204" pitchFamily="49" charset="0"/>
+              </a:rPr>
+              <a:t>        </a:t>
+            </a:r>
+            <a:r>
+              <a:rPr lang="en-US" altLang="zh-TW" dirty="0">
+                <a:solidFill>
+                  <a:srgbClr val="CE9178"/>
+                </a:solidFill>
+                <a:latin typeface="Consolas" panose="020B0609020204030204" pitchFamily="49" charset="0"/>
+              </a:rPr>
+              <a:t>"Authorization"</a:t>
+            </a:r>
+            <a:r>
+              <a:rPr lang="en-US" altLang="zh-TW" dirty="0">
+                <a:solidFill>
+                  <a:srgbClr val="CCCCCC"/>
+                </a:solidFill>
+                <a:latin typeface="Consolas" panose="020B0609020204030204" pitchFamily="49" charset="0"/>
+              </a:rPr>
+              <a:t>: </a:t>
+            </a:r>
+            <a:r>
+              <a:rPr lang="en-US" altLang="zh-TW" dirty="0" err="1">
+                <a:solidFill>
+                  <a:srgbClr val="569CD6"/>
+                </a:solidFill>
+                <a:latin typeface="Consolas" panose="020B0609020204030204" pitchFamily="49" charset="0"/>
+              </a:rPr>
+              <a:t>f</a:t>
+            </a:r>
+            <a:r>
+              <a:rPr lang="en-US" altLang="zh-TW" dirty="0" err="1">
+                <a:solidFill>
+                  <a:srgbClr val="CE9178"/>
+                </a:solidFill>
+                <a:latin typeface="Consolas" panose="020B0609020204030204" pitchFamily="49" charset="0"/>
+              </a:rPr>
+              <a:t>"Bearer</a:t>
+            </a:r>
+            <a:r>
+              <a:rPr lang="en-US" altLang="zh-TW" dirty="0">
+                <a:solidFill>
+                  <a:srgbClr val="CE9178"/>
+                </a:solidFill>
+                <a:latin typeface="Consolas" panose="020B0609020204030204" pitchFamily="49" charset="0"/>
+              </a:rPr>
+              <a:t> </a:t>
+            </a:r>
+            <a:r>
+              <a:rPr lang="en-US" altLang="zh-TW" dirty="0">
+                <a:solidFill>
+                  <a:srgbClr val="569CD6"/>
+                </a:solidFill>
+                <a:latin typeface="Consolas" panose="020B0609020204030204" pitchFamily="49" charset="0"/>
+              </a:rPr>
+              <a:t>{</a:t>
+            </a:r>
+            <a:r>
+              <a:rPr lang="en-US" altLang="zh-TW" dirty="0">
+                <a:solidFill>
+                  <a:srgbClr val="CCCCCC"/>
+                </a:solidFill>
+                <a:latin typeface="Consolas" panose="020B0609020204030204" pitchFamily="49" charset="0"/>
+              </a:rPr>
+              <a:t>LLAMA_FACTORY_API_KEY</a:t>
+            </a:r>
+            <a:r>
+              <a:rPr lang="en-US" altLang="zh-TW" dirty="0">
+                <a:solidFill>
+                  <a:srgbClr val="569CD6"/>
+                </a:solidFill>
+                <a:latin typeface="Consolas" panose="020B0609020204030204" pitchFamily="49" charset="0"/>
+              </a:rPr>
+              <a:t>}</a:t>
+            </a:r>
+            <a:r>
+              <a:rPr lang="en-US" altLang="zh-TW" dirty="0">
+                <a:solidFill>
+                  <a:srgbClr val="CE9178"/>
+                </a:solidFill>
+                <a:latin typeface="Consolas" panose="020B0609020204030204" pitchFamily="49" charset="0"/>
+              </a:rPr>
+              <a:t>"</a:t>
+            </a:r>
+            <a:r>
+              <a:rPr lang="en-US" altLang="zh-TW" dirty="0">
+                <a:solidFill>
+                  <a:srgbClr val="CCCCCC"/>
+                </a:solidFill>
+                <a:latin typeface="Consolas" panose="020B0609020204030204" pitchFamily="49" charset="0"/>
+              </a:rPr>
+              <a:t>,</a:t>
+            </a:r>
+          </a:p>
+          <a:p>
+            <a:r>
+              <a:rPr lang="en-US" altLang="zh-TW" dirty="0">
+                <a:solidFill>
+                  <a:srgbClr val="CCCCCC"/>
+                </a:solidFill>
+                <a:latin typeface="Consolas" panose="020B0609020204030204" pitchFamily="49" charset="0"/>
+              </a:rPr>
+              <a:t>        </a:t>
+            </a:r>
+            <a:r>
+              <a:rPr lang="en-US" altLang="zh-TW" dirty="0">
+                <a:solidFill>
+                  <a:srgbClr val="CE9178"/>
+                </a:solidFill>
+                <a:latin typeface="Consolas" panose="020B0609020204030204" pitchFamily="49" charset="0"/>
+              </a:rPr>
+              <a:t>"accept"</a:t>
+            </a:r>
+            <a:r>
+              <a:rPr lang="en-US" altLang="zh-TW" dirty="0">
+                <a:solidFill>
+                  <a:srgbClr val="CCCCCC"/>
+                </a:solidFill>
+                <a:latin typeface="Consolas" panose="020B0609020204030204" pitchFamily="49" charset="0"/>
+              </a:rPr>
+              <a:t>: </a:t>
+            </a:r>
+            <a:r>
+              <a:rPr lang="en-US" altLang="zh-TW" dirty="0">
+                <a:solidFill>
+                  <a:srgbClr val="CE9178"/>
+                </a:solidFill>
+                <a:latin typeface="Consolas" panose="020B0609020204030204" pitchFamily="49" charset="0"/>
+              </a:rPr>
+              <a:t>"application/json"</a:t>
+            </a:r>
+            <a:r>
+              <a:rPr lang="en-US" altLang="zh-TW" dirty="0">
+                <a:solidFill>
+                  <a:srgbClr val="CCCCCC"/>
+                </a:solidFill>
+                <a:latin typeface="Consolas" panose="020B0609020204030204" pitchFamily="49" charset="0"/>
+              </a:rPr>
+              <a:t>,</a:t>
+            </a:r>
+          </a:p>
+          <a:p>
+            <a:r>
+              <a:rPr lang="en-US" altLang="zh-TW" dirty="0">
+                <a:solidFill>
+                  <a:srgbClr val="CCCCCC"/>
+                </a:solidFill>
+                <a:latin typeface="Consolas" panose="020B0609020204030204" pitchFamily="49" charset="0"/>
+              </a:rPr>
+              <a:t>        </a:t>
+            </a:r>
+            <a:r>
+              <a:rPr lang="en-US" altLang="zh-TW" dirty="0">
+                <a:solidFill>
+                  <a:srgbClr val="CE9178"/>
+                </a:solidFill>
+                <a:latin typeface="Consolas" panose="020B0609020204030204" pitchFamily="49" charset="0"/>
+              </a:rPr>
+              <a:t>"Content-Type"</a:t>
+            </a:r>
+            <a:r>
+              <a:rPr lang="en-US" altLang="zh-TW" dirty="0">
+                <a:solidFill>
+                  <a:srgbClr val="CCCCCC"/>
+                </a:solidFill>
+                <a:latin typeface="Consolas" panose="020B0609020204030204" pitchFamily="49" charset="0"/>
+              </a:rPr>
+              <a:t>: </a:t>
+            </a:r>
+            <a:r>
+              <a:rPr lang="en-US" altLang="zh-TW" dirty="0">
+                <a:solidFill>
+                  <a:srgbClr val="CE9178"/>
+                </a:solidFill>
+                <a:latin typeface="Consolas" panose="020B0609020204030204" pitchFamily="49" charset="0"/>
+              </a:rPr>
+              <a:t>"application/json"</a:t>
+            </a:r>
+            <a:endParaRPr lang="en-US" altLang="zh-TW" dirty="0">
+              <a:solidFill>
+                <a:srgbClr val="CCCCCC"/>
+              </a:solidFill>
+              <a:latin typeface="Consolas" panose="020B0609020204030204" pitchFamily="49" charset="0"/>
+            </a:endParaRPr>
+          </a:p>
+          <a:p>
+            <a:r>
+              <a:rPr lang="en-US" altLang="zh-TW" dirty="0">
+                <a:solidFill>
+                  <a:srgbClr val="CCCCCC"/>
+                </a:solidFill>
+                <a:latin typeface="Consolas" panose="020B0609020204030204" pitchFamily="49" charset="0"/>
+              </a:rPr>
+              <a:t>    }</a:t>
+            </a:r>
+          </a:p>
+          <a:p>
+            <a:r>
+              <a:rPr lang="en-US" altLang="zh-TW" dirty="0">
+                <a:solidFill>
+                  <a:srgbClr val="CCCCCC"/>
+                </a:solidFill>
+                <a:latin typeface="Consolas" panose="020B0609020204030204" pitchFamily="49" charset="0"/>
+              </a:rPr>
+              <a:t>    data </a:t>
+            </a:r>
+            <a:r>
+              <a:rPr lang="en-US" altLang="zh-TW" dirty="0">
+                <a:solidFill>
+                  <a:srgbClr val="D4D4D4"/>
+                </a:solidFill>
+                <a:latin typeface="Consolas" panose="020B0609020204030204" pitchFamily="49" charset="0"/>
+              </a:rPr>
+              <a:t>=</a:t>
+            </a:r>
+            <a:r>
+              <a:rPr lang="en-US" altLang="zh-TW" dirty="0">
+                <a:solidFill>
+                  <a:srgbClr val="CCCCCC"/>
+                </a:solidFill>
+                <a:latin typeface="Consolas" panose="020B0609020204030204" pitchFamily="49" charset="0"/>
+              </a:rPr>
+              <a:t> {</a:t>
+            </a:r>
+          </a:p>
+          <a:p>
+            <a:r>
+              <a:rPr lang="en-US" altLang="zh-TW" dirty="0">
+                <a:solidFill>
+                  <a:srgbClr val="CCCCCC"/>
+                </a:solidFill>
+                <a:latin typeface="Consolas" panose="020B0609020204030204" pitchFamily="49" charset="0"/>
+              </a:rPr>
+              <a:t>        </a:t>
+            </a:r>
+            <a:r>
+              <a:rPr lang="en-US" altLang="zh-TW" dirty="0">
+                <a:solidFill>
+                  <a:srgbClr val="CE9178"/>
+                </a:solidFill>
+                <a:latin typeface="Consolas" panose="020B0609020204030204" pitchFamily="49" charset="0"/>
+              </a:rPr>
+              <a:t>"model"</a:t>
+            </a:r>
+            <a:r>
+              <a:rPr lang="en-US" altLang="zh-TW" dirty="0">
+                <a:solidFill>
+                  <a:srgbClr val="CCCCCC"/>
+                </a:solidFill>
+                <a:latin typeface="Consolas" panose="020B0609020204030204" pitchFamily="49" charset="0"/>
+              </a:rPr>
+              <a:t>: </a:t>
+            </a:r>
+            <a:r>
+              <a:rPr lang="en-US" altLang="zh-TW" dirty="0">
+                <a:solidFill>
+                  <a:srgbClr val="CE9178"/>
+                </a:solidFill>
+                <a:latin typeface="Consolas" panose="020B0609020204030204" pitchFamily="49" charset="0"/>
+              </a:rPr>
+              <a:t>"string"</a:t>
+            </a:r>
+            <a:r>
+              <a:rPr lang="en-US" altLang="zh-TW" dirty="0">
+                <a:solidFill>
+                  <a:srgbClr val="CCCCCC"/>
+                </a:solidFill>
+                <a:latin typeface="Consolas" panose="020B0609020204030204" pitchFamily="49" charset="0"/>
+              </a:rPr>
+              <a:t>,  </a:t>
+            </a:r>
+            <a:r>
+              <a:rPr lang="en-US" altLang="zh-TW" dirty="0">
+                <a:solidFill>
+                  <a:srgbClr val="6A9955"/>
+                </a:solidFill>
+                <a:latin typeface="Consolas" panose="020B0609020204030204" pitchFamily="49" charset="0"/>
+              </a:rPr>
+              <a:t># </a:t>
+            </a:r>
+            <a:r>
+              <a:rPr lang="zh-TW" altLang="en-US" dirty="0">
+                <a:solidFill>
+                  <a:srgbClr val="6A9955"/>
+                </a:solidFill>
+                <a:latin typeface="Consolas" panose="020B0609020204030204" pitchFamily="49" charset="0"/>
+              </a:rPr>
+              <a:t>替換為您的模型名稱</a:t>
+            </a:r>
+            <a:endParaRPr lang="zh-TW" altLang="en-US" dirty="0">
+              <a:solidFill>
+                <a:srgbClr val="CCCCCC"/>
+              </a:solidFill>
+              <a:latin typeface="Consolas" panose="020B0609020204030204" pitchFamily="49" charset="0"/>
+            </a:endParaRPr>
+          </a:p>
+          <a:p>
+            <a:r>
+              <a:rPr lang="zh-TW" altLang="en-US" dirty="0">
+                <a:solidFill>
+                  <a:srgbClr val="CCCCCC"/>
+                </a:solidFill>
+                <a:latin typeface="Consolas" panose="020B0609020204030204" pitchFamily="49" charset="0"/>
+              </a:rPr>
+              <a:t>        </a:t>
+            </a:r>
+            <a:r>
+              <a:rPr lang="en-US" altLang="zh-TW" dirty="0">
+                <a:solidFill>
+                  <a:srgbClr val="CE9178"/>
+                </a:solidFill>
+                <a:latin typeface="Consolas" panose="020B0609020204030204" pitchFamily="49" charset="0"/>
+              </a:rPr>
+              <a:t>"messages"</a:t>
+            </a:r>
+            <a:r>
+              <a:rPr lang="en-US" altLang="zh-TW" dirty="0">
+                <a:solidFill>
+                  <a:srgbClr val="CCCCCC"/>
+                </a:solidFill>
+                <a:latin typeface="Consolas" panose="020B0609020204030204" pitchFamily="49" charset="0"/>
+              </a:rPr>
+              <a:t>: [</a:t>
+            </a:r>
+          </a:p>
+          <a:p>
+            <a:r>
+              <a:rPr lang="en-US" altLang="zh-TW" dirty="0">
+                <a:solidFill>
+                  <a:srgbClr val="CCCCCC"/>
+                </a:solidFill>
+                <a:latin typeface="Consolas" panose="020B0609020204030204" pitchFamily="49" charset="0"/>
+              </a:rPr>
+              <a:t>            {</a:t>
+            </a:r>
+          </a:p>
+          <a:p>
+            <a:r>
+              <a:rPr lang="en-US" altLang="zh-TW" dirty="0">
+                <a:solidFill>
+                  <a:srgbClr val="CCCCCC"/>
+                </a:solidFill>
+                <a:latin typeface="Consolas" panose="020B0609020204030204" pitchFamily="49" charset="0"/>
+              </a:rPr>
+              <a:t>                </a:t>
+            </a:r>
+            <a:r>
+              <a:rPr lang="en-US" altLang="zh-TW" dirty="0">
+                <a:solidFill>
+                  <a:srgbClr val="CE9178"/>
+                </a:solidFill>
+                <a:latin typeface="Consolas" panose="020B0609020204030204" pitchFamily="49" charset="0"/>
+              </a:rPr>
+              <a:t>"role"</a:t>
+            </a:r>
+            <a:r>
+              <a:rPr lang="en-US" altLang="zh-TW" dirty="0">
+                <a:solidFill>
+                  <a:srgbClr val="CCCCCC"/>
+                </a:solidFill>
+                <a:latin typeface="Consolas" panose="020B0609020204030204" pitchFamily="49" charset="0"/>
+              </a:rPr>
+              <a:t>: </a:t>
+            </a:r>
+            <a:r>
+              <a:rPr lang="en-US" altLang="zh-TW" dirty="0">
+                <a:solidFill>
+                  <a:srgbClr val="CE9178"/>
+                </a:solidFill>
+                <a:latin typeface="Consolas" panose="020B0609020204030204" pitchFamily="49" charset="0"/>
+              </a:rPr>
+              <a:t>"user"</a:t>
+            </a:r>
+            <a:r>
+              <a:rPr lang="en-US" altLang="zh-TW" dirty="0">
+                <a:solidFill>
+                  <a:srgbClr val="CCCCCC"/>
+                </a:solidFill>
+                <a:latin typeface="Consolas" panose="020B0609020204030204" pitchFamily="49" charset="0"/>
+              </a:rPr>
+              <a:t>,</a:t>
+            </a:r>
+          </a:p>
+          <a:p>
+            <a:r>
+              <a:rPr lang="en-US" altLang="zh-TW" dirty="0">
+                <a:solidFill>
+                  <a:srgbClr val="CCCCCC"/>
+                </a:solidFill>
+                <a:latin typeface="Consolas" panose="020B0609020204030204" pitchFamily="49" charset="0"/>
+              </a:rPr>
+              <a:t>                </a:t>
+            </a:r>
+            <a:r>
+              <a:rPr lang="en-US" altLang="zh-TW" dirty="0">
+                <a:solidFill>
+                  <a:srgbClr val="CE9178"/>
+                </a:solidFill>
+                <a:latin typeface="Consolas" panose="020B0609020204030204" pitchFamily="49" charset="0"/>
+              </a:rPr>
+              <a:t>"content"</a:t>
+            </a:r>
+            <a:r>
+              <a:rPr lang="en-US" altLang="zh-TW" dirty="0">
+                <a:solidFill>
+                  <a:srgbClr val="CCCCCC"/>
+                </a:solidFill>
+                <a:latin typeface="Consolas" panose="020B0609020204030204" pitchFamily="49" charset="0"/>
+              </a:rPr>
+              <a:t>: prompt</a:t>
+            </a:r>
+          </a:p>
+          <a:p>
+            <a:r>
+              <a:rPr lang="en-US" altLang="zh-TW" dirty="0">
+                <a:solidFill>
+                  <a:srgbClr val="CCCCCC"/>
+                </a:solidFill>
+                <a:latin typeface="Consolas" panose="020B0609020204030204" pitchFamily="49" charset="0"/>
+              </a:rPr>
+              <a:t>            }</a:t>
+            </a:r>
+          </a:p>
+          <a:p>
+            <a:r>
+              <a:rPr lang="en-US" altLang="zh-TW" dirty="0">
+                <a:solidFill>
+                  <a:srgbClr val="CCCCCC"/>
+                </a:solidFill>
+                <a:latin typeface="Consolas" panose="020B0609020204030204" pitchFamily="49" charset="0"/>
+              </a:rPr>
+              <a:t>        ]</a:t>
+            </a:r>
+          </a:p>
+          <a:p>
+            <a:r>
+              <a:rPr lang="en-US" altLang="zh-TW" dirty="0">
+                <a:solidFill>
+                  <a:srgbClr val="CCCCCC"/>
+                </a:solidFill>
+                <a:latin typeface="Consolas" panose="020B0609020204030204" pitchFamily="49" charset="0"/>
+              </a:rPr>
+              <a:t>    }</a:t>
+            </a:r>
+            <a:endParaRPr lang="en-US" altLang="zh-TW" b="0" dirty="0">
+              <a:solidFill>
+                <a:srgbClr val="CCCCCC"/>
+              </a:solidFill>
+              <a:effectLst/>
+              <a:latin typeface="Consolas" panose="020B0609020204030204" pitchFamily="49" charset="0"/>
+            </a:endParaRPr>
+          </a:p>
+        </p:txBody>
+      </p:sp>
+      <p:sp>
+        <p:nvSpPr>
+          <p:cNvPr id="3" name="文字方塊 2">
+            <a:extLst>
+              <a:ext uri="{FF2B5EF4-FFF2-40B4-BE49-F238E27FC236}">
+                <a16:creationId xmlns:a16="http://schemas.microsoft.com/office/drawing/2014/main" id="{A4CE4F35-E4BA-4587-B434-A95405E032BC}"/>
+              </a:ext>
+            </a:extLst>
+          </p:cNvPr>
+          <p:cNvSpPr txBox="1"/>
+          <p:nvPr/>
+        </p:nvSpPr>
+        <p:spPr>
+          <a:xfrm>
+            <a:off x="267127" y="452242"/>
+            <a:ext cx="1273996" cy="369332"/>
+          </a:xfrm>
+          <a:prstGeom prst="rect">
+            <a:avLst/>
+          </a:prstGeom>
+          <a:noFill/>
+        </p:spPr>
+        <p:txBody>
+          <a:bodyPr wrap="square" rtlCol="0">
+            <a:spAutoFit/>
+          </a:bodyPr>
+          <a:lstStyle/>
+          <a:p>
+            <a:r>
+              <a:rPr lang="en-US" altLang="zh-TW"/>
+              <a:t>LLM</a:t>
+            </a:r>
+            <a:endParaRPr lang="zh-TW" altLang="en-US" dirty="0"/>
+          </a:p>
+        </p:txBody>
+      </p:sp>
+    </p:spTree>
+    <p:extLst>
+      <p:ext uri="{BB962C8B-B14F-4D97-AF65-F5344CB8AC3E}">
+        <p14:creationId xmlns:p14="http://schemas.microsoft.com/office/powerpoint/2010/main" val="2835597059"/>
       </p:ext>
     </p:extLst>
   </p:cSld>
